--- a/Powerpoints/First Presentation/Waste-management-Final.pptx
+++ b/Powerpoints/First Presentation/Waste-management-Final.pptx
@@ -11,21 +11,23 @@
     <p:sldId id="352" r:id="rId8"/>
     <p:sldId id="354" r:id="rId9"/>
     <p:sldId id="345" r:id="rId10"/>
-    <p:sldId id="257" r:id="rId11"/>
-    <p:sldId id="350" r:id="rId12"/>
-    <p:sldId id="284" r:id="rId13"/>
-    <p:sldId id="283" r:id="rId14"/>
-    <p:sldId id="285" r:id="rId15"/>
-    <p:sldId id="342" r:id="rId16"/>
-    <p:sldId id="341" r:id="rId17"/>
-    <p:sldId id="264" r:id="rId18"/>
-    <p:sldId id="267" r:id="rId19"/>
-    <p:sldId id="268" r:id="rId20"/>
-    <p:sldId id="259" r:id="rId21"/>
-    <p:sldId id="344" r:id="rId22"/>
-    <p:sldId id="346" r:id="rId23"/>
-    <p:sldId id="347" r:id="rId24"/>
-    <p:sldId id="349" r:id="rId25"/>
+    <p:sldId id="356" r:id="rId11"/>
+    <p:sldId id="355" r:id="rId12"/>
+    <p:sldId id="257" r:id="rId13"/>
+    <p:sldId id="350" r:id="rId14"/>
+    <p:sldId id="284" r:id="rId15"/>
+    <p:sldId id="283" r:id="rId16"/>
+    <p:sldId id="285" r:id="rId17"/>
+    <p:sldId id="342" r:id="rId18"/>
+    <p:sldId id="341" r:id="rId19"/>
+    <p:sldId id="264" r:id="rId20"/>
+    <p:sldId id="267" r:id="rId21"/>
+    <p:sldId id="268" r:id="rId22"/>
+    <p:sldId id="259" r:id="rId23"/>
+    <p:sldId id="344" r:id="rId24"/>
+    <p:sldId id="346" r:id="rId25"/>
+    <p:sldId id="347" r:id="rId26"/>
+    <p:sldId id="349" r:id="rId27"/>
   </p:sldIdLst>
   <p:sldSz cx="12192000" cy="6858000"/>
   <p:notesSz cx="6858000" cy="9144000"/>
@@ -135,6 +137,8 @@
             <p14:sldId id="352"/>
             <p14:sldId id="354"/>
             <p14:sldId id="345"/>
+            <p14:sldId id="356"/>
+            <p14:sldId id="355"/>
           </p14:sldIdLst>
         </p14:section>
         <p14:section name="Template" id="{FE206672-A801-458A-BDFF-7EB5CD6CB08D}">
@@ -168,7 +172,7 @@
 <file path=ppt/charts/chart1.xml><?xml version="1.0" encoding="utf-8"?>
 <c:chartSpace xmlns:c="http://schemas.openxmlformats.org/drawingml/2006/chart" xmlns:a="http://schemas.openxmlformats.org/drawingml/2006/main" xmlns:r="http://schemas.openxmlformats.org/officeDocument/2006/relationships" xmlns:c16r2="http://schemas.microsoft.com/office/drawing/2015/06/chart">
   <c:date1904 val="0"/>
-  <c:lang val="en-US"/>
+  <c:lang val="el-GR"/>
   <c:roundedCorners val="0"/>
   <mc:AlternateContent xmlns:mc="http://schemas.openxmlformats.org/markup-compatibility/2006">
     <mc:Choice xmlns:c14="http://schemas.microsoft.com/office/drawing/2007/8/2/chart" Requires="c14">
@@ -205,7 +209,7 @@
               <a:cs typeface="+mj-cs"/>
             </a:defRPr>
           </a:pPr>
-          <a:endParaRPr lang="LID4096"/>
+          <a:endParaRPr lang="en-US"/>
         </a:p>
       </c:txPr>
     </c:title>
@@ -268,7 +272,7 @@
                     <a:cs typeface="+mn-cs"/>
                   </a:defRPr>
                 </a:pPr>
-                <a:endParaRPr lang="LID4096"/>
+                <a:endParaRPr lang="en-US"/>
               </a:p>
             </c:txPr>
             <c:dLblPos val="ctr"/>
@@ -399,7 +403,7 @@
                     <a:cs typeface="+mn-cs"/>
                   </a:defRPr>
                 </a:pPr>
-                <a:endParaRPr lang="LID4096"/>
+                <a:endParaRPr lang="en-US"/>
               </a:p>
             </c:txPr>
             <c:dLblPos val="ctr"/>
@@ -530,7 +534,7 @@
                     <a:cs typeface="+mn-cs"/>
                   </a:defRPr>
                 </a:pPr>
-                <a:endParaRPr lang="LID4096"/>
+                <a:endParaRPr lang="en-US"/>
               </a:p>
             </c:txPr>
             <c:dLblPos val="ctr"/>
@@ -662,7 +666,7 @@
                 <a:cs typeface="+mn-cs"/>
               </a:defRPr>
             </a:pPr>
-            <a:endParaRPr lang="LID4096"/>
+            <a:endParaRPr lang="en-US"/>
           </a:p>
         </c:txPr>
         <c:crossAx val="880051679"/>
@@ -735,7 +739,7 @@
                 <a:cs typeface="+mn-cs"/>
               </a:defRPr>
             </a:pPr>
-            <a:endParaRPr lang="LID4096"/>
+            <a:endParaRPr lang="en-US"/>
           </a:p>
         </c:txPr>
         <c:crossAx val="1277573487"/>
@@ -777,7 +781,7 @@
               <a:cs typeface="+mn-cs"/>
             </a:defRPr>
           </a:pPr>
-          <a:endParaRPr lang="LID4096"/>
+          <a:endParaRPr lang="en-US"/>
         </a:p>
       </c:txPr>
     </c:legend>
@@ -806,7 +810,7 @@
       <a:pPr>
         <a:defRPr/>
       </a:pPr>
-      <a:endParaRPr lang="LID4096"/>
+      <a:endParaRPr lang="en-US"/>
     </a:p>
   </c:txPr>
   <c:externalData r:id="rId3">
@@ -4119,6 +4123,927 @@
 </file>
 
 <file path=ppt/diagrams/colors4.xml><?xml version="1.0" encoding="utf-8"?>
+<dgm:colorsDef xmlns:dgm="http://schemas.openxmlformats.org/drawingml/2006/diagram" xmlns:a="http://schemas.openxmlformats.org/drawingml/2006/main" uniqueId="urn:microsoft.com/office/officeart/2018/5/colors/Iconchunking_neutralicontext_colorful1">
+  <dgm:title val=""/>
+  <dgm:desc val=""/>
+  <dgm:catLst>
+    <dgm:cat type="colorful" pri="10100"/>
+  </dgm:catLst>
+  <dgm:styleLbl name="node0">
+    <dgm:fillClrLst meth="repeat">
+      <a:schemeClr val="accent1"/>
+    </dgm:fillClrLst>
+    <dgm:linClrLst meth="repeat">
+      <a:schemeClr val="lt1"/>
+    </dgm:linClrLst>
+    <dgm:effectClrLst/>
+    <dgm:txLinClrLst/>
+    <dgm:txFillClrLst/>
+    <dgm:txEffectClrLst/>
+  </dgm:styleLbl>
+  <dgm:styleLbl name="node1">
+    <dgm:fillClrLst meth="repeat">
+      <a:schemeClr val="bg1"/>
+    </dgm:fillClrLst>
+    <dgm:linClrLst meth="repeat">
+      <a:schemeClr val="lt1">
+        <a:alpha val="0"/>
+      </a:schemeClr>
+    </dgm:linClrLst>
+    <dgm:effectClrLst/>
+    <dgm:txLinClrLst/>
+    <dgm:txFillClrLst meth="repeat">
+      <a:schemeClr val="dk1"/>
+    </dgm:txFillClrLst>
+    <dgm:txEffectClrLst/>
+  </dgm:styleLbl>
+  <dgm:styleLbl name="alignNode1">
+    <dgm:fillClrLst meth="repeat">
+      <a:schemeClr val="accent2"/>
+      <a:schemeClr val="accent3"/>
+      <a:schemeClr val="accent4"/>
+      <a:schemeClr val="accent5"/>
+      <a:schemeClr val="accent6"/>
+    </dgm:fillClrLst>
+    <dgm:linClrLst meth="repeat">
+      <a:schemeClr val="accent2"/>
+      <a:schemeClr val="accent3"/>
+      <a:schemeClr val="accent4"/>
+      <a:schemeClr val="accent5"/>
+      <a:schemeClr val="accent6"/>
+    </dgm:linClrLst>
+    <dgm:effectClrLst/>
+    <dgm:txLinClrLst/>
+    <dgm:txFillClrLst/>
+    <dgm:txEffectClrLst/>
+  </dgm:styleLbl>
+  <dgm:styleLbl name="lnNode1">
+    <dgm:fillClrLst meth="repeat">
+      <a:schemeClr val="accent2"/>
+      <a:schemeClr val="accent3"/>
+      <a:schemeClr val="accent4"/>
+      <a:schemeClr val="accent5"/>
+      <a:schemeClr val="accent6"/>
+    </dgm:fillClrLst>
+    <dgm:linClrLst meth="repeat">
+      <a:schemeClr val="lt1"/>
+    </dgm:linClrLst>
+    <dgm:effectClrLst/>
+    <dgm:txLinClrLst/>
+    <dgm:txFillClrLst/>
+    <dgm:txEffectClrLst/>
+  </dgm:styleLbl>
+  <dgm:styleLbl name="vennNode1">
+    <dgm:fillClrLst meth="repeat">
+      <a:schemeClr val="accent2">
+        <a:alpha val="50000"/>
+      </a:schemeClr>
+      <a:schemeClr val="accent3">
+        <a:alpha val="50000"/>
+      </a:schemeClr>
+      <a:schemeClr val="accent4">
+        <a:alpha val="50000"/>
+      </a:schemeClr>
+      <a:schemeClr val="accent5">
+        <a:alpha val="50000"/>
+      </a:schemeClr>
+      <a:schemeClr val="accent6">
+        <a:alpha val="50000"/>
+      </a:schemeClr>
+    </dgm:fillClrLst>
+    <dgm:linClrLst meth="repeat">
+      <a:schemeClr val="lt1"/>
+    </dgm:linClrLst>
+    <dgm:effectClrLst/>
+    <dgm:txLinClrLst/>
+    <dgm:txFillClrLst/>
+    <dgm:txEffectClrLst/>
+  </dgm:styleLbl>
+  <dgm:styleLbl name="node2">
+    <dgm:fillClrLst>
+      <a:schemeClr val="accent2"/>
+    </dgm:fillClrLst>
+    <dgm:linClrLst meth="repeat">
+      <a:schemeClr val="lt1"/>
+    </dgm:linClrLst>
+    <dgm:effectClrLst/>
+    <dgm:txLinClrLst/>
+    <dgm:txFillClrLst/>
+    <dgm:txEffectClrLst/>
+  </dgm:styleLbl>
+  <dgm:styleLbl name="node3">
+    <dgm:fillClrLst>
+      <a:schemeClr val="accent3"/>
+    </dgm:fillClrLst>
+    <dgm:linClrLst meth="repeat">
+      <a:schemeClr val="lt1"/>
+    </dgm:linClrLst>
+    <dgm:effectClrLst/>
+    <dgm:txLinClrLst/>
+    <dgm:txFillClrLst/>
+    <dgm:txEffectClrLst/>
+  </dgm:styleLbl>
+  <dgm:styleLbl name="node4">
+    <dgm:fillClrLst>
+      <a:schemeClr val="accent4"/>
+    </dgm:fillClrLst>
+    <dgm:linClrLst meth="repeat">
+      <a:schemeClr val="lt1"/>
+    </dgm:linClrLst>
+    <dgm:effectClrLst/>
+    <dgm:txLinClrLst/>
+    <dgm:txFillClrLst/>
+    <dgm:txEffectClrLst/>
+  </dgm:styleLbl>
+  <dgm:styleLbl name="fgImgPlace1">
+    <dgm:fillClrLst meth="repeat">
+      <a:schemeClr val="accent2">
+        <a:tint val="50000"/>
+      </a:schemeClr>
+      <a:schemeClr val="accent3">
+        <a:tint val="50000"/>
+      </a:schemeClr>
+      <a:schemeClr val="accent4">
+        <a:tint val="50000"/>
+      </a:schemeClr>
+      <a:schemeClr val="accent5">
+        <a:tint val="50000"/>
+      </a:schemeClr>
+      <a:schemeClr val="accent6">
+        <a:tint val="50000"/>
+      </a:schemeClr>
+    </dgm:fillClrLst>
+    <dgm:linClrLst meth="repeat">
+      <a:schemeClr val="lt1"/>
+    </dgm:linClrLst>
+    <dgm:effectClrLst/>
+    <dgm:txLinClrLst/>
+    <dgm:txFillClrLst meth="repeat">
+      <a:schemeClr val="lt1"/>
+    </dgm:txFillClrLst>
+    <dgm:txEffectClrLst/>
+  </dgm:styleLbl>
+  <dgm:styleLbl name="alignImgPlace1">
+    <dgm:fillClrLst>
+      <a:schemeClr val="accent1">
+        <a:tint val="50000"/>
+      </a:schemeClr>
+      <a:schemeClr val="accent2">
+        <a:tint val="20000"/>
+      </a:schemeClr>
+    </dgm:fillClrLst>
+    <dgm:linClrLst meth="repeat">
+      <a:schemeClr val="lt1"/>
+    </dgm:linClrLst>
+    <dgm:effectClrLst/>
+    <dgm:txLinClrLst/>
+    <dgm:txFillClrLst meth="repeat">
+      <a:schemeClr val="lt1"/>
+    </dgm:txFillClrLst>
+    <dgm:txEffectClrLst/>
+  </dgm:styleLbl>
+  <dgm:styleLbl name="bgImgPlace1">
+    <dgm:fillClrLst>
+      <a:schemeClr val="accent1">
+        <a:tint val="50000"/>
+      </a:schemeClr>
+      <a:schemeClr val="accent2">
+        <a:tint val="20000"/>
+      </a:schemeClr>
+    </dgm:fillClrLst>
+    <dgm:linClrLst meth="repeat">
+      <a:schemeClr val="lt1"/>
+    </dgm:linClrLst>
+    <dgm:effectClrLst/>
+    <dgm:txLinClrLst/>
+    <dgm:txFillClrLst meth="repeat">
+      <a:schemeClr val="lt1"/>
+    </dgm:txFillClrLst>
+    <dgm:txEffectClrLst/>
+  </dgm:styleLbl>
+  <dgm:styleLbl name="sibTrans2D1">
+    <dgm:fillClrLst meth="repeat">
+      <a:schemeClr val="accent2"/>
+      <a:schemeClr val="accent3"/>
+      <a:schemeClr val="accent4"/>
+      <a:schemeClr val="accent5"/>
+      <a:schemeClr val="accent6"/>
+    </dgm:fillClrLst>
+    <dgm:linClrLst meth="cycle">
+      <a:schemeClr val="lt1"/>
+    </dgm:linClrLst>
+    <dgm:effectClrLst/>
+    <dgm:txLinClrLst/>
+    <dgm:txFillClrLst/>
+    <dgm:txEffectClrLst/>
+  </dgm:styleLbl>
+  <dgm:styleLbl name="fgSibTrans2D1">
+    <dgm:fillClrLst meth="repeat">
+      <a:schemeClr val="accent2"/>
+      <a:schemeClr val="accent3"/>
+      <a:schemeClr val="accent4"/>
+      <a:schemeClr val="accent5"/>
+      <a:schemeClr val="accent6"/>
+    </dgm:fillClrLst>
+    <dgm:linClrLst meth="cycle">
+      <a:schemeClr val="lt1"/>
+    </dgm:linClrLst>
+    <dgm:effectClrLst/>
+    <dgm:txLinClrLst/>
+    <dgm:txFillClrLst meth="repeat">
+      <a:schemeClr val="lt1"/>
+    </dgm:txFillClrLst>
+    <dgm:txEffectClrLst/>
+  </dgm:styleLbl>
+  <dgm:styleLbl name="bgSibTrans2D1">
+    <dgm:fillClrLst meth="repeat">
+      <a:schemeClr val="accent2"/>
+      <a:schemeClr val="accent3"/>
+      <a:schemeClr val="accent4"/>
+      <a:schemeClr val="accent5"/>
+      <a:schemeClr val="accent6"/>
+    </dgm:fillClrLst>
+    <dgm:linClrLst meth="cycle">
+      <a:schemeClr val="lt1"/>
+    </dgm:linClrLst>
+    <dgm:effectClrLst/>
+    <dgm:txLinClrLst/>
+    <dgm:txFillClrLst meth="repeat">
+      <a:schemeClr val="lt1"/>
+    </dgm:txFillClrLst>
+    <dgm:txEffectClrLst/>
+  </dgm:styleLbl>
+  <dgm:styleLbl name="sibTrans1D1">
+    <dgm:fillClrLst meth="repeat">
+      <a:schemeClr val="accent2"/>
+      <a:schemeClr val="accent3"/>
+      <a:schemeClr val="accent4"/>
+      <a:schemeClr val="accent5"/>
+      <a:schemeClr val="accent6"/>
+    </dgm:fillClrLst>
+    <dgm:linClrLst meth="repeat">
+      <a:schemeClr val="accent2"/>
+      <a:schemeClr val="accent3"/>
+      <a:schemeClr val="accent4"/>
+      <a:schemeClr val="accent5"/>
+      <a:schemeClr val="accent6"/>
+    </dgm:linClrLst>
+    <dgm:effectClrLst/>
+    <dgm:txLinClrLst/>
+    <dgm:txFillClrLst meth="repeat">
+      <a:schemeClr val="tx1"/>
+    </dgm:txFillClrLst>
+    <dgm:txEffectClrLst/>
+  </dgm:styleLbl>
+  <dgm:styleLbl name="callout">
+    <dgm:fillClrLst meth="repeat">
+      <a:schemeClr val="accent2"/>
+    </dgm:fillClrLst>
+    <dgm:linClrLst meth="repeat">
+      <a:schemeClr val="accent2">
+        <a:tint val="50000"/>
+      </a:schemeClr>
+    </dgm:linClrLst>
+    <dgm:effectClrLst/>
+    <dgm:txLinClrLst/>
+    <dgm:txFillClrLst meth="repeat">
+      <a:schemeClr val="tx1"/>
+    </dgm:txFillClrLst>
+    <dgm:txEffectClrLst/>
+  </dgm:styleLbl>
+  <dgm:styleLbl name="asst0">
+    <dgm:fillClrLst meth="repeat">
+      <a:schemeClr val="accent1"/>
+    </dgm:fillClrLst>
+    <dgm:linClrLst meth="repeat">
+      <a:schemeClr val="lt1"/>
+    </dgm:linClrLst>
+    <dgm:effectClrLst/>
+    <dgm:txLinClrLst/>
+    <dgm:txFillClrLst/>
+    <dgm:txEffectClrLst/>
+  </dgm:styleLbl>
+  <dgm:styleLbl name="asst1">
+    <dgm:fillClrLst meth="repeat">
+      <a:schemeClr val="accent2"/>
+    </dgm:fillClrLst>
+    <dgm:linClrLst meth="repeat">
+      <a:schemeClr val="lt1"/>
+    </dgm:linClrLst>
+    <dgm:effectClrLst/>
+    <dgm:txLinClrLst/>
+    <dgm:txFillClrLst/>
+    <dgm:txEffectClrLst/>
+  </dgm:styleLbl>
+  <dgm:styleLbl name="asst2">
+    <dgm:fillClrLst>
+      <a:schemeClr val="accent3"/>
+    </dgm:fillClrLst>
+    <dgm:linClrLst meth="repeat">
+      <a:schemeClr val="lt1"/>
+    </dgm:linClrLst>
+    <dgm:effectClrLst/>
+    <dgm:txLinClrLst/>
+    <dgm:txFillClrLst/>
+    <dgm:txEffectClrLst/>
+  </dgm:styleLbl>
+  <dgm:styleLbl name="asst3">
+    <dgm:fillClrLst>
+      <a:schemeClr val="accent4"/>
+    </dgm:fillClrLst>
+    <dgm:linClrLst meth="repeat">
+      <a:schemeClr val="lt1"/>
+    </dgm:linClrLst>
+    <dgm:effectClrLst/>
+    <dgm:txLinClrLst/>
+    <dgm:txFillClrLst/>
+    <dgm:txEffectClrLst/>
+  </dgm:styleLbl>
+  <dgm:styleLbl name="asst4">
+    <dgm:fillClrLst>
+      <a:schemeClr val="accent5"/>
+    </dgm:fillClrLst>
+    <dgm:linClrLst meth="repeat">
+      <a:schemeClr val="lt1"/>
+    </dgm:linClrLst>
+    <dgm:effectClrLst/>
+    <dgm:txLinClrLst/>
+    <dgm:txFillClrLst/>
+    <dgm:txEffectClrLst/>
+  </dgm:styleLbl>
+  <dgm:styleLbl name="parChTrans2D1">
+    <dgm:fillClrLst meth="repeat">
+      <a:schemeClr val="accent2"/>
+    </dgm:fillClrLst>
+    <dgm:linClrLst meth="repeat">
+      <a:schemeClr val="lt1"/>
+    </dgm:linClrLst>
+    <dgm:effectClrLst/>
+    <dgm:txLinClrLst/>
+    <dgm:txFillClrLst meth="repeat">
+      <a:schemeClr val="lt1"/>
+    </dgm:txFillClrLst>
+    <dgm:txEffectClrLst/>
+  </dgm:styleLbl>
+  <dgm:styleLbl name="parChTrans2D2">
+    <dgm:fillClrLst meth="repeat">
+      <a:schemeClr val="accent3"/>
+    </dgm:fillClrLst>
+    <dgm:linClrLst meth="repeat">
+      <a:schemeClr val="lt1"/>
+    </dgm:linClrLst>
+    <dgm:effectClrLst/>
+    <dgm:txLinClrLst/>
+    <dgm:txFillClrLst/>
+    <dgm:txEffectClrLst/>
+  </dgm:styleLbl>
+  <dgm:styleLbl name="parChTrans2D3">
+    <dgm:fillClrLst meth="repeat">
+      <a:schemeClr val="accent4"/>
+    </dgm:fillClrLst>
+    <dgm:linClrLst meth="repeat">
+      <a:schemeClr val="lt1"/>
+    </dgm:linClrLst>
+    <dgm:effectClrLst/>
+    <dgm:txLinClrLst/>
+    <dgm:txFillClrLst/>
+    <dgm:txEffectClrLst/>
+  </dgm:styleLbl>
+  <dgm:styleLbl name="parChTrans2D4">
+    <dgm:fillClrLst meth="repeat">
+      <a:schemeClr val="accent5"/>
+    </dgm:fillClrLst>
+    <dgm:linClrLst meth="repeat">
+      <a:schemeClr val="lt1"/>
+    </dgm:linClrLst>
+    <dgm:effectClrLst/>
+    <dgm:txLinClrLst/>
+    <dgm:txFillClrLst meth="repeat">
+      <a:schemeClr val="lt1"/>
+    </dgm:txFillClrLst>
+    <dgm:txEffectClrLst/>
+  </dgm:styleLbl>
+  <dgm:styleLbl name="parChTrans1D1">
+    <dgm:fillClrLst meth="repeat">
+      <a:schemeClr val="accent2"/>
+    </dgm:fillClrLst>
+    <dgm:linClrLst meth="repeat">
+      <a:schemeClr val="accent1"/>
+    </dgm:linClrLst>
+    <dgm:effectClrLst/>
+    <dgm:txLinClrLst/>
+    <dgm:txFillClrLst meth="repeat">
+      <a:schemeClr val="tx1"/>
+    </dgm:txFillClrLst>
+    <dgm:txEffectClrLst/>
+  </dgm:styleLbl>
+  <dgm:styleLbl name="parChTrans1D2">
+    <dgm:fillClrLst meth="repeat">
+      <a:schemeClr val="accent3">
+        <a:tint val="90000"/>
+      </a:schemeClr>
+    </dgm:fillClrLst>
+    <dgm:linClrLst meth="repeat">
+      <a:schemeClr val="accent2"/>
+    </dgm:linClrLst>
+    <dgm:effectClrLst/>
+    <dgm:txLinClrLst/>
+    <dgm:txFillClrLst meth="repeat">
+      <a:schemeClr val="tx1"/>
+    </dgm:txFillClrLst>
+    <dgm:txEffectClrLst/>
+  </dgm:styleLbl>
+  <dgm:styleLbl name="parChTrans1D3">
+    <dgm:fillClrLst meth="repeat">
+      <a:schemeClr val="accent4">
+        <a:tint val="70000"/>
+      </a:schemeClr>
+    </dgm:fillClrLst>
+    <dgm:linClrLst meth="repeat">
+      <a:schemeClr val="accent3"/>
+    </dgm:linClrLst>
+    <dgm:effectClrLst/>
+    <dgm:txLinClrLst/>
+    <dgm:txFillClrLst meth="repeat">
+      <a:schemeClr val="tx1"/>
+    </dgm:txFillClrLst>
+    <dgm:txEffectClrLst/>
+  </dgm:styleLbl>
+  <dgm:styleLbl name="parChTrans1D4">
+    <dgm:fillClrLst meth="repeat">
+      <a:schemeClr val="accent5">
+        <a:tint val="50000"/>
+      </a:schemeClr>
+    </dgm:fillClrLst>
+    <dgm:linClrLst meth="repeat">
+      <a:schemeClr val="accent4"/>
+    </dgm:linClrLst>
+    <dgm:effectClrLst/>
+    <dgm:txLinClrLst/>
+    <dgm:txFillClrLst meth="repeat">
+      <a:schemeClr val="tx1"/>
+    </dgm:txFillClrLst>
+    <dgm:txEffectClrLst/>
+  </dgm:styleLbl>
+  <dgm:styleLbl name="fgAcc1">
+    <dgm:fillClrLst meth="repeat">
+      <a:schemeClr val="lt1">
+        <a:alpha val="90000"/>
+      </a:schemeClr>
+    </dgm:fillClrLst>
+    <dgm:linClrLst meth="repeat">
+      <a:schemeClr val="accent2"/>
+      <a:schemeClr val="accent3"/>
+      <a:schemeClr val="accent4"/>
+      <a:schemeClr val="accent5"/>
+      <a:schemeClr val="accent6"/>
+    </dgm:linClrLst>
+    <dgm:effectClrLst/>
+    <dgm:txLinClrLst/>
+    <dgm:txFillClrLst meth="repeat">
+      <a:schemeClr val="dk1"/>
+    </dgm:txFillClrLst>
+    <dgm:txEffectClrLst/>
+  </dgm:styleLbl>
+  <dgm:styleLbl name="conFgAcc1">
+    <dgm:fillClrLst meth="repeat">
+      <a:schemeClr val="lt1">
+        <a:alpha val="90000"/>
+      </a:schemeClr>
+    </dgm:fillClrLst>
+    <dgm:linClrLst meth="repeat">
+      <a:schemeClr val="accent2"/>
+      <a:schemeClr val="accent3"/>
+      <a:schemeClr val="accent4"/>
+      <a:schemeClr val="accent5"/>
+      <a:schemeClr val="accent6"/>
+    </dgm:linClrLst>
+    <dgm:effectClrLst/>
+    <dgm:txLinClrLst/>
+    <dgm:txFillClrLst meth="repeat">
+      <a:schemeClr val="dk1"/>
+    </dgm:txFillClrLst>
+    <dgm:txEffectClrLst/>
+  </dgm:styleLbl>
+  <dgm:styleLbl name="alignAcc1">
+    <dgm:fillClrLst meth="repeat">
+      <a:schemeClr val="lt1">
+        <a:alpha val="90000"/>
+      </a:schemeClr>
+    </dgm:fillClrLst>
+    <dgm:linClrLst meth="repeat">
+      <a:schemeClr val="accent2"/>
+      <a:schemeClr val="accent3"/>
+      <a:schemeClr val="accent4"/>
+      <a:schemeClr val="accent5"/>
+      <a:schemeClr val="accent6"/>
+    </dgm:linClrLst>
+    <dgm:effectClrLst/>
+    <dgm:txLinClrLst/>
+    <dgm:txFillClrLst meth="repeat">
+      <a:schemeClr val="dk1"/>
+    </dgm:txFillClrLst>
+    <dgm:txEffectClrLst/>
+  </dgm:styleLbl>
+  <dgm:styleLbl name="trAlignAcc1">
+    <dgm:fillClrLst meth="repeat">
+      <a:schemeClr val="lt1">
+        <a:alpha val="40000"/>
+      </a:schemeClr>
+    </dgm:fillClrLst>
+    <dgm:linClrLst meth="repeat">
+      <a:schemeClr val="accent1"/>
+    </dgm:linClrLst>
+    <dgm:effectClrLst/>
+    <dgm:txLinClrLst/>
+    <dgm:txFillClrLst meth="repeat">
+      <a:schemeClr val="dk1"/>
+    </dgm:txFillClrLst>
+    <dgm:txEffectClrLst/>
+  </dgm:styleLbl>
+  <dgm:styleLbl name="bgAcc1">
+    <dgm:fillClrLst meth="repeat">
+      <a:schemeClr val="lt1">
+        <a:alpha val="90000"/>
+      </a:schemeClr>
+    </dgm:fillClrLst>
+    <dgm:linClrLst meth="repeat">
+      <a:schemeClr val="accent2"/>
+      <a:schemeClr val="accent3"/>
+      <a:schemeClr val="accent4"/>
+      <a:schemeClr val="accent5"/>
+      <a:schemeClr val="accent6"/>
+    </dgm:linClrLst>
+    <dgm:effectClrLst/>
+    <dgm:txLinClrLst/>
+    <dgm:txFillClrLst meth="repeat">
+      <a:schemeClr val="dk1"/>
+    </dgm:txFillClrLst>
+    <dgm:txEffectClrLst/>
+  </dgm:styleLbl>
+  <dgm:styleLbl name="solidFgAcc1">
+    <dgm:fillClrLst meth="repeat">
+      <a:schemeClr val="lt1"/>
+    </dgm:fillClrLst>
+    <dgm:linClrLst meth="repeat">
+      <a:schemeClr val="accent2"/>
+      <a:schemeClr val="accent3"/>
+      <a:schemeClr val="accent4"/>
+      <a:schemeClr val="accent5"/>
+      <a:schemeClr val="accent6"/>
+    </dgm:linClrLst>
+    <dgm:effectClrLst/>
+    <dgm:txLinClrLst/>
+    <dgm:txFillClrLst meth="repeat">
+      <a:schemeClr val="dk1"/>
+    </dgm:txFillClrLst>
+    <dgm:txEffectClrLst/>
+  </dgm:styleLbl>
+  <dgm:styleLbl name="solidAlignAcc1">
+    <dgm:fillClrLst meth="repeat">
+      <a:schemeClr val="lt1"/>
+    </dgm:fillClrLst>
+    <dgm:linClrLst meth="repeat">
+      <a:schemeClr val="accent2"/>
+      <a:schemeClr val="accent3"/>
+      <a:schemeClr val="accent4"/>
+      <a:schemeClr val="accent5"/>
+      <a:schemeClr val="accent6"/>
+    </dgm:linClrLst>
+    <dgm:effectClrLst/>
+    <dgm:txLinClrLst/>
+    <dgm:txFillClrLst meth="repeat">
+      <a:schemeClr val="dk1"/>
+    </dgm:txFillClrLst>
+    <dgm:txEffectClrLst/>
+  </dgm:styleLbl>
+  <dgm:styleLbl name="solidBgAcc1">
+    <dgm:fillClrLst meth="repeat">
+      <a:schemeClr val="lt1"/>
+    </dgm:fillClrLst>
+    <dgm:linClrLst meth="repeat">
+      <a:schemeClr val="accent2"/>
+      <a:schemeClr val="accent3"/>
+      <a:schemeClr val="accent4"/>
+      <a:schemeClr val="accent5"/>
+      <a:schemeClr val="accent6"/>
+    </dgm:linClrLst>
+    <dgm:effectClrLst/>
+    <dgm:txLinClrLst/>
+    <dgm:txFillClrLst meth="repeat">
+      <a:schemeClr val="dk1"/>
+    </dgm:txFillClrLst>
+    <dgm:txEffectClrLst/>
+  </dgm:styleLbl>
+  <dgm:styleLbl name="fgAccFollowNode1">
+    <dgm:fillClrLst meth="repeat">
+      <a:schemeClr val="accent2">
+        <a:tint val="40000"/>
+        <a:alpha val="90000"/>
+      </a:schemeClr>
+      <a:schemeClr val="accent3">
+        <a:tint val="40000"/>
+        <a:alpha val="90000"/>
+      </a:schemeClr>
+      <a:schemeClr val="accent4">
+        <a:tint val="40000"/>
+        <a:alpha val="90000"/>
+      </a:schemeClr>
+      <a:schemeClr val="accent5">
+        <a:tint val="40000"/>
+        <a:alpha val="90000"/>
+      </a:schemeClr>
+      <a:schemeClr val="accent6">
+        <a:tint val="40000"/>
+        <a:alpha val="90000"/>
+      </a:schemeClr>
+    </dgm:fillClrLst>
+    <dgm:linClrLst meth="repeat">
+      <a:schemeClr val="accent2">
+        <a:tint val="40000"/>
+        <a:alpha val="90000"/>
+      </a:schemeClr>
+      <a:schemeClr val="accent3">
+        <a:tint val="40000"/>
+        <a:alpha val="90000"/>
+      </a:schemeClr>
+      <a:schemeClr val="accent4">
+        <a:tint val="40000"/>
+        <a:alpha val="90000"/>
+      </a:schemeClr>
+      <a:schemeClr val="accent5">
+        <a:tint val="40000"/>
+        <a:alpha val="90000"/>
+      </a:schemeClr>
+      <a:schemeClr val="accent6">
+        <a:tint val="40000"/>
+        <a:alpha val="90000"/>
+      </a:schemeClr>
+    </dgm:linClrLst>
+    <dgm:effectClrLst/>
+    <dgm:txLinClrLst/>
+    <dgm:txFillClrLst meth="repeat">
+      <a:schemeClr val="dk1"/>
+    </dgm:txFillClrLst>
+    <dgm:txEffectClrLst/>
+  </dgm:styleLbl>
+  <dgm:styleLbl name="alignAccFollowNode1">
+    <dgm:fillClrLst meth="repeat">
+      <a:schemeClr val="accent2">
+        <a:tint val="40000"/>
+        <a:alpha val="90000"/>
+      </a:schemeClr>
+      <a:schemeClr val="accent3">
+        <a:tint val="40000"/>
+        <a:alpha val="90000"/>
+      </a:schemeClr>
+      <a:schemeClr val="accent4">
+        <a:tint val="40000"/>
+        <a:alpha val="90000"/>
+      </a:schemeClr>
+      <a:schemeClr val="accent5">
+        <a:tint val="40000"/>
+        <a:alpha val="90000"/>
+      </a:schemeClr>
+      <a:schemeClr val="accent6">
+        <a:tint val="40000"/>
+        <a:alpha val="90000"/>
+      </a:schemeClr>
+    </dgm:fillClrLst>
+    <dgm:linClrLst meth="repeat">
+      <a:schemeClr val="accent2">
+        <a:tint val="40000"/>
+        <a:alpha val="90000"/>
+      </a:schemeClr>
+      <a:schemeClr val="accent3">
+        <a:tint val="40000"/>
+        <a:alpha val="90000"/>
+      </a:schemeClr>
+      <a:schemeClr val="accent4">
+        <a:tint val="40000"/>
+        <a:alpha val="90000"/>
+      </a:schemeClr>
+      <a:schemeClr val="accent5">
+        <a:tint val="40000"/>
+        <a:alpha val="90000"/>
+      </a:schemeClr>
+      <a:schemeClr val="accent6">
+        <a:tint val="40000"/>
+        <a:alpha val="90000"/>
+      </a:schemeClr>
+    </dgm:linClrLst>
+    <dgm:effectClrLst/>
+    <dgm:txLinClrLst/>
+    <dgm:txFillClrLst meth="repeat">
+      <a:schemeClr val="dk1"/>
+    </dgm:txFillClrLst>
+    <dgm:txEffectClrLst/>
+  </dgm:styleLbl>
+  <dgm:styleLbl name="bgAccFollowNode1">
+    <dgm:fillClrLst meth="repeat">
+      <a:schemeClr val="accent2">
+        <a:tint val="40000"/>
+        <a:alpha val="90000"/>
+      </a:schemeClr>
+      <a:schemeClr val="accent3">
+        <a:tint val="40000"/>
+        <a:alpha val="90000"/>
+      </a:schemeClr>
+      <a:schemeClr val="accent4">
+        <a:tint val="40000"/>
+        <a:alpha val="90000"/>
+      </a:schemeClr>
+      <a:schemeClr val="accent5">
+        <a:tint val="40000"/>
+        <a:alpha val="90000"/>
+      </a:schemeClr>
+      <a:schemeClr val="accent6">
+        <a:tint val="40000"/>
+        <a:alpha val="90000"/>
+      </a:schemeClr>
+    </dgm:fillClrLst>
+    <dgm:linClrLst meth="repeat">
+      <a:schemeClr val="accent2">
+        <a:tint val="40000"/>
+        <a:alpha val="90000"/>
+      </a:schemeClr>
+      <a:schemeClr val="accent3">
+        <a:tint val="40000"/>
+        <a:alpha val="90000"/>
+      </a:schemeClr>
+      <a:schemeClr val="accent4">
+        <a:tint val="40000"/>
+        <a:alpha val="90000"/>
+      </a:schemeClr>
+      <a:schemeClr val="accent5">
+        <a:tint val="40000"/>
+        <a:alpha val="90000"/>
+      </a:schemeClr>
+      <a:schemeClr val="accent6">
+        <a:tint val="40000"/>
+        <a:alpha val="90000"/>
+      </a:schemeClr>
+    </dgm:linClrLst>
+    <dgm:effectClrLst/>
+    <dgm:txLinClrLst/>
+    <dgm:txFillClrLst meth="repeat">
+      <a:schemeClr val="dk1"/>
+    </dgm:txFillClrLst>
+    <dgm:txEffectClrLst/>
+  </dgm:styleLbl>
+  <dgm:styleLbl name="fgAcc0">
+    <dgm:fillClrLst meth="repeat">
+      <a:schemeClr val="lt1">
+        <a:alpha val="90000"/>
+      </a:schemeClr>
+    </dgm:fillClrLst>
+    <dgm:linClrLst>
+      <a:schemeClr val="accent1"/>
+    </dgm:linClrLst>
+    <dgm:effectClrLst/>
+    <dgm:txLinClrLst/>
+    <dgm:txFillClrLst meth="repeat">
+      <a:schemeClr val="dk1"/>
+    </dgm:txFillClrLst>
+    <dgm:txEffectClrLst/>
+  </dgm:styleLbl>
+  <dgm:styleLbl name="fgAcc2">
+    <dgm:fillClrLst meth="repeat">
+      <a:schemeClr val="lt1">
+        <a:alpha val="90000"/>
+      </a:schemeClr>
+    </dgm:fillClrLst>
+    <dgm:linClrLst>
+      <a:schemeClr val="accent2"/>
+    </dgm:linClrLst>
+    <dgm:effectClrLst/>
+    <dgm:txLinClrLst/>
+    <dgm:txFillClrLst meth="repeat">
+      <a:schemeClr val="dk1"/>
+    </dgm:txFillClrLst>
+    <dgm:txEffectClrLst/>
+  </dgm:styleLbl>
+  <dgm:styleLbl name="fgAcc3">
+    <dgm:fillClrLst meth="repeat">
+      <a:schemeClr val="lt1">
+        <a:alpha val="90000"/>
+      </a:schemeClr>
+    </dgm:fillClrLst>
+    <dgm:linClrLst>
+      <a:schemeClr val="accent3"/>
+    </dgm:linClrLst>
+    <dgm:effectClrLst/>
+    <dgm:txLinClrLst/>
+    <dgm:txFillClrLst meth="repeat">
+      <a:schemeClr val="dk1"/>
+    </dgm:txFillClrLst>
+    <dgm:txEffectClrLst/>
+  </dgm:styleLbl>
+  <dgm:styleLbl name="fgAcc4">
+    <dgm:fillClrLst meth="repeat">
+      <a:schemeClr val="lt1">
+        <a:alpha val="90000"/>
+      </a:schemeClr>
+    </dgm:fillClrLst>
+    <dgm:linClrLst>
+      <a:schemeClr val="accent4"/>
+    </dgm:linClrLst>
+    <dgm:effectClrLst/>
+    <dgm:txLinClrLst/>
+    <dgm:txFillClrLst meth="repeat">
+      <a:schemeClr val="dk1"/>
+    </dgm:txFillClrLst>
+    <dgm:txEffectClrLst/>
+  </dgm:styleLbl>
+  <dgm:styleLbl name="bgShp">
+    <dgm:fillClrLst meth="repeat">
+      <a:schemeClr val="accent2"/>
+      <a:schemeClr val="accent3"/>
+      <a:schemeClr val="accent4"/>
+      <a:schemeClr val="accent5"/>
+      <a:schemeClr val="accent6"/>
+    </dgm:fillClrLst>
+    <dgm:linClrLst meth="repeat">
+      <a:schemeClr val="lt1">
+        <a:alpha val="0"/>
+      </a:schemeClr>
+    </dgm:linClrLst>
+    <dgm:effectClrLst/>
+    <dgm:txLinClrLst/>
+    <dgm:txFillClrLst/>
+    <dgm:txEffectClrLst/>
+  </dgm:styleLbl>
+  <dgm:styleLbl name="dkBgShp">
+    <dgm:fillClrLst meth="repeat">
+      <a:schemeClr val="accent2">
+        <a:shade val="90000"/>
+      </a:schemeClr>
+    </dgm:fillClrLst>
+    <dgm:linClrLst meth="repeat">
+      <a:schemeClr val="dk1"/>
+    </dgm:linClrLst>
+    <dgm:effectClrLst/>
+    <dgm:txLinClrLst/>
+    <dgm:txFillClrLst meth="repeat">
+      <a:schemeClr val="lt1"/>
+    </dgm:txFillClrLst>
+    <dgm:txEffectClrLst/>
+  </dgm:styleLbl>
+  <dgm:styleLbl name="trBgShp">
+    <dgm:fillClrLst meth="repeat">
+      <a:schemeClr val="accent1">
+        <a:tint val="50000"/>
+        <a:alpha val="40000"/>
+      </a:schemeClr>
+    </dgm:fillClrLst>
+    <dgm:linClrLst meth="repeat">
+      <a:schemeClr val="accent2"/>
+    </dgm:linClrLst>
+    <dgm:effectClrLst/>
+    <dgm:txLinClrLst/>
+    <dgm:txFillClrLst meth="repeat">
+      <a:schemeClr val="lt1"/>
+    </dgm:txFillClrLst>
+    <dgm:txEffectClrLst/>
+  </dgm:styleLbl>
+  <dgm:styleLbl name="fgShp">
+    <dgm:fillClrLst meth="repeat">
+      <a:schemeClr val="accent2">
+        <a:tint val="40000"/>
+      </a:schemeClr>
+    </dgm:fillClrLst>
+    <dgm:linClrLst meth="repeat">
+      <a:schemeClr val="lt1"/>
+    </dgm:linClrLst>
+    <dgm:effectClrLst/>
+    <dgm:txLinClrLst/>
+    <dgm:txFillClrLst meth="repeat">
+      <a:schemeClr val="dk1"/>
+    </dgm:txFillClrLst>
+    <dgm:txEffectClrLst/>
+  </dgm:styleLbl>
+  <dgm:styleLbl name="revTx">
+    <dgm:fillClrLst meth="repeat">
+      <a:schemeClr val="lt1">
+        <a:alpha val="0"/>
+      </a:schemeClr>
+    </dgm:fillClrLst>
+    <dgm:linClrLst meth="repeat">
+      <a:schemeClr val="dk1">
+        <a:alpha val="0"/>
+      </a:schemeClr>
+    </dgm:linClrLst>
+    <dgm:effectClrLst/>
+    <dgm:txLinClrLst/>
+    <dgm:txFillClrLst meth="repeat">
+      <a:schemeClr val="bg1"/>
+    </dgm:txFillClrLst>
+    <dgm:txEffectClrLst/>
+  </dgm:styleLbl>
+</dgm:colorsDef>
+</file>
+
+<file path=ppt/diagrams/colors5.xml><?xml version="1.0" encoding="utf-8"?>
 <dgm:colorsDef xmlns:dgm="http://schemas.openxmlformats.org/drawingml/2006/diagram" xmlns:a="http://schemas.openxmlformats.org/drawingml/2006/main" uniqueId="urn:microsoft.com/office/officeart/2005/8/colors/colorful3">
   <dgm:title val=""/>
   <dgm:desc val=""/>
@@ -4900,7 +5825,7 @@
 </dgm:colorsDef>
 </file>
 
-<file path=ppt/diagrams/colors5.xml><?xml version="1.0" encoding="utf-8"?>
+<file path=ppt/diagrams/colors6.xml><?xml version="1.0" encoding="utf-8"?>
 <dgm:colorsDef xmlns:dgm="http://schemas.openxmlformats.org/drawingml/2006/diagram" xmlns:a="http://schemas.openxmlformats.org/drawingml/2006/main" uniqueId="urn:microsoft.com/office/officeart/2018/5/colors/Iconchunking_neutralicon_colorful1">
   <dgm:title val=""/>
   <dgm:desc val=""/>
@@ -6434,7 +7359,6 @@
           <a:noFill/>
         </a:ln>
       </dgm:spPr>
-      <dgm:extLst/>
     </dgm:pt>
     <dgm:pt modelId="{F7010F18-F6C1-6244-999C-6F4826BFEE21}" type="pres">
       <dgm:prSet presAssocID="{15F858BE-12F3-4653-B340-0B188B98203C}" presName="txNode" presStyleLbl="node1" presStyleIdx="0" presStyleCnt="3" custScaleY="100000">
@@ -6574,6 +7498,374 @@
 </file>
 
 <file path=ppt/diagrams/data3.xml><?xml version="1.0" encoding="utf-8"?>
+<dgm:dataModel xmlns:dgm="http://schemas.openxmlformats.org/drawingml/2006/diagram" xmlns:a="http://schemas.openxmlformats.org/drawingml/2006/main">
+  <dgm:ptLst>
+    <dgm:pt modelId="{64F98948-3320-4B7F-80FB-AB1137B5078B}" type="doc">
+      <dgm:prSet loTypeId="urn:microsoft.com/office/officeart/2005/8/layout/hProcess10" loCatId="icon" qsTypeId="urn:microsoft.com/office/officeart/2005/8/quickstyle/simple1" qsCatId="simple" csTypeId="urn:microsoft.com/office/officeart/2018/5/colors/Iconchunking_neutralicontext_colorful1" csCatId="colorful" phldr="1"/>
+      <dgm:spPr/>
+      <dgm:t>
+        <a:bodyPr/>
+        <a:lstStyle/>
+        <a:p>
+          <a:endParaRPr lang="en-US"/>
+        </a:p>
+      </dgm:t>
+    </dgm:pt>
+    <dgm:pt modelId="{15F858BE-12F3-4653-B340-0B188B98203C}">
+      <dgm:prSet custT="1"/>
+      <dgm:spPr>
+        <a:noFill/>
+        <a:ln>
+          <a:noFill/>
+        </a:ln>
+      </dgm:spPr>
+      <dgm:t>
+        <a:bodyPr anchor="ctr"/>
+        <a:lstStyle/>
+        <a:p>
+          <a:pPr algn="ctr"/>
+          <a:r>
+            <a:rPr lang="en-US" sz="1600">
+              <a:solidFill>
+                <a:schemeClr val="tx1"/>
+              </a:solidFill>
+            </a:rPr>
+            <a:t>Fullness of each bin</a:t>
+          </a:r>
+          <a:endParaRPr lang="en-US" sz="1600" dirty="0">
+            <a:solidFill>
+              <a:schemeClr val="tx1"/>
+            </a:solidFill>
+          </a:endParaRPr>
+        </a:p>
+      </dgm:t>
+    </dgm:pt>
+    <dgm:pt modelId="{A18FFBF8-8B7D-40D4-A330-31FF915469FD}" type="parTrans" cxnId="{DEBC30EA-F307-450A-9FE0-DE38E709B7C6}">
+      <dgm:prSet/>
+      <dgm:spPr/>
+      <dgm:t>
+        <a:bodyPr/>
+        <a:lstStyle/>
+        <a:p>
+          <a:pPr algn="ctr"/>
+          <a:endParaRPr lang="en-US" sz="1600">
+            <a:solidFill>
+              <a:schemeClr val="tx1"/>
+            </a:solidFill>
+          </a:endParaRPr>
+        </a:p>
+      </dgm:t>
+    </dgm:pt>
+    <dgm:pt modelId="{BAF7F54C-54BB-4E32-A3BE-70FDDE1ACC7A}" type="sibTrans" cxnId="{DEBC30EA-F307-450A-9FE0-DE38E709B7C6}">
+      <dgm:prSet/>
+      <dgm:spPr>
+        <a:solidFill>
+          <a:schemeClr val="accent3"/>
+        </a:solidFill>
+      </dgm:spPr>
+      <dgm:t>
+        <a:bodyPr/>
+        <a:lstStyle/>
+        <a:p>
+          <a:pPr algn="ctr"/>
+          <a:endParaRPr lang="en-US" sz="1600" dirty="0">
+            <a:solidFill>
+              <a:schemeClr val="tx1"/>
+            </a:solidFill>
+          </a:endParaRPr>
+        </a:p>
+      </dgm:t>
+    </dgm:pt>
+    <dgm:pt modelId="{18935234-F39B-4F64-9D3E-ECC198090598}">
+      <dgm:prSet custT="1"/>
+      <dgm:spPr>
+        <a:noFill/>
+        <a:ln>
+          <a:noFill/>
+        </a:ln>
+      </dgm:spPr>
+      <dgm:t>
+        <a:bodyPr anchor="ctr"/>
+        <a:lstStyle/>
+        <a:p>
+          <a:pPr algn="ctr"/>
+          <a:r>
+            <a:rPr lang="en-US" sz="1600" dirty="0"/>
+            <a:t>Real time position of bin and trash truck</a:t>
+          </a:r>
+          <a:endParaRPr lang="en-US" sz="1600" dirty="0">
+            <a:solidFill>
+              <a:schemeClr val="tx1"/>
+            </a:solidFill>
+          </a:endParaRPr>
+        </a:p>
+      </dgm:t>
+    </dgm:pt>
+    <dgm:pt modelId="{B6CB3CF8-E647-4BD2-92CD-1EEA584C5221}" type="parTrans" cxnId="{91D2593C-7D74-43E8-BC24-122A9C83402E}">
+      <dgm:prSet/>
+      <dgm:spPr/>
+      <dgm:t>
+        <a:bodyPr/>
+        <a:lstStyle/>
+        <a:p>
+          <a:pPr algn="ctr"/>
+          <a:endParaRPr lang="en-US" sz="1600">
+            <a:solidFill>
+              <a:schemeClr val="tx1"/>
+            </a:solidFill>
+          </a:endParaRPr>
+        </a:p>
+      </dgm:t>
+    </dgm:pt>
+    <dgm:pt modelId="{A80C0A60-9866-4750-AF50-82E6D30D27C4}" type="sibTrans" cxnId="{91D2593C-7D74-43E8-BC24-122A9C83402E}">
+      <dgm:prSet/>
+      <dgm:spPr/>
+      <dgm:t>
+        <a:bodyPr/>
+        <a:lstStyle/>
+        <a:p>
+          <a:pPr algn="ctr"/>
+          <a:endParaRPr lang="en-US" sz="1600" dirty="0">
+            <a:solidFill>
+              <a:schemeClr val="tx1"/>
+            </a:solidFill>
+          </a:endParaRPr>
+        </a:p>
+      </dgm:t>
+    </dgm:pt>
+    <dgm:pt modelId="{3CA3A262-78E2-46B9-86B9-EC5A18FB14DE}">
+      <dgm:prSet custT="1"/>
+      <dgm:spPr>
+        <a:noFill/>
+        <a:ln>
+          <a:noFill/>
+        </a:ln>
+      </dgm:spPr>
+      <dgm:t>
+        <a:bodyPr anchor="ctr"/>
+        <a:lstStyle/>
+        <a:p>
+          <a:pPr algn="ctr"/>
+          <a:r>
+            <a:rPr lang="en-US" sz="1600" dirty="0">
+              <a:solidFill>
+                <a:schemeClr val="tx1"/>
+              </a:solidFill>
+            </a:rPr>
+            <a:t>Air quality</a:t>
+          </a:r>
+        </a:p>
+      </dgm:t>
+    </dgm:pt>
+    <dgm:pt modelId="{6BBE6B70-7535-4543-9D22-9A5FD3AA825E}" type="parTrans" cxnId="{DA22B488-0463-414F-B875-46191CF8188F}">
+      <dgm:prSet/>
+      <dgm:spPr/>
+      <dgm:t>
+        <a:bodyPr/>
+        <a:lstStyle/>
+        <a:p>
+          <a:pPr algn="ctr"/>
+          <a:endParaRPr lang="en-US" sz="1600">
+            <a:solidFill>
+              <a:schemeClr val="tx1"/>
+            </a:solidFill>
+          </a:endParaRPr>
+        </a:p>
+      </dgm:t>
+    </dgm:pt>
+    <dgm:pt modelId="{B3A5339B-3B69-46DF-810A-B2517955555D}" type="sibTrans" cxnId="{DA22B488-0463-414F-B875-46191CF8188F}">
+      <dgm:prSet/>
+      <dgm:spPr/>
+      <dgm:t>
+        <a:bodyPr/>
+        <a:lstStyle/>
+        <a:p>
+          <a:pPr algn="ctr"/>
+          <a:endParaRPr lang="en-US" sz="1600">
+            <a:solidFill>
+              <a:schemeClr val="tx1"/>
+            </a:solidFill>
+          </a:endParaRPr>
+        </a:p>
+      </dgm:t>
+    </dgm:pt>
+    <dgm:pt modelId="{D71E86D0-6050-6B48-A8A5-4C1AB935F287}" type="pres">
+      <dgm:prSet presAssocID="{64F98948-3320-4B7F-80FB-AB1137B5078B}" presName="Name0" presStyleCnt="0">
+        <dgm:presLayoutVars>
+          <dgm:dir/>
+          <dgm:resizeHandles val="exact"/>
+        </dgm:presLayoutVars>
+      </dgm:prSet>
+      <dgm:spPr/>
+    </dgm:pt>
+    <dgm:pt modelId="{5E553F33-6118-FB40-89F3-15938F669FBE}" type="pres">
+      <dgm:prSet presAssocID="{15F858BE-12F3-4653-B340-0B188B98203C}" presName="composite" presStyleCnt="0"/>
+      <dgm:spPr/>
+    </dgm:pt>
+    <dgm:pt modelId="{F217DEC4-0687-9546-AFDA-7F63E3E4E63D}" type="pres">
+      <dgm:prSet presAssocID="{15F858BE-12F3-4653-B340-0B188B98203C}" presName="imagSh" presStyleLbl="bgImgPlace1" presStyleIdx="0" presStyleCnt="3" custScaleX="60833" custScaleY="68683" custLinFactNeighborX="15146" custLinFactNeighborY="810"/>
+      <dgm:spPr>
+        <a:blipFill>
+          <a:blip xmlns:r="http://schemas.openxmlformats.org/officeDocument/2006/relationships" r:embed="rId1">
+            <a:extLst>
+              <a:ext uri="{96DAC541-7B7A-43D3-8B79-37D633B846F1}">
+                <asvg:svgBlip xmlns:asvg="http://schemas.microsoft.com/office/drawing/2016/SVG/main" r:embed="rId2"/>
+              </a:ext>
+            </a:extLst>
+          </a:blip>
+          <a:srcRect/>
+          <a:stretch>
+            <a:fillRect/>
+          </a:stretch>
+        </a:blipFill>
+        <a:ln>
+          <a:noFill/>
+        </a:ln>
+      </dgm:spPr>
+      <dgm:extLst>
+        <a:ext uri="{E40237B7-FDA0-4F09-8148-C483321AD2D9}">
+          <dgm14:cNvPr xmlns:dgm14="http://schemas.microsoft.com/office/drawing/2010/diagram" id="0" name="" descr="Σκουπίδια με συμπαγές γέμισμα"/>
+        </a:ext>
+      </dgm:extLst>
+    </dgm:pt>
+    <dgm:pt modelId="{F7010F18-F6C1-6244-999C-6F4826BFEE21}" type="pres">
+      <dgm:prSet presAssocID="{15F858BE-12F3-4653-B340-0B188B98203C}" presName="txNode" presStyleLbl="node1" presStyleIdx="0" presStyleCnt="3" custScaleY="100000">
+        <dgm:presLayoutVars>
+          <dgm:bulletEnabled val="1"/>
+        </dgm:presLayoutVars>
+      </dgm:prSet>
+      <dgm:spPr/>
+    </dgm:pt>
+    <dgm:pt modelId="{B48CEBB2-ABEF-3441-AEA3-83AB1BDCA6CB}" type="pres">
+      <dgm:prSet presAssocID="{BAF7F54C-54BB-4E32-A3BE-70FDDE1ACC7A}" presName="sibTrans" presStyleLbl="sibTrans2D1" presStyleIdx="0" presStyleCnt="2"/>
+      <dgm:spPr/>
+    </dgm:pt>
+    <dgm:pt modelId="{CDFD3779-0C6D-ED4A-8A25-EEFA7EDEEBA8}" type="pres">
+      <dgm:prSet presAssocID="{BAF7F54C-54BB-4E32-A3BE-70FDDE1ACC7A}" presName="connTx" presStyleLbl="sibTrans2D1" presStyleIdx="0" presStyleCnt="2"/>
+      <dgm:spPr/>
+    </dgm:pt>
+    <dgm:pt modelId="{A3D74D30-2AE4-A945-80A5-CE2E48807439}" type="pres">
+      <dgm:prSet presAssocID="{18935234-F39B-4F64-9D3E-ECC198090598}" presName="composite" presStyleCnt="0"/>
+      <dgm:spPr/>
+    </dgm:pt>
+    <dgm:pt modelId="{E284C749-1295-0C4F-B1FC-783A25129564}" type="pres">
+      <dgm:prSet presAssocID="{18935234-F39B-4F64-9D3E-ECC198090598}" presName="imagSh" presStyleLbl="bgImgPlace1" presStyleIdx="1" presStyleCnt="3" custScaleX="60833" custScaleY="68683" custLinFactNeighborX="15146" custLinFactNeighborY="810"/>
+      <dgm:spPr>
+        <a:blipFill>
+          <a:blip xmlns:r="http://schemas.openxmlformats.org/officeDocument/2006/relationships" r:embed="rId3">
+            <a:extLst>
+              <a:ext uri="{96DAC541-7B7A-43D3-8B79-37D633B846F1}">
+                <asvg:svgBlip xmlns:asvg="http://schemas.microsoft.com/office/drawing/2016/SVG/main" r:embed="rId4"/>
+              </a:ext>
+            </a:extLst>
+          </a:blip>
+          <a:srcRect/>
+          <a:stretch>
+            <a:fillRect/>
+          </a:stretch>
+        </a:blipFill>
+        <a:ln>
+          <a:noFill/>
+        </a:ln>
+      </dgm:spPr>
+      <dgm:extLst>
+        <a:ext uri="{E40237B7-FDA0-4F09-8148-C483321AD2D9}">
+          <dgm14:cNvPr xmlns:dgm14="http://schemas.microsoft.com/office/drawing/2010/diagram" id="0" name="" descr="Χάρτης με καρφίτσα με συμπαγές γέμισμα"/>
+        </a:ext>
+      </dgm:extLst>
+    </dgm:pt>
+    <dgm:pt modelId="{81E0535B-114E-6F49-902E-9793A88FD7A2}" type="pres">
+      <dgm:prSet presAssocID="{18935234-F39B-4F64-9D3E-ECC198090598}" presName="txNode" presStyleLbl="node1" presStyleIdx="1" presStyleCnt="3" custScaleY="100000">
+        <dgm:presLayoutVars>
+          <dgm:bulletEnabled val="1"/>
+        </dgm:presLayoutVars>
+      </dgm:prSet>
+      <dgm:spPr/>
+    </dgm:pt>
+    <dgm:pt modelId="{F44E78FC-A2BF-B94F-9C95-C81B202ABE44}" type="pres">
+      <dgm:prSet presAssocID="{A80C0A60-9866-4750-AF50-82E6D30D27C4}" presName="sibTrans" presStyleLbl="sibTrans2D1" presStyleIdx="1" presStyleCnt="2" custScaleX="81572" custScaleY="114300"/>
+      <dgm:spPr/>
+    </dgm:pt>
+    <dgm:pt modelId="{CE0FA63C-09D8-934F-91B5-588B4F27B949}" type="pres">
+      <dgm:prSet presAssocID="{A80C0A60-9866-4750-AF50-82E6D30D27C4}" presName="connTx" presStyleLbl="sibTrans2D1" presStyleIdx="1" presStyleCnt="2"/>
+      <dgm:spPr/>
+    </dgm:pt>
+    <dgm:pt modelId="{CC379880-0DFC-BC40-8044-92B945203AD3}" type="pres">
+      <dgm:prSet presAssocID="{3CA3A262-78E2-46B9-86B9-EC5A18FB14DE}" presName="composite" presStyleCnt="0"/>
+      <dgm:spPr/>
+    </dgm:pt>
+    <dgm:pt modelId="{1CADC06F-09C6-D742-9130-63CA66649117}" type="pres">
+      <dgm:prSet presAssocID="{3CA3A262-78E2-46B9-86B9-EC5A18FB14DE}" presName="imagSh" presStyleLbl="bgImgPlace1" presStyleIdx="2" presStyleCnt="3" custScaleX="60833" custScaleY="68683" custLinFactNeighborX="15146" custLinFactNeighborY="810"/>
+      <dgm:spPr>
+        <a:blipFill>
+          <a:blip xmlns:r="http://schemas.openxmlformats.org/officeDocument/2006/relationships" r:embed="rId5">
+            <a:extLst>
+              <a:ext uri="{96DAC541-7B7A-43D3-8B79-37D633B846F1}">
+                <asvg:svgBlip xmlns:asvg="http://schemas.microsoft.com/office/drawing/2016/SVG/main" r:embed="rId6"/>
+              </a:ext>
+            </a:extLst>
+          </a:blip>
+          <a:srcRect/>
+          <a:stretch>
+            <a:fillRect/>
+          </a:stretch>
+        </a:blipFill>
+        <a:ln>
+          <a:noFill/>
+        </a:ln>
+      </dgm:spPr>
+      <dgm:extLst>
+        <a:ext uri="{E40237B7-FDA0-4F09-8148-C483321AD2D9}">
+          <dgm14:cNvPr xmlns:dgm14="http://schemas.microsoft.com/office/drawing/2010/diagram" id="0" name="" descr="Pandemic ομαδοποιήσετε γράφημα καμπύλης γραμμής με συμπαγές γέμισμα"/>
+        </a:ext>
+      </dgm:extLst>
+    </dgm:pt>
+    <dgm:pt modelId="{6F26F383-AACD-1A41-8F77-717FC223BEE0}" type="pres">
+      <dgm:prSet presAssocID="{3CA3A262-78E2-46B9-86B9-EC5A18FB14DE}" presName="txNode" presStyleLbl="node1" presStyleIdx="2" presStyleCnt="3" custScaleY="100000">
+        <dgm:presLayoutVars>
+          <dgm:bulletEnabled val="1"/>
+        </dgm:presLayoutVars>
+      </dgm:prSet>
+      <dgm:spPr/>
+    </dgm:pt>
+  </dgm:ptLst>
+  <dgm:cxnLst>
+    <dgm:cxn modelId="{27B18F13-75D9-B34B-B64A-0CEE13570B09}" type="presOf" srcId="{64F98948-3320-4B7F-80FB-AB1137B5078B}" destId="{D71E86D0-6050-6B48-A8A5-4C1AB935F287}" srcOrd="0" destOrd="0" presId="urn:microsoft.com/office/officeart/2005/8/layout/hProcess10"/>
+    <dgm:cxn modelId="{6F956729-1A9D-7C40-835D-B4CB60071877}" type="presOf" srcId="{BAF7F54C-54BB-4E32-A3BE-70FDDE1ACC7A}" destId="{CDFD3779-0C6D-ED4A-8A25-EEFA7EDEEBA8}" srcOrd="1" destOrd="0" presId="urn:microsoft.com/office/officeart/2005/8/layout/hProcess10"/>
+    <dgm:cxn modelId="{9616F733-D614-9E49-B45A-F626C05E0A0A}" type="presOf" srcId="{BAF7F54C-54BB-4E32-A3BE-70FDDE1ACC7A}" destId="{B48CEBB2-ABEF-3441-AEA3-83AB1BDCA6CB}" srcOrd="0" destOrd="0" presId="urn:microsoft.com/office/officeart/2005/8/layout/hProcess10"/>
+    <dgm:cxn modelId="{91D2593C-7D74-43E8-BC24-122A9C83402E}" srcId="{64F98948-3320-4B7F-80FB-AB1137B5078B}" destId="{18935234-F39B-4F64-9D3E-ECC198090598}" srcOrd="1" destOrd="0" parTransId="{B6CB3CF8-E647-4BD2-92CD-1EEA584C5221}" sibTransId="{A80C0A60-9866-4750-AF50-82E6D30D27C4}"/>
+    <dgm:cxn modelId="{03765778-F70E-4E4F-AD78-3E86BF49035E}" type="presOf" srcId="{15F858BE-12F3-4653-B340-0B188B98203C}" destId="{F7010F18-F6C1-6244-999C-6F4826BFEE21}" srcOrd="0" destOrd="0" presId="urn:microsoft.com/office/officeart/2005/8/layout/hProcess10"/>
+    <dgm:cxn modelId="{FA95D97D-CE2A-9F49-A6D8-18333FD66426}" type="presOf" srcId="{A80C0A60-9866-4750-AF50-82E6D30D27C4}" destId="{CE0FA63C-09D8-934F-91B5-588B4F27B949}" srcOrd="1" destOrd="0" presId="urn:microsoft.com/office/officeart/2005/8/layout/hProcess10"/>
+    <dgm:cxn modelId="{DA22B488-0463-414F-B875-46191CF8188F}" srcId="{64F98948-3320-4B7F-80FB-AB1137B5078B}" destId="{3CA3A262-78E2-46B9-86B9-EC5A18FB14DE}" srcOrd="2" destOrd="0" parTransId="{6BBE6B70-7535-4543-9D22-9A5FD3AA825E}" sibTransId="{B3A5339B-3B69-46DF-810A-B2517955555D}"/>
+    <dgm:cxn modelId="{B8ABA3B5-ECCC-6D46-B337-803116BB5AAA}" type="presOf" srcId="{3CA3A262-78E2-46B9-86B9-EC5A18FB14DE}" destId="{6F26F383-AACD-1A41-8F77-717FC223BEE0}" srcOrd="0" destOrd="0" presId="urn:microsoft.com/office/officeart/2005/8/layout/hProcess10"/>
+    <dgm:cxn modelId="{4A25D3B6-6AC7-174D-97D6-3E8F48F4E771}" type="presOf" srcId="{A80C0A60-9866-4750-AF50-82E6D30D27C4}" destId="{F44E78FC-A2BF-B94F-9C95-C81B202ABE44}" srcOrd="0" destOrd="0" presId="urn:microsoft.com/office/officeart/2005/8/layout/hProcess10"/>
+    <dgm:cxn modelId="{520D18E4-D231-574D-B64D-D6C4244C1E3F}" type="presOf" srcId="{18935234-F39B-4F64-9D3E-ECC198090598}" destId="{81E0535B-114E-6F49-902E-9793A88FD7A2}" srcOrd="0" destOrd="0" presId="urn:microsoft.com/office/officeart/2005/8/layout/hProcess10"/>
+    <dgm:cxn modelId="{DEBC30EA-F307-450A-9FE0-DE38E709B7C6}" srcId="{64F98948-3320-4B7F-80FB-AB1137B5078B}" destId="{15F858BE-12F3-4653-B340-0B188B98203C}" srcOrd="0" destOrd="0" parTransId="{A18FFBF8-8B7D-40D4-A330-31FF915469FD}" sibTransId="{BAF7F54C-54BB-4E32-A3BE-70FDDE1ACC7A}"/>
+    <dgm:cxn modelId="{46AC3F03-13B1-1343-BFE4-0F50E71E66C0}" type="presParOf" srcId="{D71E86D0-6050-6B48-A8A5-4C1AB935F287}" destId="{5E553F33-6118-FB40-89F3-15938F669FBE}" srcOrd="0" destOrd="0" presId="urn:microsoft.com/office/officeart/2005/8/layout/hProcess10"/>
+    <dgm:cxn modelId="{8580CD58-3D7E-EC4B-A618-A71A19674BD4}" type="presParOf" srcId="{5E553F33-6118-FB40-89F3-15938F669FBE}" destId="{F217DEC4-0687-9546-AFDA-7F63E3E4E63D}" srcOrd="0" destOrd="0" presId="urn:microsoft.com/office/officeart/2005/8/layout/hProcess10"/>
+    <dgm:cxn modelId="{8832B1FF-2E99-6E4A-B3E5-AD220CD534D2}" type="presParOf" srcId="{5E553F33-6118-FB40-89F3-15938F669FBE}" destId="{F7010F18-F6C1-6244-999C-6F4826BFEE21}" srcOrd="1" destOrd="0" presId="urn:microsoft.com/office/officeart/2005/8/layout/hProcess10"/>
+    <dgm:cxn modelId="{E928AE63-7C58-C647-8CA7-D733A4A11C59}" type="presParOf" srcId="{D71E86D0-6050-6B48-A8A5-4C1AB935F287}" destId="{B48CEBB2-ABEF-3441-AEA3-83AB1BDCA6CB}" srcOrd="1" destOrd="0" presId="urn:microsoft.com/office/officeart/2005/8/layout/hProcess10"/>
+    <dgm:cxn modelId="{D946D881-929D-7149-A7CB-7987A68A33E0}" type="presParOf" srcId="{B48CEBB2-ABEF-3441-AEA3-83AB1BDCA6CB}" destId="{CDFD3779-0C6D-ED4A-8A25-EEFA7EDEEBA8}" srcOrd="0" destOrd="0" presId="urn:microsoft.com/office/officeart/2005/8/layout/hProcess10"/>
+    <dgm:cxn modelId="{1C441F21-4D72-4C47-A4E2-DC24F297A352}" type="presParOf" srcId="{D71E86D0-6050-6B48-A8A5-4C1AB935F287}" destId="{A3D74D30-2AE4-A945-80A5-CE2E48807439}" srcOrd="2" destOrd="0" presId="urn:microsoft.com/office/officeart/2005/8/layout/hProcess10"/>
+    <dgm:cxn modelId="{2C29130C-C5FA-D64C-B3BC-C99144A11EB4}" type="presParOf" srcId="{A3D74D30-2AE4-A945-80A5-CE2E48807439}" destId="{E284C749-1295-0C4F-B1FC-783A25129564}" srcOrd="0" destOrd="0" presId="urn:microsoft.com/office/officeart/2005/8/layout/hProcess10"/>
+    <dgm:cxn modelId="{AB5DF83F-E407-4246-81AD-A56189C2D1D2}" type="presParOf" srcId="{A3D74D30-2AE4-A945-80A5-CE2E48807439}" destId="{81E0535B-114E-6F49-902E-9793A88FD7A2}" srcOrd="1" destOrd="0" presId="urn:microsoft.com/office/officeart/2005/8/layout/hProcess10"/>
+    <dgm:cxn modelId="{3A42A652-9223-0A45-B184-77E224F805A9}" type="presParOf" srcId="{D71E86D0-6050-6B48-A8A5-4C1AB935F287}" destId="{F44E78FC-A2BF-B94F-9C95-C81B202ABE44}" srcOrd="3" destOrd="0" presId="urn:microsoft.com/office/officeart/2005/8/layout/hProcess10"/>
+    <dgm:cxn modelId="{8CD4F962-B721-DD42-82DB-E2046F67DB86}" type="presParOf" srcId="{F44E78FC-A2BF-B94F-9C95-C81B202ABE44}" destId="{CE0FA63C-09D8-934F-91B5-588B4F27B949}" srcOrd="0" destOrd="0" presId="urn:microsoft.com/office/officeart/2005/8/layout/hProcess10"/>
+    <dgm:cxn modelId="{930649C5-0765-BF44-A3AD-D9E65EA3AFB8}" type="presParOf" srcId="{D71E86D0-6050-6B48-A8A5-4C1AB935F287}" destId="{CC379880-0DFC-BC40-8044-92B945203AD3}" srcOrd="4" destOrd="0" presId="urn:microsoft.com/office/officeart/2005/8/layout/hProcess10"/>
+    <dgm:cxn modelId="{70B6C8CE-D2E4-5F4D-99D9-1D09E7629BF9}" type="presParOf" srcId="{CC379880-0DFC-BC40-8044-92B945203AD3}" destId="{1CADC06F-09C6-D742-9130-63CA66649117}" srcOrd="0" destOrd="0" presId="urn:microsoft.com/office/officeart/2005/8/layout/hProcess10"/>
+    <dgm:cxn modelId="{F9624D1E-E935-CF40-A145-8C716413BC3B}" type="presParOf" srcId="{CC379880-0DFC-BC40-8044-92B945203AD3}" destId="{6F26F383-AACD-1A41-8F77-717FC223BEE0}" srcOrd="1" destOrd="0" presId="urn:microsoft.com/office/officeart/2005/8/layout/hProcess10"/>
+  </dgm:cxnLst>
+  <dgm:bg/>
+  <dgm:whole/>
+  <dgm:extLst>
+    <a:ext uri="http://schemas.microsoft.com/office/drawing/2008/diagram">
+      <dsp:dataModelExt xmlns:dsp="http://schemas.microsoft.com/office/drawing/2008/diagram" relId="rId6" minVer="http://schemas.openxmlformats.org/drawingml/2006/diagram"/>
+    </a:ext>
+  </dgm:extLst>
+</dgm:dataModel>
+</file>
+
+<file path=ppt/diagrams/data4.xml><?xml version="1.0" encoding="utf-8"?>
 <dgm:dataModel xmlns:dgm="http://schemas.openxmlformats.org/drawingml/2006/diagram" xmlns:a="http://schemas.openxmlformats.org/drawingml/2006/main">
   <dgm:ptLst>
     <dgm:pt modelId="{64F98948-3320-4B7F-80FB-AB1137B5078B}" type="doc">
@@ -6941,7 +8233,7 @@
 </dgm:dataModel>
 </file>
 
-<file path=ppt/diagrams/data4.xml><?xml version="1.0" encoding="utf-8"?>
+<file path=ppt/diagrams/data5.xml><?xml version="1.0" encoding="utf-8"?>
 <dgm:dataModel xmlns:dgm="http://schemas.openxmlformats.org/drawingml/2006/diagram" xmlns:a="http://schemas.openxmlformats.org/drawingml/2006/main">
   <dgm:ptLst>
     <dgm:pt modelId="{55C0B14E-AEA6-48D3-A387-ED4A3A3BF840}" type="doc">
@@ -7587,7 +8879,7 @@
 </dgm:dataModel>
 </file>
 
-<file path=ppt/diagrams/data5.xml><?xml version="1.0" encoding="utf-8"?>
+<file path=ppt/diagrams/data6.xml><?xml version="1.0" encoding="utf-8"?>
 <dgm:dataModel xmlns:dgm="http://schemas.openxmlformats.org/drawingml/2006/diagram" xmlns:a="http://schemas.openxmlformats.org/drawingml/2006/main">
   <dgm:ptLst>
     <dgm:pt modelId="{D7951F77-4E36-4893-91C6-3151A6D51694}" type="doc">
@@ -9267,6 +10559,513 @@
         <a:blipFill>
           <a:blip xmlns:r="http://schemas.openxmlformats.org/officeDocument/2006/relationships" r:embed="rId1">
             <a:extLst>
+              <a:ext uri="{96DAC541-7B7A-43D3-8B79-37D633B846F1}">
+                <asvg:svgBlip xmlns:asvg="http://schemas.microsoft.com/office/drawing/2016/SVG/main" r:embed="rId2"/>
+              </a:ext>
+            </a:extLst>
+          </a:blip>
+          <a:srcRect/>
+          <a:stretch>
+            <a:fillRect/>
+          </a:stretch>
+        </a:blipFill>
+        <a:ln w="15875" cap="flat" cmpd="sng" algn="ctr">
+          <a:noFill/>
+          <a:prstDash val="solid"/>
+        </a:ln>
+        <a:effectLst/>
+      </dsp:spPr>
+      <dsp:style>
+        <a:lnRef idx="2">
+          <a:scrgbClr r="0" g="0" b="0"/>
+        </a:lnRef>
+        <a:fillRef idx="1">
+          <a:scrgbClr r="0" g="0" b="0"/>
+        </a:fillRef>
+        <a:effectRef idx="0">
+          <a:scrgbClr r="0" g="0" b="0"/>
+        </a:effectRef>
+        <a:fontRef idx="minor"/>
+      </dsp:style>
+    </dsp:sp>
+    <dsp:sp modelId="{F7010F18-F6C1-6244-999C-6F4826BFEE21}">
+      <dsp:nvSpPr>
+        <dsp:cNvPr id="0" name=""/>
+        <dsp:cNvSpPr/>
+      </dsp:nvSpPr>
+      <dsp:spPr>
+        <a:xfrm>
+          <a:off x="6487" y="1226269"/>
+          <a:ext cx="2660957" cy="2350492"/>
+        </a:xfrm>
+        <a:prstGeom prst="roundRect">
+          <a:avLst>
+            <a:gd name="adj" fmla="val 10000"/>
+          </a:avLst>
+        </a:prstGeom>
+        <a:noFill/>
+        <a:ln w="15875" cap="flat" cmpd="sng" algn="ctr">
+          <a:noFill/>
+          <a:prstDash val="solid"/>
+        </a:ln>
+        <a:effectLst/>
+      </dsp:spPr>
+      <dsp:style>
+        <a:lnRef idx="2">
+          <a:scrgbClr r="0" g="0" b="0"/>
+        </a:lnRef>
+        <a:fillRef idx="1">
+          <a:scrgbClr r="0" g="0" b="0"/>
+        </a:fillRef>
+        <a:effectRef idx="0">
+          <a:scrgbClr r="0" g="0" b="0"/>
+        </a:effectRef>
+        <a:fontRef idx="minor">
+          <a:schemeClr val="lt1"/>
+        </a:fontRef>
+      </dsp:style>
+      <dsp:txBody>
+        <a:bodyPr spcFirstLastPara="0" vert="horz" wrap="square" lIns="60960" tIns="60960" rIns="60960" bIns="60960" numCol="1" spcCol="1270" anchor="ctr" anchorCtr="0">
+          <a:noAutofit/>
+        </a:bodyPr>
+        <a:lstStyle/>
+        <a:p>
+          <a:pPr marL="0" lvl="0" indent="0" algn="ctr" defTabSz="711200">
+            <a:lnSpc>
+              <a:spcPct val="90000"/>
+            </a:lnSpc>
+            <a:spcBef>
+              <a:spcPct val="0"/>
+            </a:spcBef>
+            <a:spcAft>
+              <a:spcPct val="35000"/>
+            </a:spcAft>
+            <a:buNone/>
+          </a:pPr>
+          <a:r>
+            <a:rPr lang="en-US" sz="1600" kern="1200">
+              <a:solidFill>
+                <a:schemeClr val="tx1"/>
+              </a:solidFill>
+            </a:rPr>
+            <a:t>Fullness of each bin</a:t>
+          </a:r>
+          <a:endParaRPr lang="en-US" sz="1600" kern="1200" dirty="0">
+            <a:solidFill>
+              <a:schemeClr val="tx1"/>
+            </a:solidFill>
+          </a:endParaRPr>
+        </a:p>
+      </dsp:txBody>
+      <dsp:txXfrm>
+        <a:off x="75331" y="1295113"/>
+        <a:ext cx="2523269" cy="2212804"/>
+      </dsp:txXfrm>
+    </dsp:sp>
+    <dsp:sp modelId="{B48CEBB2-ABEF-3441-AEA3-83AB1BDCA6CB}">
+      <dsp:nvSpPr>
+        <dsp:cNvPr id="0" name=""/>
+        <dsp:cNvSpPr/>
+      </dsp:nvSpPr>
+      <dsp:spPr>
+        <a:xfrm>
+          <a:off x="2841908" y="690563"/>
+          <a:ext cx="725722" cy="639390"/>
+        </a:xfrm>
+        <a:prstGeom prst="rightArrow">
+          <a:avLst>
+            <a:gd name="adj1" fmla="val 60000"/>
+            <a:gd name="adj2" fmla="val 50000"/>
+          </a:avLst>
+        </a:prstGeom>
+        <a:solidFill>
+          <a:schemeClr val="accent3"/>
+        </a:solidFill>
+        <a:ln>
+          <a:noFill/>
+        </a:ln>
+        <a:effectLst/>
+      </dsp:spPr>
+      <dsp:style>
+        <a:lnRef idx="0">
+          <a:scrgbClr r="0" g="0" b="0"/>
+        </a:lnRef>
+        <a:fillRef idx="1">
+          <a:scrgbClr r="0" g="0" b="0"/>
+        </a:fillRef>
+        <a:effectRef idx="0">
+          <a:scrgbClr r="0" g="0" b="0"/>
+        </a:effectRef>
+        <a:fontRef idx="minor">
+          <a:schemeClr val="lt1"/>
+        </a:fontRef>
+      </dsp:style>
+      <dsp:txBody>
+        <a:bodyPr spcFirstLastPara="0" vert="horz" wrap="square" lIns="0" tIns="0" rIns="0" bIns="0" numCol="1" spcCol="1270" anchor="ctr" anchorCtr="0">
+          <a:noAutofit/>
+        </a:bodyPr>
+        <a:lstStyle/>
+        <a:p>
+          <a:pPr marL="0" lvl="0" indent="0" algn="ctr" defTabSz="1200150">
+            <a:lnSpc>
+              <a:spcPct val="90000"/>
+            </a:lnSpc>
+            <a:spcBef>
+              <a:spcPct val="0"/>
+            </a:spcBef>
+            <a:spcAft>
+              <a:spcPct val="35000"/>
+            </a:spcAft>
+            <a:buNone/>
+          </a:pPr>
+          <a:endParaRPr lang="en-US" sz="2700" kern="1200" dirty="0">
+            <a:solidFill>
+              <a:schemeClr val="tx1"/>
+            </a:solidFill>
+          </a:endParaRPr>
+        </a:p>
+      </dsp:txBody>
+      <dsp:txXfrm>
+        <a:off x="2841908" y="818441"/>
+        <a:ext cx="533905" cy="383634"/>
+      </dsp:txXfrm>
+    </dsp:sp>
+    <dsp:sp modelId="{E284C749-1295-0C4F-B1FC-783A25129564}">
+      <dsp:nvSpPr>
+        <dsp:cNvPr id="0" name=""/>
+        <dsp:cNvSpPr/>
+      </dsp:nvSpPr>
+      <dsp:spPr>
+        <a:xfrm>
+          <a:off x="4189679" y="203064"/>
+          <a:ext cx="1618740" cy="1614388"/>
+        </a:xfrm>
+        <a:prstGeom prst="roundRect">
+          <a:avLst>
+            <a:gd name="adj" fmla="val 10000"/>
+          </a:avLst>
+        </a:prstGeom>
+        <a:blipFill>
+          <a:blip xmlns:r="http://schemas.openxmlformats.org/officeDocument/2006/relationships" r:embed="rId3">
+            <a:extLst>
+              <a:ext uri="{96DAC541-7B7A-43D3-8B79-37D633B846F1}">
+                <asvg:svgBlip xmlns:asvg="http://schemas.microsoft.com/office/drawing/2016/SVG/main" r:embed="rId4"/>
+              </a:ext>
+            </a:extLst>
+          </a:blip>
+          <a:srcRect/>
+          <a:stretch>
+            <a:fillRect/>
+          </a:stretch>
+        </a:blipFill>
+        <a:ln w="15875" cap="flat" cmpd="sng" algn="ctr">
+          <a:noFill/>
+          <a:prstDash val="solid"/>
+        </a:ln>
+        <a:effectLst/>
+      </dsp:spPr>
+      <dsp:style>
+        <a:lnRef idx="2">
+          <a:scrgbClr r="0" g="0" b="0"/>
+        </a:lnRef>
+        <a:fillRef idx="1">
+          <a:scrgbClr r="0" g="0" b="0"/>
+        </a:fillRef>
+        <a:effectRef idx="0">
+          <a:scrgbClr r="0" g="0" b="0"/>
+        </a:effectRef>
+        <a:fontRef idx="minor"/>
+      </dsp:style>
+    </dsp:sp>
+    <dsp:sp modelId="{81E0535B-114E-6F49-902E-9793A88FD7A2}">
+      <dsp:nvSpPr>
+        <dsp:cNvPr id="0" name=""/>
+        <dsp:cNvSpPr/>
+      </dsp:nvSpPr>
+      <dsp:spPr>
+        <a:xfrm>
+          <a:off x="3698721" y="1226269"/>
+          <a:ext cx="2660957" cy="2350492"/>
+        </a:xfrm>
+        <a:prstGeom prst="roundRect">
+          <a:avLst>
+            <a:gd name="adj" fmla="val 10000"/>
+          </a:avLst>
+        </a:prstGeom>
+        <a:noFill/>
+        <a:ln w="15875" cap="flat" cmpd="sng" algn="ctr">
+          <a:noFill/>
+          <a:prstDash val="solid"/>
+        </a:ln>
+        <a:effectLst/>
+      </dsp:spPr>
+      <dsp:style>
+        <a:lnRef idx="2">
+          <a:scrgbClr r="0" g="0" b="0"/>
+        </a:lnRef>
+        <a:fillRef idx="1">
+          <a:scrgbClr r="0" g="0" b="0"/>
+        </a:fillRef>
+        <a:effectRef idx="0">
+          <a:scrgbClr r="0" g="0" b="0"/>
+        </a:effectRef>
+        <a:fontRef idx="minor">
+          <a:schemeClr val="lt1"/>
+        </a:fontRef>
+      </dsp:style>
+      <dsp:txBody>
+        <a:bodyPr spcFirstLastPara="0" vert="horz" wrap="square" lIns="60960" tIns="60960" rIns="60960" bIns="60960" numCol="1" spcCol="1270" anchor="ctr" anchorCtr="0">
+          <a:noAutofit/>
+        </a:bodyPr>
+        <a:lstStyle/>
+        <a:p>
+          <a:pPr marL="0" lvl="0" indent="0" algn="ctr" defTabSz="711200">
+            <a:lnSpc>
+              <a:spcPct val="90000"/>
+            </a:lnSpc>
+            <a:spcBef>
+              <a:spcPct val="0"/>
+            </a:spcBef>
+            <a:spcAft>
+              <a:spcPct val="35000"/>
+            </a:spcAft>
+            <a:buNone/>
+          </a:pPr>
+          <a:r>
+            <a:rPr lang="en-US" sz="1600" kern="1200" dirty="0"/>
+            <a:t>Real time position of bin and trash truck</a:t>
+          </a:r>
+          <a:endParaRPr lang="en-US" sz="1600" kern="1200" dirty="0">
+            <a:solidFill>
+              <a:schemeClr val="tx1"/>
+            </a:solidFill>
+          </a:endParaRPr>
+        </a:p>
+      </dsp:txBody>
+      <dsp:txXfrm>
+        <a:off x="3767565" y="1295113"/>
+        <a:ext cx="2523269" cy="2212804"/>
+      </dsp:txXfrm>
+    </dsp:sp>
+    <dsp:sp modelId="{F44E78FC-A2BF-B94F-9C95-C81B202ABE44}">
+      <dsp:nvSpPr>
+        <dsp:cNvPr id="0" name=""/>
+        <dsp:cNvSpPr/>
+      </dsp:nvSpPr>
+      <dsp:spPr>
+        <a:xfrm>
+          <a:off x="6601010" y="644847"/>
+          <a:ext cx="591986" cy="730823"/>
+        </a:xfrm>
+        <a:prstGeom prst="rightArrow">
+          <a:avLst>
+            <a:gd name="adj1" fmla="val 60000"/>
+            <a:gd name="adj2" fmla="val 50000"/>
+          </a:avLst>
+        </a:prstGeom>
+        <a:solidFill>
+          <a:schemeClr val="accent3">
+            <a:hueOff val="0"/>
+            <a:satOff val="0"/>
+            <a:lumOff val="0"/>
+            <a:alphaOff val="0"/>
+          </a:schemeClr>
+        </a:solidFill>
+        <a:ln>
+          <a:noFill/>
+        </a:ln>
+        <a:effectLst/>
+      </dsp:spPr>
+      <dsp:style>
+        <a:lnRef idx="0">
+          <a:scrgbClr r="0" g="0" b="0"/>
+        </a:lnRef>
+        <a:fillRef idx="1">
+          <a:scrgbClr r="0" g="0" b="0"/>
+        </a:fillRef>
+        <a:effectRef idx="0">
+          <a:scrgbClr r="0" g="0" b="0"/>
+        </a:effectRef>
+        <a:fontRef idx="minor">
+          <a:schemeClr val="lt1"/>
+        </a:fontRef>
+      </dsp:style>
+      <dsp:txBody>
+        <a:bodyPr spcFirstLastPara="0" vert="horz" wrap="square" lIns="0" tIns="0" rIns="0" bIns="0" numCol="1" spcCol="1270" anchor="ctr" anchorCtr="0">
+          <a:noAutofit/>
+        </a:bodyPr>
+        <a:lstStyle/>
+        <a:p>
+          <a:pPr marL="0" lvl="0" indent="0" algn="ctr" defTabSz="1377950">
+            <a:lnSpc>
+              <a:spcPct val="90000"/>
+            </a:lnSpc>
+            <a:spcBef>
+              <a:spcPct val="0"/>
+            </a:spcBef>
+            <a:spcAft>
+              <a:spcPct val="35000"/>
+            </a:spcAft>
+            <a:buNone/>
+          </a:pPr>
+          <a:endParaRPr lang="en-US" sz="3100" kern="1200" dirty="0">
+            <a:solidFill>
+              <a:schemeClr val="tx1"/>
+            </a:solidFill>
+          </a:endParaRPr>
+        </a:p>
+      </dsp:txBody>
+      <dsp:txXfrm>
+        <a:off x="6601010" y="791012"/>
+        <a:ext cx="414390" cy="438493"/>
+      </dsp:txXfrm>
+    </dsp:sp>
+    <dsp:sp modelId="{1CADC06F-09C6-D742-9130-63CA66649117}">
+      <dsp:nvSpPr>
+        <dsp:cNvPr id="0" name=""/>
+        <dsp:cNvSpPr/>
+      </dsp:nvSpPr>
+      <dsp:spPr>
+        <a:xfrm>
+          <a:off x="7881912" y="203064"/>
+          <a:ext cx="1618740" cy="1614388"/>
+        </a:xfrm>
+        <a:prstGeom prst="roundRect">
+          <a:avLst>
+            <a:gd name="adj" fmla="val 10000"/>
+          </a:avLst>
+        </a:prstGeom>
+        <a:blipFill>
+          <a:blip xmlns:r="http://schemas.openxmlformats.org/officeDocument/2006/relationships" r:embed="rId5">
+            <a:extLst>
+              <a:ext uri="{96DAC541-7B7A-43D3-8B79-37D633B846F1}">
+                <asvg:svgBlip xmlns:asvg="http://schemas.microsoft.com/office/drawing/2016/SVG/main" r:embed="rId6"/>
+              </a:ext>
+            </a:extLst>
+          </a:blip>
+          <a:srcRect/>
+          <a:stretch>
+            <a:fillRect/>
+          </a:stretch>
+        </a:blipFill>
+        <a:ln w="15875" cap="flat" cmpd="sng" algn="ctr">
+          <a:noFill/>
+          <a:prstDash val="solid"/>
+        </a:ln>
+        <a:effectLst/>
+      </dsp:spPr>
+      <dsp:style>
+        <a:lnRef idx="2">
+          <a:scrgbClr r="0" g="0" b="0"/>
+        </a:lnRef>
+        <a:fillRef idx="1">
+          <a:scrgbClr r="0" g="0" b="0"/>
+        </a:fillRef>
+        <a:effectRef idx="0">
+          <a:scrgbClr r="0" g="0" b="0"/>
+        </a:effectRef>
+        <a:fontRef idx="minor"/>
+      </dsp:style>
+    </dsp:sp>
+    <dsp:sp modelId="{6F26F383-AACD-1A41-8F77-717FC223BEE0}">
+      <dsp:nvSpPr>
+        <dsp:cNvPr id="0" name=""/>
+        <dsp:cNvSpPr/>
+      </dsp:nvSpPr>
+      <dsp:spPr>
+        <a:xfrm>
+          <a:off x="7390954" y="1226269"/>
+          <a:ext cx="2660957" cy="2350492"/>
+        </a:xfrm>
+        <a:prstGeom prst="roundRect">
+          <a:avLst>
+            <a:gd name="adj" fmla="val 10000"/>
+          </a:avLst>
+        </a:prstGeom>
+        <a:noFill/>
+        <a:ln w="15875" cap="flat" cmpd="sng" algn="ctr">
+          <a:noFill/>
+          <a:prstDash val="solid"/>
+        </a:ln>
+        <a:effectLst/>
+      </dsp:spPr>
+      <dsp:style>
+        <a:lnRef idx="2">
+          <a:scrgbClr r="0" g="0" b="0"/>
+        </a:lnRef>
+        <a:fillRef idx="1">
+          <a:scrgbClr r="0" g="0" b="0"/>
+        </a:fillRef>
+        <a:effectRef idx="0">
+          <a:scrgbClr r="0" g="0" b="0"/>
+        </a:effectRef>
+        <a:fontRef idx="minor">
+          <a:schemeClr val="lt1"/>
+        </a:fontRef>
+      </dsp:style>
+      <dsp:txBody>
+        <a:bodyPr spcFirstLastPara="0" vert="horz" wrap="square" lIns="60960" tIns="60960" rIns="60960" bIns="60960" numCol="1" spcCol="1270" anchor="ctr" anchorCtr="0">
+          <a:noAutofit/>
+        </a:bodyPr>
+        <a:lstStyle/>
+        <a:p>
+          <a:pPr marL="0" lvl="0" indent="0" algn="ctr" defTabSz="711200">
+            <a:lnSpc>
+              <a:spcPct val="90000"/>
+            </a:lnSpc>
+            <a:spcBef>
+              <a:spcPct val="0"/>
+            </a:spcBef>
+            <a:spcAft>
+              <a:spcPct val="35000"/>
+            </a:spcAft>
+            <a:buNone/>
+          </a:pPr>
+          <a:r>
+            <a:rPr lang="en-US" sz="1600" kern="1200" dirty="0">
+              <a:solidFill>
+                <a:schemeClr val="tx1"/>
+              </a:solidFill>
+            </a:rPr>
+            <a:t>Air quality</a:t>
+          </a:r>
+        </a:p>
+      </dsp:txBody>
+      <dsp:txXfrm>
+        <a:off x="7459798" y="1295113"/>
+        <a:ext cx="2523269" cy="2212804"/>
+      </dsp:txXfrm>
+    </dsp:sp>
+  </dsp:spTree>
+</dsp:drawing>
+</file>
+
+<file path=ppt/diagrams/drawing4.xml><?xml version="1.0" encoding="utf-8"?>
+<dsp:drawing xmlns:dgm="http://schemas.openxmlformats.org/drawingml/2006/diagram" xmlns:dsp="http://schemas.microsoft.com/office/drawing/2008/diagram" xmlns:a="http://schemas.openxmlformats.org/drawingml/2006/main">
+  <dsp:spTree>
+    <dsp:nvGrpSpPr>
+      <dsp:cNvPr id="0" name=""/>
+      <dsp:cNvGrpSpPr/>
+    </dsp:nvGrpSpPr>
+    <dsp:grpSpPr/>
+    <dsp:sp modelId="{F217DEC4-0687-9546-AFDA-7F63E3E4E63D}">
+      <dsp:nvSpPr>
+        <dsp:cNvPr id="0" name=""/>
+        <dsp:cNvSpPr/>
+      </dsp:nvSpPr>
+      <dsp:spPr>
+        <a:xfrm>
+          <a:off x="497445" y="203064"/>
+          <a:ext cx="1618740" cy="1614388"/>
+        </a:xfrm>
+        <a:prstGeom prst="roundRect">
+          <a:avLst>
+            <a:gd name="adj" fmla="val 10000"/>
+          </a:avLst>
+        </a:prstGeom>
+        <a:blipFill>
+          <a:blip xmlns:r="http://schemas.openxmlformats.org/officeDocument/2006/relationships" r:embed="rId1">
+            <a:extLst>
               <a:ext uri="{28A0092B-C50C-407E-A947-70E740481C1C}">
                 <a14:useLocalDpi xmlns:a14="http://schemas.microsoft.com/office/drawing/2010/main"/>
               </a:ext>
@@ -9748,7 +11547,7 @@
 </dsp:drawing>
 </file>
 
-<file path=ppt/diagrams/drawing4.xml><?xml version="1.0" encoding="utf-8"?>
+<file path=ppt/diagrams/drawing5.xml><?xml version="1.0" encoding="utf-8"?>
 <dsp:drawing xmlns:dgm="http://schemas.openxmlformats.org/drawingml/2006/diagram" xmlns:dsp="http://schemas.microsoft.com/office/drawing/2008/diagram" xmlns:a="http://schemas.openxmlformats.org/drawingml/2006/main">
   <dsp:spTree>
     <dsp:nvGrpSpPr>
@@ -10492,7 +12291,7 @@
 </dsp:drawing>
 </file>
 
-<file path=ppt/diagrams/drawing5.xml><?xml version="1.0" encoding="utf-8"?>
+<file path=ppt/diagrams/drawing6.xml><?xml version="1.0" encoding="utf-8"?>
 <dsp:drawing xmlns:dgm="http://schemas.openxmlformats.org/drawingml/2006/diagram" xmlns:dsp="http://schemas.microsoft.com/office/drawing/2008/diagram" xmlns:a="http://schemas.openxmlformats.org/drawingml/2006/main">
   <dsp:spTree>
     <dsp:nvGrpSpPr>
@@ -11887,6 +13686,246 @@
 </file>
 
 <file path=ppt/diagrams/layout4.xml><?xml version="1.0" encoding="utf-8"?>
+<dgm:layoutDef xmlns:dgm="http://schemas.openxmlformats.org/drawingml/2006/diagram" xmlns:a="http://schemas.openxmlformats.org/drawingml/2006/main" uniqueId="urn:microsoft.com/office/officeart/2005/8/layout/hProcess10">
+  <dgm:title val=""/>
+  <dgm:desc val=""/>
+  <dgm:catLst>
+    <dgm:cat type="process" pri="3000"/>
+    <dgm:cat type="picture" pri="30000"/>
+    <dgm:cat type="pictureconvert" pri="30000"/>
+  </dgm:catLst>
+  <dgm:sampData>
+    <dgm:dataModel>
+      <dgm:ptLst>
+        <dgm:pt modelId="0" type="doc"/>
+        <dgm:pt modelId="1">
+          <dgm:prSet phldr="1"/>
+        </dgm:pt>
+        <dgm:pt modelId="11">
+          <dgm:prSet phldr="1"/>
+        </dgm:pt>
+        <dgm:pt modelId="12">
+          <dgm:prSet phldr="1"/>
+        </dgm:pt>
+        <dgm:pt modelId="2">
+          <dgm:prSet phldr="1"/>
+        </dgm:pt>
+        <dgm:pt modelId="21">
+          <dgm:prSet phldr="1"/>
+        </dgm:pt>
+        <dgm:pt modelId="22">
+          <dgm:prSet phldr="1"/>
+        </dgm:pt>
+        <dgm:pt modelId="3">
+          <dgm:prSet phldr="1"/>
+        </dgm:pt>
+        <dgm:pt modelId="31">
+          <dgm:prSet phldr="1"/>
+        </dgm:pt>
+        <dgm:pt modelId="32">
+          <dgm:prSet phldr="1"/>
+        </dgm:pt>
+      </dgm:ptLst>
+      <dgm:cxnLst>
+        <dgm:cxn modelId="4" srcId="0" destId="1" srcOrd="0" destOrd="0"/>
+        <dgm:cxn modelId="5" srcId="0" destId="2" srcOrd="1" destOrd="0"/>
+        <dgm:cxn modelId="6" srcId="0" destId="3" srcOrd="2" destOrd="0"/>
+        <dgm:cxn modelId="13" srcId="1" destId="11" srcOrd="0" destOrd="0"/>
+        <dgm:cxn modelId="14" srcId="1" destId="12" srcOrd="1" destOrd="0"/>
+        <dgm:cxn modelId="23" srcId="2" destId="21" srcOrd="0" destOrd="0"/>
+        <dgm:cxn modelId="24" srcId="2" destId="22" srcOrd="1" destOrd="0"/>
+        <dgm:cxn modelId="33" srcId="3" destId="31" srcOrd="0" destOrd="0"/>
+        <dgm:cxn modelId="34" srcId="3" destId="32" srcOrd="1" destOrd="0"/>
+      </dgm:cxnLst>
+      <dgm:bg/>
+      <dgm:whole/>
+    </dgm:dataModel>
+  </dgm:sampData>
+  <dgm:styleData>
+    <dgm:dataModel>
+      <dgm:ptLst>
+        <dgm:pt modelId="0" type="doc"/>
+        <dgm:pt modelId="1"/>
+        <dgm:pt modelId="11"/>
+        <dgm:pt modelId="2"/>
+        <dgm:pt modelId="21"/>
+      </dgm:ptLst>
+      <dgm:cxnLst>
+        <dgm:cxn modelId="4" srcId="0" destId="1" srcOrd="0" destOrd="0"/>
+        <dgm:cxn modelId="5" srcId="0" destId="2" srcOrd="1" destOrd="0"/>
+        <dgm:cxn modelId="13" srcId="1" destId="11" srcOrd="0" destOrd="0"/>
+        <dgm:cxn modelId="23" srcId="2" destId="21" srcOrd="0" destOrd="0"/>
+      </dgm:cxnLst>
+      <dgm:bg/>
+      <dgm:whole/>
+    </dgm:dataModel>
+  </dgm:styleData>
+  <dgm:clrData>
+    <dgm:dataModel>
+      <dgm:ptLst>
+        <dgm:pt modelId="0" type="doc"/>
+        <dgm:pt modelId="1"/>
+        <dgm:pt modelId="11"/>
+        <dgm:pt modelId="2"/>
+        <dgm:pt modelId="21"/>
+        <dgm:pt modelId="3"/>
+        <dgm:pt modelId="31"/>
+        <dgm:pt modelId="4"/>
+        <dgm:pt modelId="41"/>
+      </dgm:ptLst>
+      <dgm:cxnLst>
+        <dgm:cxn modelId="5" srcId="0" destId="1" srcOrd="0" destOrd="0"/>
+        <dgm:cxn modelId="6" srcId="0" destId="2" srcOrd="1" destOrd="0"/>
+        <dgm:cxn modelId="7" srcId="0" destId="3" srcOrd="2" destOrd="0"/>
+        <dgm:cxn modelId="8" srcId="0" destId="4" srcOrd="3" destOrd="0"/>
+        <dgm:cxn modelId="13" srcId="1" destId="11" srcOrd="0" destOrd="0"/>
+        <dgm:cxn modelId="23" srcId="2" destId="21" srcOrd="0" destOrd="0"/>
+        <dgm:cxn modelId="33" srcId="3" destId="31" srcOrd="0" destOrd="0"/>
+        <dgm:cxn modelId="43" srcId="4" destId="41" srcOrd="0" destOrd="0"/>
+      </dgm:cxnLst>
+      <dgm:bg/>
+      <dgm:whole/>
+    </dgm:dataModel>
+  </dgm:clrData>
+  <dgm:layoutNode name="Name0">
+    <dgm:varLst>
+      <dgm:dir/>
+      <dgm:resizeHandles val="exact"/>
+    </dgm:varLst>
+    <dgm:choose name="Name1">
+      <dgm:if name="Name2" func="var" arg="dir" op="equ" val="norm">
+        <dgm:alg type="lin"/>
+      </dgm:if>
+      <dgm:else name="Name3">
+        <dgm:alg type="lin">
+          <dgm:param type="linDir" val="fromR"/>
+        </dgm:alg>
+      </dgm:else>
+    </dgm:choose>
+    <dgm:shape xmlns:r="http://schemas.openxmlformats.org/officeDocument/2006/relationships" r:blip="">
+      <dgm:adjLst/>
+    </dgm:shape>
+    <dgm:presOf/>
+    <dgm:constrLst>
+      <dgm:constr type="w" for="ch" forName="composite" refType="w"/>
+      <dgm:constr type="w" for="ch" ptType="sibTrans" refType="w" refFor="ch" refForName="composite" op="equ" fact="0.3333"/>
+      <dgm:constr type="primFontSz" for="des" forName="txNode" op="equ" val="65"/>
+      <dgm:constr type="primFontSz" for="des" forName="connTx" op="equ" val="55"/>
+      <dgm:constr type="primFontSz" for="des" forName="connTx" refType="primFontSz" refFor="des" refForName="txNode" op="lte" fact="0.8"/>
+    </dgm:constrLst>
+    <dgm:ruleLst/>
+    <dgm:forEach name="Name4" axis="ch" ptType="node">
+      <dgm:layoutNode name="composite">
+        <dgm:alg type="composite"/>
+        <dgm:shape xmlns:r="http://schemas.openxmlformats.org/officeDocument/2006/relationships" r:blip="">
+          <dgm:adjLst/>
+        </dgm:shape>
+        <dgm:presOf/>
+        <dgm:choose name="Name5">
+          <dgm:if name="Name6" func="var" arg="dir" op="equ" val="norm">
+            <dgm:constrLst>
+              <dgm:constr type="l" for="ch" forName="imagSh"/>
+              <dgm:constr type="w" for="ch" forName="imagSh" refType="w" fact="0.86"/>
+              <dgm:constr type="t" for="ch" forName="imagSh"/>
+              <dgm:constr type="h" for="ch" forName="imagSh" refType="w" refFor="ch" refForName="imagSh"/>
+              <dgm:constr type="l" for="ch" forName="txNode" refType="w" fact="0.14"/>
+              <dgm:constr type="w" for="ch" forName="txNode" refType="w" refFor="ch" refForName="imagSh"/>
+              <dgm:constr type="t" for="ch" forName="txNode" refType="h" refFor="ch" refForName="imagSh" fact="0.6"/>
+              <dgm:constr type="h" for="ch" forName="txNode" refType="h" refFor="ch" refForName="imagSh"/>
+            </dgm:constrLst>
+          </dgm:if>
+          <dgm:else name="Name7">
+            <dgm:constrLst>
+              <dgm:constr type="l" for="ch" forName="imagSh" refType="w" fact="0.14"/>
+              <dgm:constr type="w" for="ch" forName="imagSh" refType="w" fact="0.86"/>
+              <dgm:constr type="t" for="ch" forName="imagSh"/>
+              <dgm:constr type="h" for="ch" forName="imagSh" refType="w" refFor="ch" refForName="imagSh"/>
+              <dgm:constr type="l" for="ch" forName="txNode"/>
+              <dgm:constr type="w" for="ch" forName="txNode" refType="w" refFor="ch" refForName="imagSh"/>
+              <dgm:constr type="t" for="ch" forName="txNode" refType="h" refFor="ch" refForName="imagSh" fact="0.6"/>
+              <dgm:constr type="h" for="ch" forName="txNode" refType="h" refFor="ch" refForName="imagSh"/>
+            </dgm:constrLst>
+          </dgm:else>
+        </dgm:choose>
+        <dgm:ruleLst/>
+        <dgm:layoutNode name="imagSh" styleLbl="bgImgPlace1">
+          <dgm:alg type="sp"/>
+          <dgm:shape xmlns:r="http://schemas.openxmlformats.org/officeDocument/2006/relationships" type="roundRect" r:blip="" blipPhldr="1">
+            <dgm:adjLst>
+              <dgm:adj idx="1" val="0.1"/>
+            </dgm:adjLst>
+          </dgm:shape>
+          <dgm:presOf/>
+          <dgm:constrLst/>
+          <dgm:ruleLst/>
+        </dgm:layoutNode>
+        <dgm:layoutNode name="txNode" styleLbl="node1">
+          <dgm:varLst>
+            <dgm:bulletEnabled val="1"/>
+          </dgm:varLst>
+          <dgm:alg type="tx"/>
+          <dgm:shape xmlns:r="http://schemas.openxmlformats.org/officeDocument/2006/relationships" type="roundRect" r:blip="">
+            <dgm:adjLst>
+              <dgm:adj idx="1" val="0.1"/>
+            </dgm:adjLst>
+          </dgm:shape>
+          <dgm:presOf axis="desOrSelf" ptType="node"/>
+          <dgm:constrLst>
+            <dgm:constr type="tMarg" refType="primFontSz" fact="0.3"/>
+            <dgm:constr type="bMarg" refType="primFontSz" fact="0.3"/>
+            <dgm:constr type="lMarg" refType="primFontSz" fact="0.3"/>
+            <dgm:constr type="rMarg" refType="primFontSz" fact="0.3"/>
+          </dgm:constrLst>
+          <dgm:ruleLst>
+            <dgm:rule type="primFontSz" val="5" fact="NaN" max="NaN"/>
+          </dgm:ruleLst>
+        </dgm:layoutNode>
+      </dgm:layoutNode>
+      <dgm:forEach name="sibTransForEach" axis="followSib" ptType="sibTrans" cnt="1">
+        <dgm:layoutNode name="sibTrans">
+          <dgm:alg type="conn">
+            <dgm:param type="begPts" val="auto"/>
+            <dgm:param type="endPts" val="auto"/>
+            <dgm:param type="srcNode" val="imagSh"/>
+            <dgm:param type="dstNode" val="imagSh"/>
+          </dgm:alg>
+          <dgm:shape xmlns:r="http://schemas.openxmlformats.org/officeDocument/2006/relationships" type="conn" r:blip="">
+            <dgm:adjLst/>
+          </dgm:shape>
+          <dgm:presOf axis="self"/>
+          <dgm:constrLst>
+            <dgm:constr type="h" refType="w" fact="0.62"/>
+            <dgm:constr type="connDist"/>
+            <dgm:constr type="begPad" refType="connDist" fact="0.35"/>
+            <dgm:constr type="endPad" refType="connDist" fact="0.3"/>
+          </dgm:constrLst>
+          <dgm:ruleLst/>
+          <dgm:layoutNode name="connTx">
+            <dgm:alg type="tx">
+              <dgm:param type="autoTxRot" val="grav"/>
+            </dgm:alg>
+            <dgm:shape xmlns:r="http://schemas.openxmlformats.org/officeDocument/2006/relationships" type="conn" r:blip="" hideGeom="1">
+              <dgm:adjLst/>
+            </dgm:shape>
+            <dgm:presOf axis="self"/>
+            <dgm:constrLst>
+              <dgm:constr type="lMarg"/>
+              <dgm:constr type="rMarg"/>
+              <dgm:constr type="tMarg"/>
+              <dgm:constr type="bMarg"/>
+            </dgm:constrLst>
+            <dgm:ruleLst>
+              <dgm:rule type="primFontSz" val="5" fact="NaN" max="NaN"/>
+            </dgm:ruleLst>
+          </dgm:layoutNode>
+        </dgm:layoutNode>
+      </dgm:forEach>
+    </dgm:forEach>
+  </dgm:layoutNode>
+</dgm:layoutDef>
+</file>
+
+<file path=ppt/diagrams/layout5.xml><?xml version="1.0" encoding="utf-8"?>
 <dgm:layoutDef xmlns:dgm="http://schemas.openxmlformats.org/drawingml/2006/diagram" xmlns:a="http://schemas.openxmlformats.org/drawingml/2006/main" uniqueId="urn:microsoft.com/office/officeart/2005/8/layout/chevron1">
   <dgm:title val=""/>
   <dgm:desc val=""/>
@@ -12169,7 +14208,7 @@
 </dgm:layoutDef>
 </file>
 
-<file path=ppt/diagrams/layout5.xml><?xml version="1.0" encoding="utf-8"?>
+<file path=ppt/diagrams/layout6.xml><?xml version="1.0" encoding="utf-8"?>
 <dgm:layoutDef xmlns:dgm="http://schemas.openxmlformats.org/drawingml/2006/diagram" xmlns:a="http://schemas.openxmlformats.org/drawingml/2006/main" uniqueId="urn:microsoft.com/office/officeart/2018/5/layout/IconCircleLabelList">
   <dgm:title val="Icon Circle Label List"/>
   <dgm:desc val="Use to show non-sequential or grouped chunks of information accompanied by a related visuals. Works best with icons or small pictures with short text captions."/>
@@ -16521,6 +18560,1040 @@
 </file>
 
 <file path=ppt/diagrams/quickStyle5.xml><?xml version="1.0" encoding="utf-8"?>
+<dgm:styleDef xmlns:dgm="http://schemas.openxmlformats.org/drawingml/2006/diagram" xmlns:a="http://schemas.openxmlformats.org/drawingml/2006/main" uniqueId="urn:microsoft.com/office/officeart/2005/8/quickstyle/simple1">
+  <dgm:title val=""/>
+  <dgm:desc val=""/>
+  <dgm:catLst>
+    <dgm:cat type="simple" pri="10100"/>
+  </dgm:catLst>
+  <dgm:scene3d>
+    <a:camera prst="orthographicFront"/>
+    <a:lightRig rig="threePt" dir="t"/>
+  </dgm:scene3d>
+  <dgm:styleLbl name="node0">
+    <dgm:scene3d>
+      <a:camera prst="orthographicFront"/>
+      <a:lightRig rig="threePt" dir="t"/>
+    </dgm:scene3d>
+    <dgm:sp3d/>
+    <dgm:txPr/>
+    <dgm:style>
+      <a:lnRef idx="2">
+        <a:scrgbClr r="0" g="0" b="0"/>
+      </a:lnRef>
+      <a:fillRef idx="1">
+        <a:scrgbClr r="0" g="0" b="0"/>
+      </a:fillRef>
+      <a:effectRef idx="0">
+        <a:scrgbClr r="0" g="0" b="0"/>
+      </a:effectRef>
+      <a:fontRef idx="minor">
+        <a:schemeClr val="lt1"/>
+      </a:fontRef>
+    </dgm:style>
+  </dgm:styleLbl>
+  <dgm:styleLbl name="lnNode1">
+    <dgm:scene3d>
+      <a:camera prst="orthographicFront"/>
+      <a:lightRig rig="threePt" dir="t"/>
+    </dgm:scene3d>
+    <dgm:sp3d/>
+    <dgm:txPr/>
+    <dgm:style>
+      <a:lnRef idx="2">
+        <a:scrgbClr r="0" g="0" b="0"/>
+      </a:lnRef>
+      <a:fillRef idx="1">
+        <a:scrgbClr r="0" g="0" b="0"/>
+      </a:fillRef>
+      <a:effectRef idx="0">
+        <a:scrgbClr r="0" g="0" b="0"/>
+      </a:effectRef>
+      <a:fontRef idx="minor">
+        <a:schemeClr val="lt1"/>
+      </a:fontRef>
+    </dgm:style>
+  </dgm:styleLbl>
+  <dgm:styleLbl name="vennNode1">
+    <dgm:scene3d>
+      <a:camera prst="orthographicFront"/>
+      <a:lightRig rig="threePt" dir="t"/>
+    </dgm:scene3d>
+    <dgm:sp3d/>
+    <dgm:txPr/>
+    <dgm:style>
+      <a:lnRef idx="2">
+        <a:scrgbClr r="0" g="0" b="0"/>
+      </a:lnRef>
+      <a:fillRef idx="1">
+        <a:scrgbClr r="0" g="0" b="0"/>
+      </a:fillRef>
+      <a:effectRef idx="0">
+        <a:scrgbClr r="0" g="0" b="0"/>
+      </a:effectRef>
+      <a:fontRef idx="minor">
+        <a:schemeClr val="tx1"/>
+      </a:fontRef>
+    </dgm:style>
+  </dgm:styleLbl>
+  <dgm:styleLbl name="alignNode1">
+    <dgm:scene3d>
+      <a:camera prst="orthographicFront"/>
+      <a:lightRig rig="threePt" dir="t"/>
+    </dgm:scene3d>
+    <dgm:sp3d/>
+    <dgm:txPr/>
+    <dgm:style>
+      <a:lnRef idx="2">
+        <a:scrgbClr r="0" g="0" b="0"/>
+      </a:lnRef>
+      <a:fillRef idx="1">
+        <a:scrgbClr r="0" g="0" b="0"/>
+      </a:fillRef>
+      <a:effectRef idx="0">
+        <a:scrgbClr r="0" g="0" b="0"/>
+      </a:effectRef>
+      <a:fontRef idx="minor">
+        <a:schemeClr val="lt1"/>
+      </a:fontRef>
+    </dgm:style>
+  </dgm:styleLbl>
+  <dgm:styleLbl name="node1">
+    <dgm:scene3d>
+      <a:camera prst="orthographicFront"/>
+      <a:lightRig rig="threePt" dir="t"/>
+    </dgm:scene3d>
+    <dgm:sp3d/>
+    <dgm:txPr/>
+    <dgm:style>
+      <a:lnRef idx="2">
+        <a:scrgbClr r="0" g="0" b="0"/>
+      </a:lnRef>
+      <a:fillRef idx="1">
+        <a:scrgbClr r="0" g="0" b="0"/>
+      </a:fillRef>
+      <a:effectRef idx="0">
+        <a:scrgbClr r="0" g="0" b="0"/>
+      </a:effectRef>
+      <a:fontRef idx="minor">
+        <a:schemeClr val="lt1"/>
+      </a:fontRef>
+    </dgm:style>
+  </dgm:styleLbl>
+  <dgm:styleLbl name="node2">
+    <dgm:scene3d>
+      <a:camera prst="orthographicFront"/>
+      <a:lightRig rig="threePt" dir="t"/>
+    </dgm:scene3d>
+    <dgm:sp3d/>
+    <dgm:txPr/>
+    <dgm:style>
+      <a:lnRef idx="2">
+        <a:scrgbClr r="0" g="0" b="0"/>
+      </a:lnRef>
+      <a:fillRef idx="1">
+        <a:scrgbClr r="0" g="0" b="0"/>
+      </a:fillRef>
+      <a:effectRef idx="0">
+        <a:scrgbClr r="0" g="0" b="0"/>
+      </a:effectRef>
+      <a:fontRef idx="minor">
+        <a:schemeClr val="lt1"/>
+      </a:fontRef>
+    </dgm:style>
+  </dgm:styleLbl>
+  <dgm:styleLbl name="node3">
+    <dgm:scene3d>
+      <a:camera prst="orthographicFront"/>
+      <a:lightRig rig="threePt" dir="t"/>
+    </dgm:scene3d>
+    <dgm:sp3d/>
+    <dgm:txPr/>
+    <dgm:style>
+      <a:lnRef idx="2">
+        <a:scrgbClr r="0" g="0" b="0"/>
+      </a:lnRef>
+      <a:fillRef idx="1">
+        <a:scrgbClr r="0" g="0" b="0"/>
+      </a:fillRef>
+      <a:effectRef idx="0">
+        <a:scrgbClr r="0" g="0" b="0"/>
+      </a:effectRef>
+      <a:fontRef idx="minor">
+        <a:schemeClr val="lt1"/>
+      </a:fontRef>
+    </dgm:style>
+  </dgm:styleLbl>
+  <dgm:styleLbl name="node4">
+    <dgm:scene3d>
+      <a:camera prst="orthographicFront"/>
+      <a:lightRig rig="threePt" dir="t"/>
+    </dgm:scene3d>
+    <dgm:sp3d/>
+    <dgm:txPr/>
+    <dgm:style>
+      <a:lnRef idx="2">
+        <a:scrgbClr r="0" g="0" b="0"/>
+      </a:lnRef>
+      <a:fillRef idx="1">
+        <a:scrgbClr r="0" g="0" b="0"/>
+      </a:fillRef>
+      <a:effectRef idx="0">
+        <a:scrgbClr r="0" g="0" b="0"/>
+      </a:effectRef>
+      <a:fontRef idx="minor">
+        <a:schemeClr val="lt1"/>
+      </a:fontRef>
+    </dgm:style>
+  </dgm:styleLbl>
+  <dgm:styleLbl name="fgImgPlace1">
+    <dgm:scene3d>
+      <a:camera prst="orthographicFront"/>
+      <a:lightRig rig="threePt" dir="t"/>
+    </dgm:scene3d>
+    <dgm:sp3d/>
+    <dgm:txPr/>
+    <dgm:style>
+      <a:lnRef idx="2">
+        <a:scrgbClr r="0" g="0" b="0"/>
+      </a:lnRef>
+      <a:fillRef idx="1">
+        <a:scrgbClr r="0" g="0" b="0"/>
+      </a:fillRef>
+      <a:effectRef idx="0">
+        <a:scrgbClr r="0" g="0" b="0"/>
+      </a:effectRef>
+      <a:fontRef idx="minor"/>
+    </dgm:style>
+  </dgm:styleLbl>
+  <dgm:styleLbl name="alignImgPlace1">
+    <dgm:scene3d>
+      <a:camera prst="orthographicFront"/>
+      <a:lightRig rig="threePt" dir="t"/>
+    </dgm:scene3d>
+    <dgm:sp3d/>
+    <dgm:txPr/>
+    <dgm:style>
+      <a:lnRef idx="2">
+        <a:scrgbClr r="0" g="0" b="0"/>
+      </a:lnRef>
+      <a:fillRef idx="1">
+        <a:scrgbClr r="0" g="0" b="0"/>
+      </a:fillRef>
+      <a:effectRef idx="0">
+        <a:scrgbClr r="0" g="0" b="0"/>
+      </a:effectRef>
+      <a:fontRef idx="minor"/>
+    </dgm:style>
+  </dgm:styleLbl>
+  <dgm:styleLbl name="bgImgPlace1">
+    <dgm:scene3d>
+      <a:camera prst="orthographicFront"/>
+      <a:lightRig rig="threePt" dir="t"/>
+    </dgm:scene3d>
+    <dgm:sp3d/>
+    <dgm:txPr/>
+    <dgm:style>
+      <a:lnRef idx="2">
+        <a:scrgbClr r="0" g="0" b="0"/>
+      </a:lnRef>
+      <a:fillRef idx="1">
+        <a:scrgbClr r="0" g="0" b="0"/>
+      </a:fillRef>
+      <a:effectRef idx="0">
+        <a:scrgbClr r="0" g="0" b="0"/>
+      </a:effectRef>
+      <a:fontRef idx="minor"/>
+    </dgm:style>
+  </dgm:styleLbl>
+  <dgm:styleLbl name="sibTrans2D1">
+    <dgm:scene3d>
+      <a:camera prst="orthographicFront"/>
+      <a:lightRig rig="threePt" dir="t"/>
+    </dgm:scene3d>
+    <dgm:sp3d/>
+    <dgm:txPr/>
+    <dgm:style>
+      <a:lnRef idx="0">
+        <a:scrgbClr r="0" g="0" b="0"/>
+      </a:lnRef>
+      <a:fillRef idx="1">
+        <a:scrgbClr r="0" g="0" b="0"/>
+      </a:fillRef>
+      <a:effectRef idx="0">
+        <a:scrgbClr r="0" g="0" b="0"/>
+      </a:effectRef>
+      <a:fontRef idx="minor">
+        <a:schemeClr val="lt1"/>
+      </a:fontRef>
+    </dgm:style>
+  </dgm:styleLbl>
+  <dgm:styleLbl name="fgSibTrans2D1">
+    <dgm:scene3d>
+      <a:camera prst="orthographicFront"/>
+      <a:lightRig rig="threePt" dir="t"/>
+    </dgm:scene3d>
+    <dgm:sp3d/>
+    <dgm:txPr/>
+    <dgm:style>
+      <a:lnRef idx="0">
+        <a:scrgbClr r="0" g="0" b="0"/>
+      </a:lnRef>
+      <a:fillRef idx="1">
+        <a:scrgbClr r="0" g="0" b="0"/>
+      </a:fillRef>
+      <a:effectRef idx="0">
+        <a:scrgbClr r="0" g="0" b="0"/>
+      </a:effectRef>
+      <a:fontRef idx="minor">
+        <a:schemeClr val="lt1"/>
+      </a:fontRef>
+    </dgm:style>
+  </dgm:styleLbl>
+  <dgm:styleLbl name="bgSibTrans2D1">
+    <dgm:scene3d>
+      <a:camera prst="orthographicFront"/>
+      <a:lightRig rig="threePt" dir="t"/>
+    </dgm:scene3d>
+    <dgm:sp3d/>
+    <dgm:txPr/>
+    <dgm:style>
+      <a:lnRef idx="0">
+        <a:scrgbClr r="0" g="0" b="0"/>
+      </a:lnRef>
+      <a:fillRef idx="1">
+        <a:scrgbClr r="0" g="0" b="0"/>
+      </a:fillRef>
+      <a:effectRef idx="0">
+        <a:scrgbClr r="0" g="0" b="0"/>
+      </a:effectRef>
+      <a:fontRef idx="minor">
+        <a:schemeClr val="lt1"/>
+      </a:fontRef>
+    </dgm:style>
+  </dgm:styleLbl>
+  <dgm:styleLbl name="sibTrans1D1">
+    <dgm:scene3d>
+      <a:camera prst="orthographicFront"/>
+      <a:lightRig rig="threePt" dir="t"/>
+    </dgm:scene3d>
+    <dgm:sp3d/>
+    <dgm:txPr/>
+    <dgm:style>
+      <a:lnRef idx="1">
+        <a:scrgbClr r="0" g="0" b="0"/>
+      </a:lnRef>
+      <a:fillRef idx="0">
+        <a:scrgbClr r="0" g="0" b="0"/>
+      </a:fillRef>
+      <a:effectRef idx="0">
+        <a:scrgbClr r="0" g="0" b="0"/>
+      </a:effectRef>
+      <a:fontRef idx="minor"/>
+    </dgm:style>
+  </dgm:styleLbl>
+  <dgm:styleLbl name="callout">
+    <dgm:scene3d>
+      <a:camera prst="orthographicFront"/>
+      <a:lightRig rig="threePt" dir="t"/>
+    </dgm:scene3d>
+    <dgm:sp3d/>
+    <dgm:txPr/>
+    <dgm:style>
+      <a:lnRef idx="2">
+        <a:scrgbClr r="0" g="0" b="0"/>
+      </a:lnRef>
+      <a:fillRef idx="1">
+        <a:scrgbClr r="0" g="0" b="0"/>
+      </a:fillRef>
+      <a:effectRef idx="0">
+        <a:scrgbClr r="0" g="0" b="0"/>
+      </a:effectRef>
+      <a:fontRef idx="minor"/>
+    </dgm:style>
+  </dgm:styleLbl>
+  <dgm:styleLbl name="asst0">
+    <dgm:scene3d>
+      <a:camera prst="orthographicFront"/>
+      <a:lightRig rig="threePt" dir="t"/>
+    </dgm:scene3d>
+    <dgm:sp3d/>
+    <dgm:txPr/>
+    <dgm:style>
+      <a:lnRef idx="2">
+        <a:scrgbClr r="0" g="0" b="0"/>
+      </a:lnRef>
+      <a:fillRef idx="1">
+        <a:scrgbClr r="0" g="0" b="0"/>
+      </a:fillRef>
+      <a:effectRef idx="0">
+        <a:scrgbClr r="0" g="0" b="0"/>
+      </a:effectRef>
+      <a:fontRef idx="minor">
+        <a:schemeClr val="lt1"/>
+      </a:fontRef>
+    </dgm:style>
+  </dgm:styleLbl>
+  <dgm:styleLbl name="asst1">
+    <dgm:scene3d>
+      <a:camera prst="orthographicFront"/>
+      <a:lightRig rig="threePt" dir="t"/>
+    </dgm:scene3d>
+    <dgm:sp3d/>
+    <dgm:txPr/>
+    <dgm:style>
+      <a:lnRef idx="2">
+        <a:scrgbClr r="0" g="0" b="0"/>
+      </a:lnRef>
+      <a:fillRef idx="1">
+        <a:scrgbClr r="0" g="0" b="0"/>
+      </a:fillRef>
+      <a:effectRef idx="0">
+        <a:scrgbClr r="0" g="0" b="0"/>
+      </a:effectRef>
+      <a:fontRef idx="minor">
+        <a:schemeClr val="lt1"/>
+      </a:fontRef>
+    </dgm:style>
+  </dgm:styleLbl>
+  <dgm:styleLbl name="asst2">
+    <dgm:scene3d>
+      <a:camera prst="orthographicFront"/>
+      <a:lightRig rig="threePt" dir="t"/>
+    </dgm:scene3d>
+    <dgm:sp3d/>
+    <dgm:txPr/>
+    <dgm:style>
+      <a:lnRef idx="2">
+        <a:scrgbClr r="0" g="0" b="0"/>
+      </a:lnRef>
+      <a:fillRef idx="1">
+        <a:scrgbClr r="0" g="0" b="0"/>
+      </a:fillRef>
+      <a:effectRef idx="0">
+        <a:scrgbClr r="0" g="0" b="0"/>
+      </a:effectRef>
+      <a:fontRef idx="minor">
+        <a:schemeClr val="lt1"/>
+      </a:fontRef>
+    </dgm:style>
+  </dgm:styleLbl>
+  <dgm:styleLbl name="asst3">
+    <dgm:scene3d>
+      <a:camera prst="orthographicFront"/>
+      <a:lightRig rig="threePt" dir="t"/>
+    </dgm:scene3d>
+    <dgm:sp3d/>
+    <dgm:txPr/>
+    <dgm:style>
+      <a:lnRef idx="2">
+        <a:scrgbClr r="0" g="0" b="0"/>
+      </a:lnRef>
+      <a:fillRef idx="1">
+        <a:scrgbClr r="0" g="0" b="0"/>
+      </a:fillRef>
+      <a:effectRef idx="0">
+        <a:scrgbClr r="0" g="0" b="0"/>
+      </a:effectRef>
+      <a:fontRef idx="minor">
+        <a:schemeClr val="lt1"/>
+      </a:fontRef>
+    </dgm:style>
+  </dgm:styleLbl>
+  <dgm:styleLbl name="asst4">
+    <dgm:scene3d>
+      <a:camera prst="orthographicFront"/>
+      <a:lightRig rig="threePt" dir="t"/>
+    </dgm:scene3d>
+    <dgm:sp3d/>
+    <dgm:txPr/>
+    <dgm:style>
+      <a:lnRef idx="2">
+        <a:scrgbClr r="0" g="0" b="0"/>
+      </a:lnRef>
+      <a:fillRef idx="1">
+        <a:scrgbClr r="0" g="0" b="0"/>
+      </a:fillRef>
+      <a:effectRef idx="0">
+        <a:scrgbClr r="0" g="0" b="0"/>
+      </a:effectRef>
+      <a:fontRef idx="minor">
+        <a:schemeClr val="lt1"/>
+      </a:fontRef>
+    </dgm:style>
+  </dgm:styleLbl>
+  <dgm:styleLbl name="parChTrans2D1">
+    <dgm:scene3d>
+      <a:camera prst="orthographicFront"/>
+      <a:lightRig rig="threePt" dir="t"/>
+    </dgm:scene3d>
+    <dgm:sp3d/>
+    <dgm:txPr/>
+    <dgm:style>
+      <a:lnRef idx="2">
+        <a:scrgbClr r="0" g="0" b="0"/>
+      </a:lnRef>
+      <a:fillRef idx="1">
+        <a:scrgbClr r="0" g="0" b="0"/>
+      </a:fillRef>
+      <a:effectRef idx="0">
+        <a:scrgbClr r="0" g="0" b="0"/>
+      </a:effectRef>
+      <a:fontRef idx="minor">
+        <a:schemeClr val="lt1"/>
+      </a:fontRef>
+    </dgm:style>
+  </dgm:styleLbl>
+  <dgm:styleLbl name="parChTrans2D2">
+    <dgm:scene3d>
+      <a:camera prst="orthographicFront"/>
+      <a:lightRig rig="threePt" dir="t"/>
+    </dgm:scene3d>
+    <dgm:sp3d/>
+    <dgm:txPr/>
+    <dgm:style>
+      <a:lnRef idx="2">
+        <a:scrgbClr r="0" g="0" b="0"/>
+      </a:lnRef>
+      <a:fillRef idx="1">
+        <a:scrgbClr r="0" g="0" b="0"/>
+      </a:fillRef>
+      <a:effectRef idx="0">
+        <a:scrgbClr r="0" g="0" b="0"/>
+      </a:effectRef>
+      <a:fontRef idx="minor">
+        <a:schemeClr val="lt1"/>
+      </a:fontRef>
+    </dgm:style>
+  </dgm:styleLbl>
+  <dgm:styleLbl name="parChTrans2D3">
+    <dgm:scene3d>
+      <a:camera prst="orthographicFront"/>
+      <a:lightRig rig="threePt" dir="t"/>
+    </dgm:scene3d>
+    <dgm:sp3d/>
+    <dgm:txPr/>
+    <dgm:style>
+      <a:lnRef idx="2">
+        <a:scrgbClr r="0" g="0" b="0"/>
+      </a:lnRef>
+      <a:fillRef idx="1">
+        <a:scrgbClr r="0" g="0" b="0"/>
+      </a:fillRef>
+      <a:effectRef idx="0">
+        <a:scrgbClr r="0" g="0" b="0"/>
+      </a:effectRef>
+      <a:fontRef idx="minor">
+        <a:schemeClr val="lt1"/>
+      </a:fontRef>
+    </dgm:style>
+  </dgm:styleLbl>
+  <dgm:styleLbl name="parChTrans2D4">
+    <dgm:scene3d>
+      <a:camera prst="orthographicFront"/>
+      <a:lightRig rig="threePt" dir="t"/>
+    </dgm:scene3d>
+    <dgm:sp3d/>
+    <dgm:txPr/>
+    <dgm:style>
+      <a:lnRef idx="2">
+        <a:scrgbClr r="0" g="0" b="0"/>
+      </a:lnRef>
+      <a:fillRef idx="1">
+        <a:scrgbClr r="0" g="0" b="0"/>
+      </a:fillRef>
+      <a:effectRef idx="0">
+        <a:scrgbClr r="0" g="0" b="0"/>
+      </a:effectRef>
+      <a:fontRef idx="minor">
+        <a:schemeClr val="lt1"/>
+      </a:fontRef>
+    </dgm:style>
+  </dgm:styleLbl>
+  <dgm:styleLbl name="parChTrans1D1">
+    <dgm:scene3d>
+      <a:camera prst="orthographicFront"/>
+      <a:lightRig rig="threePt" dir="t"/>
+    </dgm:scene3d>
+    <dgm:sp3d/>
+    <dgm:txPr/>
+    <dgm:style>
+      <a:lnRef idx="2">
+        <a:scrgbClr r="0" g="0" b="0"/>
+      </a:lnRef>
+      <a:fillRef idx="0">
+        <a:scrgbClr r="0" g="0" b="0"/>
+      </a:fillRef>
+      <a:effectRef idx="0">
+        <a:scrgbClr r="0" g="0" b="0"/>
+      </a:effectRef>
+      <a:fontRef idx="minor"/>
+    </dgm:style>
+  </dgm:styleLbl>
+  <dgm:styleLbl name="parChTrans1D2">
+    <dgm:scene3d>
+      <a:camera prst="orthographicFront"/>
+      <a:lightRig rig="threePt" dir="t"/>
+    </dgm:scene3d>
+    <dgm:sp3d/>
+    <dgm:txPr/>
+    <dgm:style>
+      <a:lnRef idx="2">
+        <a:scrgbClr r="0" g="0" b="0"/>
+      </a:lnRef>
+      <a:fillRef idx="0">
+        <a:scrgbClr r="0" g="0" b="0"/>
+      </a:fillRef>
+      <a:effectRef idx="0">
+        <a:scrgbClr r="0" g="0" b="0"/>
+      </a:effectRef>
+      <a:fontRef idx="minor"/>
+    </dgm:style>
+  </dgm:styleLbl>
+  <dgm:styleLbl name="parChTrans1D3">
+    <dgm:scene3d>
+      <a:camera prst="orthographicFront"/>
+      <a:lightRig rig="threePt" dir="t"/>
+    </dgm:scene3d>
+    <dgm:sp3d/>
+    <dgm:txPr/>
+    <dgm:style>
+      <a:lnRef idx="2">
+        <a:scrgbClr r="0" g="0" b="0"/>
+      </a:lnRef>
+      <a:fillRef idx="0">
+        <a:scrgbClr r="0" g="0" b="0"/>
+      </a:fillRef>
+      <a:effectRef idx="0">
+        <a:scrgbClr r="0" g="0" b="0"/>
+      </a:effectRef>
+      <a:fontRef idx="minor"/>
+    </dgm:style>
+  </dgm:styleLbl>
+  <dgm:styleLbl name="parChTrans1D4">
+    <dgm:scene3d>
+      <a:camera prst="orthographicFront"/>
+      <a:lightRig rig="threePt" dir="t"/>
+    </dgm:scene3d>
+    <dgm:sp3d/>
+    <dgm:txPr/>
+    <dgm:style>
+      <a:lnRef idx="2">
+        <a:scrgbClr r="0" g="0" b="0"/>
+      </a:lnRef>
+      <a:fillRef idx="0">
+        <a:scrgbClr r="0" g="0" b="0"/>
+      </a:fillRef>
+      <a:effectRef idx="0">
+        <a:scrgbClr r="0" g="0" b="0"/>
+      </a:effectRef>
+      <a:fontRef idx="minor"/>
+    </dgm:style>
+  </dgm:styleLbl>
+  <dgm:styleLbl name="fgAcc1">
+    <dgm:scene3d>
+      <a:camera prst="orthographicFront"/>
+      <a:lightRig rig="threePt" dir="t"/>
+    </dgm:scene3d>
+    <dgm:sp3d/>
+    <dgm:txPr/>
+    <dgm:style>
+      <a:lnRef idx="2">
+        <a:scrgbClr r="0" g="0" b="0"/>
+      </a:lnRef>
+      <a:fillRef idx="1">
+        <a:scrgbClr r="0" g="0" b="0"/>
+      </a:fillRef>
+      <a:effectRef idx="0">
+        <a:scrgbClr r="0" g="0" b="0"/>
+      </a:effectRef>
+      <a:fontRef idx="minor"/>
+    </dgm:style>
+  </dgm:styleLbl>
+  <dgm:styleLbl name="conFgAcc1">
+    <dgm:scene3d>
+      <a:camera prst="orthographicFront"/>
+      <a:lightRig rig="threePt" dir="t"/>
+    </dgm:scene3d>
+    <dgm:sp3d/>
+    <dgm:txPr/>
+    <dgm:style>
+      <a:lnRef idx="2">
+        <a:scrgbClr r="0" g="0" b="0"/>
+      </a:lnRef>
+      <a:fillRef idx="1">
+        <a:scrgbClr r="0" g="0" b="0"/>
+      </a:fillRef>
+      <a:effectRef idx="0">
+        <a:scrgbClr r="0" g="0" b="0"/>
+      </a:effectRef>
+      <a:fontRef idx="minor"/>
+    </dgm:style>
+  </dgm:styleLbl>
+  <dgm:styleLbl name="alignAcc1">
+    <dgm:scene3d>
+      <a:camera prst="orthographicFront"/>
+      <a:lightRig rig="threePt" dir="t"/>
+    </dgm:scene3d>
+    <dgm:sp3d/>
+    <dgm:txPr/>
+    <dgm:style>
+      <a:lnRef idx="2">
+        <a:scrgbClr r="0" g="0" b="0"/>
+      </a:lnRef>
+      <a:fillRef idx="1">
+        <a:scrgbClr r="0" g="0" b="0"/>
+      </a:fillRef>
+      <a:effectRef idx="0">
+        <a:scrgbClr r="0" g="0" b="0"/>
+      </a:effectRef>
+      <a:fontRef idx="minor"/>
+    </dgm:style>
+  </dgm:styleLbl>
+  <dgm:styleLbl name="trAlignAcc1">
+    <dgm:scene3d>
+      <a:camera prst="orthographicFront"/>
+      <a:lightRig rig="threePt" dir="t"/>
+    </dgm:scene3d>
+    <dgm:sp3d/>
+    <dgm:txPr/>
+    <dgm:style>
+      <a:lnRef idx="1">
+        <a:scrgbClr r="0" g="0" b="0"/>
+      </a:lnRef>
+      <a:fillRef idx="1">
+        <a:scrgbClr r="0" g="0" b="0"/>
+      </a:fillRef>
+      <a:effectRef idx="0">
+        <a:scrgbClr r="0" g="0" b="0"/>
+      </a:effectRef>
+      <a:fontRef idx="minor"/>
+    </dgm:style>
+  </dgm:styleLbl>
+  <dgm:styleLbl name="bgAcc1">
+    <dgm:scene3d>
+      <a:camera prst="orthographicFront"/>
+      <a:lightRig rig="threePt" dir="t"/>
+    </dgm:scene3d>
+    <dgm:sp3d/>
+    <dgm:txPr/>
+    <dgm:style>
+      <a:lnRef idx="2">
+        <a:scrgbClr r="0" g="0" b="0"/>
+      </a:lnRef>
+      <a:fillRef idx="1">
+        <a:scrgbClr r="0" g="0" b="0"/>
+      </a:fillRef>
+      <a:effectRef idx="0">
+        <a:scrgbClr r="0" g="0" b="0"/>
+      </a:effectRef>
+      <a:fontRef idx="minor"/>
+    </dgm:style>
+  </dgm:styleLbl>
+  <dgm:styleLbl name="solidFgAcc1">
+    <dgm:scene3d>
+      <a:camera prst="orthographicFront"/>
+      <a:lightRig rig="threePt" dir="t"/>
+    </dgm:scene3d>
+    <dgm:sp3d/>
+    <dgm:txPr/>
+    <dgm:style>
+      <a:lnRef idx="2">
+        <a:scrgbClr r="0" g="0" b="0"/>
+      </a:lnRef>
+      <a:fillRef idx="1">
+        <a:scrgbClr r="0" g="0" b="0"/>
+      </a:fillRef>
+      <a:effectRef idx="0">
+        <a:scrgbClr r="0" g="0" b="0"/>
+      </a:effectRef>
+      <a:fontRef idx="minor"/>
+    </dgm:style>
+  </dgm:styleLbl>
+  <dgm:styleLbl name="solidAlignAcc1">
+    <dgm:scene3d>
+      <a:camera prst="orthographicFront"/>
+      <a:lightRig rig="threePt" dir="t"/>
+    </dgm:scene3d>
+    <dgm:sp3d/>
+    <dgm:txPr/>
+    <dgm:style>
+      <a:lnRef idx="2">
+        <a:scrgbClr r="0" g="0" b="0"/>
+      </a:lnRef>
+      <a:fillRef idx="1">
+        <a:scrgbClr r="0" g="0" b="0"/>
+      </a:fillRef>
+      <a:effectRef idx="0">
+        <a:scrgbClr r="0" g="0" b="0"/>
+      </a:effectRef>
+      <a:fontRef idx="minor"/>
+    </dgm:style>
+  </dgm:styleLbl>
+  <dgm:styleLbl name="solidBgAcc1">
+    <dgm:scene3d>
+      <a:camera prst="orthographicFront"/>
+      <a:lightRig rig="threePt" dir="t"/>
+    </dgm:scene3d>
+    <dgm:sp3d/>
+    <dgm:txPr/>
+    <dgm:style>
+      <a:lnRef idx="2">
+        <a:scrgbClr r="0" g="0" b="0"/>
+      </a:lnRef>
+      <a:fillRef idx="1">
+        <a:scrgbClr r="0" g="0" b="0"/>
+      </a:fillRef>
+      <a:effectRef idx="0">
+        <a:scrgbClr r="0" g="0" b="0"/>
+      </a:effectRef>
+      <a:fontRef idx="minor"/>
+    </dgm:style>
+  </dgm:styleLbl>
+  <dgm:styleLbl name="fgAccFollowNode1">
+    <dgm:scene3d>
+      <a:camera prst="orthographicFront"/>
+      <a:lightRig rig="threePt" dir="t"/>
+    </dgm:scene3d>
+    <dgm:sp3d/>
+    <dgm:txPr/>
+    <dgm:style>
+      <a:lnRef idx="2">
+        <a:scrgbClr r="0" g="0" b="0"/>
+      </a:lnRef>
+      <a:fillRef idx="1">
+        <a:scrgbClr r="0" g="0" b="0"/>
+      </a:fillRef>
+      <a:effectRef idx="0">
+        <a:scrgbClr r="0" g="0" b="0"/>
+      </a:effectRef>
+      <a:fontRef idx="minor"/>
+    </dgm:style>
+  </dgm:styleLbl>
+  <dgm:styleLbl name="alignAccFollowNode1">
+    <dgm:scene3d>
+      <a:camera prst="orthographicFront"/>
+      <a:lightRig rig="threePt" dir="t"/>
+    </dgm:scene3d>
+    <dgm:sp3d/>
+    <dgm:txPr/>
+    <dgm:style>
+      <a:lnRef idx="2">
+        <a:scrgbClr r="0" g="0" b="0"/>
+      </a:lnRef>
+      <a:fillRef idx="1">
+        <a:scrgbClr r="0" g="0" b="0"/>
+      </a:fillRef>
+      <a:effectRef idx="0">
+        <a:scrgbClr r="0" g="0" b="0"/>
+      </a:effectRef>
+      <a:fontRef idx="minor"/>
+    </dgm:style>
+  </dgm:styleLbl>
+  <dgm:styleLbl name="bgAccFollowNode1">
+    <dgm:scene3d>
+      <a:camera prst="orthographicFront"/>
+      <a:lightRig rig="threePt" dir="t"/>
+    </dgm:scene3d>
+    <dgm:sp3d/>
+    <dgm:txPr/>
+    <dgm:style>
+      <a:lnRef idx="2">
+        <a:scrgbClr r="0" g="0" b="0"/>
+      </a:lnRef>
+      <a:fillRef idx="1">
+        <a:scrgbClr r="0" g="0" b="0"/>
+      </a:fillRef>
+      <a:effectRef idx="0">
+        <a:scrgbClr r="0" g="0" b="0"/>
+      </a:effectRef>
+      <a:fontRef idx="minor"/>
+    </dgm:style>
+  </dgm:styleLbl>
+  <dgm:styleLbl name="fgAcc0">
+    <dgm:scene3d>
+      <a:camera prst="orthographicFront"/>
+      <a:lightRig rig="threePt" dir="t"/>
+    </dgm:scene3d>
+    <dgm:sp3d/>
+    <dgm:txPr/>
+    <dgm:style>
+      <a:lnRef idx="2">
+        <a:scrgbClr r="0" g="0" b="0"/>
+      </a:lnRef>
+      <a:fillRef idx="1">
+        <a:scrgbClr r="0" g="0" b="0"/>
+      </a:fillRef>
+      <a:effectRef idx="0">
+        <a:scrgbClr r="0" g="0" b="0"/>
+      </a:effectRef>
+      <a:fontRef idx="minor"/>
+    </dgm:style>
+  </dgm:styleLbl>
+  <dgm:styleLbl name="fgAcc2">
+    <dgm:scene3d>
+      <a:camera prst="orthographicFront"/>
+      <a:lightRig rig="threePt" dir="t"/>
+    </dgm:scene3d>
+    <dgm:sp3d/>
+    <dgm:txPr/>
+    <dgm:style>
+      <a:lnRef idx="2">
+        <a:scrgbClr r="0" g="0" b="0"/>
+      </a:lnRef>
+      <a:fillRef idx="1">
+        <a:scrgbClr r="0" g="0" b="0"/>
+      </a:fillRef>
+      <a:effectRef idx="0">
+        <a:scrgbClr r="0" g="0" b="0"/>
+      </a:effectRef>
+      <a:fontRef idx="minor"/>
+    </dgm:style>
+  </dgm:styleLbl>
+  <dgm:styleLbl name="fgAcc3">
+    <dgm:scene3d>
+      <a:camera prst="orthographicFront"/>
+      <a:lightRig rig="threePt" dir="t"/>
+    </dgm:scene3d>
+    <dgm:sp3d/>
+    <dgm:txPr/>
+    <dgm:style>
+      <a:lnRef idx="2">
+        <a:scrgbClr r="0" g="0" b="0"/>
+      </a:lnRef>
+      <a:fillRef idx="1">
+        <a:scrgbClr r="0" g="0" b="0"/>
+      </a:fillRef>
+      <a:effectRef idx="0">
+        <a:scrgbClr r="0" g="0" b="0"/>
+      </a:effectRef>
+      <a:fontRef idx="minor"/>
+    </dgm:style>
+  </dgm:styleLbl>
+  <dgm:styleLbl name="fgAcc4">
+    <dgm:scene3d>
+      <a:camera prst="orthographicFront"/>
+      <a:lightRig rig="threePt" dir="t"/>
+    </dgm:scene3d>
+    <dgm:sp3d/>
+    <dgm:txPr/>
+    <dgm:style>
+      <a:lnRef idx="2">
+        <a:scrgbClr r="0" g="0" b="0"/>
+      </a:lnRef>
+      <a:fillRef idx="1">
+        <a:scrgbClr r="0" g="0" b="0"/>
+      </a:fillRef>
+      <a:effectRef idx="0">
+        <a:scrgbClr r="0" g="0" b="0"/>
+      </a:effectRef>
+      <a:fontRef idx="minor"/>
+    </dgm:style>
+  </dgm:styleLbl>
+  <dgm:styleLbl name="bgShp">
+    <dgm:scene3d>
+      <a:camera prst="orthographicFront"/>
+      <a:lightRig rig="threePt" dir="t"/>
+    </dgm:scene3d>
+    <dgm:sp3d/>
+    <dgm:txPr/>
+    <dgm:style>
+      <a:lnRef idx="0">
+        <a:scrgbClr r="0" g="0" b="0"/>
+      </a:lnRef>
+      <a:fillRef idx="1">
+        <a:scrgbClr r="0" g="0" b="0"/>
+      </a:fillRef>
+      <a:effectRef idx="0">
+        <a:scrgbClr r="0" g="0" b="0"/>
+      </a:effectRef>
+      <a:fontRef idx="minor"/>
+    </dgm:style>
+  </dgm:styleLbl>
+  <dgm:styleLbl name="dkBgShp">
+    <dgm:scene3d>
+      <a:camera prst="orthographicFront"/>
+      <a:lightRig rig="threePt" dir="t"/>
+    </dgm:scene3d>
+    <dgm:sp3d/>
+    <dgm:txPr/>
+    <dgm:style>
+      <a:lnRef idx="0">
+        <a:scrgbClr r="0" g="0" b="0"/>
+      </a:lnRef>
+      <a:fillRef idx="1">
+        <a:scrgbClr r="0" g="0" b="0"/>
+      </a:fillRef>
+      <a:effectRef idx="0">
+        <a:scrgbClr r="0" g="0" b="0"/>
+      </a:effectRef>
+      <a:fontRef idx="minor"/>
+    </dgm:style>
+  </dgm:styleLbl>
+  <dgm:styleLbl name="trBgShp">
+    <dgm:scene3d>
+      <a:camera prst="orthographicFront"/>
+      <a:lightRig rig="threePt" dir="t"/>
+    </dgm:scene3d>
+    <dgm:sp3d/>
+    <dgm:txPr/>
+    <dgm:style>
+      <a:lnRef idx="0">
+        <a:scrgbClr r="0" g="0" b="0"/>
+      </a:lnRef>
+      <a:fillRef idx="1">
+        <a:scrgbClr r="0" g="0" b="0"/>
+      </a:fillRef>
+      <a:effectRef idx="0">
+        <a:scrgbClr r="0" g="0" b="0"/>
+      </a:effectRef>
+      <a:fontRef idx="minor"/>
+    </dgm:style>
+  </dgm:styleLbl>
+  <dgm:styleLbl name="fgShp">
+    <dgm:scene3d>
+      <a:camera prst="orthographicFront"/>
+      <a:lightRig rig="threePt" dir="t"/>
+    </dgm:scene3d>
+    <dgm:sp3d/>
+    <dgm:txPr/>
+    <dgm:style>
+      <a:lnRef idx="2">
+        <a:scrgbClr r="0" g="0" b="0"/>
+      </a:lnRef>
+      <a:fillRef idx="1">
+        <a:scrgbClr r="0" g="0" b="0"/>
+      </a:fillRef>
+      <a:effectRef idx="0">
+        <a:scrgbClr r="0" g="0" b="0"/>
+      </a:effectRef>
+      <a:fontRef idx="minor"/>
+    </dgm:style>
+  </dgm:styleLbl>
+  <dgm:styleLbl name="revTx">
+    <dgm:scene3d>
+      <a:camera prst="orthographicFront"/>
+      <a:lightRig rig="threePt" dir="t"/>
+    </dgm:scene3d>
+    <dgm:sp3d/>
+    <dgm:txPr/>
+    <dgm:style>
+      <a:lnRef idx="0">
+        <a:scrgbClr r="0" g="0" b="0"/>
+      </a:lnRef>
+      <a:fillRef idx="0">
+        <a:scrgbClr r="0" g="0" b="0"/>
+      </a:fillRef>
+      <a:effectRef idx="0">
+        <a:scrgbClr r="0" g="0" b="0"/>
+      </a:effectRef>
+      <a:fontRef idx="minor"/>
+    </dgm:style>
+  </dgm:styleLbl>
+</dgm:styleDef>
+</file>
+
+<file path=ppt/diagrams/quickStyle6.xml><?xml version="1.0" encoding="utf-8"?>
 <dgm:styleDef xmlns:dgm="http://schemas.openxmlformats.org/drawingml/2006/diagram" xmlns:a="http://schemas.openxmlformats.org/drawingml/2006/main" uniqueId="urn:microsoft.com/office/officeart/2005/8/quickstyle/simple1">
   <dgm:title val=""/>
   <dgm:desc val=""/>
@@ -17819,7 +20892,7 @@
           <a:p>
             <a:fld id="{9184DA70-C731-4C70-880D-CCD4705E623C}" type="datetime1">
               <a:rPr lang="en-US" noProof="0" smtClean="0"/>
-              <a:t>11/9/2021</a:t>
+              <a:t>11/11/2021</a:t>
             </a:fld>
             <a:endParaRPr lang="en-US" noProof="0" dirty="0"/>
           </a:p>
@@ -17940,7 +21013,7 @@
           <a:p>
             <a:fld id="{39667345-2558-425A-8533-9BFDBCE15005}" type="datetime1">
               <a:rPr lang="en-US" noProof="0" smtClean="0"/>
-              <a:t>11/9/2021</a:t>
+              <a:t>11/11/2021</a:t>
             </a:fld>
             <a:endParaRPr lang="en-US" noProof="0" dirty="0"/>
           </a:p>
@@ -18328,7 +21401,7 @@
           <a:p>
             <a:fld id="{39667345-2558-425A-8533-9BFDBCE15005}" type="datetime1">
               <a:rPr lang="en-US" noProof="0" smtClean="0"/>
-              <a:t>11/9/2021</a:t>
+              <a:t>11/11/2021</a:t>
             </a:fld>
             <a:endParaRPr lang="en-US" noProof="0" dirty="0"/>
           </a:p>
@@ -19163,7 +22236,7 @@
           <a:p>
             <a:fld id="{4907D986-8816-4272-A432-0437A28A9828}" type="datetime1">
               <a:rPr lang="en-US" noProof="0" smtClean="0"/>
-              <a:t>11/9/2021</a:t>
+              <a:t>11/11/2021</a:t>
             </a:fld>
             <a:endParaRPr lang="en-US" noProof="0" dirty="0"/>
           </a:p>
@@ -19495,7 +22568,7 @@
           <a:p>
             <a:fld id="{9184DA70-C731-4C70-880D-CCD4705E623C}" type="datetime1">
               <a:rPr lang="en-US" noProof="0" smtClean="0"/>
-              <a:t>11/9/2021</a:t>
+              <a:t>11/11/2021</a:t>
             </a:fld>
             <a:endParaRPr lang="en-US" noProof="0" dirty="0"/>
           </a:p>
@@ -19803,7 +22876,7 @@
           <a:p>
             <a:fld id="{4BE1D723-8F53-4F53-90B0-1982A396982E}" type="datetime1">
               <a:rPr lang="en-US" noProof="0" smtClean="0"/>
-              <a:t>11/9/2021</a:t>
+              <a:t>11/11/2021</a:t>
             </a:fld>
             <a:endParaRPr lang="en-US" noProof="0" dirty="0"/>
           </a:p>
@@ -20396,7 +23469,7 @@
           <a:p>
             <a:fld id="{D9DF0F1C-5577-4ACB-BB62-DF8F3C494C7E}" type="datetime1">
               <a:rPr lang="en-US" noProof="0" smtClean="0"/>
-              <a:t>11/9/2021</a:t>
+              <a:t>11/11/2021</a:t>
             </a:fld>
             <a:endParaRPr lang="en-US" noProof="0" dirty="0"/>
           </a:p>
@@ -20659,7 +23732,7 @@
           <a:p>
             <a:fld id="{1775B394-D9F9-4F0C-B15D-605F45CB9E9F}" type="datetime1">
               <a:rPr lang="en-US" noProof="0" smtClean="0"/>
-              <a:t>11/9/2021</a:t>
+              <a:t>11/11/2021</a:t>
             </a:fld>
             <a:endParaRPr lang="en-US" noProof="0" dirty="0"/>
           </a:p>
@@ -20922,7 +23995,7 @@
           <a:p>
             <a:fld id="{1775B394-D9F9-4F0C-B15D-605F45CB9E9F}" type="datetime1">
               <a:rPr lang="en-US" noProof="0" smtClean="0"/>
-              <a:t>11/9/2021</a:t>
+              <a:t>11/11/2021</a:t>
             </a:fld>
             <a:endParaRPr lang="en-US" noProof="0" dirty="0"/>
           </a:p>
@@ -21439,7 +24512,7 @@
           <a:p>
             <a:fld id="{39667345-2558-425A-8533-9BFDBCE15005}" type="datetime1">
               <a:rPr lang="en-US" noProof="0" smtClean="0"/>
-              <a:t>11/9/2021</a:t>
+              <a:t>11/11/2021</a:t>
             </a:fld>
             <a:endParaRPr lang="en-US" noProof="0" dirty="0"/>
           </a:p>
@@ -21560,7 +24633,7 @@
           <a:p>
             <a:fld id="{39667345-2558-425A-8533-9BFDBCE15005}" type="datetime1">
               <a:rPr lang="en-US" noProof="0" smtClean="0"/>
-              <a:t>11/9/2021</a:t>
+              <a:t>11/11/2021</a:t>
             </a:fld>
             <a:endParaRPr lang="en-US" noProof="0" dirty="0"/>
           </a:p>
@@ -21992,7 +25065,7 @@
           <a:p>
             <a:fld id="{39667345-2558-425A-8533-9BFDBCE15005}" type="datetime1">
               <a:rPr lang="en-US" noProof="0" smtClean="0"/>
-              <a:t>11/9/2021</a:t>
+              <a:t>11/11/2021</a:t>
             </a:fld>
             <a:endParaRPr lang="en-US" noProof="0" dirty="0"/>
           </a:p>
@@ -22534,7 +25607,7 @@
           <a:p>
             <a:fld id="{62D6E202-B606-4609-B914-27C9371A1F6D}" type="datetime1">
               <a:rPr lang="en-US" noProof="0" smtClean="0"/>
-              <a:t>11/9/2021</a:t>
+              <a:t>11/11/2021</a:t>
             </a:fld>
             <a:endParaRPr lang="en-US" noProof="0" dirty="0"/>
           </a:p>
@@ -23147,6 +26220,246 @@
 <file path=ppt/slides/slide10.xml><?xml version="1.0" encoding="utf-8"?>
 <p:sld xmlns:a="http://schemas.openxmlformats.org/drawingml/2006/main" xmlns:r="http://schemas.openxmlformats.org/officeDocument/2006/relationships" xmlns:p="http://schemas.openxmlformats.org/presentationml/2006/main">
   <p:cSld>
+    <p:spTree>
+      <p:nvGrpSpPr>
+        <p:cNvPr id="1" name=""/>
+        <p:cNvGrpSpPr/>
+        <p:nvPr/>
+      </p:nvGrpSpPr>
+      <p:grpSpPr>
+        <a:xfrm>
+          <a:off x="0" y="0"/>
+          <a:ext cx="0" cy="0"/>
+          <a:chOff x="0" y="0"/>
+          <a:chExt cx="0" cy="0"/>
+        </a:xfrm>
+      </p:grpSpPr>
+      <p:sp>
+        <p:nvSpPr>
+          <p:cNvPr id="4" name="Title 3">
+            <a:extLst>
+              <a:ext uri="{FF2B5EF4-FFF2-40B4-BE49-F238E27FC236}">
+                <a16:creationId xmlns:a16="http://schemas.microsoft.com/office/drawing/2014/main" id="{E5E51183-D0D9-A74B-94F0-9EC0104A75F3}"/>
+              </a:ext>
+            </a:extLst>
+          </p:cNvPr>
+          <p:cNvSpPr>
+            <a:spLocks noGrp="1"/>
+          </p:cNvSpPr>
+          <p:nvPr>
+            <p:ph type="title"/>
+          </p:nvPr>
+        </p:nvSpPr>
+        <p:spPr/>
+        <p:txBody>
+          <a:bodyPr/>
+          <a:lstStyle/>
+          <a:p>
+            <a:pPr>
+              <a:tabLst>
+                <a:tab pos="3308350" algn="l"/>
+              </a:tabLst>
+            </a:pPr>
+            <a:r>
+              <a:rPr lang="en-US" dirty="0">
+                <a:solidFill>
+                  <a:schemeClr val="tx1">
+                    <a:lumMod val="85000"/>
+                    <a:lumOff val="15000"/>
+                  </a:schemeClr>
+                </a:solidFill>
+              </a:rPr>
+              <a:t>WHAT OUR CUSTOMERS SAY</a:t>
+            </a:r>
+          </a:p>
+        </p:txBody>
+      </p:sp>
+      <p:sp>
+        <p:nvSpPr>
+          <p:cNvPr id="5" name="Content Placeholder 4">
+            <a:extLst>
+              <a:ext uri="{FF2B5EF4-FFF2-40B4-BE49-F238E27FC236}">
+                <a16:creationId xmlns:a16="http://schemas.microsoft.com/office/drawing/2014/main" id="{319ED1B1-6FE0-FA43-95C4-366DBD1F1305}"/>
+              </a:ext>
+            </a:extLst>
+          </p:cNvPr>
+          <p:cNvSpPr>
+            <a:spLocks noGrp="1"/>
+          </p:cNvSpPr>
+          <p:nvPr>
+            <p:ph sz="half" idx="2"/>
+          </p:nvPr>
+        </p:nvSpPr>
+        <p:spPr/>
+        <p:txBody>
+          <a:bodyPr/>
+          <a:lstStyle/>
+          <a:p>
+            <a:pPr marL="0" indent="0">
+              <a:buFont typeface="Calibri" panose="020F0502020204030204" pitchFamily="34" charset="0"/>
+              <a:buNone/>
+            </a:pPr>
+            <a:r>
+              <a:rPr lang="en-US" spc="200" dirty="0">
+                <a:solidFill>
+                  <a:schemeClr val="tx1"/>
+                </a:solidFill>
+              </a:rPr>
+              <a:t>“QUOTES…</a:t>
+            </a:r>
+          </a:p>
+        </p:txBody>
+      </p:sp>
+    </p:spTree>
+    <p:extLst>
+      <p:ext uri="{BB962C8B-B14F-4D97-AF65-F5344CB8AC3E}">
+        <p14:creationId xmlns:p14="http://schemas.microsoft.com/office/powerpoint/2010/main" val="971976701"/>
+      </p:ext>
+    </p:extLst>
+  </p:cSld>
+  <p:clrMapOvr>
+    <a:masterClrMapping/>
+  </p:clrMapOvr>
+</p:sld>
+</file>
+
+<file path=ppt/slides/slide11.xml><?xml version="1.0" encoding="utf-8"?>
+<p:sld xmlns:a="http://schemas.openxmlformats.org/drawingml/2006/main" xmlns:r="http://schemas.openxmlformats.org/officeDocument/2006/relationships" xmlns:p="http://schemas.openxmlformats.org/presentationml/2006/main">
+  <p:cSld>
+    <p:bg>
+      <p:bgPr>
+        <a:solidFill>
+          <a:srgbClr val="EDEFF7"/>
+        </a:solidFill>
+        <a:effectLst/>
+      </p:bgPr>
+    </p:bg>
+    <p:spTree>
+      <p:nvGrpSpPr>
+        <p:cNvPr id="1" name=""/>
+        <p:cNvGrpSpPr/>
+        <p:nvPr/>
+      </p:nvGrpSpPr>
+      <p:grpSpPr>
+        <a:xfrm>
+          <a:off x="0" y="0"/>
+          <a:ext cx="0" cy="0"/>
+          <a:chOff x="0" y="0"/>
+          <a:chExt cx="0" cy="0"/>
+        </a:xfrm>
+      </p:grpSpPr>
+      <p:sp>
+        <p:nvSpPr>
+          <p:cNvPr id="8" name="Title 7">
+            <a:extLst>
+              <a:ext uri="{FF2B5EF4-FFF2-40B4-BE49-F238E27FC236}">
+                <a16:creationId xmlns:a16="http://schemas.microsoft.com/office/drawing/2014/main" id="{900900CD-B943-934F-857F-30AA913FE9D9}"/>
+              </a:ext>
+            </a:extLst>
+          </p:cNvPr>
+          <p:cNvSpPr>
+            <a:spLocks noGrp="1"/>
+          </p:cNvSpPr>
+          <p:nvPr>
+            <p:ph type="title"/>
+          </p:nvPr>
+        </p:nvSpPr>
+        <p:spPr/>
+        <p:txBody>
+          <a:bodyPr/>
+          <a:lstStyle/>
+          <a:p>
+            <a:r>
+              <a:rPr lang="en-US" dirty="0"/>
+              <a:t>CUSTOMER CASE STUDY</a:t>
+            </a:r>
+          </a:p>
+        </p:txBody>
+      </p:sp>
+      <p:sp>
+        <p:nvSpPr>
+          <p:cNvPr id="12" name="Content Placeholder 11">
+            <a:extLst>
+              <a:ext uri="{FF2B5EF4-FFF2-40B4-BE49-F238E27FC236}">
+                <a16:creationId xmlns:a16="http://schemas.microsoft.com/office/drawing/2014/main" id="{2A09EEBC-5E2C-D240-A5D6-6952B8392E49}"/>
+              </a:ext>
+            </a:extLst>
+          </p:cNvPr>
+          <p:cNvSpPr>
+            <a:spLocks noGrp="1"/>
+          </p:cNvSpPr>
+          <p:nvPr>
+            <p:ph sz="half" idx="2"/>
+          </p:nvPr>
+        </p:nvSpPr>
+        <p:spPr/>
+        <p:txBody>
+          <a:bodyPr/>
+          <a:lstStyle/>
+          <a:p>
+            <a:r>
+              <a:rPr lang="en-US" dirty="0"/>
+              <a:t>Lorem ipsum dolor sit amet, consectetur adipiscing elit, sed do eiusmod tempor incididunt ut labore et dolore magna aliqua. Ut enim ad minim veniam, quis nostrud exercitation ullamco laboris nisi ut aliquip ex ea commodo consequat.</a:t>
+            </a:r>
+          </a:p>
+          <a:p>
+            <a:r>
+              <a:rPr lang="en-US" dirty="0"/>
+              <a:t>Duis aute irure dolor in reprehenderit in voluptate velit esse cillum dolore eu fugiat nulla pariatur. Excepteur sint occaecat cupidatat non proident, sunt in culpa qui officia deserunt mollit anim id est laborum.</a:t>
+            </a:r>
+          </a:p>
+        </p:txBody>
+      </p:sp>
+      <p:pic>
+        <p:nvPicPr>
+          <p:cNvPr id="27" name="Picture Placeholder 26" descr="Woman standing in front of a window on tablet">
+            <a:extLst>
+              <a:ext uri="{FF2B5EF4-FFF2-40B4-BE49-F238E27FC236}">
+                <a16:creationId xmlns:a16="http://schemas.microsoft.com/office/drawing/2014/main" id="{1E23C3D4-3265-654A-93D6-FE4FDACECE7C}"/>
+              </a:ext>
+            </a:extLst>
+          </p:cNvPr>
+          <p:cNvPicPr>
+            <a:picLocks noGrp="1" noChangeAspect="1"/>
+          </p:cNvPicPr>
+          <p:nvPr>
+            <p:ph type="pic" sz="quarter" idx="13"/>
+          </p:nvPr>
+        </p:nvPicPr>
+        <p:blipFill rotWithShape="1">
+          <a:blip r:embed="rId2" cstate="email">
+            <a:extLst>
+              <a:ext uri="{28A0092B-C50C-407E-A947-70E740481C1C}">
+                <a14:useLocalDpi xmlns:a14="http://schemas.microsoft.com/office/drawing/2010/main"/>
+              </a:ext>
+            </a:extLst>
+          </a:blip>
+          <a:srcRect/>
+          <a:stretch/>
+        </p:blipFill>
+        <p:spPr>
+          <a:xfrm>
+            <a:off x="5924550" y="633875"/>
+            <a:ext cx="5632450" cy="5591175"/>
+          </a:xfrm>
+        </p:spPr>
+      </p:pic>
+    </p:spTree>
+    <p:extLst>
+      <p:ext uri="{BB962C8B-B14F-4D97-AF65-F5344CB8AC3E}">
+        <p14:creationId xmlns:p14="http://schemas.microsoft.com/office/powerpoint/2010/main" val="1255359701"/>
+      </p:ext>
+    </p:extLst>
+  </p:cSld>
+  <p:clrMapOvr>
+    <a:masterClrMapping/>
+  </p:clrMapOvr>
+</p:sld>
+</file>
+
+<file path=ppt/slides/slide12.xml><?xml version="1.0" encoding="utf-8"?>
+<p:sld xmlns:a="http://schemas.openxmlformats.org/drawingml/2006/main" xmlns:r="http://schemas.openxmlformats.org/officeDocument/2006/relationships" xmlns:p="http://schemas.openxmlformats.org/presentationml/2006/main">
+  <p:cSld>
     <p:bg>
       <p:bgPr>
         <a:solidFill>
@@ -23624,7 +26937,7 @@
 </p:sld>
 </file>
 
-<file path=ppt/slides/slide11.xml><?xml version="1.0" encoding="utf-8"?>
+<file path=ppt/slides/slide13.xml><?xml version="1.0" encoding="utf-8"?>
 <p:sld xmlns:a="http://schemas.openxmlformats.org/drawingml/2006/main" xmlns:r="http://schemas.openxmlformats.org/officeDocument/2006/relationships" xmlns:p="http://schemas.openxmlformats.org/presentationml/2006/main">
   <p:cSld>
     <p:bg>
@@ -23881,7 +27194,7 @@
 </p:sld>
 </file>
 
-<file path=ppt/slides/slide12.xml><?xml version="1.0" encoding="utf-8"?>
+<file path=ppt/slides/slide14.xml><?xml version="1.0" encoding="utf-8"?>
 <p:sld xmlns:a="http://schemas.openxmlformats.org/drawingml/2006/main" xmlns:r="http://schemas.openxmlformats.org/officeDocument/2006/relationships" xmlns:p="http://schemas.openxmlformats.org/presentationml/2006/main">
   <p:cSld>
     <p:spTree>
@@ -24042,7 +27355,7 @@
 </p:sld>
 </file>
 
-<file path=ppt/slides/slide13.xml><?xml version="1.0" encoding="utf-8"?>
+<file path=ppt/slides/slide15.xml><?xml version="1.0" encoding="utf-8"?>
 <p:sld xmlns:a="http://schemas.openxmlformats.org/drawingml/2006/main" xmlns:r="http://schemas.openxmlformats.org/officeDocument/2006/relationships" xmlns:p="http://schemas.openxmlformats.org/presentationml/2006/main">
   <p:cSld>
     <p:bg>
@@ -24556,7 +27869,7 @@
 </p:sld>
 </file>
 
-<file path=ppt/slides/slide14.xml><?xml version="1.0" encoding="utf-8"?>
+<file path=ppt/slides/slide16.xml><?xml version="1.0" encoding="utf-8"?>
 <p:sld xmlns:a="http://schemas.openxmlformats.org/drawingml/2006/main" xmlns:r="http://schemas.openxmlformats.org/officeDocument/2006/relationships" xmlns:p="http://schemas.openxmlformats.org/presentationml/2006/main">
   <p:cSld>
     <p:spTree>
@@ -24651,7 +27964,7 @@
 </p:sld>
 </file>
 
-<file path=ppt/slides/slide15.xml><?xml version="1.0" encoding="utf-8"?>
+<file path=ppt/slides/slide17.xml><?xml version="1.0" encoding="utf-8"?>
 <p:sld xmlns:a="http://schemas.openxmlformats.org/drawingml/2006/main" xmlns:r="http://schemas.openxmlformats.org/officeDocument/2006/relationships" xmlns:p="http://schemas.openxmlformats.org/presentationml/2006/main">
   <p:cSld>
     <p:spTree>
@@ -24740,7 +28053,7 @@
 </p:sld>
 </file>
 
-<file path=ppt/slides/slide16.xml><?xml version="1.0" encoding="utf-8"?>
+<file path=ppt/slides/slide18.xml><?xml version="1.0" encoding="utf-8"?>
 <p:sld xmlns:a="http://schemas.openxmlformats.org/drawingml/2006/main" xmlns:r="http://schemas.openxmlformats.org/officeDocument/2006/relationships" xmlns:p="http://schemas.openxmlformats.org/presentationml/2006/main">
   <p:cSld>
     <p:spTree>
@@ -24829,7 +28142,7 @@
 </p:sld>
 </file>
 
-<file path=ppt/slides/slide17.xml><?xml version="1.0" encoding="utf-8"?>
+<file path=ppt/slides/slide19.xml><?xml version="1.0" encoding="utf-8"?>
 <p:sld xmlns:a="http://schemas.openxmlformats.org/drawingml/2006/main" xmlns:r="http://schemas.openxmlformats.org/officeDocument/2006/relationships" xmlns:p="http://schemas.openxmlformats.org/presentationml/2006/main">
   <p:cSld>
     <p:spTree>
@@ -25012,7 +28325,117 @@
 </p:sld>
 </file>
 
-<file path=ppt/slides/slide18.xml><?xml version="1.0" encoding="utf-8"?>
+<file path=ppt/slides/slide2.xml><?xml version="1.0" encoding="utf-8"?>
+<p:sld xmlns:a="http://schemas.openxmlformats.org/drawingml/2006/main" xmlns:r="http://schemas.openxmlformats.org/officeDocument/2006/relationships" xmlns:p="http://schemas.openxmlformats.org/presentationml/2006/main">
+  <p:cSld>
+    <p:bg>
+      <p:bgPr>
+        <a:solidFill>
+          <a:srgbClr val="EDEFF7"/>
+        </a:solidFill>
+        <a:effectLst/>
+      </p:bgPr>
+    </p:bg>
+    <p:spTree>
+      <p:nvGrpSpPr>
+        <p:cNvPr id="1" name=""/>
+        <p:cNvGrpSpPr/>
+        <p:nvPr/>
+      </p:nvGrpSpPr>
+      <p:grpSpPr>
+        <a:xfrm>
+          <a:off x="0" y="0"/>
+          <a:ext cx="0" cy="0"/>
+          <a:chOff x="0" y="0"/>
+          <a:chExt cx="0" cy="0"/>
+        </a:xfrm>
+      </p:grpSpPr>
+      <p:sp>
+        <p:nvSpPr>
+          <p:cNvPr id="19" name="Title 18">
+            <a:extLst>
+              <a:ext uri="{FF2B5EF4-FFF2-40B4-BE49-F238E27FC236}">
+                <a16:creationId xmlns:a16="http://schemas.microsoft.com/office/drawing/2014/main" id="{55BA9AC8-EA60-644D-9DDA-B76203EA1E87}"/>
+              </a:ext>
+            </a:extLst>
+          </p:cNvPr>
+          <p:cNvSpPr>
+            <a:spLocks noGrp="1"/>
+          </p:cNvSpPr>
+          <p:nvPr>
+            <p:ph type="title"/>
+          </p:nvPr>
+        </p:nvSpPr>
+        <p:spPr/>
+        <p:txBody>
+          <a:bodyPr/>
+          <a:lstStyle/>
+          <a:p>
+            <a:r>
+              <a:rPr lang="en-US" dirty="0">
+                <a:solidFill>
+                  <a:schemeClr val="tx1"/>
+                </a:solidFill>
+              </a:rPr>
+              <a:t>OUTLINE</a:t>
+            </a:r>
+          </a:p>
+        </p:txBody>
+      </p:sp>
+      <p:sp>
+        <p:nvSpPr>
+          <p:cNvPr id="17" name="Content Placeholder 16">
+            <a:extLst>
+              <a:ext uri="{FF2B5EF4-FFF2-40B4-BE49-F238E27FC236}">
+                <a16:creationId xmlns:a16="http://schemas.microsoft.com/office/drawing/2014/main" id="{8E7591AD-81F4-2E45-AE36-F4DA40C19031}"/>
+              </a:ext>
+            </a:extLst>
+          </p:cNvPr>
+          <p:cNvSpPr>
+            <a:spLocks noGrp="1"/>
+          </p:cNvSpPr>
+          <p:nvPr>
+            <p:ph sz="half" idx="2"/>
+          </p:nvPr>
+        </p:nvSpPr>
+        <p:spPr/>
+        <p:txBody>
+          <a:bodyPr/>
+          <a:lstStyle/>
+          <a:p>
+            <a:r>
+              <a:rPr lang="en-US" dirty="0"/>
+              <a:t>Market Fill</a:t>
+            </a:r>
+          </a:p>
+          <a:p>
+            <a:r>
+              <a:rPr lang="en-US" dirty="0"/>
+              <a:t>Market Gap</a:t>
+            </a:r>
+          </a:p>
+          <a:p>
+            <a:r>
+              <a:rPr lang="en-US" dirty="0"/>
+              <a:t>Our Proposal</a:t>
+            </a:r>
+          </a:p>
+        </p:txBody>
+      </p:sp>
+    </p:spTree>
+    <p:extLst>
+      <p:ext uri="{BB962C8B-B14F-4D97-AF65-F5344CB8AC3E}">
+        <p14:creationId xmlns:p14="http://schemas.microsoft.com/office/powerpoint/2010/main" val="4003527716"/>
+      </p:ext>
+    </p:extLst>
+  </p:cSld>
+  <p:clrMapOvr>
+    <a:masterClrMapping/>
+  </p:clrMapOvr>
+</p:sld>
+</file>
+
+<file path=ppt/slides/slide20.xml><?xml version="1.0" encoding="utf-8"?>
 <p:sld xmlns:a="http://schemas.openxmlformats.org/drawingml/2006/main" xmlns:r="http://schemas.openxmlformats.org/officeDocument/2006/relationships" xmlns:p="http://schemas.openxmlformats.org/presentationml/2006/main">
   <p:cSld>
     <p:spTree>
@@ -25107,7 +28530,7 @@
 </p:sld>
 </file>
 
-<file path=ppt/slides/slide19.xml><?xml version="1.0" encoding="utf-8"?>
+<file path=ppt/slides/slide21.xml><?xml version="1.0" encoding="utf-8"?>
 <p:sld xmlns:a="http://schemas.openxmlformats.org/drawingml/2006/main" xmlns:r="http://schemas.openxmlformats.org/officeDocument/2006/relationships" xmlns:p="http://schemas.openxmlformats.org/presentationml/2006/main">
   <p:cSld>
     <p:spTree>
@@ -25239,117 +28662,7 @@
 </p:sld>
 </file>
 
-<file path=ppt/slides/slide2.xml><?xml version="1.0" encoding="utf-8"?>
-<p:sld xmlns:a="http://schemas.openxmlformats.org/drawingml/2006/main" xmlns:r="http://schemas.openxmlformats.org/officeDocument/2006/relationships" xmlns:p="http://schemas.openxmlformats.org/presentationml/2006/main">
-  <p:cSld>
-    <p:bg>
-      <p:bgPr>
-        <a:solidFill>
-          <a:srgbClr val="EDEFF7"/>
-        </a:solidFill>
-        <a:effectLst/>
-      </p:bgPr>
-    </p:bg>
-    <p:spTree>
-      <p:nvGrpSpPr>
-        <p:cNvPr id="1" name=""/>
-        <p:cNvGrpSpPr/>
-        <p:nvPr/>
-      </p:nvGrpSpPr>
-      <p:grpSpPr>
-        <a:xfrm>
-          <a:off x="0" y="0"/>
-          <a:ext cx="0" cy="0"/>
-          <a:chOff x="0" y="0"/>
-          <a:chExt cx="0" cy="0"/>
-        </a:xfrm>
-      </p:grpSpPr>
-      <p:sp>
-        <p:nvSpPr>
-          <p:cNvPr id="19" name="Title 18">
-            <a:extLst>
-              <a:ext uri="{FF2B5EF4-FFF2-40B4-BE49-F238E27FC236}">
-                <a16:creationId xmlns:a16="http://schemas.microsoft.com/office/drawing/2014/main" id="{55BA9AC8-EA60-644D-9DDA-B76203EA1E87}"/>
-              </a:ext>
-            </a:extLst>
-          </p:cNvPr>
-          <p:cNvSpPr>
-            <a:spLocks noGrp="1"/>
-          </p:cNvSpPr>
-          <p:nvPr>
-            <p:ph type="title"/>
-          </p:nvPr>
-        </p:nvSpPr>
-        <p:spPr/>
-        <p:txBody>
-          <a:bodyPr/>
-          <a:lstStyle/>
-          <a:p>
-            <a:r>
-              <a:rPr lang="en-US" dirty="0">
-                <a:solidFill>
-                  <a:schemeClr val="tx1"/>
-                </a:solidFill>
-              </a:rPr>
-              <a:t>OUTLINE</a:t>
-            </a:r>
-          </a:p>
-        </p:txBody>
-      </p:sp>
-      <p:sp>
-        <p:nvSpPr>
-          <p:cNvPr id="17" name="Content Placeholder 16">
-            <a:extLst>
-              <a:ext uri="{FF2B5EF4-FFF2-40B4-BE49-F238E27FC236}">
-                <a16:creationId xmlns:a16="http://schemas.microsoft.com/office/drawing/2014/main" id="{8E7591AD-81F4-2E45-AE36-F4DA40C19031}"/>
-              </a:ext>
-            </a:extLst>
-          </p:cNvPr>
-          <p:cNvSpPr>
-            <a:spLocks noGrp="1"/>
-          </p:cNvSpPr>
-          <p:nvPr>
-            <p:ph sz="half" idx="2"/>
-          </p:nvPr>
-        </p:nvSpPr>
-        <p:spPr/>
-        <p:txBody>
-          <a:bodyPr/>
-          <a:lstStyle/>
-          <a:p>
-            <a:r>
-              <a:rPr lang="en-US" dirty="0"/>
-              <a:t>Market Fill</a:t>
-            </a:r>
-          </a:p>
-          <a:p>
-            <a:r>
-              <a:rPr lang="en-US" dirty="0"/>
-              <a:t>Market Gap</a:t>
-            </a:r>
-          </a:p>
-          <a:p>
-            <a:r>
-              <a:rPr lang="en-US" dirty="0"/>
-              <a:t>Our Proposal</a:t>
-            </a:r>
-          </a:p>
-        </p:txBody>
-      </p:sp>
-    </p:spTree>
-    <p:extLst>
-      <p:ext uri="{BB962C8B-B14F-4D97-AF65-F5344CB8AC3E}">
-        <p14:creationId xmlns:p14="http://schemas.microsoft.com/office/powerpoint/2010/main" val="4003527716"/>
-      </p:ext>
-    </p:extLst>
-  </p:cSld>
-  <p:clrMapOvr>
-    <a:masterClrMapping/>
-  </p:clrMapOvr>
-</p:sld>
-</file>
-
-<file path=ppt/slides/slide20.xml><?xml version="1.0" encoding="utf-8"?>
+<file path=ppt/slides/slide22.xml><?xml version="1.0" encoding="utf-8"?>
 <p:sld xmlns:a="http://schemas.openxmlformats.org/drawingml/2006/main" xmlns:r="http://schemas.openxmlformats.org/officeDocument/2006/relationships" xmlns:p="http://schemas.openxmlformats.org/presentationml/2006/main">
   <p:cSld>
     <p:spTree>
@@ -25469,7 +28782,7 @@
 </p:sld>
 </file>
 
-<file path=ppt/slides/slide21.xml><?xml version="1.0" encoding="utf-8"?>
+<file path=ppt/slides/slide23.xml><?xml version="1.0" encoding="utf-8"?>
 <p:sld xmlns:a="http://schemas.openxmlformats.org/drawingml/2006/main" xmlns:r="http://schemas.openxmlformats.org/officeDocument/2006/relationships" xmlns:p="http://schemas.openxmlformats.org/presentationml/2006/main">
   <p:cSld>
     <p:spTree>
@@ -26511,6 +29824,664 @@
 <file path=ppt/slides/slide7.xml><?xml version="1.0" encoding="utf-8"?>
 <p:sld xmlns:a="http://schemas.openxmlformats.org/drawingml/2006/main" xmlns:r="http://schemas.openxmlformats.org/officeDocument/2006/relationships" xmlns:p="http://schemas.openxmlformats.org/presentationml/2006/main">
   <p:cSld>
+    <p:spTree>
+      <p:nvGrpSpPr>
+        <p:cNvPr id="1" name=""/>
+        <p:cNvGrpSpPr/>
+        <p:nvPr/>
+      </p:nvGrpSpPr>
+      <p:grpSpPr>
+        <a:xfrm>
+          <a:off x="0" y="0"/>
+          <a:ext cx="0" cy="0"/>
+          <a:chOff x="0" y="0"/>
+          <a:chExt cx="0" cy="0"/>
+        </a:xfrm>
+      </p:grpSpPr>
+      <p:graphicFrame>
+        <p:nvGraphicFramePr>
+          <p:cNvPr id="5" name="Content Placeholder 2" descr="Smart Art graphic of Picture Accent Process">
+            <a:extLst>
+              <a:ext uri="{FF2B5EF4-FFF2-40B4-BE49-F238E27FC236}">
+                <a16:creationId xmlns:a16="http://schemas.microsoft.com/office/drawing/2014/main" id="{BE8337B7-28C4-492B-8228-3183A1C23832}"/>
+              </a:ext>
+            </a:extLst>
+          </p:cNvPr>
+          <p:cNvGraphicFramePr>
+            <a:graphicFrameLocks noGrp="1"/>
+          </p:cNvGraphicFramePr>
+          <p:nvPr>
+            <p:ph idx="1"/>
+            <p:extLst>
+              <p:ext uri="{D42A27DB-BD31-4B8C-83A1-F6EECF244321}">
+                <p14:modId xmlns:p14="http://schemas.microsoft.com/office/powerpoint/2010/main" val="4038695739"/>
+              </p:ext>
+            </p:extLst>
+          </p:nvPr>
+        </p:nvGraphicFramePr>
+        <p:xfrm>
+          <a:off x="1096963" y="2154341"/>
+          <a:ext cx="10058400" cy="3760788"/>
+        </p:xfrm>
+        <a:graphic>
+          <a:graphicData uri="http://schemas.openxmlformats.org/drawingml/2006/diagram">
+            <dgm:relIds xmlns:dgm="http://schemas.openxmlformats.org/drawingml/2006/diagram" xmlns:r="http://schemas.openxmlformats.org/officeDocument/2006/relationships" r:dm="rId2" r:lo="rId3" r:qs="rId4" r:cs="rId5"/>
+          </a:graphicData>
+        </a:graphic>
+      </p:graphicFrame>
+      <p:sp>
+        <p:nvSpPr>
+          <p:cNvPr id="2" name="Title 1">
+            <a:extLst>
+              <a:ext uri="{FF2B5EF4-FFF2-40B4-BE49-F238E27FC236}">
+                <a16:creationId xmlns:a16="http://schemas.microsoft.com/office/drawing/2014/main" id="{003F7245-B0E5-484F-88D0-FA9D0C77C036}"/>
+              </a:ext>
+            </a:extLst>
+          </p:cNvPr>
+          <p:cNvSpPr>
+            <a:spLocks noGrp="1"/>
+          </p:cNvSpPr>
+          <p:nvPr>
+            <p:ph type="title"/>
+          </p:nvPr>
+        </p:nvSpPr>
+        <p:spPr/>
+        <p:txBody>
+          <a:bodyPr/>
+          <a:lstStyle/>
+          <a:p>
+            <a:r>
+              <a:rPr lang="en-US" dirty="0"/>
+              <a:t>Sensors needs</a:t>
+            </a:r>
+          </a:p>
+        </p:txBody>
+      </p:sp>
+    </p:spTree>
+    <p:extLst>
+      <p:ext uri="{BB962C8B-B14F-4D97-AF65-F5344CB8AC3E}">
+        <p14:creationId xmlns:p14="http://schemas.microsoft.com/office/powerpoint/2010/main" val="2409418265"/>
+      </p:ext>
+    </p:extLst>
+  </p:cSld>
+  <p:clrMapOvr>
+    <a:masterClrMapping/>
+  </p:clrMapOvr>
+</p:sld>
+</file>
+
+<file path=ppt/slides/slide8.xml><?xml version="1.0" encoding="utf-8"?>
+<p:sld xmlns:a="http://schemas.openxmlformats.org/drawingml/2006/main" xmlns:r="http://schemas.openxmlformats.org/officeDocument/2006/relationships" xmlns:p="http://schemas.openxmlformats.org/presentationml/2006/main">
+  <p:cSld>
+    <p:spTree>
+      <p:nvGrpSpPr>
+        <p:cNvPr id="1" name=""/>
+        <p:cNvGrpSpPr/>
+        <p:nvPr/>
+      </p:nvGrpSpPr>
+      <p:grpSpPr>
+        <a:xfrm>
+          <a:off x="0" y="0"/>
+          <a:ext cx="0" cy="0"/>
+          <a:chOff x="0" y="0"/>
+          <a:chExt cx="0" cy="0"/>
+        </a:xfrm>
+      </p:grpSpPr>
+      <p:graphicFrame>
+        <p:nvGraphicFramePr>
+          <p:cNvPr id="18" name="Table 4">
+            <a:extLst>
+              <a:ext uri="{FF2B5EF4-FFF2-40B4-BE49-F238E27FC236}">
+                <a16:creationId xmlns:a16="http://schemas.microsoft.com/office/drawing/2014/main" id="{CEAD8830-262F-F14F-8007-721D1F2C1E87}"/>
+              </a:ext>
+            </a:extLst>
+          </p:cNvPr>
+          <p:cNvGraphicFramePr>
+            <a:graphicFrameLocks noGrp="1"/>
+          </p:cNvGraphicFramePr>
+          <p:nvPr>
+            <p:ph idx="1"/>
+            <p:extLst>
+              <p:ext uri="{D42A27DB-BD31-4B8C-83A1-F6EECF244321}">
+                <p14:modId xmlns:p14="http://schemas.microsoft.com/office/powerpoint/2010/main" val="2557921478"/>
+              </p:ext>
+            </p:extLst>
+          </p:nvPr>
+        </p:nvGraphicFramePr>
+        <p:xfrm>
+          <a:off x="1066800" y="1530455"/>
+          <a:ext cx="10058400" cy="4592028"/>
+        </p:xfrm>
+        <a:graphic>
+          <a:graphicData uri="http://schemas.openxmlformats.org/drawingml/2006/table">
+            <a:tbl>
+              <a:tblPr firstRow="1" bandRow="1">
+                <a:tableStyleId>{B301B821-A1FF-4177-AEE7-76D212191A09}</a:tableStyleId>
+              </a:tblPr>
+              <a:tblGrid>
+                <a:gridCol w="3352800">
+                  <a:extLst>
+                    <a:ext uri="{9D8B030D-6E8A-4147-A177-3AD203B41FA5}">
+                      <a16:colId xmlns:a16="http://schemas.microsoft.com/office/drawing/2014/main" val="3628234326"/>
+                    </a:ext>
+                  </a:extLst>
+                </a:gridCol>
+                <a:gridCol w="3352800">
+                  <a:extLst>
+                    <a:ext uri="{9D8B030D-6E8A-4147-A177-3AD203B41FA5}">
+                      <a16:colId xmlns:a16="http://schemas.microsoft.com/office/drawing/2014/main" val="1083199451"/>
+                    </a:ext>
+                  </a:extLst>
+                </a:gridCol>
+                <a:gridCol w="3352800">
+                  <a:extLst>
+                    <a:ext uri="{9D8B030D-6E8A-4147-A177-3AD203B41FA5}">
+                      <a16:colId xmlns:a16="http://schemas.microsoft.com/office/drawing/2014/main" val="1334118722"/>
+                    </a:ext>
+                  </a:extLst>
+                </a:gridCol>
+              </a:tblGrid>
+              <a:tr h="1118151">
+                <a:tc>
+                  <a:txBody>
+                    <a:bodyPr/>
+                    <a:lstStyle/>
+                    <a:p>
+                      <a:pPr algn="ctr"/>
+                      <a:r>
+                        <a:rPr lang="en-US" sz="2400" cap="all" spc="150" dirty="0"/>
+                        <a:t>LORAWAN Micro GPS </a:t>
+                      </a:r>
+                      <a:endParaRPr lang="en-US" sz="2400" b="0" cap="all" spc="150" dirty="0">
+                        <a:solidFill>
+                          <a:schemeClr val="lt1"/>
+                        </a:solidFill>
+                      </a:endParaRPr>
+                    </a:p>
+                  </a:txBody>
+                  <a:tcPr marL="224212" marR="224212" marT="224212" marB="224212" anchor="ctr">
+                    <a:solidFill>
+                      <a:schemeClr val="tx1"/>
+                    </a:solidFill>
+                  </a:tcPr>
+                </a:tc>
+                <a:tc>
+                  <a:txBody>
+                    <a:bodyPr/>
+                    <a:lstStyle/>
+                    <a:p>
+                      <a:pPr marL="0" marR="0" lvl="0" indent="0" algn="ctr" defTabSz="914400" rtl="0" eaLnBrk="1" fontAlgn="auto" latinLnBrk="0" hangingPunct="1">
+                        <a:lnSpc>
+                          <a:spcPct val="100000"/>
+                        </a:lnSpc>
+                        <a:spcBef>
+                          <a:spcPts val="0"/>
+                        </a:spcBef>
+                        <a:spcAft>
+                          <a:spcPts val="0"/>
+                        </a:spcAft>
+                        <a:buClrTx/>
+                        <a:buSzTx/>
+                        <a:buFontTx/>
+                        <a:buNone/>
+                        <a:tabLst/>
+                        <a:defRPr/>
+                      </a:pPr>
+                      <a:r>
+                        <a:rPr lang="en-US" sz="2400" b="1" cap="all" spc="150" dirty="0">
+                          <a:solidFill>
+                            <a:schemeClr val="lt1"/>
+                          </a:solidFill>
+                        </a:rPr>
+                        <a:t>SENSONEO ultrasonic</a:t>
+                      </a:r>
+                      <a:endParaRPr lang="en-US" sz="2400" b="0" cap="all" spc="150" dirty="0">
+                        <a:solidFill>
+                          <a:schemeClr val="lt1"/>
+                        </a:solidFill>
+                      </a:endParaRPr>
+                    </a:p>
+                  </a:txBody>
+                  <a:tcPr marL="224212" marR="224212" marT="224212" marB="224212" anchor="ctr">
+                    <a:solidFill>
+                      <a:schemeClr val="tx1"/>
+                    </a:solidFill>
+                  </a:tcPr>
+                </a:tc>
+                <a:tc>
+                  <a:txBody>
+                    <a:bodyPr/>
+                    <a:lstStyle/>
+                    <a:p>
+                      <a:pPr marL="0" marR="0" lvl="0" indent="0" algn="ctr" defTabSz="914400" rtl="0" eaLnBrk="1" fontAlgn="auto" latinLnBrk="0" hangingPunct="1">
+                        <a:lnSpc>
+                          <a:spcPct val="100000"/>
+                        </a:lnSpc>
+                        <a:spcBef>
+                          <a:spcPts val="0"/>
+                        </a:spcBef>
+                        <a:spcAft>
+                          <a:spcPts val="0"/>
+                        </a:spcAft>
+                        <a:buClrTx/>
+                        <a:buSzTx/>
+                        <a:buFontTx/>
+                        <a:buNone/>
+                        <a:tabLst/>
+                        <a:defRPr/>
+                      </a:pPr>
+                      <a:r>
+                        <a:rPr lang="en-US" sz="2400" cap="all" spc="150" dirty="0"/>
+                        <a:t>ENVITUS AIR QUALITY</a:t>
+                      </a:r>
+                      <a:endParaRPr lang="en-US" sz="2400" b="0" cap="all" spc="150" dirty="0">
+                        <a:solidFill>
+                          <a:schemeClr val="lt1"/>
+                        </a:solidFill>
+                      </a:endParaRPr>
+                    </a:p>
+                  </a:txBody>
+                  <a:tcPr marL="224212" marR="224212" marT="224212" marB="224212" anchor="ctr">
+                    <a:solidFill>
+                      <a:schemeClr val="tx1"/>
+                    </a:solidFill>
+                  </a:tcPr>
+                </a:tc>
+                <a:extLst>
+                  <a:ext uri="{0D108BD9-81ED-4DB2-BD59-A6C34878D82A}">
+                    <a16:rowId xmlns:a16="http://schemas.microsoft.com/office/drawing/2014/main" val="4160608299"/>
+                  </a:ext>
+                </a:extLst>
+              </a:tr>
+              <a:tr h="1024630">
+                <a:tc>
+                  <a:txBody>
+                    <a:bodyPr/>
+                    <a:lstStyle/>
+                    <a:p>
+                      <a:pPr marL="0" marR="0" lvl="0" indent="0" algn="ctr" defTabSz="914400" rtl="0" eaLnBrk="1" fontAlgn="auto" latinLnBrk="0" hangingPunct="1">
+                        <a:lnSpc>
+                          <a:spcPct val="100000"/>
+                        </a:lnSpc>
+                        <a:spcBef>
+                          <a:spcPts val="0"/>
+                        </a:spcBef>
+                        <a:spcAft>
+                          <a:spcPts val="0"/>
+                        </a:spcAft>
+                        <a:buClrTx/>
+                        <a:buSzTx/>
+                        <a:buFontTx/>
+                        <a:buNone/>
+                        <a:tabLst/>
+                        <a:defRPr/>
+                      </a:pPr>
+                      <a:r>
+                        <a:rPr lang="en-US" sz="2000" b="0" cap="none" spc="0" dirty="0">
+                          <a:solidFill>
+                            <a:schemeClr val="tx1"/>
+                          </a:solidFill>
+                        </a:rPr>
+                        <a:t>Battery (3 years)</a:t>
+                      </a:r>
+                    </a:p>
+                  </a:txBody>
+                  <a:tcPr marL="224212" marR="224212" marT="224212" marB="224212" anchor="ctr">
+                    <a:solidFill>
+                      <a:srgbClr val="F6F9FF"/>
+                    </a:solidFill>
+                  </a:tcPr>
+                </a:tc>
+                <a:tc>
+                  <a:txBody>
+                    <a:bodyPr/>
+                    <a:lstStyle/>
+                    <a:p>
+                      <a:pPr marL="0" marR="0" lvl="0" indent="0" algn="ctr" defTabSz="914400" rtl="0" eaLnBrk="1" fontAlgn="auto" latinLnBrk="0" hangingPunct="1">
+                        <a:lnSpc>
+                          <a:spcPct val="100000"/>
+                        </a:lnSpc>
+                        <a:spcBef>
+                          <a:spcPts val="0"/>
+                        </a:spcBef>
+                        <a:spcAft>
+                          <a:spcPts val="0"/>
+                        </a:spcAft>
+                        <a:buClrTx/>
+                        <a:buSzTx/>
+                        <a:buFontTx/>
+                        <a:buNone/>
+                        <a:tabLst/>
+                        <a:defRPr/>
+                      </a:pPr>
+                      <a:r>
+                        <a:rPr lang="en-US" sz="2000" cap="none" spc="0" dirty="0"/>
+                        <a:t> 3-170 cm</a:t>
+                      </a:r>
+                      <a:endParaRPr lang="en-US" sz="2000" b="0" cap="none" spc="0" dirty="0">
+                        <a:solidFill>
+                          <a:schemeClr val="tx1"/>
+                        </a:solidFill>
+                      </a:endParaRPr>
+                    </a:p>
+                  </a:txBody>
+                  <a:tcPr marL="224212" marR="224212" marT="224212" marB="224212" anchor="ctr">
+                    <a:solidFill>
+                      <a:srgbClr val="F6F9FF"/>
+                    </a:solidFill>
+                  </a:tcPr>
+                </a:tc>
+                <a:tc>
+                  <a:txBody>
+                    <a:bodyPr/>
+                    <a:lstStyle/>
+                    <a:p>
+                      <a:pPr marL="0" marR="0" lvl="0" indent="0" algn="ctr" defTabSz="914400" rtl="0" eaLnBrk="1" fontAlgn="auto" latinLnBrk="0" hangingPunct="1">
+                        <a:lnSpc>
+                          <a:spcPct val="100000"/>
+                        </a:lnSpc>
+                        <a:spcBef>
+                          <a:spcPts val="0"/>
+                        </a:spcBef>
+                        <a:spcAft>
+                          <a:spcPts val="0"/>
+                        </a:spcAft>
+                        <a:buClrTx/>
+                        <a:buSzTx/>
+                        <a:buFontTx/>
+                        <a:buNone/>
+                        <a:tabLst/>
+                        <a:defRPr/>
+                      </a:pPr>
+                      <a:r>
+                        <a:rPr lang="en-US" sz="2000" b="0" cap="none" spc="0" dirty="0">
+                          <a:solidFill>
+                            <a:schemeClr val="tx1"/>
+                          </a:solidFill>
+                        </a:rPr>
+                        <a:t>O3,CO,SO2</a:t>
+                      </a:r>
+                    </a:p>
+                  </a:txBody>
+                  <a:tcPr marL="224212" marR="224212" marT="224212" marB="224212" anchor="ctr">
+                    <a:solidFill>
+                      <a:srgbClr val="F6F9FF"/>
+                    </a:solidFill>
+                  </a:tcPr>
+                </a:tc>
+                <a:extLst>
+                  <a:ext uri="{0D108BD9-81ED-4DB2-BD59-A6C34878D82A}">
+                    <a16:rowId xmlns:a16="http://schemas.microsoft.com/office/drawing/2014/main" val="3947518332"/>
+                  </a:ext>
+                </a:extLst>
+              </a:tr>
+              <a:tr h="1024630">
+                <a:tc>
+                  <a:txBody>
+                    <a:bodyPr/>
+                    <a:lstStyle/>
+                    <a:p>
+                      <a:pPr lvl="1"/>
+                      <a:r>
+                        <a:rPr lang="en-US" dirty="0"/>
+                        <a:t>15 km range</a:t>
+                      </a:r>
+                    </a:p>
+                  </a:txBody>
+                  <a:tcPr marL="224212" marR="224212" marT="224212" marB="224212" anchor="ctr">
+                    <a:solidFill>
+                      <a:srgbClr val="EDEFF7"/>
+                    </a:solidFill>
+                  </a:tcPr>
+                </a:tc>
+                <a:tc>
+                  <a:txBody>
+                    <a:bodyPr/>
+                    <a:lstStyle/>
+                    <a:p>
+                      <a:pPr lvl="1"/>
+                      <a:r>
+                        <a:rPr lang="en-US" dirty="0"/>
+                        <a:t>Temp. Measurement</a:t>
+                      </a:r>
+                    </a:p>
+                  </a:txBody>
+                  <a:tcPr marL="224212" marR="224212" marT="224212" marB="224212" anchor="ctr">
+                    <a:solidFill>
+                      <a:srgbClr val="EDEFF7"/>
+                    </a:solidFill>
+                  </a:tcPr>
+                </a:tc>
+                <a:tc>
+                  <a:txBody>
+                    <a:bodyPr/>
+                    <a:lstStyle/>
+                    <a:p>
+                      <a:pPr marL="0" marR="0" lvl="0" indent="0" algn="ctr" defTabSz="914400" rtl="0" eaLnBrk="1" fontAlgn="auto" latinLnBrk="0" hangingPunct="1">
+                        <a:lnSpc>
+                          <a:spcPct val="100000"/>
+                        </a:lnSpc>
+                        <a:spcBef>
+                          <a:spcPts val="0"/>
+                        </a:spcBef>
+                        <a:spcAft>
+                          <a:spcPts val="0"/>
+                        </a:spcAft>
+                        <a:buClrTx/>
+                        <a:buSzTx/>
+                        <a:buFontTx/>
+                        <a:buNone/>
+                        <a:tabLst/>
+                        <a:defRPr/>
+                      </a:pPr>
+                      <a:r>
+                        <a:rPr lang="en-US" sz="2000" b="0" cap="none" spc="0" dirty="0">
+                          <a:solidFill>
+                            <a:schemeClr val="tx1"/>
+                          </a:solidFill>
+                        </a:rPr>
+                        <a:t>NO2</a:t>
+                      </a:r>
+                    </a:p>
+                  </a:txBody>
+                  <a:tcPr marL="224212" marR="224212" marT="224212" marB="224212" anchor="ctr">
+                    <a:solidFill>
+                      <a:srgbClr val="EDEFF7"/>
+                    </a:solidFill>
+                  </a:tcPr>
+                </a:tc>
+                <a:extLst>
+                  <a:ext uri="{0D108BD9-81ED-4DB2-BD59-A6C34878D82A}">
+                    <a16:rowId xmlns:a16="http://schemas.microsoft.com/office/drawing/2014/main" val="1445241155"/>
+                  </a:ext>
+                </a:extLst>
+              </a:tr>
+              <a:tr h="1291454">
+                <a:tc>
+                  <a:txBody>
+                    <a:bodyPr/>
+                    <a:lstStyle/>
+                    <a:p>
+                      <a:pPr lvl="1"/>
+                      <a:r>
+                        <a:rPr lang="en-US" dirty="0"/>
+                        <a:t>WIFI triangulation</a:t>
+                      </a:r>
+                    </a:p>
+                  </a:txBody>
+                  <a:tcPr marL="224212" marR="224212" marT="224212" marB="224212" anchor="ctr">
+                    <a:solidFill>
+                      <a:srgbClr val="EDEFF7"/>
+                    </a:solidFill>
+                  </a:tcPr>
+                </a:tc>
+                <a:tc>
+                  <a:txBody>
+                    <a:bodyPr/>
+                    <a:lstStyle/>
+                    <a:p>
+                      <a:pPr marL="0" marR="0" lvl="0" indent="0" algn="ctr" defTabSz="914400" rtl="0" eaLnBrk="1" fontAlgn="auto" latinLnBrk="0" hangingPunct="1">
+                        <a:lnSpc>
+                          <a:spcPct val="100000"/>
+                        </a:lnSpc>
+                        <a:spcBef>
+                          <a:spcPts val="0"/>
+                        </a:spcBef>
+                        <a:spcAft>
+                          <a:spcPts val="0"/>
+                        </a:spcAft>
+                        <a:buClrTx/>
+                        <a:buSzTx/>
+                        <a:buFontTx/>
+                        <a:buNone/>
+                        <a:tabLst/>
+                        <a:defRPr/>
+                      </a:pPr>
+                      <a:r>
+                        <a:rPr lang="en-US" sz="2000" dirty="0"/>
+                        <a:t>Integrated accelerometer</a:t>
+                      </a:r>
+                      <a:r>
+                        <a:rPr lang="en-US" sz="2000" dirty="0">
+                          <a:sym typeface="Wingdings" panose="05000000000000000000" pitchFamily="2" charset="2"/>
+                        </a:rPr>
+                        <a:t> </a:t>
+                      </a:r>
+                    </a:p>
+                    <a:p>
+                      <a:pPr marL="0" marR="0" lvl="0" indent="0" algn="ctr" defTabSz="914400" rtl="0" eaLnBrk="1" fontAlgn="auto" latinLnBrk="0" hangingPunct="1">
+                        <a:lnSpc>
+                          <a:spcPct val="100000"/>
+                        </a:lnSpc>
+                        <a:spcBef>
+                          <a:spcPts val="0"/>
+                        </a:spcBef>
+                        <a:spcAft>
+                          <a:spcPts val="0"/>
+                        </a:spcAft>
+                        <a:buClrTx/>
+                        <a:buSzTx/>
+                        <a:buFontTx/>
+                        <a:buNone/>
+                        <a:tabLst/>
+                        <a:defRPr/>
+                      </a:pPr>
+                      <a:endParaRPr lang="en-US" sz="2000" b="0" cap="none" spc="0" dirty="0">
+                        <a:solidFill>
+                          <a:schemeClr val="tx1"/>
+                        </a:solidFill>
+                      </a:endParaRPr>
+                    </a:p>
+                  </a:txBody>
+                  <a:tcPr marL="224212" marR="224212" marT="224212" marB="224212" anchor="ctr">
+                    <a:solidFill>
+                      <a:srgbClr val="EDEFF7"/>
+                    </a:solidFill>
+                  </a:tcPr>
+                </a:tc>
+                <a:tc>
+                  <a:txBody>
+                    <a:bodyPr/>
+                    <a:lstStyle/>
+                    <a:p>
+                      <a:pPr marL="0" marR="0" lvl="0" indent="0" algn="ctr" defTabSz="914400" rtl="0" eaLnBrk="1" fontAlgn="auto" latinLnBrk="0" hangingPunct="1">
+                        <a:lnSpc>
+                          <a:spcPct val="100000"/>
+                        </a:lnSpc>
+                        <a:spcBef>
+                          <a:spcPts val="0"/>
+                        </a:spcBef>
+                        <a:spcAft>
+                          <a:spcPts val="0"/>
+                        </a:spcAft>
+                        <a:buClrTx/>
+                        <a:buSzTx/>
+                        <a:buFontTx/>
+                        <a:buNone/>
+                        <a:tabLst/>
+                        <a:defRPr/>
+                      </a:pPr>
+                      <a:r>
+                        <a:rPr lang="en-US" sz="2000" b="0" cap="none" spc="0">
+                          <a:solidFill>
+                            <a:schemeClr val="tx1"/>
+                          </a:solidFill>
+                        </a:rPr>
+                        <a:t>Temperature</a:t>
+                      </a:r>
+                      <a:endParaRPr lang="en-US" sz="2000" b="0" cap="none" spc="0" dirty="0">
+                        <a:solidFill>
+                          <a:schemeClr val="tx1"/>
+                        </a:solidFill>
+                      </a:endParaRPr>
+                    </a:p>
+                  </a:txBody>
+                  <a:tcPr marL="224212" marR="224212" marT="224212" marB="224212" anchor="ctr">
+                    <a:solidFill>
+                      <a:srgbClr val="EDEFF7"/>
+                    </a:solidFill>
+                  </a:tcPr>
+                </a:tc>
+                <a:extLst>
+                  <a:ext uri="{0D108BD9-81ED-4DB2-BD59-A6C34878D82A}">
+                    <a16:rowId xmlns:a16="http://schemas.microsoft.com/office/drawing/2014/main" val="1862785546"/>
+                  </a:ext>
+                </a:extLst>
+              </a:tr>
+            </a:tbl>
+          </a:graphicData>
+        </a:graphic>
+      </p:graphicFrame>
+      <p:sp>
+        <p:nvSpPr>
+          <p:cNvPr id="16" name="Title 15">
+            <a:extLst>
+              <a:ext uri="{FF2B5EF4-FFF2-40B4-BE49-F238E27FC236}">
+                <a16:creationId xmlns:a16="http://schemas.microsoft.com/office/drawing/2014/main" id="{09E9EE2C-A105-614C-A133-EF7DF2AD004A}"/>
+              </a:ext>
+            </a:extLst>
+          </p:cNvPr>
+          <p:cNvSpPr>
+            <a:spLocks noGrp="1"/>
+          </p:cNvSpPr>
+          <p:nvPr>
+            <p:ph type="title"/>
+          </p:nvPr>
+        </p:nvSpPr>
+        <p:spPr/>
+        <p:txBody>
+          <a:bodyPr>
+            <a:normAutofit/>
+          </a:bodyPr>
+          <a:lstStyle/>
+          <a:p>
+            <a:r>
+              <a:rPr lang="en-US" dirty="0" err="1"/>
+              <a:t>sEnsors</a:t>
+            </a:r>
+            <a:r>
+              <a:rPr lang="en-US" dirty="0"/>
+              <a:t> used</a:t>
+            </a:r>
+          </a:p>
+        </p:txBody>
+      </p:sp>
+    </p:spTree>
+    <p:extLst>
+      <p:ext uri="{BB962C8B-B14F-4D97-AF65-F5344CB8AC3E}">
+        <p14:creationId xmlns:p14="http://schemas.microsoft.com/office/powerpoint/2010/main" val="364536469"/>
+      </p:ext>
+    </p:extLst>
+  </p:cSld>
+  <p:clrMapOvr>
+    <a:masterClrMapping/>
+  </p:clrMapOvr>
+</p:sld>
+</file>
+
+<file path=ppt/slides/slide9.xml><?xml version="1.0" encoding="utf-8"?>
+<p:sld xmlns:a="http://schemas.openxmlformats.org/drawingml/2006/main" xmlns:r="http://schemas.openxmlformats.org/officeDocument/2006/relationships" xmlns:p="http://schemas.openxmlformats.org/presentationml/2006/main">
+  <p:cSld>
     <p:bg>
       <p:bgPr>
         <a:solidFill>
@@ -26621,246 +30592,6 @@
     <p:extLst>
       <p:ext uri="{BB962C8B-B14F-4D97-AF65-F5344CB8AC3E}">
         <p14:creationId xmlns:p14="http://schemas.microsoft.com/office/powerpoint/2010/main" val="2276898735"/>
-      </p:ext>
-    </p:extLst>
-  </p:cSld>
-  <p:clrMapOvr>
-    <a:masterClrMapping/>
-  </p:clrMapOvr>
-</p:sld>
-</file>
-
-<file path=ppt/slides/slide8.xml><?xml version="1.0" encoding="utf-8"?>
-<p:sld xmlns:a="http://schemas.openxmlformats.org/drawingml/2006/main" xmlns:r="http://schemas.openxmlformats.org/officeDocument/2006/relationships" xmlns:p="http://schemas.openxmlformats.org/presentationml/2006/main">
-  <p:cSld>
-    <p:spTree>
-      <p:nvGrpSpPr>
-        <p:cNvPr id="1" name=""/>
-        <p:cNvGrpSpPr/>
-        <p:nvPr/>
-      </p:nvGrpSpPr>
-      <p:grpSpPr>
-        <a:xfrm>
-          <a:off x="0" y="0"/>
-          <a:ext cx="0" cy="0"/>
-          <a:chOff x="0" y="0"/>
-          <a:chExt cx="0" cy="0"/>
-        </a:xfrm>
-      </p:grpSpPr>
-      <p:sp>
-        <p:nvSpPr>
-          <p:cNvPr id="4" name="Title 3">
-            <a:extLst>
-              <a:ext uri="{FF2B5EF4-FFF2-40B4-BE49-F238E27FC236}">
-                <a16:creationId xmlns:a16="http://schemas.microsoft.com/office/drawing/2014/main" id="{E5E51183-D0D9-A74B-94F0-9EC0104A75F3}"/>
-              </a:ext>
-            </a:extLst>
-          </p:cNvPr>
-          <p:cNvSpPr>
-            <a:spLocks noGrp="1"/>
-          </p:cNvSpPr>
-          <p:nvPr>
-            <p:ph type="title"/>
-          </p:nvPr>
-        </p:nvSpPr>
-        <p:spPr/>
-        <p:txBody>
-          <a:bodyPr/>
-          <a:lstStyle/>
-          <a:p>
-            <a:pPr>
-              <a:tabLst>
-                <a:tab pos="3308350" algn="l"/>
-              </a:tabLst>
-            </a:pPr>
-            <a:r>
-              <a:rPr lang="en-US" dirty="0">
-                <a:solidFill>
-                  <a:schemeClr val="tx1">
-                    <a:lumMod val="85000"/>
-                    <a:lumOff val="15000"/>
-                  </a:schemeClr>
-                </a:solidFill>
-              </a:rPr>
-              <a:t>WHAT OUR CUSTOMERS SAY</a:t>
-            </a:r>
-          </a:p>
-        </p:txBody>
-      </p:sp>
-      <p:sp>
-        <p:nvSpPr>
-          <p:cNvPr id="5" name="Content Placeholder 4">
-            <a:extLst>
-              <a:ext uri="{FF2B5EF4-FFF2-40B4-BE49-F238E27FC236}">
-                <a16:creationId xmlns:a16="http://schemas.microsoft.com/office/drawing/2014/main" id="{319ED1B1-6FE0-FA43-95C4-366DBD1F1305}"/>
-              </a:ext>
-            </a:extLst>
-          </p:cNvPr>
-          <p:cNvSpPr>
-            <a:spLocks noGrp="1"/>
-          </p:cNvSpPr>
-          <p:nvPr>
-            <p:ph sz="half" idx="2"/>
-          </p:nvPr>
-        </p:nvSpPr>
-        <p:spPr/>
-        <p:txBody>
-          <a:bodyPr/>
-          <a:lstStyle/>
-          <a:p>
-            <a:pPr marL="0" indent="0">
-              <a:buFont typeface="Calibri" panose="020F0502020204030204" pitchFamily="34" charset="0"/>
-              <a:buNone/>
-            </a:pPr>
-            <a:r>
-              <a:rPr lang="en-US" spc="200" dirty="0">
-                <a:solidFill>
-                  <a:schemeClr val="tx1"/>
-                </a:solidFill>
-              </a:rPr>
-              <a:t>“QUOTES…</a:t>
-            </a:r>
-          </a:p>
-        </p:txBody>
-      </p:sp>
-    </p:spTree>
-    <p:extLst>
-      <p:ext uri="{BB962C8B-B14F-4D97-AF65-F5344CB8AC3E}">
-        <p14:creationId xmlns:p14="http://schemas.microsoft.com/office/powerpoint/2010/main" val="971976701"/>
-      </p:ext>
-    </p:extLst>
-  </p:cSld>
-  <p:clrMapOvr>
-    <a:masterClrMapping/>
-  </p:clrMapOvr>
-</p:sld>
-</file>
-
-<file path=ppt/slides/slide9.xml><?xml version="1.0" encoding="utf-8"?>
-<p:sld xmlns:a="http://schemas.openxmlformats.org/drawingml/2006/main" xmlns:r="http://schemas.openxmlformats.org/officeDocument/2006/relationships" xmlns:p="http://schemas.openxmlformats.org/presentationml/2006/main">
-  <p:cSld>
-    <p:bg>
-      <p:bgPr>
-        <a:solidFill>
-          <a:srgbClr val="EDEFF7"/>
-        </a:solidFill>
-        <a:effectLst/>
-      </p:bgPr>
-    </p:bg>
-    <p:spTree>
-      <p:nvGrpSpPr>
-        <p:cNvPr id="1" name=""/>
-        <p:cNvGrpSpPr/>
-        <p:nvPr/>
-      </p:nvGrpSpPr>
-      <p:grpSpPr>
-        <a:xfrm>
-          <a:off x="0" y="0"/>
-          <a:ext cx="0" cy="0"/>
-          <a:chOff x="0" y="0"/>
-          <a:chExt cx="0" cy="0"/>
-        </a:xfrm>
-      </p:grpSpPr>
-      <p:sp>
-        <p:nvSpPr>
-          <p:cNvPr id="8" name="Title 7">
-            <a:extLst>
-              <a:ext uri="{FF2B5EF4-FFF2-40B4-BE49-F238E27FC236}">
-                <a16:creationId xmlns:a16="http://schemas.microsoft.com/office/drawing/2014/main" id="{900900CD-B943-934F-857F-30AA913FE9D9}"/>
-              </a:ext>
-            </a:extLst>
-          </p:cNvPr>
-          <p:cNvSpPr>
-            <a:spLocks noGrp="1"/>
-          </p:cNvSpPr>
-          <p:nvPr>
-            <p:ph type="title"/>
-          </p:nvPr>
-        </p:nvSpPr>
-        <p:spPr/>
-        <p:txBody>
-          <a:bodyPr/>
-          <a:lstStyle/>
-          <a:p>
-            <a:r>
-              <a:rPr lang="en-US" dirty="0"/>
-              <a:t>CUSTOMER CASE STUDY</a:t>
-            </a:r>
-          </a:p>
-        </p:txBody>
-      </p:sp>
-      <p:sp>
-        <p:nvSpPr>
-          <p:cNvPr id="12" name="Content Placeholder 11">
-            <a:extLst>
-              <a:ext uri="{FF2B5EF4-FFF2-40B4-BE49-F238E27FC236}">
-                <a16:creationId xmlns:a16="http://schemas.microsoft.com/office/drawing/2014/main" id="{2A09EEBC-5E2C-D240-A5D6-6952B8392E49}"/>
-              </a:ext>
-            </a:extLst>
-          </p:cNvPr>
-          <p:cNvSpPr>
-            <a:spLocks noGrp="1"/>
-          </p:cNvSpPr>
-          <p:nvPr>
-            <p:ph sz="half" idx="2"/>
-          </p:nvPr>
-        </p:nvSpPr>
-        <p:spPr/>
-        <p:txBody>
-          <a:bodyPr/>
-          <a:lstStyle/>
-          <a:p>
-            <a:r>
-              <a:rPr lang="en-US" dirty="0"/>
-              <a:t>Lorem ipsum dolor sit amet, consectetur adipiscing elit, sed do eiusmod tempor incididunt ut labore et dolore magna aliqua. Ut enim ad minim veniam, quis nostrud exercitation ullamco laboris nisi ut aliquip ex ea commodo consequat.</a:t>
-            </a:r>
-          </a:p>
-          <a:p>
-            <a:r>
-              <a:rPr lang="en-US" dirty="0"/>
-              <a:t>Duis aute irure dolor in reprehenderit in voluptate velit esse cillum dolore eu fugiat nulla pariatur. Excepteur sint occaecat cupidatat non proident, sunt in culpa qui officia deserunt mollit anim id est laborum.</a:t>
-            </a:r>
-          </a:p>
-        </p:txBody>
-      </p:sp>
-      <p:pic>
-        <p:nvPicPr>
-          <p:cNvPr id="27" name="Picture Placeholder 26" descr="Woman standing in front of a window on tablet">
-            <a:extLst>
-              <a:ext uri="{FF2B5EF4-FFF2-40B4-BE49-F238E27FC236}">
-                <a16:creationId xmlns:a16="http://schemas.microsoft.com/office/drawing/2014/main" id="{1E23C3D4-3265-654A-93D6-FE4FDACECE7C}"/>
-              </a:ext>
-            </a:extLst>
-          </p:cNvPr>
-          <p:cNvPicPr>
-            <a:picLocks noGrp="1" noChangeAspect="1"/>
-          </p:cNvPicPr>
-          <p:nvPr>
-            <p:ph type="pic" sz="quarter" idx="13"/>
-          </p:nvPr>
-        </p:nvPicPr>
-        <p:blipFill rotWithShape="1">
-          <a:blip r:embed="rId2" cstate="email">
-            <a:extLst>
-              <a:ext uri="{28A0092B-C50C-407E-A947-70E740481C1C}">
-                <a14:useLocalDpi xmlns:a14="http://schemas.microsoft.com/office/drawing/2010/main"/>
-              </a:ext>
-            </a:extLst>
-          </a:blip>
-          <a:srcRect/>
-          <a:stretch/>
-        </p:blipFill>
-        <p:spPr>
-          <a:xfrm>
-            <a:off x="5924550" y="633875"/>
-            <a:ext cx="5632450" cy="5591175"/>
-          </a:xfrm>
-        </p:spPr>
-      </p:pic>
-    </p:spTree>
-    <p:extLst>
-      <p:ext uri="{BB962C8B-B14F-4D97-AF65-F5344CB8AC3E}">
-        <p14:creationId xmlns:p14="http://schemas.microsoft.com/office/powerpoint/2010/main" val="1255359701"/>
       </p:ext>
     </p:extLst>
   </p:cSld>
@@ -27154,15 +30885,6 @@
 </file>
 
 <file path=customXml/item1.xml><?xml version="1.0" encoding="utf-8"?>
-<p:properties xmlns:p="http://schemas.microsoft.com/office/2006/metadata/properties" xmlns:xsi="http://www.w3.org/2001/XMLSchema-instance" xmlns:pc="http://schemas.microsoft.com/office/infopath/2007/PartnerControls">
-  <documentManagement>
-    <Status xmlns="71af3243-3dd4-4a8d-8c0d-dd76da1f02a5">Not started</Status>
-    <MediaServiceKeyPoints xmlns="71af3243-3dd4-4a8d-8c0d-dd76da1f02a5" xsi:nil="true"/>
-  </documentManagement>
-</p:properties>
-</file>
-
-<file path=customXml/item2.xml><?xml version="1.0" encoding="utf-8"?>
 <ct:contentTypeSchema xmlns:ct="http://schemas.microsoft.com/office/2006/metadata/contentType" xmlns:ma="http://schemas.microsoft.com/office/2006/metadata/properties/metaAttributes" ct:_="" ma:_="" ma:contentTypeName="Document" ma:contentTypeID="0x01010079F111ED35F8CC479449609E8A0923A6" ma:contentTypeVersion="12" ma:contentTypeDescription="Create a new document." ma:contentTypeScope="" ma:versionID="fa6e671f1cd7e4d96ff9652be322dd5e">
   <xsd:schema xmlns:xsd="http://www.w3.org/2001/XMLSchema" xmlns:xs="http://www.w3.org/2001/XMLSchema" xmlns:p="http://schemas.microsoft.com/office/2006/metadata/properties" xmlns:ns2="71af3243-3dd4-4a8d-8c0d-dd76da1f02a5" xmlns:ns3="16c05727-aa75-4e4a-9b5f-8a80a1165891" targetNamespace="http://schemas.microsoft.com/office/2006/metadata/properties" ma:root="true" ma:fieldsID="4e2496f70b101db0b8013f30a071bbf7" ns2:_="" ns3:_="">
     <xsd:import namespace="71af3243-3dd4-4a8d-8c0d-dd76da1f02a5"/>
@@ -27383,6 +31105,15 @@
 </ct:contentTypeSchema>
 </file>
 
+<file path=customXml/item2.xml><?xml version="1.0" encoding="utf-8"?>
+<p:properties xmlns:p="http://schemas.microsoft.com/office/2006/metadata/properties" xmlns:xsi="http://www.w3.org/2001/XMLSchema-instance" xmlns:pc="http://schemas.microsoft.com/office/infopath/2007/PartnerControls">
+  <documentManagement>
+    <Status xmlns="71af3243-3dd4-4a8d-8c0d-dd76da1f02a5">Not started</Status>
+    <MediaServiceKeyPoints xmlns="71af3243-3dd4-4a8d-8c0d-dd76da1f02a5" xsi:nil="true"/>
+  </documentManagement>
+</p:properties>
+</file>
+
 <file path=customXml/item3.xml><?xml version="1.0" encoding="utf-8"?>
 <?mso-contentType ?>
 <FormTemplates xmlns="http://schemas.microsoft.com/sharepoint/v3/contenttype/forms">
@@ -27393,16 +31124,6 @@
 </file>
 
 <file path=customXml/itemProps1.xml><?xml version="1.0" encoding="utf-8"?>
-<ds:datastoreItem xmlns:ds="http://schemas.openxmlformats.org/officeDocument/2006/customXml" ds:itemID="{44FAF7B5-E40C-46BE-9C83-DA251FCAE61E}">
-  <ds:schemaRefs>
-    <ds:schemaRef ds:uri="http://schemas.microsoft.com/office/2006/metadata/properties"/>
-    <ds:schemaRef ds:uri="http://schemas.microsoft.com/office/infopath/2007/PartnerControls"/>
-    <ds:schemaRef ds:uri="71af3243-3dd4-4a8d-8c0d-dd76da1f02a5"/>
-  </ds:schemaRefs>
-</ds:datastoreItem>
-</file>
-
-<file path=customXml/itemProps2.xml><?xml version="1.0" encoding="utf-8"?>
 <ds:datastoreItem xmlns:ds="http://schemas.openxmlformats.org/officeDocument/2006/customXml" ds:itemID="{E0A43D08-F4F9-4D95-9CB2-7DE374416074}">
   <ds:schemaRefs>
     <ds:schemaRef ds:uri="http://schemas.microsoft.com/office/2006/metadata/contentType"/>
@@ -27421,6 +31142,16 @@
 </ds:datastoreItem>
 </file>
 
+<file path=customXml/itemProps2.xml><?xml version="1.0" encoding="utf-8"?>
+<ds:datastoreItem xmlns:ds="http://schemas.openxmlformats.org/officeDocument/2006/customXml" ds:itemID="{44FAF7B5-E40C-46BE-9C83-DA251FCAE61E}">
+  <ds:schemaRefs>
+    <ds:schemaRef ds:uri="http://schemas.microsoft.com/office/2006/metadata/properties"/>
+    <ds:schemaRef ds:uri="http://schemas.microsoft.com/office/infopath/2007/PartnerControls"/>
+    <ds:schemaRef ds:uri="71af3243-3dd4-4a8d-8c0d-dd76da1f02a5"/>
+  </ds:schemaRefs>
+</ds:datastoreItem>
+</file>
+
 <file path=customXml/itemProps3.xml><?xml version="1.0" encoding="utf-8"?>
 <ds:datastoreItem xmlns:ds="http://schemas.openxmlformats.org/officeDocument/2006/customXml" ds:itemID="{5029FA76-0C86-4BF1-99F1-A3115FBFFAB0}">
   <ds:schemaRefs>

--- a/Powerpoints/First Presentation/Waste-management-Final.pptx
+++ b/Powerpoints/First Presentation/Waste-management-Final.pptx
@@ -7,27 +7,29 @@
   <p:sldIdLst>
     <p:sldId id="343" r:id="rId5"/>
     <p:sldId id="353" r:id="rId6"/>
-    <p:sldId id="351" r:id="rId7"/>
-    <p:sldId id="352" r:id="rId8"/>
-    <p:sldId id="354" r:id="rId9"/>
-    <p:sldId id="345" r:id="rId10"/>
-    <p:sldId id="356" r:id="rId11"/>
-    <p:sldId id="355" r:id="rId12"/>
-    <p:sldId id="257" r:id="rId13"/>
-    <p:sldId id="350" r:id="rId14"/>
-    <p:sldId id="284" r:id="rId15"/>
-    <p:sldId id="283" r:id="rId16"/>
-    <p:sldId id="285" r:id="rId17"/>
-    <p:sldId id="342" r:id="rId18"/>
-    <p:sldId id="341" r:id="rId19"/>
-    <p:sldId id="264" r:id="rId20"/>
-    <p:sldId id="267" r:id="rId21"/>
-    <p:sldId id="268" r:id="rId22"/>
-    <p:sldId id="259" r:id="rId23"/>
-    <p:sldId id="344" r:id="rId24"/>
-    <p:sldId id="346" r:id="rId25"/>
-    <p:sldId id="347" r:id="rId26"/>
-    <p:sldId id="349" r:id="rId27"/>
+    <p:sldId id="357" r:id="rId7"/>
+    <p:sldId id="358" r:id="rId8"/>
+    <p:sldId id="351" r:id="rId9"/>
+    <p:sldId id="352" r:id="rId10"/>
+    <p:sldId id="354" r:id="rId11"/>
+    <p:sldId id="345" r:id="rId12"/>
+    <p:sldId id="356" r:id="rId13"/>
+    <p:sldId id="355" r:id="rId14"/>
+    <p:sldId id="257" r:id="rId15"/>
+    <p:sldId id="350" r:id="rId16"/>
+    <p:sldId id="284" r:id="rId17"/>
+    <p:sldId id="283" r:id="rId18"/>
+    <p:sldId id="285" r:id="rId19"/>
+    <p:sldId id="342" r:id="rId20"/>
+    <p:sldId id="341" r:id="rId21"/>
+    <p:sldId id="264" r:id="rId22"/>
+    <p:sldId id="267" r:id="rId23"/>
+    <p:sldId id="268" r:id="rId24"/>
+    <p:sldId id="259" r:id="rId25"/>
+    <p:sldId id="344" r:id="rId26"/>
+    <p:sldId id="346" r:id="rId27"/>
+    <p:sldId id="347" r:id="rId28"/>
+    <p:sldId id="349" r:id="rId29"/>
   </p:sldIdLst>
   <p:sldSz cx="12192000" cy="6858000"/>
   <p:notesSz cx="6858000" cy="9144000"/>
@@ -133,6 +135,8 @@
           <p14:sldIdLst>
             <p14:sldId id="343"/>
             <p14:sldId id="353"/>
+            <p14:sldId id="357"/>
+            <p14:sldId id="358"/>
             <p14:sldId id="351"/>
             <p14:sldId id="352"/>
             <p14:sldId id="354"/>
@@ -5044,6 +5048,1848 @@
 </file>
 
 <file path=ppt/diagrams/colors5.xml><?xml version="1.0" encoding="utf-8"?>
+<dgm:colorsDef xmlns:dgm="http://schemas.openxmlformats.org/drawingml/2006/diagram" xmlns:a="http://schemas.openxmlformats.org/drawingml/2006/main" uniqueId="urn:microsoft.com/office/officeart/2018/5/colors/Iconchunking_neutralicontext_colorful1">
+  <dgm:title val=""/>
+  <dgm:desc val=""/>
+  <dgm:catLst>
+    <dgm:cat type="colorful" pri="10100"/>
+  </dgm:catLst>
+  <dgm:styleLbl name="node0">
+    <dgm:fillClrLst meth="repeat">
+      <a:schemeClr val="accent1"/>
+    </dgm:fillClrLst>
+    <dgm:linClrLst meth="repeat">
+      <a:schemeClr val="lt1"/>
+    </dgm:linClrLst>
+    <dgm:effectClrLst/>
+    <dgm:txLinClrLst/>
+    <dgm:txFillClrLst/>
+    <dgm:txEffectClrLst/>
+  </dgm:styleLbl>
+  <dgm:styleLbl name="node1">
+    <dgm:fillClrLst meth="repeat">
+      <a:schemeClr val="bg1"/>
+    </dgm:fillClrLst>
+    <dgm:linClrLst meth="repeat">
+      <a:schemeClr val="lt1">
+        <a:alpha val="0"/>
+      </a:schemeClr>
+    </dgm:linClrLst>
+    <dgm:effectClrLst/>
+    <dgm:txLinClrLst/>
+    <dgm:txFillClrLst meth="repeat">
+      <a:schemeClr val="dk1"/>
+    </dgm:txFillClrLst>
+    <dgm:txEffectClrLst/>
+  </dgm:styleLbl>
+  <dgm:styleLbl name="alignNode1">
+    <dgm:fillClrLst meth="repeat">
+      <a:schemeClr val="accent2"/>
+      <a:schemeClr val="accent3"/>
+      <a:schemeClr val="accent4"/>
+      <a:schemeClr val="accent5"/>
+      <a:schemeClr val="accent6"/>
+    </dgm:fillClrLst>
+    <dgm:linClrLst meth="repeat">
+      <a:schemeClr val="accent2"/>
+      <a:schemeClr val="accent3"/>
+      <a:schemeClr val="accent4"/>
+      <a:schemeClr val="accent5"/>
+      <a:schemeClr val="accent6"/>
+    </dgm:linClrLst>
+    <dgm:effectClrLst/>
+    <dgm:txLinClrLst/>
+    <dgm:txFillClrLst/>
+    <dgm:txEffectClrLst/>
+  </dgm:styleLbl>
+  <dgm:styleLbl name="lnNode1">
+    <dgm:fillClrLst meth="repeat">
+      <a:schemeClr val="accent2"/>
+      <a:schemeClr val="accent3"/>
+      <a:schemeClr val="accent4"/>
+      <a:schemeClr val="accent5"/>
+      <a:schemeClr val="accent6"/>
+    </dgm:fillClrLst>
+    <dgm:linClrLst meth="repeat">
+      <a:schemeClr val="lt1"/>
+    </dgm:linClrLst>
+    <dgm:effectClrLst/>
+    <dgm:txLinClrLst/>
+    <dgm:txFillClrLst/>
+    <dgm:txEffectClrLst/>
+  </dgm:styleLbl>
+  <dgm:styleLbl name="vennNode1">
+    <dgm:fillClrLst meth="repeat">
+      <a:schemeClr val="accent2">
+        <a:alpha val="50000"/>
+      </a:schemeClr>
+      <a:schemeClr val="accent3">
+        <a:alpha val="50000"/>
+      </a:schemeClr>
+      <a:schemeClr val="accent4">
+        <a:alpha val="50000"/>
+      </a:schemeClr>
+      <a:schemeClr val="accent5">
+        <a:alpha val="50000"/>
+      </a:schemeClr>
+      <a:schemeClr val="accent6">
+        <a:alpha val="50000"/>
+      </a:schemeClr>
+    </dgm:fillClrLst>
+    <dgm:linClrLst meth="repeat">
+      <a:schemeClr val="lt1"/>
+    </dgm:linClrLst>
+    <dgm:effectClrLst/>
+    <dgm:txLinClrLst/>
+    <dgm:txFillClrLst/>
+    <dgm:txEffectClrLst/>
+  </dgm:styleLbl>
+  <dgm:styleLbl name="node2">
+    <dgm:fillClrLst>
+      <a:schemeClr val="accent2"/>
+    </dgm:fillClrLst>
+    <dgm:linClrLst meth="repeat">
+      <a:schemeClr val="lt1"/>
+    </dgm:linClrLst>
+    <dgm:effectClrLst/>
+    <dgm:txLinClrLst/>
+    <dgm:txFillClrLst/>
+    <dgm:txEffectClrLst/>
+  </dgm:styleLbl>
+  <dgm:styleLbl name="node3">
+    <dgm:fillClrLst>
+      <a:schemeClr val="accent3"/>
+    </dgm:fillClrLst>
+    <dgm:linClrLst meth="repeat">
+      <a:schemeClr val="lt1"/>
+    </dgm:linClrLst>
+    <dgm:effectClrLst/>
+    <dgm:txLinClrLst/>
+    <dgm:txFillClrLst/>
+    <dgm:txEffectClrLst/>
+  </dgm:styleLbl>
+  <dgm:styleLbl name="node4">
+    <dgm:fillClrLst>
+      <a:schemeClr val="accent4"/>
+    </dgm:fillClrLst>
+    <dgm:linClrLst meth="repeat">
+      <a:schemeClr val="lt1"/>
+    </dgm:linClrLst>
+    <dgm:effectClrLst/>
+    <dgm:txLinClrLst/>
+    <dgm:txFillClrLst/>
+    <dgm:txEffectClrLst/>
+  </dgm:styleLbl>
+  <dgm:styleLbl name="fgImgPlace1">
+    <dgm:fillClrLst meth="repeat">
+      <a:schemeClr val="accent2">
+        <a:tint val="50000"/>
+      </a:schemeClr>
+      <a:schemeClr val="accent3">
+        <a:tint val="50000"/>
+      </a:schemeClr>
+      <a:schemeClr val="accent4">
+        <a:tint val="50000"/>
+      </a:schemeClr>
+      <a:schemeClr val="accent5">
+        <a:tint val="50000"/>
+      </a:schemeClr>
+      <a:schemeClr val="accent6">
+        <a:tint val="50000"/>
+      </a:schemeClr>
+    </dgm:fillClrLst>
+    <dgm:linClrLst meth="repeat">
+      <a:schemeClr val="lt1"/>
+    </dgm:linClrLst>
+    <dgm:effectClrLst/>
+    <dgm:txLinClrLst/>
+    <dgm:txFillClrLst meth="repeat">
+      <a:schemeClr val="lt1"/>
+    </dgm:txFillClrLst>
+    <dgm:txEffectClrLst/>
+  </dgm:styleLbl>
+  <dgm:styleLbl name="alignImgPlace1">
+    <dgm:fillClrLst>
+      <a:schemeClr val="accent1">
+        <a:tint val="50000"/>
+      </a:schemeClr>
+      <a:schemeClr val="accent2">
+        <a:tint val="20000"/>
+      </a:schemeClr>
+    </dgm:fillClrLst>
+    <dgm:linClrLst meth="repeat">
+      <a:schemeClr val="lt1"/>
+    </dgm:linClrLst>
+    <dgm:effectClrLst/>
+    <dgm:txLinClrLst/>
+    <dgm:txFillClrLst meth="repeat">
+      <a:schemeClr val="lt1"/>
+    </dgm:txFillClrLst>
+    <dgm:txEffectClrLst/>
+  </dgm:styleLbl>
+  <dgm:styleLbl name="bgImgPlace1">
+    <dgm:fillClrLst>
+      <a:schemeClr val="accent1">
+        <a:tint val="50000"/>
+      </a:schemeClr>
+      <a:schemeClr val="accent2">
+        <a:tint val="20000"/>
+      </a:schemeClr>
+    </dgm:fillClrLst>
+    <dgm:linClrLst meth="repeat">
+      <a:schemeClr val="lt1"/>
+    </dgm:linClrLst>
+    <dgm:effectClrLst/>
+    <dgm:txLinClrLst/>
+    <dgm:txFillClrLst meth="repeat">
+      <a:schemeClr val="lt1"/>
+    </dgm:txFillClrLst>
+    <dgm:txEffectClrLst/>
+  </dgm:styleLbl>
+  <dgm:styleLbl name="sibTrans2D1">
+    <dgm:fillClrLst meth="repeat">
+      <a:schemeClr val="accent2"/>
+      <a:schemeClr val="accent3"/>
+      <a:schemeClr val="accent4"/>
+      <a:schemeClr val="accent5"/>
+      <a:schemeClr val="accent6"/>
+    </dgm:fillClrLst>
+    <dgm:linClrLst meth="cycle">
+      <a:schemeClr val="lt1"/>
+    </dgm:linClrLst>
+    <dgm:effectClrLst/>
+    <dgm:txLinClrLst/>
+    <dgm:txFillClrLst/>
+    <dgm:txEffectClrLst/>
+  </dgm:styleLbl>
+  <dgm:styleLbl name="fgSibTrans2D1">
+    <dgm:fillClrLst meth="repeat">
+      <a:schemeClr val="accent2"/>
+      <a:schemeClr val="accent3"/>
+      <a:schemeClr val="accent4"/>
+      <a:schemeClr val="accent5"/>
+      <a:schemeClr val="accent6"/>
+    </dgm:fillClrLst>
+    <dgm:linClrLst meth="cycle">
+      <a:schemeClr val="lt1"/>
+    </dgm:linClrLst>
+    <dgm:effectClrLst/>
+    <dgm:txLinClrLst/>
+    <dgm:txFillClrLst meth="repeat">
+      <a:schemeClr val="lt1"/>
+    </dgm:txFillClrLst>
+    <dgm:txEffectClrLst/>
+  </dgm:styleLbl>
+  <dgm:styleLbl name="bgSibTrans2D1">
+    <dgm:fillClrLst meth="repeat">
+      <a:schemeClr val="accent2"/>
+      <a:schemeClr val="accent3"/>
+      <a:schemeClr val="accent4"/>
+      <a:schemeClr val="accent5"/>
+      <a:schemeClr val="accent6"/>
+    </dgm:fillClrLst>
+    <dgm:linClrLst meth="cycle">
+      <a:schemeClr val="lt1"/>
+    </dgm:linClrLst>
+    <dgm:effectClrLst/>
+    <dgm:txLinClrLst/>
+    <dgm:txFillClrLst meth="repeat">
+      <a:schemeClr val="lt1"/>
+    </dgm:txFillClrLst>
+    <dgm:txEffectClrLst/>
+  </dgm:styleLbl>
+  <dgm:styleLbl name="sibTrans1D1">
+    <dgm:fillClrLst meth="repeat">
+      <a:schemeClr val="accent2"/>
+      <a:schemeClr val="accent3"/>
+      <a:schemeClr val="accent4"/>
+      <a:schemeClr val="accent5"/>
+      <a:schemeClr val="accent6"/>
+    </dgm:fillClrLst>
+    <dgm:linClrLst meth="repeat">
+      <a:schemeClr val="accent2"/>
+      <a:schemeClr val="accent3"/>
+      <a:schemeClr val="accent4"/>
+      <a:schemeClr val="accent5"/>
+      <a:schemeClr val="accent6"/>
+    </dgm:linClrLst>
+    <dgm:effectClrLst/>
+    <dgm:txLinClrLst/>
+    <dgm:txFillClrLst meth="repeat">
+      <a:schemeClr val="tx1"/>
+    </dgm:txFillClrLst>
+    <dgm:txEffectClrLst/>
+  </dgm:styleLbl>
+  <dgm:styleLbl name="callout">
+    <dgm:fillClrLst meth="repeat">
+      <a:schemeClr val="accent2"/>
+    </dgm:fillClrLst>
+    <dgm:linClrLst meth="repeat">
+      <a:schemeClr val="accent2">
+        <a:tint val="50000"/>
+      </a:schemeClr>
+    </dgm:linClrLst>
+    <dgm:effectClrLst/>
+    <dgm:txLinClrLst/>
+    <dgm:txFillClrLst meth="repeat">
+      <a:schemeClr val="tx1"/>
+    </dgm:txFillClrLst>
+    <dgm:txEffectClrLst/>
+  </dgm:styleLbl>
+  <dgm:styleLbl name="asst0">
+    <dgm:fillClrLst meth="repeat">
+      <a:schemeClr val="accent1"/>
+    </dgm:fillClrLst>
+    <dgm:linClrLst meth="repeat">
+      <a:schemeClr val="lt1"/>
+    </dgm:linClrLst>
+    <dgm:effectClrLst/>
+    <dgm:txLinClrLst/>
+    <dgm:txFillClrLst/>
+    <dgm:txEffectClrLst/>
+  </dgm:styleLbl>
+  <dgm:styleLbl name="asst1">
+    <dgm:fillClrLst meth="repeat">
+      <a:schemeClr val="accent2"/>
+    </dgm:fillClrLst>
+    <dgm:linClrLst meth="repeat">
+      <a:schemeClr val="lt1"/>
+    </dgm:linClrLst>
+    <dgm:effectClrLst/>
+    <dgm:txLinClrLst/>
+    <dgm:txFillClrLst/>
+    <dgm:txEffectClrLst/>
+  </dgm:styleLbl>
+  <dgm:styleLbl name="asst2">
+    <dgm:fillClrLst>
+      <a:schemeClr val="accent3"/>
+    </dgm:fillClrLst>
+    <dgm:linClrLst meth="repeat">
+      <a:schemeClr val="lt1"/>
+    </dgm:linClrLst>
+    <dgm:effectClrLst/>
+    <dgm:txLinClrLst/>
+    <dgm:txFillClrLst/>
+    <dgm:txEffectClrLst/>
+  </dgm:styleLbl>
+  <dgm:styleLbl name="asst3">
+    <dgm:fillClrLst>
+      <a:schemeClr val="accent4"/>
+    </dgm:fillClrLst>
+    <dgm:linClrLst meth="repeat">
+      <a:schemeClr val="lt1"/>
+    </dgm:linClrLst>
+    <dgm:effectClrLst/>
+    <dgm:txLinClrLst/>
+    <dgm:txFillClrLst/>
+    <dgm:txEffectClrLst/>
+  </dgm:styleLbl>
+  <dgm:styleLbl name="asst4">
+    <dgm:fillClrLst>
+      <a:schemeClr val="accent5"/>
+    </dgm:fillClrLst>
+    <dgm:linClrLst meth="repeat">
+      <a:schemeClr val="lt1"/>
+    </dgm:linClrLst>
+    <dgm:effectClrLst/>
+    <dgm:txLinClrLst/>
+    <dgm:txFillClrLst/>
+    <dgm:txEffectClrLst/>
+  </dgm:styleLbl>
+  <dgm:styleLbl name="parChTrans2D1">
+    <dgm:fillClrLst meth="repeat">
+      <a:schemeClr val="accent2"/>
+    </dgm:fillClrLst>
+    <dgm:linClrLst meth="repeat">
+      <a:schemeClr val="lt1"/>
+    </dgm:linClrLst>
+    <dgm:effectClrLst/>
+    <dgm:txLinClrLst/>
+    <dgm:txFillClrLst meth="repeat">
+      <a:schemeClr val="lt1"/>
+    </dgm:txFillClrLst>
+    <dgm:txEffectClrLst/>
+  </dgm:styleLbl>
+  <dgm:styleLbl name="parChTrans2D2">
+    <dgm:fillClrLst meth="repeat">
+      <a:schemeClr val="accent3"/>
+    </dgm:fillClrLst>
+    <dgm:linClrLst meth="repeat">
+      <a:schemeClr val="lt1"/>
+    </dgm:linClrLst>
+    <dgm:effectClrLst/>
+    <dgm:txLinClrLst/>
+    <dgm:txFillClrLst/>
+    <dgm:txEffectClrLst/>
+  </dgm:styleLbl>
+  <dgm:styleLbl name="parChTrans2D3">
+    <dgm:fillClrLst meth="repeat">
+      <a:schemeClr val="accent4"/>
+    </dgm:fillClrLst>
+    <dgm:linClrLst meth="repeat">
+      <a:schemeClr val="lt1"/>
+    </dgm:linClrLst>
+    <dgm:effectClrLst/>
+    <dgm:txLinClrLst/>
+    <dgm:txFillClrLst/>
+    <dgm:txEffectClrLst/>
+  </dgm:styleLbl>
+  <dgm:styleLbl name="parChTrans2D4">
+    <dgm:fillClrLst meth="repeat">
+      <a:schemeClr val="accent5"/>
+    </dgm:fillClrLst>
+    <dgm:linClrLst meth="repeat">
+      <a:schemeClr val="lt1"/>
+    </dgm:linClrLst>
+    <dgm:effectClrLst/>
+    <dgm:txLinClrLst/>
+    <dgm:txFillClrLst meth="repeat">
+      <a:schemeClr val="lt1"/>
+    </dgm:txFillClrLst>
+    <dgm:txEffectClrLst/>
+  </dgm:styleLbl>
+  <dgm:styleLbl name="parChTrans1D1">
+    <dgm:fillClrLst meth="repeat">
+      <a:schemeClr val="accent2"/>
+    </dgm:fillClrLst>
+    <dgm:linClrLst meth="repeat">
+      <a:schemeClr val="accent1"/>
+    </dgm:linClrLst>
+    <dgm:effectClrLst/>
+    <dgm:txLinClrLst/>
+    <dgm:txFillClrLst meth="repeat">
+      <a:schemeClr val="tx1"/>
+    </dgm:txFillClrLst>
+    <dgm:txEffectClrLst/>
+  </dgm:styleLbl>
+  <dgm:styleLbl name="parChTrans1D2">
+    <dgm:fillClrLst meth="repeat">
+      <a:schemeClr val="accent3">
+        <a:tint val="90000"/>
+      </a:schemeClr>
+    </dgm:fillClrLst>
+    <dgm:linClrLst meth="repeat">
+      <a:schemeClr val="accent2"/>
+    </dgm:linClrLst>
+    <dgm:effectClrLst/>
+    <dgm:txLinClrLst/>
+    <dgm:txFillClrLst meth="repeat">
+      <a:schemeClr val="tx1"/>
+    </dgm:txFillClrLst>
+    <dgm:txEffectClrLst/>
+  </dgm:styleLbl>
+  <dgm:styleLbl name="parChTrans1D3">
+    <dgm:fillClrLst meth="repeat">
+      <a:schemeClr val="accent4">
+        <a:tint val="70000"/>
+      </a:schemeClr>
+    </dgm:fillClrLst>
+    <dgm:linClrLst meth="repeat">
+      <a:schemeClr val="accent3"/>
+    </dgm:linClrLst>
+    <dgm:effectClrLst/>
+    <dgm:txLinClrLst/>
+    <dgm:txFillClrLst meth="repeat">
+      <a:schemeClr val="tx1"/>
+    </dgm:txFillClrLst>
+    <dgm:txEffectClrLst/>
+  </dgm:styleLbl>
+  <dgm:styleLbl name="parChTrans1D4">
+    <dgm:fillClrLst meth="repeat">
+      <a:schemeClr val="accent5">
+        <a:tint val="50000"/>
+      </a:schemeClr>
+    </dgm:fillClrLst>
+    <dgm:linClrLst meth="repeat">
+      <a:schemeClr val="accent4"/>
+    </dgm:linClrLst>
+    <dgm:effectClrLst/>
+    <dgm:txLinClrLst/>
+    <dgm:txFillClrLst meth="repeat">
+      <a:schemeClr val="tx1"/>
+    </dgm:txFillClrLst>
+    <dgm:txEffectClrLst/>
+  </dgm:styleLbl>
+  <dgm:styleLbl name="fgAcc1">
+    <dgm:fillClrLst meth="repeat">
+      <a:schemeClr val="lt1">
+        <a:alpha val="90000"/>
+      </a:schemeClr>
+    </dgm:fillClrLst>
+    <dgm:linClrLst meth="repeat">
+      <a:schemeClr val="accent2"/>
+      <a:schemeClr val="accent3"/>
+      <a:schemeClr val="accent4"/>
+      <a:schemeClr val="accent5"/>
+      <a:schemeClr val="accent6"/>
+    </dgm:linClrLst>
+    <dgm:effectClrLst/>
+    <dgm:txLinClrLst/>
+    <dgm:txFillClrLst meth="repeat">
+      <a:schemeClr val="dk1"/>
+    </dgm:txFillClrLst>
+    <dgm:txEffectClrLst/>
+  </dgm:styleLbl>
+  <dgm:styleLbl name="conFgAcc1">
+    <dgm:fillClrLst meth="repeat">
+      <a:schemeClr val="lt1">
+        <a:alpha val="90000"/>
+      </a:schemeClr>
+    </dgm:fillClrLst>
+    <dgm:linClrLst meth="repeat">
+      <a:schemeClr val="accent2"/>
+      <a:schemeClr val="accent3"/>
+      <a:schemeClr val="accent4"/>
+      <a:schemeClr val="accent5"/>
+      <a:schemeClr val="accent6"/>
+    </dgm:linClrLst>
+    <dgm:effectClrLst/>
+    <dgm:txLinClrLst/>
+    <dgm:txFillClrLst meth="repeat">
+      <a:schemeClr val="dk1"/>
+    </dgm:txFillClrLst>
+    <dgm:txEffectClrLst/>
+  </dgm:styleLbl>
+  <dgm:styleLbl name="alignAcc1">
+    <dgm:fillClrLst meth="repeat">
+      <a:schemeClr val="lt1">
+        <a:alpha val="90000"/>
+      </a:schemeClr>
+    </dgm:fillClrLst>
+    <dgm:linClrLst meth="repeat">
+      <a:schemeClr val="accent2"/>
+      <a:schemeClr val="accent3"/>
+      <a:schemeClr val="accent4"/>
+      <a:schemeClr val="accent5"/>
+      <a:schemeClr val="accent6"/>
+    </dgm:linClrLst>
+    <dgm:effectClrLst/>
+    <dgm:txLinClrLst/>
+    <dgm:txFillClrLst meth="repeat">
+      <a:schemeClr val="dk1"/>
+    </dgm:txFillClrLst>
+    <dgm:txEffectClrLst/>
+  </dgm:styleLbl>
+  <dgm:styleLbl name="trAlignAcc1">
+    <dgm:fillClrLst meth="repeat">
+      <a:schemeClr val="lt1">
+        <a:alpha val="40000"/>
+      </a:schemeClr>
+    </dgm:fillClrLst>
+    <dgm:linClrLst meth="repeat">
+      <a:schemeClr val="accent1"/>
+    </dgm:linClrLst>
+    <dgm:effectClrLst/>
+    <dgm:txLinClrLst/>
+    <dgm:txFillClrLst meth="repeat">
+      <a:schemeClr val="dk1"/>
+    </dgm:txFillClrLst>
+    <dgm:txEffectClrLst/>
+  </dgm:styleLbl>
+  <dgm:styleLbl name="bgAcc1">
+    <dgm:fillClrLst meth="repeat">
+      <a:schemeClr val="lt1">
+        <a:alpha val="90000"/>
+      </a:schemeClr>
+    </dgm:fillClrLst>
+    <dgm:linClrLst meth="repeat">
+      <a:schemeClr val="accent2"/>
+      <a:schemeClr val="accent3"/>
+      <a:schemeClr val="accent4"/>
+      <a:schemeClr val="accent5"/>
+      <a:schemeClr val="accent6"/>
+    </dgm:linClrLst>
+    <dgm:effectClrLst/>
+    <dgm:txLinClrLst/>
+    <dgm:txFillClrLst meth="repeat">
+      <a:schemeClr val="dk1"/>
+    </dgm:txFillClrLst>
+    <dgm:txEffectClrLst/>
+  </dgm:styleLbl>
+  <dgm:styleLbl name="solidFgAcc1">
+    <dgm:fillClrLst meth="repeat">
+      <a:schemeClr val="lt1"/>
+    </dgm:fillClrLst>
+    <dgm:linClrLst meth="repeat">
+      <a:schemeClr val="accent2"/>
+      <a:schemeClr val="accent3"/>
+      <a:schemeClr val="accent4"/>
+      <a:schemeClr val="accent5"/>
+      <a:schemeClr val="accent6"/>
+    </dgm:linClrLst>
+    <dgm:effectClrLst/>
+    <dgm:txLinClrLst/>
+    <dgm:txFillClrLst meth="repeat">
+      <a:schemeClr val="dk1"/>
+    </dgm:txFillClrLst>
+    <dgm:txEffectClrLst/>
+  </dgm:styleLbl>
+  <dgm:styleLbl name="solidAlignAcc1">
+    <dgm:fillClrLst meth="repeat">
+      <a:schemeClr val="lt1"/>
+    </dgm:fillClrLst>
+    <dgm:linClrLst meth="repeat">
+      <a:schemeClr val="accent2"/>
+      <a:schemeClr val="accent3"/>
+      <a:schemeClr val="accent4"/>
+      <a:schemeClr val="accent5"/>
+      <a:schemeClr val="accent6"/>
+    </dgm:linClrLst>
+    <dgm:effectClrLst/>
+    <dgm:txLinClrLst/>
+    <dgm:txFillClrLst meth="repeat">
+      <a:schemeClr val="dk1"/>
+    </dgm:txFillClrLst>
+    <dgm:txEffectClrLst/>
+  </dgm:styleLbl>
+  <dgm:styleLbl name="solidBgAcc1">
+    <dgm:fillClrLst meth="repeat">
+      <a:schemeClr val="lt1"/>
+    </dgm:fillClrLst>
+    <dgm:linClrLst meth="repeat">
+      <a:schemeClr val="accent2"/>
+      <a:schemeClr val="accent3"/>
+      <a:schemeClr val="accent4"/>
+      <a:schemeClr val="accent5"/>
+      <a:schemeClr val="accent6"/>
+    </dgm:linClrLst>
+    <dgm:effectClrLst/>
+    <dgm:txLinClrLst/>
+    <dgm:txFillClrLst meth="repeat">
+      <a:schemeClr val="dk1"/>
+    </dgm:txFillClrLst>
+    <dgm:txEffectClrLst/>
+  </dgm:styleLbl>
+  <dgm:styleLbl name="fgAccFollowNode1">
+    <dgm:fillClrLst meth="repeat">
+      <a:schemeClr val="accent2">
+        <a:tint val="40000"/>
+        <a:alpha val="90000"/>
+      </a:schemeClr>
+      <a:schemeClr val="accent3">
+        <a:tint val="40000"/>
+        <a:alpha val="90000"/>
+      </a:schemeClr>
+      <a:schemeClr val="accent4">
+        <a:tint val="40000"/>
+        <a:alpha val="90000"/>
+      </a:schemeClr>
+      <a:schemeClr val="accent5">
+        <a:tint val="40000"/>
+        <a:alpha val="90000"/>
+      </a:schemeClr>
+      <a:schemeClr val="accent6">
+        <a:tint val="40000"/>
+        <a:alpha val="90000"/>
+      </a:schemeClr>
+    </dgm:fillClrLst>
+    <dgm:linClrLst meth="repeat">
+      <a:schemeClr val="accent2">
+        <a:tint val="40000"/>
+        <a:alpha val="90000"/>
+      </a:schemeClr>
+      <a:schemeClr val="accent3">
+        <a:tint val="40000"/>
+        <a:alpha val="90000"/>
+      </a:schemeClr>
+      <a:schemeClr val="accent4">
+        <a:tint val="40000"/>
+        <a:alpha val="90000"/>
+      </a:schemeClr>
+      <a:schemeClr val="accent5">
+        <a:tint val="40000"/>
+        <a:alpha val="90000"/>
+      </a:schemeClr>
+      <a:schemeClr val="accent6">
+        <a:tint val="40000"/>
+        <a:alpha val="90000"/>
+      </a:schemeClr>
+    </dgm:linClrLst>
+    <dgm:effectClrLst/>
+    <dgm:txLinClrLst/>
+    <dgm:txFillClrLst meth="repeat">
+      <a:schemeClr val="dk1"/>
+    </dgm:txFillClrLst>
+    <dgm:txEffectClrLst/>
+  </dgm:styleLbl>
+  <dgm:styleLbl name="alignAccFollowNode1">
+    <dgm:fillClrLst meth="repeat">
+      <a:schemeClr val="accent2">
+        <a:tint val="40000"/>
+        <a:alpha val="90000"/>
+      </a:schemeClr>
+      <a:schemeClr val="accent3">
+        <a:tint val="40000"/>
+        <a:alpha val="90000"/>
+      </a:schemeClr>
+      <a:schemeClr val="accent4">
+        <a:tint val="40000"/>
+        <a:alpha val="90000"/>
+      </a:schemeClr>
+      <a:schemeClr val="accent5">
+        <a:tint val="40000"/>
+        <a:alpha val="90000"/>
+      </a:schemeClr>
+      <a:schemeClr val="accent6">
+        <a:tint val="40000"/>
+        <a:alpha val="90000"/>
+      </a:schemeClr>
+    </dgm:fillClrLst>
+    <dgm:linClrLst meth="repeat">
+      <a:schemeClr val="accent2">
+        <a:tint val="40000"/>
+        <a:alpha val="90000"/>
+      </a:schemeClr>
+      <a:schemeClr val="accent3">
+        <a:tint val="40000"/>
+        <a:alpha val="90000"/>
+      </a:schemeClr>
+      <a:schemeClr val="accent4">
+        <a:tint val="40000"/>
+        <a:alpha val="90000"/>
+      </a:schemeClr>
+      <a:schemeClr val="accent5">
+        <a:tint val="40000"/>
+        <a:alpha val="90000"/>
+      </a:schemeClr>
+      <a:schemeClr val="accent6">
+        <a:tint val="40000"/>
+        <a:alpha val="90000"/>
+      </a:schemeClr>
+    </dgm:linClrLst>
+    <dgm:effectClrLst/>
+    <dgm:txLinClrLst/>
+    <dgm:txFillClrLst meth="repeat">
+      <a:schemeClr val="dk1"/>
+    </dgm:txFillClrLst>
+    <dgm:txEffectClrLst/>
+  </dgm:styleLbl>
+  <dgm:styleLbl name="bgAccFollowNode1">
+    <dgm:fillClrLst meth="repeat">
+      <a:schemeClr val="accent2">
+        <a:tint val="40000"/>
+        <a:alpha val="90000"/>
+      </a:schemeClr>
+      <a:schemeClr val="accent3">
+        <a:tint val="40000"/>
+        <a:alpha val="90000"/>
+      </a:schemeClr>
+      <a:schemeClr val="accent4">
+        <a:tint val="40000"/>
+        <a:alpha val="90000"/>
+      </a:schemeClr>
+      <a:schemeClr val="accent5">
+        <a:tint val="40000"/>
+        <a:alpha val="90000"/>
+      </a:schemeClr>
+      <a:schemeClr val="accent6">
+        <a:tint val="40000"/>
+        <a:alpha val="90000"/>
+      </a:schemeClr>
+    </dgm:fillClrLst>
+    <dgm:linClrLst meth="repeat">
+      <a:schemeClr val="accent2">
+        <a:tint val="40000"/>
+        <a:alpha val="90000"/>
+      </a:schemeClr>
+      <a:schemeClr val="accent3">
+        <a:tint val="40000"/>
+        <a:alpha val="90000"/>
+      </a:schemeClr>
+      <a:schemeClr val="accent4">
+        <a:tint val="40000"/>
+        <a:alpha val="90000"/>
+      </a:schemeClr>
+      <a:schemeClr val="accent5">
+        <a:tint val="40000"/>
+        <a:alpha val="90000"/>
+      </a:schemeClr>
+      <a:schemeClr val="accent6">
+        <a:tint val="40000"/>
+        <a:alpha val="90000"/>
+      </a:schemeClr>
+    </dgm:linClrLst>
+    <dgm:effectClrLst/>
+    <dgm:txLinClrLst/>
+    <dgm:txFillClrLst meth="repeat">
+      <a:schemeClr val="dk1"/>
+    </dgm:txFillClrLst>
+    <dgm:txEffectClrLst/>
+  </dgm:styleLbl>
+  <dgm:styleLbl name="fgAcc0">
+    <dgm:fillClrLst meth="repeat">
+      <a:schemeClr val="lt1">
+        <a:alpha val="90000"/>
+      </a:schemeClr>
+    </dgm:fillClrLst>
+    <dgm:linClrLst>
+      <a:schemeClr val="accent1"/>
+    </dgm:linClrLst>
+    <dgm:effectClrLst/>
+    <dgm:txLinClrLst/>
+    <dgm:txFillClrLst meth="repeat">
+      <a:schemeClr val="dk1"/>
+    </dgm:txFillClrLst>
+    <dgm:txEffectClrLst/>
+  </dgm:styleLbl>
+  <dgm:styleLbl name="fgAcc2">
+    <dgm:fillClrLst meth="repeat">
+      <a:schemeClr val="lt1">
+        <a:alpha val="90000"/>
+      </a:schemeClr>
+    </dgm:fillClrLst>
+    <dgm:linClrLst>
+      <a:schemeClr val="accent2"/>
+    </dgm:linClrLst>
+    <dgm:effectClrLst/>
+    <dgm:txLinClrLst/>
+    <dgm:txFillClrLst meth="repeat">
+      <a:schemeClr val="dk1"/>
+    </dgm:txFillClrLst>
+    <dgm:txEffectClrLst/>
+  </dgm:styleLbl>
+  <dgm:styleLbl name="fgAcc3">
+    <dgm:fillClrLst meth="repeat">
+      <a:schemeClr val="lt1">
+        <a:alpha val="90000"/>
+      </a:schemeClr>
+    </dgm:fillClrLst>
+    <dgm:linClrLst>
+      <a:schemeClr val="accent3"/>
+    </dgm:linClrLst>
+    <dgm:effectClrLst/>
+    <dgm:txLinClrLst/>
+    <dgm:txFillClrLst meth="repeat">
+      <a:schemeClr val="dk1"/>
+    </dgm:txFillClrLst>
+    <dgm:txEffectClrLst/>
+  </dgm:styleLbl>
+  <dgm:styleLbl name="fgAcc4">
+    <dgm:fillClrLst meth="repeat">
+      <a:schemeClr val="lt1">
+        <a:alpha val="90000"/>
+      </a:schemeClr>
+    </dgm:fillClrLst>
+    <dgm:linClrLst>
+      <a:schemeClr val="accent4"/>
+    </dgm:linClrLst>
+    <dgm:effectClrLst/>
+    <dgm:txLinClrLst/>
+    <dgm:txFillClrLst meth="repeat">
+      <a:schemeClr val="dk1"/>
+    </dgm:txFillClrLst>
+    <dgm:txEffectClrLst/>
+  </dgm:styleLbl>
+  <dgm:styleLbl name="bgShp">
+    <dgm:fillClrLst meth="repeat">
+      <a:schemeClr val="accent2"/>
+      <a:schemeClr val="accent3"/>
+      <a:schemeClr val="accent4"/>
+      <a:schemeClr val="accent5"/>
+      <a:schemeClr val="accent6"/>
+    </dgm:fillClrLst>
+    <dgm:linClrLst meth="repeat">
+      <a:schemeClr val="lt1">
+        <a:alpha val="0"/>
+      </a:schemeClr>
+    </dgm:linClrLst>
+    <dgm:effectClrLst/>
+    <dgm:txLinClrLst/>
+    <dgm:txFillClrLst/>
+    <dgm:txEffectClrLst/>
+  </dgm:styleLbl>
+  <dgm:styleLbl name="dkBgShp">
+    <dgm:fillClrLst meth="repeat">
+      <a:schemeClr val="accent2">
+        <a:shade val="90000"/>
+      </a:schemeClr>
+    </dgm:fillClrLst>
+    <dgm:linClrLst meth="repeat">
+      <a:schemeClr val="dk1"/>
+    </dgm:linClrLst>
+    <dgm:effectClrLst/>
+    <dgm:txLinClrLst/>
+    <dgm:txFillClrLst meth="repeat">
+      <a:schemeClr val="lt1"/>
+    </dgm:txFillClrLst>
+    <dgm:txEffectClrLst/>
+  </dgm:styleLbl>
+  <dgm:styleLbl name="trBgShp">
+    <dgm:fillClrLst meth="repeat">
+      <a:schemeClr val="accent1">
+        <a:tint val="50000"/>
+        <a:alpha val="40000"/>
+      </a:schemeClr>
+    </dgm:fillClrLst>
+    <dgm:linClrLst meth="repeat">
+      <a:schemeClr val="accent2"/>
+    </dgm:linClrLst>
+    <dgm:effectClrLst/>
+    <dgm:txLinClrLst/>
+    <dgm:txFillClrLst meth="repeat">
+      <a:schemeClr val="lt1"/>
+    </dgm:txFillClrLst>
+    <dgm:txEffectClrLst/>
+  </dgm:styleLbl>
+  <dgm:styleLbl name="fgShp">
+    <dgm:fillClrLst meth="repeat">
+      <a:schemeClr val="accent2">
+        <a:tint val="40000"/>
+      </a:schemeClr>
+    </dgm:fillClrLst>
+    <dgm:linClrLst meth="repeat">
+      <a:schemeClr val="lt1"/>
+    </dgm:linClrLst>
+    <dgm:effectClrLst/>
+    <dgm:txLinClrLst/>
+    <dgm:txFillClrLst meth="repeat">
+      <a:schemeClr val="dk1"/>
+    </dgm:txFillClrLst>
+    <dgm:txEffectClrLst/>
+  </dgm:styleLbl>
+  <dgm:styleLbl name="revTx">
+    <dgm:fillClrLst meth="repeat">
+      <a:schemeClr val="lt1">
+        <a:alpha val="0"/>
+      </a:schemeClr>
+    </dgm:fillClrLst>
+    <dgm:linClrLst meth="repeat">
+      <a:schemeClr val="dk1">
+        <a:alpha val="0"/>
+      </a:schemeClr>
+    </dgm:linClrLst>
+    <dgm:effectClrLst/>
+    <dgm:txLinClrLst/>
+    <dgm:txFillClrLst meth="repeat">
+      <a:schemeClr val="bg1"/>
+    </dgm:txFillClrLst>
+    <dgm:txEffectClrLst/>
+  </dgm:styleLbl>
+</dgm:colorsDef>
+</file>
+
+<file path=ppt/diagrams/colors6.xml><?xml version="1.0" encoding="utf-8"?>
+<dgm:colorsDef xmlns:dgm="http://schemas.openxmlformats.org/drawingml/2006/diagram" xmlns:a="http://schemas.openxmlformats.org/drawingml/2006/main" uniqueId="urn:microsoft.com/office/officeart/2018/5/colors/Iconchunking_neutralicontext_colorful1">
+  <dgm:title val=""/>
+  <dgm:desc val=""/>
+  <dgm:catLst>
+    <dgm:cat type="colorful" pri="10100"/>
+  </dgm:catLst>
+  <dgm:styleLbl name="node0">
+    <dgm:fillClrLst meth="repeat">
+      <a:schemeClr val="accent1"/>
+    </dgm:fillClrLst>
+    <dgm:linClrLst meth="repeat">
+      <a:schemeClr val="lt1"/>
+    </dgm:linClrLst>
+    <dgm:effectClrLst/>
+    <dgm:txLinClrLst/>
+    <dgm:txFillClrLst/>
+    <dgm:txEffectClrLst/>
+  </dgm:styleLbl>
+  <dgm:styleLbl name="node1">
+    <dgm:fillClrLst meth="repeat">
+      <a:schemeClr val="bg1"/>
+    </dgm:fillClrLst>
+    <dgm:linClrLst meth="repeat">
+      <a:schemeClr val="lt1">
+        <a:alpha val="0"/>
+      </a:schemeClr>
+    </dgm:linClrLst>
+    <dgm:effectClrLst/>
+    <dgm:txLinClrLst/>
+    <dgm:txFillClrLst meth="repeat">
+      <a:schemeClr val="dk1"/>
+    </dgm:txFillClrLst>
+    <dgm:txEffectClrLst/>
+  </dgm:styleLbl>
+  <dgm:styleLbl name="alignNode1">
+    <dgm:fillClrLst meth="repeat">
+      <a:schemeClr val="accent2"/>
+      <a:schemeClr val="accent3"/>
+      <a:schemeClr val="accent4"/>
+      <a:schemeClr val="accent5"/>
+      <a:schemeClr val="accent6"/>
+    </dgm:fillClrLst>
+    <dgm:linClrLst meth="repeat">
+      <a:schemeClr val="accent2"/>
+      <a:schemeClr val="accent3"/>
+      <a:schemeClr val="accent4"/>
+      <a:schemeClr val="accent5"/>
+      <a:schemeClr val="accent6"/>
+    </dgm:linClrLst>
+    <dgm:effectClrLst/>
+    <dgm:txLinClrLst/>
+    <dgm:txFillClrLst/>
+    <dgm:txEffectClrLst/>
+  </dgm:styleLbl>
+  <dgm:styleLbl name="lnNode1">
+    <dgm:fillClrLst meth="repeat">
+      <a:schemeClr val="accent2"/>
+      <a:schemeClr val="accent3"/>
+      <a:schemeClr val="accent4"/>
+      <a:schemeClr val="accent5"/>
+      <a:schemeClr val="accent6"/>
+    </dgm:fillClrLst>
+    <dgm:linClrLst meth="repeat">
+      <a:schemeClr val="lt1"/>
+    </dgm:linClrLst>
+    <dgm:effectClrLst/>
+    <dgm:txLinClrLst/>
+    <dgm:txFillClrLst/>
+    <dgm:txEffectClrLst/>
+  </dgm:styleLbl>
+  <dgm:styleLbl name="vennNode1">
+    <dgm:fillClrLst meth="repeat">
+      <a:schemeClr val="accent2">
+        <a:alpha val="50000"/>
+      </a:schemeClr>
+      <a:schemeClr val="accent3">
+        <a:alpha val="50000"/>
+      </a:schemeClr>
+      <a:schemeClr val="accent4">
+        <a:alpha val="50000"/>
+      </a:schemeClr>
+      <a:schemeClr val="accent5">
+        <a:alpha val="50000"/>
+      </a:schemeClr>
+      <a:schemeClr val="accent6">
+        <a:alpha val="50000"/>
+      </a:schemeClr>
+    </dgm:fillClrLst>
+    <dgm:linClrLst meth="repeat">
+      <a:schemeClr val="lt1"/>
+    </dgm:linClrLst>
+    <dgm:effectClrLst/>
+    <dgm:txLinClrLst/>
+    <dgm:txFillClrLst/>
+    <dgm:txEffectClrLst/>
+  </dgm:styleLbl>
+  <dgm:styleLbl name="node2">
+    <dgm:fillClrLst>
+      <a:schemeClr val="accent2"/>
+    </dgm:fillClrLst>
+    <dgm:linClrLst meth="repeat">
+      <a:schemeClr val="lt1"/>
+    </dgm:linClrLst>
+    <dgm:effectClrLst/>
+    <dgm:txLinClrLst/>
+    <dgm:txFillClrLst/>
+    <dgm:txEffectClrLst/>
+  </dgm:styleLbl>
+  <dgm:styleLbl name="node3">
+    <dgm:fillClrLst>
+      <a:schemeClr val="accent3"/>
+    </dgm:fillClrLst>
+    <dgm:linClrLst meth="repeat">
+      <a:schemeClr val="lt1"/>
+    </dgm:linClrLst>
+    <dgm:effectClrLst/>
+    <dgm:txLinClrLst/>
+    <dgm:txFillClrLst/>
+    <dgm:txEffectClrLst/>
+  </dgm:styleLbl>
+  <dgm:styleLbl name="node4">
+    <dgm:fillClrLst>
+      <a:schemeClr val="accent4"/>
+    </dgm:fillClrLst>
+    <dgm:linClrLst meth="repeat">
+      <a:schemeClr val="lt1"/>
+    </dgm:linClrLst>
+    <dgm:effectClrLst/>
+    <dgm:txLinClrLst/>
+    <dgm:txFillClrLst/>
+    <dgm:txEffectClrLst/>
+  </dgm:styleLbl>
+  <dgm:styleLbl name="fgImgPlace1">
+    <dgm:fillClrLst meth="repeat">
+      <a:schemeClr val="accent2">
+        <a:tint val="50000"/>
+      </a:schemeClr>
+      <a:schemeClr val="accent3">
+        <a:tint val="50000"/>
+      </a:schemeClr>
+      <a:schemeClr val="accent4">
+        <a:tint val="50000"/>
+      </a:schemeClr>
+      <a:schemeClr val="accent5">
+        <a:tint val="50000"/>
+      </a:schemeClr>
+      <a:schemeClr val="accent6">
+        <a:tint val="50000"/>
+      </a:schemeClr>
+    </dgm:fillClrLst>
+    <dgm:linClrLst meth="repeat">
+      <a:schemeClr val="lt1"/>
+    </dgm:linClrLst>
+    <dgm:effectClrLst/>
+    <dgm:txLinClrLst/>
+    <dgm:txFillClrLst meth="repeat">
+      <a:schemeClr val="lt1"/>
+    </dgm:txFillClrLst>
+    <dgm:txEffectClrLst/>
+  </dgm:styleLbl>
+  <dgm:styleLbl name="alignImgPlace1">
+    <dgm:fillClrLst>
+      <a:schemeClr val="accent1">
+        <a:tint val="50000"/>
+      </a:schemeClr>
+      <a:schemeClr val="accent2">
+        <a:tint val="20000"/>
+      </a:schemeClr>
+    </dgm:fillClrLst>
+    <dgm:linClrLst meth="repeat">
+      <a:schemeClr val="lt1"/>
+    </dgm:linClrLst>
+    <dgm:effectClrLst/>
+    <dgm:txLinClrLst/>
+    <dgm:txFillClrLst meth="repeat">
+      <a:schemeClr val="lt1"/>
+    </dgm:txFillClrLst>
+    <dgm:txEffectClrLst/>
+  </dgm:styleLbl>
+  <dgm:styleLbl name="bgImgPlace1">
+    <dgm:fillClrLst>
+      <a:schemeClr val="accent1">
+        <a:tint val="50000"/>
+      </a:schemeClr>
+      <a:schemeClr val="accent2">
+        <a:tint val="20000"/>
+      </a:schemeClr>
+    </dgm:fillClrLst>
+    <dgm:linClrLst meth="repeat">
+      <a:schemeClr val="lt1"/>
+    </dgm:linClrLst>
+    <dgm:effectClrLst/>
+    <dgm:txLinClrLst/>
+    <dgm:txFillClrLst meth="repeat">
+      <a:schemeClr val="lt1"/>
+    </dgm:txFillClrLst>
+    <dgm:txEffectClrLst/>
+  </dgm:styleLbl>
+  <dgm:styleLbl name="sibTrans2D1">
+    <dgm:fillClrLst meth="repeat">
+      <a:schemeClr val="accent2"/>
+      <a:schemeClr val="accent3"/>
+      <a:schemeClr val="accent4"/>
+      <a:schemeClr val="accent5"/>
+      <a:schemeClr val="accent6"/>
+    </dgm:fillClrLst>
+    <dgm:linClrLst meth="cycle">
+      <a:schemeClr val="lt1"/>
+    </dgm:linClrLst>
+    <dgm:effectClrLst/>
+    <dgm:txLinClrLst/>
+    <dgm:txFillClrLst/>
+    <dgm:txEffectClrLst/>
+  </dgm:styleLbl>
+  <dgm:styleLbl name="fgSibTrans2D1">
+    <dgm:fillClrLst meth="repeat">
+      <a:schemeClr val="accent2"/>
+      <a:schemeClr val="accent3"/>
+      <a:schemeClr val="accent4"/>
+      <a:schemeClr val="accent5"/>
+      <a:schemeClr val="accent6"/>
+    </dgm:fillClrLst>
+    <dgm:linClrLst meth="cycle">
+      <a:schemeClr val="lt1"/>
+    </dgm:linClrLst>
+    <dgm:effectClrLst/>
+    <dgm:txLinClrLst/>
+    <dgm:txFillClrLst meth="repeat">
+      <a:schemeClr val="lt1"/>
+    </dgm:txFillClrLst>
+    <dgm:txEffectClrLst/>
+  </dgm:styleLbl>
+  <dgm:styleLbl name="bgSibTrans2D1">
+    <dgm:fillClrLst meth="repeat">
+      <a:schemeClr val="accent2"/>
+      <a:schemeClr val="accent3"/>
+      <a:schemeClr val="accent4"/>
+      <a:schemeClr val="accent5"/>
+      <a:schemeClr val="accent6"/>
+    </dgm:fillClrLst>
+    <dgm:linClrLst meth="cycle">
+      <a:schemeClr val="lt1"/>
+    </dgm:linClrLst>
+    <dgm:effectClrLst/>
+    <dgm:txLinClrLst/>
+    <dgm:txFillClrLst meth="repeat">
+      <a:schemeClr val="lt1"/>
+    </dgm:txFillClrLst>
+    <dgm:txEffectClrLst/>
+  </dgm:styleLbl>
+  <dgm:styleLbl name="sibTrans1D1">
+    <dgm:fillClrLst meth="repeat">
+      <a:schemeClr val="accent2"/>
+      <a:schemeClr val="accent3"/>
+      <a:schemeClr val="accent4"/>
+      <a:schemeClr val="accent5"/>
+      <a:schemeClr val="accent6"/>
+    </dgm:fillClrLst>
+    <dgm:linClrLst meth="repeat">
+      <a:schemeClr val="accent2"/>
+      <a:schemeClr val="accent3"/>
+      <a:schemeClr val="accent4"/>
+      <a:schemeClr val="accent5"/>
+      <a:schemeClr val="accent6"/>
+    </dgm:linClrLst>
+    <dgm:effectClrLst/>
+    <dgm:txLinClrLst/>
+    <dgm:txFillClrLst meth="repeat">
+      <a:schemeClr val="tx1"/>
+    </dgm:txFillClrLst>
+    <dgm:txEffectClrLst/>
+  </dgm:styleLbl>
+  <dgm:styleLbl name="callout">
+    <dgm:fillClrLst meth="repeat">
+      <a:schemeClr val="accent2"/>
+    </dgm:fillClrLst>
+    <dgm:linClrLst meth="repeat">
+      <a:schemeClr val="accent2">
+        <a:tint val="50000"/>
+      </a:schemeClr>
+    </dgm:linClrLst>
+    <dgm:effectClrLst/>
+    <dgm:txLinClrLst/>
+    <dgm:txFillClrLst meth="repeat">
+      <a:schemeClr val="tx1"/>
+    </dgm:txFillClrLst>
+    <dgm:txEffectClrLst/>
+  </dgm:styleLbl>
+  <dgm:styleLbl name="asst0">
+    <dgm:fillClrLst meth="repeat">
+      <a:schemeClr val="accent1"/>
+    </dgm:fillClrLst>
+    <dgm:linClrLst meth="repeat">
+      <a:schemeClr val="lt1"/>
+    </dgm:linClrLst>
+    <dgm:effectClrLst/>
+    <dgm:txLinClrLst/>
+    <dgm:txFillClrLst/>
+    <dgm:txEffectClrLst/>
+  </dgm:styleLbl>
+  <dgm:styleLbl name="asst1">
+    <dgm:fillClrLst meth="repeat">
+      <a:schemeClr val="accent2"/>
+    </dgm:fillClrLst>
+    <dgm:linClrLst meth="repeat">
+      <a:schemeClr val="lt1"/>
+    </dgm:linClrLst>
+    <dgm:effectClrLst/>
+    <dgm:txLinClrLst/>
+    <dgm:txFillClrLst/>
+    <dgm:txEffectClrLst/>
+  </dgm:styleLbl>
+  <dgm:styleLbl name="asst2">
+    <dgm:fillClrLst>
+      <a:schemeClr val="accent3"/>
+    </dgm:fillClrLst>
+    <dgm:linClrLst meth="repeat">
+      <a:schemeClr val="lt1"/>
+    </dgm:linClrLst>
+    <dgm:effectClrLst/>
+    <dgm:txLinClrLst/>
+    <dgm:txFillClrLst/>
+    <dgm:txEffectClrLst/>
+  </dgm:styleLbl>
+  <dgm:styleLbl name="asst3">
+    <dgm:fillClrLst>
+      <a:schemeClr val="accent4"/>
+    </dgm:fillClrLst>
+    <dgm:linClrLst meth="repeat">
+      <a:schemeClr val="lt1"/>
+    </dgm:linClrLst>
+    <dgm:effectClrLst/>
+    <dgm:txLinClrLst/>
+    <dgm:txFillClrLst/>
+    <dgm:txEffectClrLst/>
+  </dgm:styleLbl>
+  <dgm:styleLbl name="asst4">
+    <dgm:fillClrLst>
+      <a:schemeClr val="accent5"/>
+    </dgm:fillClrLst>
+    <dgm:linClrLst meth="repeat">
+      <a:schemeClr val="lt1"/>
+    </dgm:linClrLst>
+    <dgm:effectClrLst/>
+    <dgm:txLinClrLst/>
+    <dgm:txFillClrLst/>
+    <dgm:txEffectClrLst/>
+  </dgm:styleLbl>
+  <dgm:styleLbl name="parChTrans2D1">
+    <dgm:fillClrLst meth="repeat">
+      <a:schemeClr val="accent2"/>
+    </dgm:fillClrLst>
+    <dgm:linClrLst meth="repeat">
+      <a:schemeClr val="lt1"/>
+    </dgm:linClrLst>
+    <dgm:effectClrLst/>
+    <dgm:txLinClrLst/>
+    <dgm:txFillClrLst meth="repeat">
+      <a:schemeClr val="lt1"/>
+    </dgm:txFillClrLst>
+    <dgm:txEffectClrLst/>
+  </dgm:styleLbl>
+  <dgm:styleLbl name="parChTrans2D2">
+    <dgm:fillClrLst meth="repeat">
+      <a:schemeClr val="accent3"/>
+    </dgm:fillClrLst>
+    <dgm:linClrLst meth="repeat">
+      <a:schemeClr val="lt1"/>
+    </dgm:linClrLst>
+    <dgm:effectClrLst/>
+    <dgm:txLinClrLst/>
+    <dgm:txFillClrLst/>
+    <dgm:txEffectClrLst/>
+  </dgm:styleLbl>
+  <dgm:styleLbl name="parChTrans2D3">
+    <dgm:fillClrLst meth="repeat">
+      <a:schemeClr val="accent4"/>
+    </dgm:fillClrLst>
+    <dgm:linClrLst meth="repeat">
+      <a:schemeClr val="lt1"/>
+    </dgm:linClrLst>
+    <dgm:effectClrLst/>
+    <dgm:txLinClrLst/>
+    <dgm:txFillClrLst/>
+    <dgm:txEffectClrLst/>
+  </dgm:styleLbl>
+  <dgm:styleLbl name="parChTrans2D4">
+    <dgm:fillClrLst meth="repeat">
+      <a:schemeClr val="accent5"/>
+    </dgm:fillClrLst>
+    <dgm:linClrLst meth="repeat">
+      <a:schemeClr val="lt1"/>
+    </dgm:linClrLst>
+    <dgm:effectClrLst/>
+    <dgm:txLinClrLst/>
+    <dgm:txFillClrLst meth="repeat">
+      <a:schemeClr val="lt1"/>
+    </dgm:txFillClrLst>
+    <dgm:txEffectClrLst/>
+  </dgm:styleLbl>
+  <dgm:styleLbl name="parChTrans1D1">
+    <dgm:fillClrLst meth="repeat">
+      <a:schemeClr val="accent2"/>
+    </dgm:fillClrLst>
+    <dgm:linClrLst meth="repeat">
+      <a:schemeClr val="accent1"/>
+    </dgm:linClrLst>
+    <dgm:effectClrLst/>
+    <dgm:txLinClrLst/>
+    <dgm:txFillClrLst meth="repeat">
+      <a:schemeClr val="tx1"/>
+    </dgm:txFillClrLst>
+    <dgm:txEffectClrLst/>
+  </dgm:styleLbl>
+  <dgm:styleLbl name="parChTrans1D2">
+    <dgm:fillClrLst meth="repeat">
+      <a:schemeClr val="accent3">
+        <a:tint val="90000"/>
+      </a:schemeClr>
+    </dgm:fillClrLst>
+    <dgm:linClrLst meth="repeat">
+      <a:schemeClr val="accent2"/>
+    </dgm:linClrLst>
+    <dgm:effectClrLst/>
+    <dgm:txLinClrLst/>
+    <dgm:txFillClrLst meth="repeat">
+      <a:schemeClr val="tx1"/>
+    </dgm:txFillClrLst>
+    <dgm:txEffectClrLst/>
+  </dgm:styleLbl>
+  <dgm:styleLbl name="parChTrans1D3">
+    <dgm:fillClrLst meth="repeat">
+      <a:schemeClr val="accent4">
+        <a:tint val="70000"/>
+      </a:schemeClr>
+    </dgm:fillClrLst>
+    <dgm:linClrLst meth="repeat">
+      <a:schemeClr val="accent3"/>
+    </dgm:linClrLst>
+    <dgm:effectClrLst/>
+    <dgm:txLinClrLst/>
+    <dgm:txFillClrLst meth="repeat">
+      <a:schemeClr val="tx1"/>
+    </dgm:txFillClrLst>
+    <dgm:txEffectClrLst/>
+  </dgm:styleLbl>
+  <dgm:styleLbl name="parChTrans1D4">
+    <dgm:fillClrLst meth="repeat">
+      <a:schemeClr val="accent5">
+        <a:tint val="50000"/>
+      </a:schemeClr>
+    </dgm:fillClrLst>
+    <dgm:linClrLst meth="repeat">
+      <a:schemeClr val="accent4"/>
+    </dgm:linClrLst>
+    <dgm:effectClrLst/>
+    <dgm:txLinClrLst/>
+    <dgm:txFillClrLst meth="repeat">
+      <a:schemeClr val="tx1"/>
+    </dgm:txFillClrLst>
+    <dgm:txEffectClrLst/>
+  </dgm:styleLbl>
+  <dgm:styleLbl name="fgAcc1">
+    <dgm:fillClrLst meth="repeat">
+      <a:schemeClr val="lt1">
+        <a:alpha val="90000"/>
+      </a:schemeClr>
+    </dgm:fillClrLst>
+    <dgm:linClrLst meth="repeat">
+      <a:schemeClr val="accent2"/>
+      <a:schemeClr val="accent3"/>
+      <a:schemeClr val="accent4"/>
+      <a:schemeClr val="accent5"/>
+      <a:schemeClr val="accent6"/>
+    </dgm:linClrLst>
+    <dgm:effectClrLst/>
+    <dgm:txLinClrLst/>
+    <dgm:txFillClrLst meth="repeat">
+      <a:schemeClr val="dk1"/>
+    </dgm:txFillClrLst>
+    <dgm:txEffectClrLst/>
+  </dgm:styleLbl>
+  <dgm:styleLbl name="conFgAcc1">
+    <dgm:fillClrLst meth="repeat">
+      <a:schemeClr val="lt1">
+        <a:alpha val="90000"/>
+      </a:schemeClr>
+    </dgm:fillClrLst>
+    <dgm:linClrLst meth="repeat">
+      <a:schemeClr val="accent2"/>
+      <a:schemeClr val="accent3"/>
+      <a:schemeClr val="accent4"/>
+      <a:schemeClr val="accent5"/>
+      <a:schemeClr val="accent6"/>
+    </dgm:linClrLst>
+    <dgm:effectClrLst/>
+    <dgm:txLinClrLst/>
+    <dgm:txFillClrLst meth="repeat">
+      <a:schemeClr val="dk1"/>
+    </dgm:txFillClrLst>
+    <dgm:txEffectClrLst/>
+  </dgm:styleLbl>
+  <dgm:styleLbl name="alignAcc1">
+    <dgm:fillClrLst meth="repeat">
+      <a:schemeClr val="lt1">
+        <a:alpha val="90000"/>
+      </a:schemeClr>
+    </dgm:fillClrLst>
+    <dgm:linClrLst meth="repeat">
+      <a:schemeClr val="accent2"/>
+      <a:schemeClr val="accent3"/>
+      <a:schemeClr val="accent4"/>
+      <a:schemeClr val="accent5"/>
+      <a:schemeClr val="accent6"/>
+    </dgm:linClrLst>
+    <dgm:effectClrLst/>
+    <dgm:txLinClrLst/>
+    <dgm:txFillClrLst meth="repeat">
+      <a:schemeClr val="dk1"/>
+    </dgm:txFillClrLst>
+    <dgm:txEffectClrLst/>
+  </dgm:styleLbl>
+  <dgm:styleLbl name="trAlignAcc1">
+    <dgm:fillClrLst meth="repeat">
+      <a:schemeClr val="lt1">
+        <a:alpha val="40000"/>
+      </a:schemeClr>
+    </dgm:fillClrLst>
+    <dgm:linClrLst meth="repeat">
+      <a:schemeClr val="accent1"/>
+    </dgm:linClrLst>
+    <dgm:effectClrLst/>
+    <dgm:txLinClrLst/>
+    <dgm:txFillClrLst meth="repeat">
+      <a:schemeClr val="dk1"/>
+    </dgm:txFillClrLst>
+    <dgm:txEffectClrLst/>
+  </dgm:styleLbl>
+  <dgm:styleLbl name="bgAcc1">
+    <dgm:fillClrLst meth="repeat">
+      <a:schemeClr val="lt1">
+        <a:alpha val="90000"/>
+      </a:schemeClr>
+    </dgm:fillClrLst>
+    <dgm:linClrLst meth="repeat">
+      <a:schemeClr val="accent2"/>
+      <a:schemeClr val="accent3"/>
+      <a:schemeClr val="accent4"/>
+      <a:schemeClr val="accent5"/>
+      <a:schemeClr val="accent6"/>
+    </dgm:linClrLst>
+    <dgm:effectClrLst/>
+    <dgm:txLinClrLst/>
+    <dgm:txFillClrLst meth="repeat">
+      <a:schemeClr val="dk1"/>
+    </dgm:txFillClrLst>
+    <dgm:txEffectClrLst/>
+  </dgm:styleLbl>
+  <dgm:styleLbl name="solidFgAcc1">
+    <dgm:fillClrLst meth="repeat">
+      <a:schemeClr val="lt1"/>
+    </dgm:fillClrLst>
+    <dgm:linClrLst meth="repeat">
+      <a:schemeClr val="accent2"/>
+      <a:schemeClr val="accent3"/>
+      <a:schemeClr val="accent4"/>
+      <a:schemeClr val="accent5"/>
+      <a:schemeClr val="accent6"/>
+    </dgm:linClrLst>
+    <dgm:effectClrLst/>
+    <dgm:txLinClrLst/>
+    <dgm:txFillClrLst meth="repeat">
+      <a:schemeClr val="dk1"/>
+    </dgm:txFillClrLst>
+    <dgm:txEffectClrLst/>
+  </dgm:styleLbl>
+  <dgm:styleLbl name="solidAlignAcc1">
+    <dgm:fillClrLst meth="repeat">
+      <a:schemeClr val="lt1"/>
+    </dgm:fillClrLst>
+    <dgm:linClrLst meth="repeat">
+      <a:schemeClr val="accent2"/>
+      <a:schemeClr val="accent3"/>
+      <a:schemeClr val="accent4"/>
+      <a:schemeClr val="accent5"/>
+      <a:schemeClr val="accent6"/>
+    </dgm:linClrLst>
+    <dgm:effectClrLst/>
+    <dgm:txLinClrLst/>
+    <dgm:txFillClrLst meth="repeat">
+      <a:schemeClr val="dk1"/>
+    </dgm:txFillClrLst>
+    <dgm:txEffectClrLst/>
+  </dgm:styleLbl>
+  <dgm:styleLbl name="solidBgAcc1">
+    <dgm:fillClrLst meth="repeat">
+      <a:schemeClr val="lt1"/>
+    </dgm:fillClrLst>
+    <dgm:linClrLst meth="repeat">
+      <a:schemeClr val="accent2"/>
+      <a:schemeClr val="accent3"/>
+      <a:schemeClr val="accent4"/>
+      <a:schemeClr val="accent5"/>
+      <a:schemeClr val="accent6"/>
+    </dgm:linClrLst>
+    <dgm:effectClrLst/>
+    <dgm:txLinClrLst/>
+    <dgm:txFillClrLst meth="repeat">
+      <a:schemeClr val="dk1"/>
+    </dgm:txFillClrLst>
+    <dgm:txEffectClrLst/>
+  </dgm:styleLbl>
+  <dgm:styleLbl name="fgAccFollowNode1">
+    <dgm:fillClrLst meth="repeat">
+      <a:schemeClr val="accent2">
+        <a:tint val="40000"/>
+        <a:alpha val="90000"/>
+      </a:schemeClr>
+      <a:schemeClr val="accent3">
+        <a:tint val="40000"/>
+        <a:alpha val="90000"/>
+      </a:schemeClr>
+      <a:schemeClr val="accent4">
+        <a:tint val="40000"/>
+        <a:alpha val="90000"/>
+      </a:schemeClr>
+      <a:schemeClr val="accent5">
+        <a:tint val="40000"/>
+        <a:alpha val="90000"/>
+      </a:schemeClr>
+      <a:schemeClr val="accent6">
+        <a:tint val="40000"/>
+        <a:alpha val="90000"/>
+      </a:schemeClr>
+    </dgm:fillClrLst>
+    <dgm:linClrLst meth="repeat">
+      <a:schemeClr val="accent2">
+        <a:tint val="40000"/>
+        <a:alpha val="90000"/>
+      </a:schemeClr>
+      <a:schemeClr val="accent3">
+        <a:tint val="40000"/>
+        <a:alpha val="90000"/>
+      </a:schemeClr>
+      <a:schemeClr val="accent4">
+        <a:tint val="40000"/>
+        <a:alpha val="90000"/>
+      </a:schemeClr>
+      <a:schemeClr val="accent5">
+        <a:tint val="40000"/>
+        <a:alpha val="90000"/>
+      </a:schemeClr>
+      <a:schemeClr val="accent6">
+        <a:tint val="40000"/>
+        <a:alpha val="90000"/>
+      </a:schemeClr>
+    </dgm:linClrLst>
+    <dgm:effectClrLst/>
+    <dgm:txLinClrLst/>
+    <dgm:txFillClrLst meth="repeat">
+      <a:schemeClr val="dk1"/>
+    </dgm:txFillClrLst>
+    <dgm:txEffectClrLst/>
+  </dgm:styleLbl>
+  <dgm:styleLbl name="alignAccFollowNode1">
+    <dgm:fillClrLst meth="repeat">
+      <a:schemeClr val="accent2">
+        <a:tint val="40000"/>
+        <a:alpha val="90000"/>
+      </a:schemeClr>
+      <a:schemeClr val="accent3">
+        <a:tint val="40000"/>
+        <a:alpha val="90000"/>
+      </a:schemeClr>
+      <a:schemeClr val="accent4">
+        <a:tint val="40000"/>
+        <a:alpha val="90000"/>
+      </a:schemeClr>
+      <a:schemeClr val="accent5">
+        <a:tint val="40000"/>
+        <a:alpha val="90000"/>
+      </a:schemeClr>
+      <a:schemeClr val="accent6">
+        <a:tint val="40000"/>
+        <a:alpha val="90000"/>
+      </a:schemeClr>
+    </dgm:fillClrLst>
+    <dgm:linClrLst meth="repeat">
+      <a:schemeClr val="accent2">
+        <a:tint val="40000"/>
+        <a:alpha val="90000"/>
+      </a:schemeClr>
+      <a:schemeClr val="accent3">
+        <a:tint val="40000"/>
+        <a:alpha val="90000"/>
+      </a:schemeClr>
+      <a:schemeClr val="accent4">
+        <a:tint val="40000"/>
+        <a:alpha val="90000"/>
+      </a:schemeClr>
+      <a:schemeClr val="accent5">
+        <a:tint val="40000"/>
+        <a:alpha val="90000"/>
+      </a:schemeClr>
+      <a:schemeClr val="accent6">
+        <a:tint val="40000"/>
+        <a:alpha val="90000"/>
+      </a:schemeClr>
+    </dgm:linClrLst>
+    <dgm:effectClrLst/>
+    <dgm:txLinClrLst/>
+    <dgm:txFillClrLst meth="repeat">
+      <a:schemeClr val="dk1"/>
+    </dgm:txFillClrLst>
+    <dgm:txEffectClrLst/>
+  </dgm:styleLbl>
+  <dgm:styleLbl name="bgAccFollowNode1">
+    <dgm:fillClrLst meth="repeat">
+      <a:schemeClr val="accent2">
+        <a:tint val="40000"/>
+        <a:alpha val="90000"/>
+      </a:schemeClr>
+      <a:schemeClr val="accent3">
+        <a:tint val="40000"/>
+        <a:alpha val="90000"/>
+      </a:schemeClr>
+      <a:schemeClr val="accent4">
+        <a:tint val="40000"/>
+        <a:alpha val="90000"/>
+      </a:schemeClr>
+      <a:schemeClr val="accent5">
+        <a:tint val="40000"/>
+        <a:alpha val="90000"/>
+      </a:schemeClr>
+      <a:schemeClr val="accent6">
+        <a:tint val="40000"/>
+        <a:alpha val="90000"/>
+      </a:schemeClr>
+    </dgm:fillClrLst>
+    <dgm:linClrLst meth="repeat">
+      <a:schemeClr val="accent2">
+        <a:tint val="40000"/>
+        <a:alpha val="90000"/>
+      </a:schemeClr>
+      <a:schemeClr val="accent3">
+        <a:tint val="40000"/>
+        <a:alpha val="90000"/>
+      </a:schemeClr>
+      <a:schemeClr val="accent4">
+        <a:tint val="40000"/>
+        <a:alpha val="90000"/>
+      </a:schemeClr>
+      <a:schemeClr val="accent5">
+        <a:tint val="40000"/>
+        <a:alpha val="90000"/>
+      </a:schemeClr>
+      <a:schemeClr val="accent6">
+        <a:tint val="40000"/>
+        <a:alpha val="90000"/>
+      </a:schemeClr>
+    </dgm:linClrLst>
+    <dgm:effectClrLst/>
+    <dgm:txLinClrLst/>
+    <dgm:txFillClrLst meth="repeat">
+      <a:schemeClr val="dk1"/>
+    </dgm:txFillClrLst>
+    <dgm:txEffectClrLst/>
+  </dgm:styleLbl>
+  <dgm:styleLbl name="fgAcc0">
+    <dgm:fillClrLst meth="repeat">
+      <a:schemeClr val="lt1">
+        <a:alpha val="90000"/>
+      </a:schemeClr>
+    </dgm:fillClrLst>
+    <dgm:linClrLst>
+      <a:schemeClr val="accent1"/>
+    </dgm:linClrLst>
+    <dgm:effectClrLst/>
+    <dgm:txLinClrLst/>
+    <dgm:txFillClrLst meth="repeat">
+      <a:schemeClr val="dk1"/>
+    </dgm:txFillClrLst>
+    <dgm:txEffectClrLst/>
+  </dgm:styleLbl>
+  <dgm:styleLbl name="fgAcc2">
+    <dgm:fillClrLst meth="repeat">
+      <a:schemeClr val="lt1">
+        <a:alpha val="90000"/>
+      </a:schemeClr>
+    </dgm:fillClrLst>
+    <dgm:linClrLst>
+      <a:schemeClr val="accent2"/>
+    </dgm:linClrLst>
+    <dgm:effectClrLst/>
+    <dgm:txLinClrLst/>
+    <dgm:txFillClrLst meth="repeat">
+      <a:schemeClr val="dk1"/>
+    </dgm:txFillClrLst>
+    <dgm:txEffectClrLst/>
+  </dgm:styleLbl>
+  <dgm:styleLbl name="fgAcc3">
+    <dgm:fillClrLst meth="repeat">
+      <a:schemeClr val="lt1">
+        <a:alpha val="90000"/>
+      </a:schemeClr>
+    </dgm:fillClrLst>
+    <dgm:linClrLst>
+      <a:schemeClr val="accent3"/>
+    </dgm:linClrLst>
+    <dgm:effectClrLst/>
+    <dgm:txLinClrLst/>
+    <dgm:txFillClrLst meth="repeat">
+      <a:schemeClr val="dk1"/>
+    </dgm:txFillClrLst>
+    <dgm:txEffectClrLst/>
+  </dgm:styleLbl>
+  <dgm:styleLbl name="fgAcc4">
+    <dgm:fillClrLst meth="repeat">
+      <a:schemeClr val="lt1">
+        <a:alpha val="90000"/>
+      </a:schemeClr>
+    </dgm:fillClrLst>
+    <dgm:linClrLst>
+      <a:schemeClr val="accent4"/>
+    </dgm:linClrLst>
+    <dgm:effectClrLst/>
+    <dgm:txLinClrLst/>
+    <dgm:txFillClrLst meth="repeat">
+      <a:schemeClr val="dk1"/>
+    </dgm:txFillClrLst>
+    <dgm:txEffectClrLst/>
+  </dgm:styleLbl>
+  <dgm:styleLbl name="bgShp">
+    <dgm:fillClrLst meth="repeat">
+      <a:schemeClr val="accent2"/>
+      <a:schemeClr val="accent3"/>
+      <a:schemeClr val="accent4"/>
+      <a:schemeClr val="accent5"/>
+      <a:schemeClr val="accent6"/>
+    </dgm:fillClrLst>
+    <dgm:linClrLst meth="repeat">
+      <a:schemeClr val="lt1">
+        <a:alpha val="0"/>
+      </a:schemeClr>
+    </dgm:linClrLst>
+    <dgm:effectClrLst/>
+    <dgm:txLinClrLst/>
+    <dgm:txFillClrLst/>
+    <dgm:txEffectClrLst/>
+  </dgm:styleLbl>
+  <dgm:styleLbl name="dkBgShp">
+    <dgm:fillClrLst meth="repeat">
+      <a:schemeClr val="accent2">
+        <a:shade val="90000"/>
+      </a:schemeClr>
+    </dgm:fillClrLst>
+    <dgm:linClrLst meth="repeat">
+      <a:schemeClr val="dk1"/>
+    </dgm:linClrLst>
+    <dgm:effectClrLst/>
+    <dgm:txLinClrLst/>
+    <dgm:txFillClrLst meth="repeat">
+      <a:schemeClr val="lt1"/>
+    </dgm:txFillClrLst>
+    <dgm:txEffectClrLst/>
+  </dgm:styleLbl>
+  <dgm:styleLbl name="trBgShp">
+    <dgm:fillClrLst meth="repeat">
+      <a:schemeClr val="accent1">
+        <a:tint val="50000"/>
+        <a:alpha val="40000"/>
+      </a:schemeClr>
+    </dgm:fillClrLst>
+    <dgm:linClrLst meth="repeat">
+      <a:schemeClr val="accent2"/>
+    </dgm:linClrLst>
+    <dgm:effectClrLst/>
+    <dgm:txLinClrLst/>
+    <dgm:txFillClrLst meth="repeat">
+      <a:schemeClr val="lt1"/>
+    </dgm:txFillClrLst>
+    <dgm:txEffectClrLst/>
+  </dgm:styleLbl>
+  <dgm:styleLbl name="fgShp">
+    <dgm:fillClrLst meth="repeat">
+      <a:schemeClr val="accent2">
+        <a:tint val="40000"/>
+      </a:schemeClr>
+    </dgm:fillClrLst>
+    <dgm:linClrLst meth="repeat">
+      <a:schemeClr val="lt1"/>
+    </dgm:linClrLst>
+    <dgm:effectClrLst/>
+    <dgm:txLinClrLst/>
+    <dgm:txFillClrLst meth="repeat">
+      <a:schemeClr val="dk1"/>
+    </dgm:txFillClrLst>
+    <dgm:txEffectClrLst/>
+  </dgm:styleLbl>
+  <dgm:styleLbl name="revTx">
+    <dgm:fillClrLst meth="repeat">
+      <a:schemeClr val="lt1">
+        <a:alpha val="0"/>
+      </a:schemeClr>
+    </dgm:fillClrLst>
+    <dgm:linClrLst meth="repeat">
+      <a:schemeClr val="dk1">
+        <a:alpha val="0"/>
+      </a:schemeClr>
+    </dgm:linClrLst>
+    <dgm:effectClrLst/>
+    <dgm:txLinClrLst/>
+    <dgm:txFillClrLst meth="repeat">
+      <a:schemeClr val="bg1"/>
+    </dgm:txFillClrLst>
+    <dgm:txEffectClrLst/>
+  </dgm:styleLbl>
+</dgm:colorsDef>
+</file>
+
+<file path=ppt/diagrams/colors7.xml><?xml version="1.0" encoding="utf-8"?>
 <dgm:colorsDef xmlns:dgm="http://schemas.openxmlformats.org/drawingml/2006/diagram" xmlns:a="http://schemas.openxmlformats.org/drawingml/2006/main" uniqueId="urn:microsoft.com/office/officeart/2005/8/colors/colorful3">
   <dgm:title val=""/>
   <dgm:desc val=""/>
@@ -5825,7 +7671,7 @@
 </dgm:colorsDef>
 </file>
 
-<file path=ppt/diagrams/colors6.xml><?xml version="1.0" encoding="utf-8"?>
+<file path=ppt/diagrams/colors8.xml><?xml version="1.0" encoding="utf-8"?>
 <dgm:colorsDef xmlns:dgm="http://schemas.openxmlformats.org/drawingml/2006/diagram" xmlns:a="http://schemas.openxmlformats.org/drawingml/2006/main" uniqueId="urn:microsoft.com/office/officeart/2018/5/colors/Iconchunking_neutralicon_colorful1">
   <dgm:title val=""/>
   <dgm:desc val=""/>
@@ -6747,6 +8593,889 @@
 </file>
 
 <file path=ppt/diagrams/data1.xml><?xml version="1.0" encoding="utf-8"?>
+<dgm:dataModel xmlns:dgm="http://schemas.openxmlformats.org/drawingml/2006/diagram" xmlns:a="http://schemas.openxmlformats.org/drawingml/2006/main">
+  <dgm:ptLst>
+    <dgm:pt modelId="{64F98948-3320-4B7F-80FB-AB1137B5078B}" type="doc">
+      <dgm:prSet loTypeId="urn:microsoft.com/office/officeart/2005/8/layout/hProcess10" loCatId="icon" qsTypeId="urn:microsoft.com/office/officeart/2005/8/quickstyle/simple1" qsCatId="simple" csTypeId="urn:microsoft.com/office/officeart/2018/5/colors/Iconchunking_neutralicontext_colorful1" csCatId="colorful" phldr="1"/>
+      <dgm:spPr/>
+      <dgm:t>
+        <a:bodyPr/>
+        <a:lstStyle/>
+        <a:p>
+          <a:endParaRPr lang="en-US"/>
+        </a:p>
+      </dgm:t>
+    </dgm:pt>
+    <dgm:pt modelId="{15F858BE-12F3-4653-B340-0B188B98203C}">
+      <dgm:prSet custT="1"/>
+      <dgm:spPr>
+        <a:noFill/>
+        <a:ln>
+          <a:noFill/>
+        </a:ln>
+      </dgm:spPr>
+      <dgm:t>
+        <a:bodyPr anchor="ctr"/>
+        <a:lstStyle/>
+        <a:p>
+          <a:pPr algn="ctr"/>
+          <a:r>
+            <a:rPr lang="en-US" sz="1600" b="1"/>
+            <a:t>No information</a:t>
+          </a:r>
+          <a:r>
+            <a:rPr lang="en-US" sz="1600"/>
+            <a:t> to plan waste collection</a:t>
+          </a:r>
+          <a:endParaRPr lang="en-US" sz="1600">
+            <a:solidFill>
+              <a:schemeClr val="tx1"/>
+            </a:solidFill>
+          </a:endParaRPr>
+        </a:p>
+      </dgm:t>
+    </dgm:pt>
+    <dgm:pt modelId="{A18FFBF8-8B7D-40D4-A330-31FF915469FD}" type="parTrans" cxnId="{DEBC30EA-F307-450A-9FE0-DE38E709B7C6}">
+      <dgm:prSet/>
+      <dgm:spPr/>
+      <dgm:t>
+        <a:bodyPr/>
+        <a:lstStyle/>
+        <a:p>
+          <a:pPr algn="ctr"/>
+          <a:endParaRPr lang="en-US" sz="1600">
+            <a:solidFill>
+              <a:schemeClr val="tx1"/>
+            </a:solidFill>
+          </a:endParaRPr>
+        </a:p>
+      </dgm:t>
+    </dgm:pt>
+    <dgm:pt modelId="{BAF7F54C-54BB-4E32-A3BE-70FDDE1ACC7A}" type="sibTrans" cxnId="{DEBC30EA-F307-450A-9FE0-DE38E709B7C6}">
+      <dgm:prSet/>
+      <dgm:spPr>
+        <a:solidFill>
+          <a:schemeClr val="accent3"/>
+        </a:solidFill>
+      </dgm:spPr>
+      <dgm:t>
+        <a:bodyPr/>
+        <a:lstStyle/>
+        <a:p>
+          <a:pPr algn="ctr"/>
+          <a:endParaRPr lang="en-US" sz="1600">
+            <a:solidFill>
+              <a:schemeClr val="tx1"/>
+            </a:solidFill>
+          </a:endParaRPr>
+        </a:p>
+      </dgm:t>
+    </dgm:pt>
+    <dgm:pt modelId="{18935234-F39B-4F64-9D3E-ECC198090598}">
+      <dgm:prSet custT="1"/>
+      <dgm:spPr>
+        <a:noFill/>
+        <a:ln>
+          <a:noFill/>
+        </a:ln>
+      </dgm:spPr>
+      <dgm:t>
+        <a:bodyPr anchor="ctr"/>
+        <a:lstStyle/>
+        <a:p>
+          <a:pPr algn="ctr"/>
+          <a:r>
+            <a:rPr lang="en-US" sz="1600" b="1"/>
+            <a:t>Difficult to supervise</a:t>
+          </a:r>
+          <a:r>
+            <a:rPr lang="en-US" sz="1600"/>
+            <a:t> the whole process</a:t>
+          </a:r>
+          <a:endParaRPr lang="en-US" sz="1600">
+            <a:solidFill>
+              <a:schemeClr val="tx1"/>
+            </a:solidFill>
+          </a:endParaRPr>
+        </a:p>
+      </dgm:t>
+    </dgm:pt>
+    <dgm:pt modelId="{B6CB3CF8-E647-4BD2-92CD-1EEA584C5221}" type="parTrans" cxnId="{91D2593C-7D74-43E8-BC24-122A9C83402E}">
+      <dgm:prSet/>
+      <dgm:spPr/>
+      <dgm:t>
+        <a:bodyPr/>
+        <a:lstStyle/>
+        <a:p>
+          <a:pPr algn="ctr"/>
+          <a:endParaRPr lang="en-US" sz="1600">
+            <a:solidFill>
+              <a:schemeClr val="tx1"/>
+            </a:solidFill>
+          </a:endParaRPr>
+        </a:p>
+      </dgm:t>
+    </dgm:pt>
+    <dgm:pt modelId="{A80C0A60-9866-4750-AF50-82E6D30D27C4}" type="sibTrans" cxnId="{91D2593C-7D74-43E8-BC24-122A9C83402E}">
+      <dgm:prSet/>
+      <dgm:spPr/>
+      <dgm:t>
+        <a:bodyPr/>
+        <a:lstStyle/>
+        <a:p>
+          <a:pPr algn="ctr"/>
+          <a:endParaRPr lang="en-US" sz="1600">
+            <a:solidFill>
+              <a:schemeClr val="tx1"/>
+            </a:solidFill>
+          </a:endParaRPr>
+        </a:p>
+      </dgm:t>
+    </dgm:pt>
+    <dgm:pt modelId="{3CA3A262-78E2-46B9-86B9-EC5A18FB14DE}">
+      <dgm:prSet custT="1"/>
+      <dgm:spPr>
+        <a:noFill/>
+        <a:ln>
+          <a:noFill/>
+        </a:ln>
+      </dgm:spPr>
+      <dgm:t>
+        <a:bodyPr anchor="ctr"/>
+        <a:lstStyle/>
+        <a:p>
+          <a:pPr algn="ctr"/>
+          <a:r>
+            <a:rPr lang="en-US" sz="1600" b="1"/>
+            <a:t>Increasing generation</a:t>
+          </a:r>
+          <a:r>
+            <a:rPr lang="en-US" sz="1600"/>
+            <a:t> of waste - </a:t>
+          </a:r>
+          <a:r>
+            <a:rPr lang="en-US" sz="1600" b="1"/>
+            <a:t>low recycling</a:t>
+          </a:r>
+          <a:r>
+            <a:rPr lang="en-US" sz="1600"/>
+            <a:t> rate</a:t>
+          </a:r>
+          <a:endParaRPr lang="en-US" sz="1600">
+            <a:solidFill>
+              <a:schemeClr val="tx1"/>
+            </a:solidFill>
+          </a:endParaRPr>
+        </a:p>
+      </dgm:t>
+    </dgm:pt>
+    <dgm:pt modelId="{6BBE6B70-7535-4543-9D22-9A5FD3AA825E}" type="parTrans" cxnId="{DA22B488-0463-414F-B875-46191CF8188F}">
+      <dgm:prSet/>
+      <dgm:spPr/>
+      <dgm:t>
+        <a:bodyPr/>
+        <a:lstStyle/>
+        <a:p>
+          <a:pPr algn="ctr"/>
+          <a:endParaRPr lang="en-US" sz="1600">
+            <a:solidFill>
+              <a:schemeClr val="tx1"/>
+            </a:solidFill>
+          </a:endParaRPr>
+        </a:p>
+      </dgm:t>
+    </dgm:pt>
+    <dgm:pt modelId="{B3A5339B-3B69-46DF-810A-B2517955555D}" type="sibTrans" cxnId="{DA22B488-0463-414F-B875-46191CF8188F}">
+      <dgm:prSet/>
+      <dgm:spPr/>
+      <dgm:t>
+        <a:bodyPr/>
+        <a:lstStyle/>
+        <a:p>
+          <a:pPr algn="ctr"/>
+          <a:endParaRPr lang="en-US" sz="1600">
+            <a:solidFill>
+              <a:schemeClr val="tx1"/>
+            </a:solidFill>
+          </a:endParaRPr>
+        </a:p>
+      </dgm:t>
+    </dgm:pt>
+    <dgm:pt modelId="{D71E86D0-6050-6B48-A8A5-4C1AB935F287}" type="pres">
+      <dgm:prSet presAssocID="{64F98948-3320-4B7F-80FB-AB1137B5078B}" presName="Name0" presStyleCnt="0">
+        <dgm:presLayoutVars>
+          <dgm:dir/>
+          <dgm:resizeHandles val="exact"/>
+        </dgm:presLayoutVars>
+      </dgm:prSet>
+      <dgm:spPr/>
+    </dgm:pt>
+    <dgm:pt modelId="{5E553F33-6118-FB40-89F3-15938F669FBE}" type="pres">
+      <dgm:prSet presAssocID="{15F858BE-12F3-4653-B340-0B188B98203C}" presName="composite" presStyleCnt="0"/>
+      <dgm:spPr/>
+    </dgm:pt>
+    <dgm:pt modelId="{F217DEC4-0687-9546-AFDA-7F63E3E4E63D}" type="pres">
+      <dgm:prSet presAssocID="{15F858BE-12F3-4653-B340-0B188B98203C}" presName="imagSh" presStyleLbl="bgImgPlace1" presStyleIdx="0" presStyleCnt="3" custScaleX="60833" custScaleY="68683" custLinFactNeighborX="15146" custLinFactNeighborY="810"/>
+      <dgm:spPr>
+        <a:blipFill rotWithShape="1">
+          <a:blip xmlns:r="http://schemas.openxmlformats.org/officeDocument/2006/relationships" r:embed="rId1">
+            <a:extLst>
+              <a:ext uri="{96DAC541-7B7A-43D3-8B79-37D633B846F1}">
+                <asvg:svgBlip xmlns:asvg="http://schemas.microsoft.com/office/drawing/2016/SVG/main" r:embed="rId2"/>
+              </a:ext>
+            </a:extLst>
+          </a:blip>
+          <a:srcRect/>
+          <a:stretch>
+            <a:fillRect/>
+          </a:stretch>
+        </a:blipFill>
+        <a:ln>
+          <a:noFill/>
+        </a:ln>
+      </dgm:spPr>
+      <dgm:extLst>
+        <a:ext uri="{E40237B7-FDA0-4F09-8148-C483321AD2D9}">
+          <dgm14:cNvPr xmlns:dgm14="http://schemas.microsoft.com/office/drawing/2010/diagram" id="0" name="" descr="Σκουπίδια με συμπαγές γέμισμα"/>
+        </a:ext>
+      </dgm:extLst>
+    </dgm:pt>
+    <dgm:pt modelId="{F7010F18-F6C1-6244-999C-6F4826BFEE21}" type="pres">
+      <dgm:prSet presAssocID="{15F858BE-12F3-4653-B340-0B188B98203C}" presName="txNode" presStyleLbl="node1" presStyleIdx="0" presStyleCnt="3" custScaleY="100000">
+        <dgm:presLayoutVars>
+          <dgm:bulletEnabled val="1"/>
+        </dgm:presLayoutVars>
+      </dgm:prSet>
+      <dgm:spPr/>
+    </dgm:pt>
+    <dgm:pt modelId="{B48CEBB2-ABEF-3441-AEA3-83AB1BDCA6CB}" type="pres">
+      <dgm:prSet presAssocID="{BAF7F54C-54BB-4E32-A3BE-70FDDE1ACC7A}" presName="sibTrans" presStyleLbl="sibTrans2D1" presStyleIdx="0" presStyleCnt="2"/>
+      <dgm:spPr/>
+    </dgm:pt>
+    <dgm:pt modelId="{CDFD3779-0C6D-ED4A-8A25-EEFA7EDEEBA8}" type="pres">
+      <dgm:prSet presAssocID="{BAF7F54C-54BB-4E32-A3BE-70FDDE1ACC7A}" presName="connTx" presStyleLbl="sibTrans2D1" presStyleIdx="0" presStyleCnt="2"/>
+      <dgm:spPr/>
+    </dgm:pt>
+    <dgm:pt modelId="{A3D74D30-2AE4-A945-80A5-CE2E48807439}" type="pres">
+      <dgm:prSet presAssocID="{18935234-F39B-4F64-9D3E-ECC198090598}" presName="composite" presStyleCnt="0"/>
+      <dgm:spPr/>
+    </dgm:pt>
+    <dgm:pt modelId="{E284C749-1295-0C4F-B1FC-783A25129564}" type="pres">
+      <dgm:prSet presAssocID="{18935234-F39B-4F64-9D3E-ECC198090598}" presName="imagSh" presStyleLbl="bgImgPlace1" presStyleIdx="1" presStyleCnt="3" custScaleX="60833" custScaleY="68683" custLinFactNeighborX="15146" custLinFactNeighborY="810"/>
+      <dgm:spPr>
+        <a:blipFill>
+          <a:blip xmlns:r="http://schemas.openxmlformats.org/officeDocument/2006/relationships" r:embed="rId3">
+            <a:extLst>
+              <a:ext uri="{28A0092B-C50C-407E-A947-70E740481C1C}">
+                <a14:useLocalDpi xmlns:a14="http://schemas.microsoft.com/office/drawing/2010/main" val="0"/>
+              </a:ext>
+              <a:ext uri="{96DAC541-7B7A-43D3-8B79-37D633B846F1}">
+                <asvg:svgBlip xmlns:asvg="http://schemas.microsoft.com/office/drawing/2016/SVG/main" r:embed="rId4"/>
+              </a:ext>
+            </a:extLst>
+          </a:blip>
+          <a:stretch>
+            <a:fillRect/>
+          </a:stretch>
+        </a:blipFill>
+        <a:ln>
+          <a:noFill/>
+        </a:ln>
+      </dgm:spPr>
+      <dgm:extLst>
+        <a:ext uri="{E40237B7-FDA0-4F09-8148-C483321AD2D9}">
+          <dgm14:cNvPr xmlns:dgm14="http://schemas.microsoft.com/office/drawing/2010/diagram" id="0" name="" descr="Hierarchy"/>
+        </a:ext>
+      </dgm:extLst>
+    </dgm:pt>
+    <dgm:pt modelId="{81E0535B-114E-6F49-902E-9793A88FD7A2}" type="pres">
+      <dgm:prSet presAssocID="{18935234-F39B-4F64-9D3E-ECC198090598}" presName="txNode" presStyleLbl="node1" presStyleIdx="1" presStyleCnt="3" custScaleY="100000">
+        <dgm:presLayoutVars>
+          <dgm:bulletEnabled val="1"/>
+        </dgm:presLayoutVars>
+      </dgm:prSet>
+      <dgm:spPr/>
+    </dgm:pt>
+    <dgm:pt modelId="{F44E78FC-A2BF-B94F-9C95-C81B202ABE44}" type="pres">
+      <dgm:prSet presAssocID="{A80C0A60-9866-4750-AF50-82E6D30D27C4}" presName="sibTrans" presStyleLbl="sibTrans2D1" presStyleIdx="1" presStyleCnt="2" custScaleX="81572" custScaleY="114300"/>
+      <dgm:spPr/>
+    </dgm:pt>
+    <dgm:pt modelId="{CE0FA63C-09D8-934F-91B5-588B4F27B949}" type="pres">
+      <dgm:prSet presAssocID="{A80C0A60-9866-4750-AF50-82E6D30D27C4}" presName="connTx" presStyleLbl="sibTrans2D1" presStyleIdx="1" presStyleCnt="2"/>
+      <dgm:spPr/>
+    </dgm:pt>
+    <dgm:pt modelId="{CC379880-0DFC-BC40-8044-92B945203AD3}" type="pres">
+      <dgm:prSet presAssocID="{3CA3A262-78E2-46B9-86B9-EC5A18FB14DE}" presName="composite" presStyleCnt="0"/>
+      <dgm:spPr/>
+    </dgm:pt>
+    <dgm:pt modelId="{1CADC06F-09C6-D742-9130-63CA66649117}" type="pres">
+      <dgm:prSet presAssocID="{3CA3A262-78E2-46B9-86B9-EC5A18FB14DE}" presName="imagSh" presStyleLbl="bgImgPlace1" presStyleIdx="2" presStyleCnt="3" custScaleX="60833" custScaleY="68683" custLinFactNeighborX="15146" custLinFactNeighborY="810"/>
+      <dgm:spPr>
+        <a:blipFill>
+          <a:blip xmlns:r="http://schemas.openxmlformats.org/officeDocument/2006/relationships" r:embed="rId5">
+            <a:extLst>
+              <a:ext uri="{28A0092B-C50C-407E-A947-70E740481C1C}">
+                <a14:useLocalDpi xmlns:a14="http://schemas.microsoft.com/office/drawing/2010/main" val="0"/>
+              </a:ext>
+              <a:ext uri="{96DAC541-7B7A-43D3-8B79-37D633B846F1}">
+                <asvg:svgBlip xmlns:asvg="http://schemas.microsoft.com/office/drawing/2016/SVG/main" r:embed="rId6"/>
+              </a:ext>
+            </a:extLst>
+          </a:blip>
+          <a:stretch>
+            <a:fillRect/>
+          </a:stretch>
+        </a:blipFill>
+        <a:ln>
+          <a:noFill/>
+        </a:ln>
+      </dgm:spPr>
+      <dgm:extLst>
+        <a:ext uri="{E40237B7-FDA0-4F09-8148-C483321AD2D9}">
+          <dgm14:cNvPr xmlns:dgm14="http://schemas.microsoft.com/office/drawing/2010/diagram" id="0" name="" descr="Recycle"/>
+        </a:ext>
+      </dgm:extLst>
+    </dgm:pt>
+    <dgm:pt modelId="{6F26F383-AACD-1A41-8F77-717FC223BEE0}" type="pres">
+      <dgm:prSet presAssocID="{3CA3A262-78E2-46B9-86B9-EC5A18FB14DE}" presName="txNode" presStyleLbl="node1" presStyleIdx="2" presStyleCnt="3" custScaleY="100000">
+        <dgm:presLayoutVars>
+          <dgm:bulletEnabled val="1"/>
+        </dgm:presLayoutVars>
+      </dgm:prSet>
+      <dgm:spPr/>
+    </dgm:pt>
+  </dgm:ptLst>
+  <dgm:cxnLst>
+    <dgm:cxn modelId="{27B18F13-75D9-B34B-B64A-0CEE13570B09}" type="presOf" srcId="{64F98948-3320-4B7F-80FB-AB1137B5078B}" destId="{D71E86D0-6050-6B48-A8A5-4C1AB935F287}" srcOrd="0" destOrd="0" presId="urn:microsoft.com/office/officeart/2005/8/layout/hProcess10"/>
+    <dgm:cxn modelId="{6F956729-1A9D-7C40-835D-B4CB60071877}" type="presOf" srcId="{BAF7F54C-54BB-4E32-A3BE-70FDDE1ACC7A}" destId="{CDFD3779-0C6D-ED4A-8A25-EEFA7EDEEBA8}" srcOrd="1" destOrd="0" presId="urn:microsoft.com/office/officeart/2005/8/layout/hProcess10"/>
+    <dgm:cxn modelId="{9616F733-D614-9E49-B45A-F626C05E0A0A}" type="presOf" srcId="{BAF7F54C-54BB-4E32-A3BE-70FDDE1ACC7A}" destId="{B48CEBB2-ABEF-3441-AEA3-83AB1BDCA6CB}" srcOrd="0" destOrd="0" presId="urn:microsoft.com/office/officeart/2005/8/layout/hProcess10"/>
+    <dgm:cxn modelId="{91D2593C-7D74-43E8-BC24-122A9C83402E}" srcId="{64F98948-3320-4B7F-80FB-AB1137B5078B}" destId="{18935234-F39B-4F64-9D3E-ECC198090598}" srcOrd="1" destOrd="0" parTransId="{B6CB3CF8-E647-4BD2-92CD-1EEA584C5221}" sibTransId="{A80C0A60-9866-4750-AF50-82E6D30D27C4}"/>
+    <dgm:cxn modelId="{03765778-F70E-4E4F-AD78-3E86BF49035E}" type="presOf" srcId="{15F858BE-12F3-4653-B340-0B188B98203C}" destId="{F7010F18-F6C1-6244-999C-6F4826BFEE21}" srcOrd="0" destOrd="0" presId="urn:microsoft.com/office/officeart/2005/8/layout/hProcess10"/>
+    <dgm:cxn modelId="{FA95D97D-CE2A-9F49-A6D8-18333FD66426}" type="presOf" srcId="{A80C0A60-9866-4750-AF50-82E6D30D27C4}" destId="{CE0FA63C-09D8-934F-91B5-588B4F27B949}" srcOrd="1" destOrd="0" presId="urn:microsoft.com/office/officeart/2005/8/layout/hProcess10"/>
+    <dgm:cxn modelId="{DA22B488-0463-414F-B875-46191CF8188F}" srcId="{64F98948-3320-4B7F-80FB-AB1137B5078B}" destId="{3CA3A262-78E2-46B9-86B9-EC5A18FB14DE}" srcOrd="2" destOrd="0" parTransId="{6BBE6B70-7535-4543-9D22-9A5FD3AA825E}" sibTransId="{B3A5339B-3B69-46DF-810A-B2517955555D}"/>
+    <dgm:cxn modelId="{B8ABA3B5-ECCC-6D46-B337-803116BB5AAA}" type="presOf" srcId="{3CA3A262-78E2-46B9-86B9-EC5A18FB14DE}" destId="{6F26F383-AACD-1A41-8F77-717FC223BEE0}" srcOrd="0" destOrd="0" presId="urn:microsoft.com/office/officeart/2005/8/layout/hProcess10"/>
+    <dgm:cxn modelId="{4A25D3B6-6AC7-174D-97D6-3E8F48F4E771}" type="presOf" srcId="{A80C0A60-9866-4750-AF50-82E6D30D27C4}" destId="{F44E78FC-A2BF-B94F-9C95-C81B202ABE44}" srcOrd="0" destOrd="0" presId="urn:microsoft.com/office/officeart/2005/8/layout/hProcess10"/>
+    <dgm:cxn modelId="{520D18E4-D231-574D-B64D-D6C4244C1E3F}" type="presOf" srcId="{18935234-F39B-4F64-9D3E-ECC198090598}" destId="{81E0535B-114E-6F49-902E-9793A88FD7A2}" srcOrd="0" destOrd="0" presId="urn:microsoft.com/office/officeart/2005/8/layout/hProcess10"/>
+    <dgm:cxn modelId="{DEBC30EA-F307-450A-9FE0-DE38E709B7C6}" srcId="{64F98948-3320-4B7F-80FB-AB1137B5078B}" destId="{15F858BE-12F3-4653-B340-0B188B98203C}" srcOrd="0" destOrd="0" parTransId="{A18FFBF8-8B7D-40D4-A330-31FF915469FD}" sibTransId="{BAF7F54C-54BB-4E32-A3BE-70FDDE1ACC7A}"/>
+    <dgm:cxn modelId="{46AC3F03-13B1-1343-BFE4-0F50E71E66C0}" type="presParOf" srcId="{D71E86D0-6050-6B48-A8A5-4C1AB935F287}" destId="{5E553F33-6118-FB40-89F3-15938F669FBE}" srcOrd="0" destOrd="0" presId="urn:microsoft.com/office/officeart/2005/8/layout/hProcess10"/>
+    <dgm:cxn modelId="{8580CD58-3D7E-EC4B-A618-A71A19674BD4}" type="presParOf" srcId="{5E553F33-6118-FB40-89F3-15938F669FBE}" destId="{F217DEC4-0687-9546-AFDA-7F63E3E4E63D}" srcOrd="0" destOrd="0" presId="urn:microsoft.com/office/officeart/2005/8/layout/hProcess10"/>
+    <dgm:cxn modelId="{8832B1FF-2E99-6E4A-B3E5-AD220CD534D2}" type="presParOf" srcId="{5E553F33-6118-FB40-89F3-15938F669FBE}" destId="{F7010F18-F6C1-6244-999C-6F4826BFEE21}" srcOrd="1" destOrd="0" presId="urn:microsoft.com/office/officeart/2005/8/layout/hProcess10"/>
+    <dgm:cxn modelId="{E928AE63-7C58-C647-8CA7-D733A4A11C59}" type="presParOf" srcId="{D71E86D0-6050-6B48-A8A5-4C1AB935F287}" destId="{B48CEBB2-ABEF-3441-AEA3-83AB1BDCA6CB}" srcOrd="1" destOrd="0" presId="urn:microsoft.com/office/officeart/2005/8/layout/hProcess10"/>
+    <dgm:cxn modelId="{D946D881-929D-7149-A7CB-7987A68A33E0}" type="presParOf" srcId="{B48CEBB2-ABEF-3441-AEA3-83AB1BDCA6CB}" destId="{CDFD3779-0C6D-ED4A-8A25-EEFA7EDEEBA8}" srcOrd="0" destOrd="0" presId="urn:microsoft.com/office/officeart/2005/8/layout/hProcess10"/>
+    <dgm:cxn modelId="{1C441F21-4D72-4C47-A4E2-DC24F297A352}" type="presParOf" srcId="{D71E86D0-6050-6B48-A8A5-4C1AB935F287}" destId="{A3D74D30-2AE4-A945-80A5-CE2E48807439}" srcOrd="2" destOrd="0" presId="urn:microsoft.com/office/officeart/2005/8/layout/hProcess10"/>
+    <dgm:cxn modelId="{2C29130C-C5FA-D64C-B3BC-C99144A11EB4}" type="presParOf" srcId="{A3D74D30-2AE4-A945-80A5-CE2E48807439}" destId="{E284C749-1295-0C4F-B1FC-783A25129564}" srcOrd="0" destOrd="0" presId="urn:microsoft.com/office/officeart/2005/8/layout/hProcess10"/>
+    <dgm:cxn modelId="{AB5DF83F-E407-4246-81AD-A56189C2D1D2}" type="presParOf" srcId="{A3D74D30-2AE4-A945-80A5-CE2E48807439}" destId="{81E0535B-114E-6F49-902E-9793A88FD7A2}" srcOrd="1" destOrd="0" presId="urn:microsoft.com/office/officeart/2005/8/layout/hProcess10"/>
+    <dgm:cxn modelId="{3A42A652-9223-0A45-B184-77E224F805A9}" type="presParOf" srcId="{D71E86D0-6050-6B48-A8A5-4C1AB935F287}" destId="{F44E78FC-A2BF-B94F-9C95-C81B202ABE44}" srcOrd="3" destOrd="0" presId="urn:microsoft.com/office/officeart/2005/8/layout/hProcess10"/>
+    <dgm:cxn modelId="{8CD4F962-B721-DD42-82DB-E2046F67DB86}" type="presParOf" srcId="{F44E78FC-A2BF-B94F-9C95-C81B202ABE44}" destId="{CE0FA63C-09D8-934F-91B5-588B4F27B949}" srcOrd="0" destOrd="0" presId="urn:microsoft.com/office/officeart/2005/8/layout/hProcess10"/>
+    <dgm:cxn modelId="{930649C5-0765-BF44-A3AD-D9E65EA3AFB8}" type="presParOf" srcId="{D71E86D0-6050-6B48-A8A5-4C1AB935F287}" destId="{CC379880-0DFC-BC40-8044-92B945203AD3}" srcOrd="4" destOrd="0" presId="urn:microsoft.com/office/officeart/2005/8/layout/hProcess10"/>
+    <dgm:cxn modelId="{70B6C8CE-D2E4-5F4D-99D9-1D09E7629BF9}" type="presParOf" srcId="{CC379880-0DFC-BC40-8044-92B945203AD3}" destId="{1CADC06F-09C6-D742-9130-63CA66649117}" srcOrd="0" destOrd="0" presId="urn:microsoft.com/office/officeart/2005/8/layout/hProcess10"/>
+    <dgm:cxn modelId="{F9624D1E-E935-CF40-A145-8C716413BC3B}" type="presParOf" srcId="{CC379880-0DFC-BC40-8044-92B945203AD3}" destId="{6F26F383-AACD-1A41-8F77-717FC223BEE0}" srcOrd="1" destOrd="0" presId="urn:microsoft.com/office/officeart/2005/8/layout/hProcess10"/>
+  </dgm:cxnLst>
+  <dgm:bg/>
+  <dgm:whole/>
+  <dgm:extLst>
+    <a:ext uri="http://schemas.microsoft.com/office/drawing/2008/diagram">
+      <dsp:dataModelExt xmlns:dsp="http://schemas.microsoft.com/office/drawing/2008/diagram" relId="rId6" minVer="http://schemas.openxmlformats.org/drawingml/2006/diagram"/>
+    </a:ext>
+  </dgm:extLst>
+</dgm:dataModel>
+</file>
+
+<file path=ppt/diagrams/data2.xml><?xml version="1.0" encoding="utf-8"?>
+<dgm:dataModel xmlns:dgm="http://schemas.openxmlformats.org/drawingml/2006/diagram" xmlns:a="http://schemas.openxmlformats.org/drawingml/2006/main">
+  <dgm:ptLst>
+    <dgm:pt modelId="{64F98948-3320-4B7F-80FB-AB1137B5078B}" type="doc">
+      <dgm:prSet loTypeId="urn:microsoft.com/office/officeart/2005/8/layout/hProcess10" loCatId="icon" qsTypeId="urn:microsoft.com/office/officeart/2005/8/quickstyle/simple1" qsCatId="simple" csTypeId="urn:microsoft.com/office/officeart/2018/5/colors/Iconchunking_neutralicontext_colorful1" csCatId="colorful" phldr="1"/>
+      <dgm:spPr/>
+      <dgm:t>
+        <a:bodyPr/>
+        <a:lstStyle/>
+        <a:p>
+          <a:endParaRPr lang="en-US"/>
+        </a:p>
+      </dgm:t>
+    </dgm:pt>
+    <dgm:pt modelId="{15F858BE-12F3-4653-B340-0B188B98203C}">
+      <dgm:prSet custT="1"/>
+      <dgm:spPr>
+        <a:noFill/>
+        <a:ln>
+          <a:noFill/>
+        </a:ln>
+      </dgm:spPr>
+      <dgm:t>
+        <a:bodyPr anchor="ctr"/>
+        <a:lstStyle/>
+        <a:p>
+          <a:pPr algn="ctr"/>
+          <a:r>
+            <a:rPr lang="en-US" sz="1600" b="1"/>
+            <a:t>Location/fullness</a:t>
+          </a:r>
+          <a:r>
+            <a:rPr lang="en-US" sz="1600"/>
+            <a:t> of bins are known in real-time</a:t>
+          </a:r>
+          <a:endParaRPr lang="en-US" sz="1600">
+            <a:solidFill>
+              <a:schemeClr val="tx1"/>
+            </a:solidFill>
+          </a:endParaRPr>
+        </a:p>
+      </dgm:t>
+    </dgm:pt>
+    <dgm:pt modelId="{A18FFBF8-8B7D-40D4-A330-31FF915469FD}" type="parTrans" cxnId="{DEBC30EA-F307-450A-9FE0-DE38E709B7C6}">
+      <dgm:prSet/>
+      <dgm:spPr/>
+      <dgm:t>
+        <a:bodyPr/>
+        <a:lstStyle/>
+        <a:p>
+          <a:pPr algn="ctr"/>
+          <a:endParaRPr lang="en-US" sz="1600">
+            <a:solidFill>
+              <a:schemeClr val="tx1"/>
+            </a:solidFill>
+          </a:endParaRPr>
+        </a:p>
+      </dgm:t>
+    </dgm:pt>
+    <dgm:pt modelId="{BAF7F54C-54BB-4E32-A3BE-70FDDE1ACC7A}" type="sibTrans" cxnId="{DEBC30EA-F307-450A-9FE0-DE38E709B7C6}">
+      <dgm:prSet/>
+      <dgm:spPr>
+        <a:solidFill>
+          <a:schemeClr val="accent3"/>
+        </a:solidFill>
+      </dgm:spPr>
+      <dgm:t>
+        <a:bodyPr/>
+        <a:lstStyle/>
+        <a:p>
+          <a:pPr algn="ctr"/>
+          <a:endParaRPr lang="en-US" sz="1600">
+            <a:solidFill>
+              <a:schemeClr val="tx1"/>
+            </a:solidFill>
+          </a:endParaRPr>
+        </a:p>
+      </dgm:t>
+    </dgm:pt>
+    <dgm:pt modelId="{18935234-F39B-4F64-9D3E-ECC198090598}">
+      <dgm:prSet custT="1"/>
+      <dgm:spPr>
+        <a:noFill/>
+        <a:ln>
+          <a:noFill/>
+        </a:ln>
+      </dgm:spPr>
+      <dgm:t>
+        <a:bodyPr anchor="ctr"/>
+        <a:lstStyle/>
+        <a:p>
+          <a:pPr algn="ctr"/>
+          <a:r>
+            <a:rPr lang="en-US" sz="1600" b="1"/>
+            <a:t>Statistics</a:t>
+          </a:r>
+          <a:r>
+            <a:rPr lang="en-US" sz="1600"/>
+            <a:t> can be easily examined for decisions</a:t>
+          </a:r>
+          <a:endParaRPr lang="en-US" sz="1600">
+            <a:solidFill>
+              <a:schemeClr val="tx1"/>
+            </a:solidFill>
+          </a:endParaRPr>
+        </a:p>
+      </dgm:t>
+    </dgm:pt>
+    <dgm:pt modelId="{B6CB3CF8-E647-4BD2-92CD-1EEA584C5221}" type="parTrans" cxnId="{91D2593C-7D74-43E8-BC24-122A9C83402E}">
+      <dgm:prSet/>
+      <dgm:spPr/>
+      <dgm:t>
+        <a:bodyPr/>
+        <a:lstStyle/>
+        <a:p>
+          <a:pPr algn="ctr"/>
+          <a:endParaRPr lang="en-US" sz="1600">
+            <a:solidFill>
+              <a:schemeClr val="tx1"/>
+            </a:solidFill>
+          </a:endParaRPr>
+        </a:p>
+      </dgm:t>
+    </dgm:pt>
+    <dgm:pt modelId="{A80C0A60-9866-4750-AF50-82E6D30D27C4}" type="sibTrans" cxnId="{91D2593C-7D74-43E8-BC24-122A9C83402E}">
+      <dgm:prSet/>
+      <dgm:spPr/>
+      <dgm:t>
+        <a:bodyPr/>
+        <a:lstStyle/>
+        <a:p>
+          <a:pPr algn="ctr"/>
+          <a:endParaRPr lang="en-US" sz="1600">
+            <a:solidFill>
+              <a:schemeClr val="tx1"/>
+            </a:solidFill>
+          </a:endParaRPr>
+        </a:p>
+      </dgm:t>
+    </dgm:pt>
+    <dgm:pt modelId="{3CA3A262-78E2-46B9-86B9-EC5A18FB14DE}">
+      <dgm:prSet custT="1"/>
+      <dgm:spPr>
+        <a:noFill/>
+        <a:ln>
+          <a:noFill/>
+        </a:ln>
+      </dgm:spPr>
+      <dgm:t>
+        <a:bodyPr anchor="ctr"/>
+        <a:lstStyle/>
+        <a:p>
+          <a:pPr algn="ctr"/>
+          <a:r>
+            <a:rPr lang="en-US" sz="1600" b="1"/>
+            <a:t>Citizens</a:t>
+          </a:r>
+          <a:r>
+            <a:rPr lang="en-US" sz="1600"/>
+            <a:t> are motivated to actively involve</a:t>
+          </a:r>
+          <a:endParaRPr lang="en-US" sz="1600">
+            <a:solidFill>
+              <a:schemeClr val="tx1"/>
+            </a:solidFill>
+          </a:endParaRPr>
+        </a:p>
+      </dgm:t>
+    </dgm:pt>
+    <dgm:pt modelId="{6BBE6B70-7535-4543-9D22-9A5FD3AA825E}" type="parTrans" cxnId="{DA22B488-0463-414F-B875-46191CF8188F}">
+      <dgm:prSet/>
+      <dgm:spPr/>
+      <dgm:t>
+        <a:bodyPr/>
+        <a:lstStyle/>
+        <a:p>
+          <a:pPr algn="ctr"/>
+          <a:endParaRPr lang="en-US" sz="1600">
+            <a:solidFill>
+              <a:schemeClr val="tx1"/>
+            </a:solidFill>
+          </a:endParaRPr>
+        </a:p>
+      </dgm:t>
+    </dgm:pt>
+    <dgm:pt modelId="{B3A5339B-3B69-46DF-810A-B2517955555D}" type="sibTrans" cxnId="{DA22B488-0463-414F-B875-46191CF8188F}">
+      <dgm:prSet/>
+      <dgm:spPr/>
+      <dgm:t>
+        <a:bodyPr/>
+        <a:lstStyle/>
+        <a:p>
+          <a:pPr algn="ctr"/>
+          <a:endParaRPr lang="en-US" sz="1600">
+            <a:solidFill>
+              <a:schemeClr val="tx1"/>
+            </a:solidFill>
+          </a:endParaRPr>
+        </a:p>
+      </dgm:t>
+    </dgm:pt>
+    <dgm:pt modelId="{725F95B6-1E60-4561-8B96-B9F7DCDBFCCA}">
+      <dgm:prSet custT="1"/>
+      <dgm:spPr>
+        <a:noFill/>
+        <a:ln>
+          <a:noFill/>
+        </a:ln>
+      </dgm:spPr>
+      <dgm:t>
+        <a:bodyPr anchor="ctr"/>
+        <a:lstStyle/>
+        <a:p>
+          <a:r>
+            <a:rPr lang="en-US" sz="1600" b="1" dirty="0">
+              <a:solidFill>
+                <a:schemeClr val="tx1"/>
+              </a:solidFill>
+            </a:rPr>
+            <a:t>Optimal </a:t>
+          </a:r>
+          <a:r>
+            <a:rPr lang="en-US" sz="1600" b="0" dirty="0">
+              <a:solidFill>
+                <a:schemeClr val="tx1"/>
+              </a:solidFill>
+            </a:rPr>
+            <a:t>path for truck</a:t>
+          </a:r>
+          <a:endParaRPr lang="en-US" sz="1600" b="1" dirty="0">
+            <a:solidFill>
+              <a:schemeClr val="tx1"/>
+            </a:solidFill>
+          </a:endParaRPr>
+        </a:p>
+      </dgm:t>
+    </dgm:pt>
+    <dgm:pt modelId="{25340C35-6AE9-4E3A-93DC-8A31DF60CC15}" type="parTrans" cxnId="{61F925DF-A215-449A-83CC-B4FCB9E5E4D5}">
+      <dgm:prSet/>
+      <dgm:spPr/>
+      <dgm:t>
+        <a:bodyPr/>
+        <a:lstStyle/>
+        <a:p>
+          <a:endParaRPr lang="en-US"/>
+        </a:p>
+      </dgm:t>
+    </dgm:pt>
+    <dgm:pt modelId="{EBC53C92-C12A-465D-9320-676CC1390E9A}" type="sibTrans" cxnId="{61F925DF-A215-449A-83CC-B4FCB9E5E4D5}">
+      <dgm:prSet/>
+      <dgm:spPr/>
+      <dgm:t>
+        <a:bodyPr/>
+        <a:lstStyle/>
+        <a:p>
+          <a:endParaRPr lang="en-US"/>
+        </a:p>
+      </dgm:t>
+    </dgm:pt>
+    <dgm:pt modelId="{D71E86D0-6050-6B48-A8A5-4C1AB935F287}" type="pres">
+      <dgm:prSet presAssocID="{64F98948-3320-4B7F-80FB-AB1137B5078B}" presName="Name0" presStyleCnt="0">
+        <dgm:presLayoutVars>
+          <dgm:dir/>
+          <dgm:resizeHandles val="exact"/>
+        </dgm:presLayoutVars>
+      </dgm:prSet>
+      <dgm:spPr/>
+    </dgm:pt>
+    <dgm:pt modelId="{5E553F33-6118-FB40-89F3-15938F669FBE}" type="pres">
+      <dgm:prSet presAssocID="{15F858BE-12F3-4653-B340-0B188B98203C}" presName="composite" presStyleCnt="0"/>
+      <dgm:spPr/>
+    </dgm:pt>
+    <dgm:pt modelId="{F217DEC4-0687-9546-AFDA-7F63E3E4E63D}" type="pres">
+      <dgm:prSet presAssocID="{15F858BE-12F3-4653-B340-0B188B98203C}" presName="imagSh" presStyleLbl="bgImgPlace1" presStyleIdx="0" presStyleCnt="4" custScaleX="60833" custScaleY="68683" custLinFactNeighborX="15146" custLinFactNeighborY="810"/>
+      <dgm:spPr>
+        <a:blipFill>
+          <a:blip xmlns:r="http://schemas.openxmlformats.org/officeDocument/2006/relationships" r:embed="rId1">
+            <a:extLst>
+              <a:ext uri="{96DAC541-7B7A-43D3-8B79-37D633B846F1}">
+                <asvg:svgBlip xmlns:asvg="http://schemas.microsoft.com/office/drawing/2016/SVG/main" r:embed="rId2"/>
+              </a:ext>
+            </a:extLst>
+          </a:blip>
+          <a:srcRect/>
+          <a:stretch>
+            <a:fillRect/>
+          </a:stretch>
+        </a:blipFill>
+        <a:ln>
+          <a:noFill/>
+        </a:ln>
+      </dgm:spPr>
+      <dgm:extLst>
+        <a:ext uri="{E40237B7-FDA0-4F09-8148-C483321AD2D9}">
+          <dgm14:cNvPr xmlns:dgm14="http://schemas.microsoft.com/office/drawing/2010/diagram" id="0" name="" descr="Χάρτης με καρφίτσα με συμπαγές γέμισμα"/>
+        </a:ext>
+      </dgm:extLst>
+    </dgm:pt>
+    <dgm:pt modelId="{F7010F18-F6C1-6244-999C-6F4826BFEE21}" type="pres">
+      <dgm:prSet presAssocID="{15F858BE-12F3-4653-B340-0B188B98203C}" presName="txNode" presStyleLbl="node1" presStyleIdx="0" presStyleCnt="4" custScaleY="100000">
+        <dgm:presLayoutVars>
+          <dgm:bulletEnabled val="1"/>
+        </dgm:presLayoutVars>
+      </dgm:prSet>
+      <dgm:spPr/>
+    </dgm:pt>
+    <dgm:pt modelId="{B48CEBB2-ABEF-3441-AEA3-83AB1BDCA6CB}" type="pres">
+      <dgm:prSet presAssocID="{BAF7F54C-54BB-4E32-A3BE-70FDDE1ACC7A}" presName="sibTrans" presStyleLbl="sibTrans2D1" presStyleIdx="0" presStyleCnt="3"/>
+      <dgm:spPr/>
+    </dgm:pt>
+    <dgm:pt modelId="{CDFD3779-0C6D-ED4A-8A25-EEFA7EDEEBA8}" type="pres">
+      <dgm:prSet presAssocID="{BAF7F54C-54BB-4E32-A3BE-70FDDE1ACC7A}" presName="connTx" presStyleLbl="sibTrans2D1" presStyleIdx="0" presStyleCnt="3"/>
+      <dgm:spPr/>
+    </dgm:pt>
+    <dgm:pt modelId="{35136387-0381-4A6E-90C9-D215F2C334FA}" type="pres">
+      <dgm:prSet presAssocID="{725F95B6-1E60-4561-8B96-B9F7DCDBFCCA}" presName="composite" presStyleCnt="0"/>
+      <dgm:spPr/>
+    </dgm:pt>
+    <dgm:pt modelId="{2DD09B50-5FF0-4BE1-83AA-7308E210FA97}" type="pres">
+      <dgm:prSet presAssocID="{725F95B6-1E60-4561-8B96-B9F7DCDBFCCA}" presName="imagSh" presStyleLbl="bgImgPlace1" presStyleIdx="1" presStyleCnt="4" custScaleX="77042" custScaleY="65572" custLinFactNeighborX="-435" custLinFactNeighborY="-869"/>
+      <dgm:spPr>
+        <a:blipFill>
+          <a:blip xmlns:r="http://schemas.openxmlformats.org/officeDocument/2006/relationships" r:embed="rId3">
+            <a:extLst>
+              <a:ext uri="{28A0092B-C50C-407E-A947-70E740481C1C}">
+                <a14:useLocalDpi xmlns:a14="http://schemas.microsoft.com/office/drawing/2010/main" val="0"/>
+              </a:ext>
+              <a:ext uri="{96DAC541-7B7A-43D3-8B79-37D633B846F1}">
+                <asvg:svgBlip xmlns:asvg="http://schemas.microsoft.com/office/drawing/2016/SVG/main" r:embed="rId4"/>
+              </a:ext>
+            </a:extLst>
+          </a:blip>
+          <a:stretch>
+            <a:fillRect/>
+          </a:stretch>
+        </a:blipFill>
+      </dgm:spPr>
+      <dgm:extLst>
+        <a:ext uri="{E40237B7-FDA0-4F09-8148-C483321AD2D9}">
+          <dgm14:cNvPr xmlns:dgm14="http://schemas.microsoft.com/office/drawing/2010/diagram" id="0" name="" descr="Dump truck"/>
+        </a:ext>
+      </dgm:extLst>
+    </dgm:pt>
+    <dgm:pt modelId="{57149E6E-7422-4B8E-8E8C-2C063206B7B6}" type="pres">
+      <dgm:prSet presAssocID="{725F95B6-1E60-4561-8B96-B9F7DCDBFCCA}" presName="txNode" presStyleLbl="node1" presStyleIdx="1" presStyleCnt="4" custScaleY="100000" custLinFactNeighborX="-11300" custLinFactNeighborY="2173">
+        <dgm:presLayoutVars>
+          <dgm:bulletEnabled val="1"/>
+        </dgm:presLayoutVars>
+      </dgm:prSet>
+      <dgm:spPr/>
+    </dgm:pt>
+    <dgm:pt modelId="{8E22A0BC-7370-4FC4-8E7D-EC47659689C5}" type="pres">
+      <dgm:prSet presAssocID="{EBC53C92-C12A-465D-9320-676CC1390E9A}" presName="sibTrans" presStyleLbl="sibTrans2D1" presStyleIdx="1" presStyleCnt="3"/>
+      <dgm:spPr/>
+    </dgm:pt>
+    <dgm:pt modelId="{0D14F6CE-6883-4DBC-9AF2-D2EF935E0D78}" type="pres">
+      <dgm:prSet presAssocID="{EBC53C92-C12A-465D-9320-676CC1390E9A}" presName="connTx" presStyleLbl="sibTrans2D1" presStyleIdx="1" presStyleCnt="3"/>
+      <dgm:spPr/>
+    </dgm:pt>
+    <dgm:pt modelId="{A3D74D30-2AE4-A945-80A5-CE2E48807439}" type="pres">
+      <dgm:prSet presAssocID="{18935234-F39B-4F64-9D3E-ECC198090598}" presName="composite" presStyleCnt="0"/>
+      <dgm:spPr/>
+    </dgm:pt>
+    <dgm:pt modelId="{E284C749-1295-0C4F-B1FC-783A25129564}" type="pres">
+      <dgm:prSet presAssocID="{18935234-F39B-4F64-9D3E-ECC198090598}" presName="imagSh" presStyleLbl="bgImgPlace1" presStyleIdx="2" presStyleCnt="4" custScaleX="60833" custScaleY="68683" custLinFactNeighborX="15146" custLinFactNeighborY="810"/>
+      <dgm:spPr>
+        <a:blipFill>
+          <a:blip xmlns:r="http://schemas.openxmlformats.org/officeDocument/2006/relationships" r:embed="rId5">
+            <a:extLst>
+              <a:ext uri="{28A0092B-C50C-407E-A947-70E740481C1C}">
+                <a14:useLocalDpi xmlns:a14="http://schemas.microsoft.com/office/drawing/2010/main" val="0"/>
+              </a:ext>
+              <a:ext uri="{96DAC541-7B7A-43D3-8B79-37D633B846F1}">
+                <asvg:svgBlip xmlns:asvg="http://schemas.microsoft.com/office/drawing/2016/SVG/main" r:embed="rId6"/>
+              </a:ext>
+            </a:extLst>
+          </a:blip>
+          <a:stretch>
+            <a:fillRect/>
+          </a:stretch>
+        </a:blipFill>
+        <a:ln>
+          <a:noFill/>
+        </a:ln>
+      </dgm:spPr>
+      <dgm:extLst>
+        <a:ext uri="{E40237B7-FDA0-4F09-8148-C483321AD2D9}">
+          <dgm14:cNvPr xmlns:dgm14="http://schemas.microsoft.com/office/drawing/2010/diagram" id="0" name="" descr="Bar chart"/>
+        </a:ext>
+      </dgm:extLst>
+    </dgm:pt>
+    <dgm:pt modelId="{81E0535B-114E-6F49-902E-9793A88FD7A2}" type="pres">
+      <dgm:prSet presAssocID="{18935234-F39B-4F64-9D3E-ECC198090598}" presName="txNode" presStyleLbl="node1" presStyleIdx="2" presStyleCnt="4" custScaleY="100000">
+        <dgm:presLayoutVars>
+          <dgm:bulletEnabled val="1"/>
+        </dgm:presLayoutVars>
+      </dgm:prSet>
+      <dgm:spPr/>
+    </dgm:pt>
+    <dgm:pt modelId="{F44E78FC-A2BF-B94F-9C95-C81B202ABE44}" type="pres">
+      <dgm:prSet presAssocID="{A80C0A60-9866-4750-AF50-82E6D30D27C4}" presName="sibTrans" presStyleLbl="sibTrans2D1" presStyleIdx="2" presStyleCnt="3" custScaleX="81572" custScaleY="114300"/>
+      <dgm:spPr/>
+    </dgm:pt>
+    <dgm:pt modelId="{CE0FA63C-09D8-934F-91B5-588B4F27B949}" type="pres">
+      <dgm:prSet presAssocID="{A80C0A60-9866-4750-AF50-82E6D30D27C4}" presName="connTx" presStyleLbl="sibTrans2D1" presStyleIdx="2" presStyleCnt="3"/>
+      <dgm:spPr/>
+    </dgm:pt>
+    <dgm:pt modelId="{CC379880-0DFC-BC40-8044-92B945203AD3}" type="pres">
+      <dgm:prSet presAssocID="{3CA3A262-78E2-46B9-86B9-EC5A18FB14DE}" presName="composite" presStyleCnt="0"/>
+      <dgm:spPr/>
+    </dgm:pt>
+    <dgm:pt modelId="{1CADC06F-09C6-D742-9130-63CA66649117}" type="pres">
+      <dgm:prSet presAssocID="{3CA3A262-78E2-46B9-86B9-EC5A18FB14DE}" presName="imagSh" presStyleLbl="bgImgPlace1" presStyleIdx="3" presStyleCnt="4" custScaleX="60833" custScaleY="68683" custLinFactNeighborX="15146" custLinFactNeighborY="810"/>
+      <dgm:spPr>
+        <a:blipFill rotWithShape="1">
+          <a:blip xmlns:r="http://schemas.openxmlformats.org/officeDocument/2006/relationships" r:embed="rId7">
+            <a:extLst>
+              <a:ext uri="{28A0092B-C50C-407E-A947-70E740481C1C}">
+                <a14:useLocalDpi xmlns:a14="http://schemas.microsoft.com/office/drawing/2010/main" val="0"/>
+              </a:ext>
+              <a:ext uri="{96DAC541-7B7A-43D3-8B79-37D633B846F1}">
+                <asvg:svgBlip xmlns:asvg="http://schemas.microsoft.com/office/drawing/2016/SVG/main" r:embed="rId8"/>
+              </a:ext>
+            </a:extLst>
+          </a:blip>
+          <a:srcRect/>
+          <a:stretch>
+            <a:fillRect/>
+          </a:stretch>
+        </a:blipFill>
+        <a:ln>
+          <a:noFill/>
+        </a:ln>
+      </dgm:spPr>
+      <dgm:extLst>
+        <a:ext uri="{E40237B7-FDA0-4F09-8148-C483321AD2D9}">
+          <dgm14:cNvPr xmlns:dgm14="http://schemas.microsoft.com/office/drawing/2010/diagram" id="0" name="" descr="Business Growth"/>
+        </a:ext>
+      </dgm:extLst>
+    </dgm:pt>
+    <dgm:pt modelId="{6F26F383-AACD-1A41-8F77-717FC223BEE0}" type="pres">
+      <dgm:prSet presAssocID="{3CA3A262-78E2-46B9-86B9-EC5A18FB14DE}" presName="txNode" presStyleLbl="node1" presStyleIdx="3" presStyleCnt="4" custScaleY="100000">
+        <dgm:presLayoutVars>
+          <dgm:bulletEnabled val="1"/>
+        </dgm:presLayoutVars>
+      </dgm:prSet>
+      <dgm:spPr/>
+    </dgm:pt>
+  </dgm:ptLst>
+  <dgm:cxnLst>
+    <dgm:cxn modelId="{41AF8A04-8252-4275-91F9-2A96C17E8DE5}" type="presOf" srcId="{EBC53C92-C12A-465D-9320-676CC1390E9A}" destId="{0D14F6CE-6883-4DBC-9AF2-D2EF935E0D78}" srcOrd="1" destOrd="0" presId="urn:microsoft.com/office/officeart/2005/8/layout/hProcess10"/>
+    <dgm:cxn modelId="{D37A2208-6A50-4748-AC17-9EED20BF528D}" type="presOf" srcId="{15F858BE-12F3-4653-B340-0B188B98203C}" destId="{F7010F18-F6C1-6244-999C-6F4826BFEE21}" srcOrd="0" destOrd="0" presId="urn:microsoft.com/office/officeart/2005/8/layout/hProcess10"/>
+    <dgm:cxn modelId="{F6C1C10D-CADB-480C-A104-E046BF705CDB}" type="presOf" srcId="{BAF7F54C-54BB-4E32-A3BE-70FDDE1ACC7A}" destId="{CDFD3779-0C6D-ED4A-8A25-EEFA7EDEEBA8}" srcOrd="1" destOrd="0" presId="urn:microsoft.com/office/officeart/2005/8/layout/hProcess10"/>
+    <dgm:cxn modelId="{27B18F13-75D9-B34B-B64A-0CEE13570B09}" type="presOf" srcId="{64F98948-3320-4B7F-80FB-AB1137B5078B}" destId="{D71E86D0-6050-6B48-A8A5-4C1AB935F287}" srcOrd="0" destOrd="0" presId="urn:microsoft.com/office/officeart/2005/8/layout/hProcess10"/>
+    <dgm:cxn modelId="{1BFB6E16-46CF-4FBD-B754-145E4D3459C4}" type="presOf" srcId="{A80C0A60-9866-4750-AF50-82E6D30D27C4}" destId="{CE0FA63C-09D8-934F-91B5-588B4F27B949}" srcOrd="1" destOrd="0" presId="urn:microsoft.com/office/officeart/2005/8/layout/hProcess10"/>
+    <dgm:cxn modelId="{C2047920-491B-4588-9599-5324B5D374E9}" type="presOf" srcId="{725F95B6-1E60-4561-8B96-B9F7DCDBFCCA}" destId="{57149E6E-7422-4B8E-8E8C-2C063206B7B6}" srcOrd="0" destOrd="0" presId="urn:microsoft.com/office/officeart/2005/8/layout/hProcess10"/>
+    <dgm:cxn modelId="{5A7EAE31-B3D4-456B-9F3E-68FF19DDB847}" type="presOf" srcId="{BAF7F54C-54BB-4E32-A3BE-70FDDE1ACC7A}" destId="{B48CEBB2-ABEF-3441-AEA3-83AB1BDCA6CB}" srcOrd="0" destOrd="0" presId="urn:microsoft.com/office/officeart/2005/8/layout/hProcess10"/>
+    <dgm:cxn modelId="{91D2593C-7D74-43E8-BC24-122A9C83402E}" srcId="{64F98948-3320-4B7F-80FB-AB1137B5078B}" destId="{18935234-F39B-4F64-9D3E-ECC198090598}" srcOrd="2" destOrd="0" parTransId="{B6CB3CF8-E647-4BD2-92CD-1EEA584C5221}" sibTransId="{A80C0A60-9866-4750-AF50-82E6D30D27C4}"/>
+    <dgm:cxn modelId="{DA22B488-0463-414F-B875-46191CF8188F}" srcId="{64F98948-3320-4B7F-80FB-AB1137B5078B}" destId="{3CA3A262-78E2-46B9-86B9-EC5A18FB14DE}" srcOrd="3" destOrd="0" parTransId="{6BBE6B70-7535-4543-9D22-9A5FD3AA825E}" sibTransId="{B3A5339B-3B69-46DF-810A-B2517955555D}"/>
+    <dgm:cxn modelId="{D8FB078A-B1D7-46F0-B45F-A1986EC6A358}" type="presOf" srcId="{3CA3A262-78E2-46B9-86B9-EC5A18FB14DE}" destId="{6F26F383-AACD-1A41-8F77-717FC223BEE0}" srcOrd="0" destOrd="0" presId="urn:microsoft.com/office/officeart/2005/8/layout/hProcess10"/>
+    <dgm:cxn modelId="{57283895-CBE2-4D56-85D8-2AABFBE62329}" type="presOf" srcId="{EBC53C92-C12A-465D-9320-676CC1390E9A}" destId="{8E22A0BC-7370-4FC4-8E7D-EC47659689C5}" srcOrd="0" destOrd="0" presId="urn:microsoft.com/office/officeart/2005/8/layout/hProcess10"/>
+    <dgm:cxn modelId="{96AF0EA3-A4A3-4920-AD77-B3316B819B5F}" type="presOf" srcId="{A80C0A60-9866-4750-AF50-82E6D30D27C4}" destId="{F44E78FC-A2BF-B94F-9C95-C81B202ABE44}" srcOrd="0" destOrd="0" presId="urn:microsoft.com/office/officeart/2005/8/layout/hProcess10"/>
+    <dgm:cxn modelId="{9E1B14DC-CB17-493A-9C73-EF8AAF30C750}" type="presOf" srcId="{18935234-F39B-4F64-9D3E-ECC198090598}" destId="{81E0535B-114E-6F49-902E-9793A88FD7A2}" srcOrd="0" destOrd="0" presId="urn:microsoft.com/office/officeart/2005/8/layout/hProcess10"/>
+    <dgm:cxn modelId="{61F925DF-A215-449A-83CC-B4FCB9E5E4D5}" srcId="{64F98948-3320-4B7F-80FB-AB1137B5078B}" destId="{725F95B6-1E60-4561-8B96-B9F7DCDBFCCA}" srcOrd="1" destOrd="0" parTransId="{25340C35-6AE9-4E3A-93DC-8A31DF60CC15}" sibTransId="{EBC53C92-C12A-465D-9320-676CC1390E9A}"/>
+    <dgm:cxn modelId="{DEBC30EA-F307-450A-9FE0-DE38E709B7C6}" srcId="{64F98948-3320-4B7F-80FB-AB1137B5078B}" destId="{15F858BE-12F3-4653-B340-0B188B98203C}" srcOrd="0" destOrd="0" parTransId="{A18FFBF8-8B7D-40D4-A330-31FF915469FD}" sibTransId="{BAF7F54C-54BB-4E32-A3BE-70FDDE1ACC7A}"/>
+    <dgm:cxn modelId="{58649908-662F-4150-96E2-CD84A30FE442}" type="presParOf" srcId="{D71E86D0-6050-6B48-A8A5-4C1AB935F287}" destId="{5E553F33-6118-FB40-89F3-15938F669FBE}" srcOrd="0" destOrd="0" presId="urn:microsoft.com/office/officeart/2005/8/layout/hProcess10"/>
+    <dgm:cxn modelId="{FDA83A5C-38C4-4F07-913B-025F01B4355B}" type="presParOf" srcId="{5E553F33-6118-FB40-89F3-15938F669FBE}" destId="{F217DEC4-0687-9546-AFDA-7F63E3E4E63D}" srcOrd="0" destOrd="0" presId="urn:microsoft.com/office/officeart/2005/8/layout/hProcess10"/>
+    <dgm:cxn modelId="{E7D3080A-121D-4B64-B93F-A59DA7963B16}" type="presParOf" srcId="{5E553F33-6118-FB40-89F3-15938F669FBE}" destId="{F7010F18-F6C1-6244-999C-6F4826BFEE21}" srcOrd="1" destOrd="0" presId="urn:microsoft.com/office/officeart/2005/8/layout/hProcess10"/>
+    <dgm:cxn modelId="{42E45C17-4952-46E9-8EB4-220BBFB8B0EF}" type="presParOf" srcId="{D71E86D0-6050-6B48-A8A5-4C1AB935F287}" destId="{B48CEBB2-ABEF-3441-AEA3-83AB1BDCA6CB}" srcOrd="1" destOrd="0" presId="urn:microsoft.com/office/officeart/2005/8/layout/hProcess10"/>
+    <dgm:cxn modelId="{8041C582-9C85-4D10-AB16-4657658A5EA7}" type="presParOf" srcId="{B48CEBB2-ABEF-3441-AEA3-83AB1BDCA6CB}" destId="{CDFD3779-0C6D-ED4A-8A25-EEFA7EDEEBA8}" srcOrd="0" destOrd="0" presId="urn:microsoft.com/office/officeart/2005/8/layout/hProcess10"/>
+    <dgm:cxn modelId="{EBC98CB4-107B-4520-B94B-0132F13A0FB1}" type="presParOf" srcId="{D71E86D0-6050-6B48-A8A5-4C1AB935F287}" destId="{35136387-0381-4A6E-90C9-D215F2C334FA}" srcOrd="2" destOrd="0" presId="urn:microsoft.com/office/officeart/2005/8/layout/hProcess10"/>
+    <dgm:cxn modelId="{45D5CFE6-A78C-422A-8AD5-02F126ABF7AB}" type="presParOf" srcId="{35136387-0381-4A6E-90C9-D215F2C334FA}" destId="{2DD09B50-5FF0-4BE1-83AA-7308E210FA97}" srcOrd="0" destOrd="0" presId="urn:microsoft.com/office/officeart/2005/8/layout/hProcess10"/>
+    <dgm:cxn modelId="{A3AD47D8-481B-43EB-AF19-D1B21ED0C810}" type="presParOf" srcId="{35136387-0381-4A6E-90C9-D215F2C334FA}" destId="{57149E6E-7422-4B8E-8E8C-2C063206B7B6}" srcOrd="1" destOrd="0" presId="urn:microsoft.com/office/officeart/2005/8/layout/hProcess10"/>
+    <dgm:cxn modelId="{5447B9D7-5148-42F5-BD67-ED8F92575F28}" type="presParOf" srcId="{D71E86D0-6050-6B48-A8A5-4C1AB935F287}" destId="{8E22A0BC-7370-4FC4-8E7D-EC47659689C5}" srcOrd="3" destOrd="0" presId="urn:microsoft.com/office/officeart/2005/8/layout/hProcess10"/>
+    <dgm:cxn modelId="{6F526DCA-49C9-4AF7-ACFC-B21E83F4DEC1}" type="presParOf" srcId="{8E22A0BC-7370-4FC4-8E7D-EC47659689C5}" destId="{0D14F6CE-6883-4DBC-9AF2-D2EF935E0D78}" srcOrd="0" destOrd="0" presId="urn:microsoft.com/office/officeart/2005/8/layout/hProcess10"/>
+    <dgm:cxn modelId="{6F84EAD7-426D-4498-9632-C0BD7E59C0E9}" type="presParOf" srcId="{D71E86D0-6050-6B48-A8A5-4C1AB935F287}" destId="{A3D74D30-2AE4-A945-80A5-CE2E48807439}" srcOrd="4" destOrd="0" presId="urn:microsoft.com/office/officeart/2005/8/layout/hProcess10"/>
+    <dgm:cxn modelId="{4BC047F2-54CB-4E1C-A35C-81F32A6A0F62}" type="presParOf" srcId="{A3D74D30-2AE4-A945-80A5-CE2E48807439}" destId="{E284C749-1295-0C4F-B1FC-783A25129564}" srcOrd="0" destOrd="0" presId="urn:microsoft.com/office/officeart/2005/8/layout/hProcess10"/>
+    <dgm:cxn modelId="{58AEA22C-83FD-4432-BC99-C3D9E523D16E}" type="presParOf" srcId="{A3D74D30-2AE4-A945-80A5-CE2E48807439}" destId="{81E0535B-114E-6F49-902E-9793A88FD7A2}" srcOrd="1" destOrd="0" presId="urn:microsoft.com/office/officeart/2005/8/layout/hProcess10"/>
+    <dgm:cxn modelId="{0B950436-4915-4613-8D60-978F67F6BC6F}" type="presParOf" srcId="{D71E86D0-6050-6B48-A8A5-4C1AB935F287}" destId="{F44E78FC-A2BF-B94F-9C95-C81B202ABE44}" srcOrd="5" destOrd="0" presId="urn:microsoft.com/office/officeart/2005/8/layout/hProcess10"/>
+    <dgm:cxn modelId="{C579CD8B-3518-4EF7-B58F-999BC9218579}" type="presParOf" srcId="{F44E78FC-A2BF-B94F-9C95-C81B202ABE44}" destId="{CE0FA63C-09D8-934F-91B5-588B4F27B949}" srcOrd="0" destOrd="0" presId="urn:microsoft.com/office/officeart/2005/8/layout/hProcess10"/>
+    <dgm:cxn modelId="{5EAC44B8-08C8-4B85-B1DB-B2173D651548}" type="presParOf" srcId="{D71E86D0-6050-6B48-A8A5-4C1AB935F287}" destId="{CC379880-0DFC-BC40-8044-92B945203AD3}" srcOrd="6" destOrd="0" presId="urn:microsoft.com/office/officeart/2005/8/layout/hProcess10"/>
+    <dgm:cxn modelId="{69081ED9-F825-490F-9BEA-B245E0611E20}" type="presParOf" srcId="{CC379880-0DFC-BC40-8044-92B945203AD3}" destId="{1CADC06F-09C6-D742-9130-63CA66649117}" srcOrd="0" destOrd="0" presId="urn:microsoft.com/office/officeart/2005/8/layout/hProcess10"/>
+    <dgm:cxn modelId="{E273F89D-CFA7-4CD6-BA1E-9238E814FF47}" type="presParOf" srcId="{CC379880-0DFC-BC40-8044-92B945203AD3}" destId="{6F26F383-AACD-1A41-8F77-717FC223BEE0}" srcOrd="1" destOrd="0" presId="urn:microsoft.com/office/officeart/2005/8/layout/hProcess10"/>
+  </dgm:cxnLst>
+  <dgm:bg/>
+  <dgm:whole/>
+  <dgm:extLst>
+    <a:ext uri="http://schemas.microsoft.com/office/drawing/2008/diagram">
+      <dsp:dataModelExt xmlns:dsp="http://schemas.microsoft.com/office/drawing/2008/diagram" relId="rId6" minVer="http://schemas.openxmlformats.org/drawingml/2006/diagram"/>
+    </a:ext>
+  </dgm:extLst>
+</dgm:dataModel>
+</file>
+
+<file path=ppt/diagrams/data3.xml><?xml version="1.0" encoding="utf-8"?>
 <dgm:dataModel xmlns:dgm="http://schemas.openxmlformats.org/drawingml/2006/diagram" xmlns:a="http://schemas.openxmlformats.org/drawingml/2006/main">
   <dgm:ptLst>
     <dgm:pt modelId="{64F98948-3320-4B7F-80FB-AB1137B5078B}" type="doc">
@@ -7124,7 +9853,7 @@
 </dgm:dataModel>
 </file>
 
-<file path=ppt/diagrams/data2.xml><?xml version="1.0" encoding="utf-8"?>
+<file path=ppt/diagrams/data4.xml><?xml version="1.0" encoding="utf-8"?>
 <dgm:dataModel xmlns:dgm="http://schemas.openxmlformats.org/drawingml/2006/diagram" xmlns:a="http://schemas.openxmlformats.org/drawingml/2006/main">
   <dgm:ptLst>
     <dgm:pt modelId="{64F98948-3320-4B7F-80FB-AB1137B5078B}" type="doc">
@@ -7497,7 +10226,7 @@
 </dgm:dataModel>
 </file>
 
-<file path=ppt/diagrams/data3.xml><?xml version="1.0" encoding="utf-8"?>
+<file path=ppt/diagrams/data5.xml><?xml version="1.0" encoding="utf-8"?>
 <dgm:dataModel xmlns:dgm="http://schemas.openxmlformats.org/drawingml/2006/diagram" xmlns:a="http://schemas.openxmlformats.org/drawingml/2006/main">
   <dgm:ptLst>
     <dgm:pt modelId="{64F98948-3320-4B7F-80FB-AB1137B5078B}" type="doc">
@@ -7865,7 +10594,7 @@
 </dgm:dataModel>
 </file>
 
-<file path=ppt/diagrams/data4.xml><?xml version="1.0" encoding="utf-8"?>
+<file path=ppt/diagrams/data6.xml><?xml version="1.0" encoding="utf-8"?>
 <dgm:dataModel xmlns:dgm="http://schemas.openxmlformats.org/drawingml/2006/diagram" xmlns:a="http://schemas.openxmlformats.org/drawingml/2006/main">
   <dgm:ptLst>
     <dgm:pt modelId="{64F98948-3320-4B7F-80FB-AB1137B5078B}" type="doc">
@@ -8233,7 +10962,7 @@
 </dgm:dataModel>
 </file>
 
-<file path=ppt/diagrams/data5.xml><?xml version="1.0" encoding="utf-8"?>
+<file path=ppt/diagrams/data7.xml><?xml version="1.0" encoding="utf-8"?>
 <dgm:dataModel xmlns:dgm="http://schemas.openxmlformats.org/drawingml/2006/diagram" xmlns:a="http://schemas.openxmlformats.org/drawingml/2006/main">
   <dgm:ptLst>
     <dgm:pt modelId="{55C0B14E-AEA6-48D3-A387-ED4A3A3BF840}" type="doc">
@@ -8879,7 +11608,7 @@
 </dgm:dataModel>
 </file>
 
-<file path=ppt/diagrams/data6.xml><?xml version="1.0" encoding="utf-8"?>
+<file path=ppt/diagrams/data8.xml><?xml version="1.0" encoding="utf-8"?>
 <dgm:dataModel xmlns:dgm="http://schemas.openxmlformats.org/drawingml/2006/diagram" xmlns:a="http://schemas.openxmlformats.org/drawingml/2006/main">
   <dgm:ptLst>
     <dgm:pt modelId="{D7951F77-4E36-4893-91C6-3151A6D51694}" type="doc">
@@ -9500,6 +12229,1262 @@
             <a:gd name="adj" fmla="val 10000"/>
           </a:avLst>
         </a:prstGeom>
+        <a:blipFill rotWithShape="1">
+          <a:blip xmlns:r="http://schemas.openxmlformats.org/officeDocument/2006/relationships" r:embed="rId1">
+            <a:extLst>
+              <a:ext uri="{96DAC541-7B7A-43D3-8B79-37D633B846F1}">
+                <asvg:svgBlip xmlns:asvg="http://schemas.microsoft.com/office/drawing/2016/SVG/main" r:embed="rId2"/>
+              </a:ext>
+            </a:extLst>
+          </a:blip>
+          <a:srcRect/>
+          <a:stretch>
+            <a:fillRect/>
+          </a:stretch>
+        </a:blipFill>
+        <a:ln w="15875" cap="flat" cmpd="sng" algn="ctr">
+          <a:noFill/>
+          <a:prstDash val="solid"/>
+        </a:ln>
+        <a:effectLst/>
+      </dsp:spPr>
+      <dsp:style>
+        <a:lnRef idx="2">
+          <a:scrgbClr r="0" g="0" b="0"/>
+        </a:lnRef>
+        <a:fillRef idx="1">
+          <a:scrgbClr r="0" g="0" b="0"/>
+        </a:fillRef>
+        <a:effectRef idx="0">
+          <a:scrgbClr r="0" g="0" b="0"/>
+        </a:effectRef>
+        <a:fontRef idx="minor"/>
+      </dsp:style>
+    </dsp:sp>
+    <dsp:sp modelId="{F7010F18-F6C1-6244-999C-6F4826BFEE21}">
+      <dsp:nvSpPr>
+        <dsp:cNvPr id="0" name=""/>
+        <dsp:cNvSpPr/>
+      </dsp:nvSpPr>
+      <dsp:spPr>
+        <a:xfrm>
+          <a:off x="6487" y="1226269"/>
+          <a:ext cx="2660957" cy="2350492"/>
+        </a:xfrm>
+        <a:prstGeom prst="roundRect">
+          <a:avLst>
+            <a:gd name="adj" fmla="val 10000"/>
+          </a:avLst>
+        </a:prstGeom>
+        <a:noFill/>
+        <a:ln w="15875" cap="flat" cmpd="sng" algn="ctr">
+          <a:noFill/>
+          <a:prstDash val="solid"/>
+        </a:ln>
+        <a:effectLst/>
+      </dsp:spPr>
+      <dsp:style>
+        <a:lnRef idx="2">
+          <a:scrgbClr r="0" g="0" b="0"/>
+        </a:lnRef>
+        <a:fillRef idx="1">
+          <a:scrgbClr r="0" g="0" b="0"/>
+        </a:fillRef>
+        <a:effectRef idx="0">
+          <a:scrgbClr r="0" g="0" b="0"/>
+        </a:effectRef>
+        <a:fontRef idx="minor">
+          <a:schemeClr val="lt1"/>
+        </a:fontRef>
+      </dsp:style>
+      <dsp:txBody>
+        <a:bodyPr spcFirstLastPara="0" vert="horz" wrap="square" lIns="60960" tIns="60960" rIns="60960" bIns="60960" numCol="1" spcCol="1270" anchor="ctr" anchorCtr="0">
+          <a:noAutofit/>
+        </a:bodyPr>
+        <a:lstStyle/>
+        <a:p>
+          <a:pPr marL="0" lvl="0" indent="0" algn="ctr" defTabSz="711200">
+            <a:lnSpc>
+              <a:spcPct val="90000"/>
+            </a:lnSpc>
+            <a:spcBef>
+              <a:spcPct val="0"/>
+            </a:spcBef>
+            <a:spcAft>
+              <a:spcPct val="35000"/>
+            </a:spcAft>
+            <a:buNone/>
+          </a:pPr>
+          <a:r>
+            <a:rPr lang="en-US" sz="1600" b="1" kern="1200"/>
+            <a:t>No information</a:t>
+          </a:r>
+          <a:r>
+            <a:rPr lang="en-US" sz="1600" kern="1200"/>
+            <a:t> to plan waste collection</a:t>
+          </a:r>
+          <a:endParaRPr lang="en-US" sz="1600" kern="1200">
+            <a:solidFill>
+              <a:schemeClr val="tx1"/>
+            </a:solidFill>
+          </a:endParaRPr>
+        </a:p>
+      </dsp:txBody>
+      <dsp:txXfrm>
+        <a:off x="75331" y="1295113"/>
+        <a:ext cx="2523269" cy="2212804"/>
+      </dsp:txXfrm>
+    </dsp:sp>
+    <dsp:sp modelId="{B48CEBB2-ABEF-3441-AEA3-83AB1BDCA6CB}">
+      <dsp:nvSpPr>
+        <dsp:cNvPr id="0" name=""/>
+        <dsp:cNvSpPr/>
+      </dsp:nvSpPr>
+      <dsp:spPr>
+        <a:xfrm>
+          <a:off x="2841908" y="690563"/>
+          <a:ext cx="725722" cy="639390"/>
+        </a:xfrm>
+        <a:prstGeom prst="rightArrow">
+          <a:avLst>
+            <a:gd name="adj1" fmla="val 60000"/>
+            <a:gd name="adj2" fmla="val 50000"/>
+          </a:avLst>
+        </a:prstGeom>
+        <a:solidFill>
+          <a:schemeClr val="accent3"/>
+        </a:solidFill>
+        <a:ln>
+          <a:noFill/>
+        </a:ln>
+        <a:effectLst/>
+      </dsp:spPr>
+      <dsp:style>
+        <a:lnRef idx="0">
+          <a:scrgbClr r="0" g="0" b="0"/>
+        </a:lnRef>
+        <a:fillRef idx="1">
+          <a:scrgbClr r="0" g="0" b="0"/>
+        </a:fillRef>
+        <a:effectRef idx="0">
+          <a:scrgbClr r="0" g="0" b="0"/>
+        </a:effectRef>
+        <a:fontRef idx="minor">
+          <a:schemeClr val="lt1"/>
+        </a:fontRef>
+      </dsp:style>
+      <dsp:txBody>
+        <a:bodyPr spcFirstLastPara="0" vert="horz" wrap="square" lIns="0" tIns="0" rIns="0" bIns="0" numCol="1" spcCol="1270" anchor="ctr" anchorCtr="0">
+          <a:noAutofit/>
+        </a:bodyPr>
+        <a:lstStyle/>
+        <a:p>
+          <a:pPr marL="0" lvl="0" indent="0" algn="ctr" defTabSz="1200150">
+            <a:lnSpc>
+              <a:spcPct val="90000"/>
+            </a:lnSpc>
+            <a:spcBef>
+              <a:spcPct val="0"/>
+            </a:spcBef>
+            <a:spcAft>
+              <a:spcPct val="35000"/>
+            </a:spcAft>
+            <a:buNone/>
+          </a:pPr>
+          <a:endParaRPr lang="en-US" sz="2700" kern="1200">
+            <a:solidFill>
+              <a:schemeClr val="tx1"/>
+            </a:solidFill>
+          </a:endParaRPr>
+        </a:p>
+      </dsp:txBody>
+      <dsp:txXfrm>
+        <a:off x="2841908" y="818441"/>
+        <a:ext cx="533905" cy="383634"/>
+      </dsp:txXfrm>
+    </dsp:sp>
+    <dsp:sp modelId="{E284C749-1295-0C4F-B1FC-783A25129564}">
+      <dsp:nvSpPr>
+        <dsp:cNvPr id="0" name=""/>
+        <dsp:cNvSpPr/>
+      </dsp:nvSpPr>
+      <dsp:spPr>
+        <a:xfrm>
+          <a:off x="4189679" y="203064"/>
+          <a:ext cx="1618740" cy="1614388"/>
+        </a:xfrm>
+        <a:prstGeom prst="roundRect">
+          <a:avLst>
+            <a:gd name="adj" fmla="val 10000"/>
+          </a:avLst>
+        </a:prstGeom>
+        <a:blipFill>
+          <a:blip xmlns:r="http://schemas.openxmlformats.org/officeDocument/2006/relationships" r:embed="rId3">
+            <a:extLst>
+              <a:ext uri="{28A0092B-C50C-407E-A947-70E740481C1C}">
+                <a14:useLocalDpi xmlns:a14="http://schemas.microsoft.com/office/drawing/2010/main" val="0"/>
+              </a:ext>
+              <a:ext uri="{96DAC541-7B7A-43D3-8B79-37D633B846F1}">
+                <asvg:svgBlip xmlns:asvg="http://schemas.microsoft.com/office/drawing/2016/SVG/main" r:embed="rId4"/>
+              </a:ext>
+            </a:extLst>
+          </a:blip>
+          <a:stretch>
+            <a:fillRect/>
+          </a:stretch>
+        </a:blipFill>
+        <a:ln w="15875" cap="flat" cmpd="sng" algn="ctr">
+          <a:noFill/>
+          <a:prstDash val="solid"/>
+        </a:ln>
+        <a:effectLst/>
+      </dsp:spPr>
+      <dsp:style>
+        <a:lnRef idx="2">
+          <a:scrgbClr r="0" g="0" b="0"/>
+        </a:lnRef>
+        <a:fillRef idx="1">
+          <a:scrgbClr r="0" g="0" b="0"/>
+        </a:fillRef>
+        <a:effectRef idx="0">
+          <a:scrgbClr r="0" g="0" b="0"/>
+        </a:effectRef>
+        <a:fontRef idx="minor"/>
+      </dsp:style>
+    </dsp:sp>
+    <dsp:sp modelId="{81E0535B-114E-6F49-902E-9793A88FD7A2}">
+      <dsp:nvSpPr>
+        <dsp:cNvPr id="0" name=""/>
+        <dsp:cNvSpPr/>
+      </dsp:nvSpPr>
+      <dsp:spPr>
+        <a:xfrm>
+          <a:off x="3698721" y="1226269"/>
+          <a:ext cx="2660957" cy="2350492"/>
+        </a:xfrm>
+        <a:prstGeom prst="roundRect">
+          <a:avLst>
+            <a:gd name="adj" fmla="val 10000"/>
+          </a:avLst>
+        </a:prstGeom>
+        <a:noFill/>
+        <a:ln w="15875" cap="flat" cmpd="sng" algn="ctr">
+          <a:noFill/>
+          <a:prstDash val="solid"/>
+        </a:ln>
+        <a:effectLst/>
+      </dsp:spPr>
+      <dsp:style>
+        <a:lnRef idx="2">
+          <a:scrgbClr r="0" g="0" b="0"/>
+        </a:lnRef>
+        <a:fillRef idx="1">
+          <a:scrgbClr r="0" g="0" b="0"/>
+        </a:fillRef>
+        <a:effectRef idx="0">
+          <a:scrgbClr r="0" g="0" b="0"/>
+        </a:effectRef>
+        <a:fontRef idx="minor">
+          <a:schemeClr val="lt1"/>
+        </a:fontRef>
+      </dsp:style>
+      <dsp:txBody>
+        <a:bodyPr spcFirstLastPara="0" vert="horz" wrap="square" lIns="60960" tIns="60960" rIns="60960" bIns="60960" numCol="1" spcCol="1270" anchor="ctr" anchorCtr="0">
+          <a:noAutofit/>
+        </a:bodyPr>
+        <a:lstStyle/>
+        <a:p>
+          <a:pPr marL="0" lvl="0" indent="0" algn="ctr" defTabSz="711200">
+            <a:lnSpc>
+              <a:spcPct val="90000"/>
+            </a:lnSpc>
+            <a:spcBef>
+              <a:spcPct val="0"/>
+            </a:spcBef>
+            <a:spcAft>
+              <a:spcPct val="35000"/>
+            </a:spcAft>
+            <a:buNone/>
+          </a:pPr>
+          <a:r>
+            <a:rPr lang="en-US" sz="1600" b="1" kern="1200"/>
+            <a:t>Difficult to supervise</a:t>
+          </a:r>
+          <a:r>
+            <a:rPr lang="en-US" sz="1600" kern="1200"/>
+            <a:t> the whole process</a:t>
+          </a:r>
+          <a:endParaRPr lang="en-US" sz="1600" kern="1200">
+            <a:solidFill>
+              <a:schemeClr val="tx1"/>
+            </a:solidFill>
+          </a:endParaRPr>
+        </a:p>
+      </dsp:txBody>
+      <dsp:txXfrm>
+        <a:off x="3767565" y="1295113"/>
+        <a:ext cx="2523269" cy="2212804"/>
+      </dsp:txXfrm>
+    </dsp:sp>
+    <dsp:sp modelId="{F44E78FC-A2BF-B94F-9C95-C81B202ABE44}">
+      <dsp:nvSpPr>
+        <dsp:cNvPr id="0" name=""/>
+        <dsp:cNvSpPr/>
+      </dsp:nvSpPr>
+      <dsp:spPr>
+        <a:xfrm>
+          <a:off x="6601010" y="644847"/>
+          <a:ext cx="591986" cy="730823"/>
+        </a:xfrm>
+        <a:prstGeom prst="rightArrow">
+          <a:avLst>
+            <a:gd name="adj1" fmla="val 60000"/>
+            <a:gd name="adj2" fmla="val 50000"/>
+          </a:avLst>
+        </a:prstGeom>
+        <a:solidFill>
+          <a:schemeClr val="accent3">
+            <a:hueOff val="0"/>
+            <a:satOff val="0"/>
+            <a:lumOff val="0"/>
+            <a:alphaOff val="0"/>
+          </a:schemeClr>
+        </a:solidFill>
+        <a:ln>
+          <a:noFill/>
+        </a:ln>
+        <a:effectLst/>
+      </dsp:spPr>
+      <dsp:style>
+        <a:lnRef idx="0">
+          <a:scrgbClr r="0" g="0" b="0"/>
+        </a:lnRef>
+        <a:fillRef idx="1">
+          <a:scrgbClr r="0" g="0" b="0"/>
+        </a:fillRef>
+        <a:effectRef idx="0">
+          <a:scrgbClr r="0" g="0" b="0"/>
+        </a:effectRef>
+        <a:fontRef idx="minor">
+          <a:schemeClr val="lt1"/>
+        </a:fontRef>
+      </dsp:style>
+      <dsp:txBody>
+        <a:bodyPr spcFirstLastPara="0" vert="horz" wrap="square" lIns="0" tIns="0" rIns="0" bIns="0" numCol="1" spcCol="1270" anchor="ctr" anchorCtr="0">
+          <a:noAutofit/>
+        </a:bodyPr>
+        <a:lstStyle/>
+        <a:p>
+          <a:pPr marL="0" lvl="0" indent="0" algn="ctr" defTabSz="1377950">
+            <a:lnSpc>
+              <a:spcPct val="90000"/>
+            </a:lnSpc>
+            <a:spcBef>
+              <a:spcPct val="0"/>
+            </a:spcBef>
+            <a:spcAft>
+              <a:spcPct val="35000"/>
+            </a:spcAft>
+            <a:buNone/>
+          </a:pPr>
+          <a:endParaRPr lang="en-US" sz="3100" kern="1200">
+            <a:solidFill>
+              <a:schemeClr val="tx1"/>
+            </a:solidFill>
+          </a:endParaRPr>
+        </a:p>
+      </dsp:txBody>
+      <dsp:txXfrm>
+        <a:off x="6601010" y="791012"/>
+        <a:ext cx="414390" cy="438493"/>
+      </dsp:txXfrm>
+    </dsp:sp>
+    <dsp:sp modelId="{1CADC06F-09C6-D742-9130-63CA66649117}">
+      <dsp:nvSpPr>
+        <dsp:cNvPr id="0" name=""/>
+        <dsp:cNvSpPr/>
+      </dsp:nvSpPr>
+      <dsp:spPr>
+        <a:xfrm>
+          <a:off x="7881912" y="203064"/>
+          <a:ext cx="1618740" cy="1614388"/>
+        </a:xfrm>
+        <a:prstGeom prst="roundRect">
+          <a:avLst>
+            <a:gd name="adj" fmla="val 10000"/>
+          </a:avLst>
+        </a:prstGeom>
+        <a:blipFill>
+          <a:blip xmlns:r="http://schemas.openxmlformats.org/officeDocument/2006/relationships" r:embed="rId5">
+            <a:extLst>
+              <a:ext uri="{28A0092B-C50C-407E-A947-70E740481C1C}">
+                <a14:useLocalDpi xmlns:a14="http://schemas.microsoft.com/office/drawing/2010/main" val="0"/>
+              </a:ext>
+              <a:ext uri="{96DAC541-7B7A-43D3-8B79-37D633B846F1}">
+                <asvg:svgBlip xmlns:asvg="http://schemas.microsoft.com/office/drawing/2016/SVG/main" r:embed="rId6"/>
+              </a:ext>
+            </a:extLst>
+          </a:blip>
+          <a:stretch>
+            <a:fillRect/>
+          </a:stretch>
+        </a:blipFill>
+        <a:ln w="15875" cap="flat" cmpd="sng" algn="ctr">
+          <a:noFill/>
+          <a:prstDash val="solid"/>
+        </a:ln>
+        <a:effectLst/>
+      </dsp:spPr>
+      <dsp:style>
+        <a:lnRef idx="2">
+          <a:scrgbClr r="0" g="0" b="0"/>
+        </a:lnRef>
+        <a:fillRef idx="1">
+          <a:scrgbClr r="0" g="0" b="0"/>
+        </a:fillRef>
+        <a:effectRef idx="0">
+          <a:scrgbClr r="0" g="0" b="0"/>
+        </a:effectRef>
+        <a:fontRef idx="minor"/>
+      </dsp:style>
+    </dsp:sp>
+    <dsp:sp modelId="{6F26F383-AACD-1A41-8F77-717FC223BEE0}">
+      <dsp:nvSpPr>
+        <dsp:cNvPr id="0" name=""/>
+        <dsp:cNvSpPr/>
+      </dsp:nvSpPr>
+      <dsp:spPr>
+        <a:xfrm>
+          <a:off x="7390954" y="1226269"/>
+          <a:ext cx="2660957" cy="2350492"/>
+        </a:xfrm>
+        <a:prstGeom prst="roundRect">
+          <a:avLst>
+            <a:gd name="adj" fmla="val 10000"/>
+          </a:avLst>
+        </a:prstGeom>
+        <a:noFill/>
+        <a:ln w="15875" cap="flat" cmpd="sng" algn="ctr">
+          <a:noFill/>
+          <a:prstDash val="solid"/>
+        </a:ln>
+        <a:effectLst/>
+      </dsp:spPr>
+      <dsp:style>
+        <a:lnRef idx="2">
+          <a:scrgbClr r="0" g="0" b="0"/>
+        </a:lnRef>
+        <a:fillRef idx="1">
+          <a:scrgbClr r="0" g="0" b="0"/>
+        </a:fillRef>
+        <a:effectRef idx="0">
+          <a:scrgbClr r="0" g="0" b="0"/>
+        </a:effectRef>
+        <a:fontRef idx="minor">
+          <a:schemeClr val="lt1"/>
+        </a:fontRef>
+      </dsp:style>
+      <dsp:txBody>
+        <a:bodyPr spcFirstLastPara="0" vert="horz" wrap="square" lIns="60960" tIns="60960" rIns="60960" bIns="60960" numCol="1" spcCol="1270" anchor="ctr" anchorCtr="0">
+          <a:noAutofit/>
+        </a:bodyPr>
+        <a:lstStyle/>
+        <a:p>
+          <a:pPr marL="0" lvl="0" indent="0" algn="ctr" defTabSz="711200">
+            <a:lnSpc>
+              <a:spcPct val="90000"/>
+            </a:lnSpc>
+            <a:spcBef>
+              <a:spcPct val="0"/>
+            </a:spcBef>
+            <a:spcAft>
+              <a:spcPct val="35000"/>
+            </a:spcAft>
+            <a:buNone/>
+          </a:pPr>
+          <a:r>
+            <a:rPr lang="en-US" sz="1600" b="1" kern="1200"/>
+            <a:t>Increasing generation</a:t>
+          </a:r>
+          <a:r>
+            <a:rPr lang="en-US" sz="1600" kern="1200"/>
+            <a:t> of waste - </a:t>
+          </a:r>
+          <a:r>
+            <a:rPr lang="en-US" sz="1600" b="1" kern="1200"/>
+            <a:t>low recycling</a:t>
+          </a:r>
+          <a:r>
+            <a:rPr lang="en-US" sz="1600" kern="1200"/>
+            <a:t> rate</a:t>
+          </a:r>
+          <a:endParaRPr lang="en-US" sz="1600" kern="1200">
+            <a:solidFill>
+              <a:schemeClr val="tx1"/>
+            </a:solidFill>
+          </a:endParaRPr>
+        </a:p>
+      </dsp:txBody>
+      <dsp:txXfrm>
+        <a:off x="7459798" y="1295113"/>
+        <a:ext cx="2523269" cy="2212804"/>
+      </dsp:txXfrm>
+    </dsp:sp>
+  </dsp:spTree>
+</dsp:drawing>
+</file>
+
+<file path=ppt/diagrams/drawing2.xml><?xml version="1.0" encoding="utf-8"?>
+<dsp:drawing xmlns:dgm="http://schemas.openxmlformats.org/drawingml/2006/diagram" xmlns:dsp="http://schemas.microsoft.com/office/drawing/2008/diagram" xmlns:a="http://schemas.openxmlformats.org/drawingml/2006/main">
+  <dsp:spTree>
+    <dsp:nvGrpSpPr>
+      <dsp:cNvPr id="0" name=""/>
+      <dsp:cNvGrpSpPr/>
+    </dsp:nvGrpSpPr>
+    <dsp:grpSpPr/>
+    <dsp:sp modelId="{F217DEC4-0687-9546-AFDA-7F63E3E4E63D}">
+      <dsp:nvSpPr>
+        <dsp:cNvPr id="0" name=""/>
+        <dsp:cNvSpPr/>
+      </dsp:nvSpPr>
+      <dsp:spPr>
+        <a:xfrm>
+          <a:off x="356386" y="502952"/>
+          <a:ext cx="1174229" cy="1325753"/>
+        </a:xfrm>
+        <a:prstGeom prst="roundRect">
+          <a:avLst>
+            <a:gd name="adj" fmla="val 10000"/>
+          </a:avLst>
+        </a:prstGeom>
+        <a:blipFill>
+          <a:blip xmlns:r="http://schemas.openxmlformats.org/officeDocument/2006/relationships" r:embed="rId1">
+            <a:extLst>
+              <a:ext uri="{96DAC541-7B7A-43D3-8B79-37D633B846F1}">
+                <asvg:svgBlip xmlns:asvg="http://schemas.microsoft.com/office/drawing/2016/SVG/main" r:embed="rId2"/>
+              </a:ext>
+            </a:extLst>
+          </a:blip>
+          <a:srcRect/>
+          <a:stretch>
+            <a:fillRect/>
+          </a:stretch>
+        </a:blipFill>
+        <a:ln w="15875" cap="flat" cmpd="sng" algn="ctr">
+          <a:noFill/>
+          <a:prstDash val="solid"/>
+        </a:ln>
+        <a:effectLst/>
+      </dsp:spPr>
+      <dsp:style>
+        <a:lnRef idx="2">
+          <a:scrgbClr r="0" g="0" b="0"/>
+        </a:lnRef>
+        <a:fillRef idx="1">
+          <a:scrgbClr r="0" g="0" b="0"/>
+        </a:fillRef>
+        <a:effectRef idx="0">
+          <a:scrgbClr r="0" g="0" b="0"/>
+        </a:effectRef>
+        <a:fontRef idx="minor"/>
+      </dsp:style>
+    </dsp:sp>
+    <dsp:sp modelId="{F7010F18-F6C1-6244-999C-6F4826BFEE21}">
+      <dsp:nvSpPr>
+        <dsp:cNvPr id="0" name=""/>
+        <dsp:cNvSpPr/>
+      </dsp:nvSpPr>
+      <dsp:spPr>
+        <a:xfrm>
+          <a:off x="246" y="1343219"/>
+          <a:ext cx="1930250" cy="1930250"/>
+        </a:xfrm>
+        <a:prstGeom prst="roundRect">
+          <a:avLst>
+            <a:gd name="adj" fmla="val 10000"/>
+          </a:avLst>
+        </a:prstGeom>
+        <a:noFill/>
+        <a:ln w="15875" cap="flat" cmpd="sng" algn="ctr">
+          <a:noFill/>
+          <a:prstDash val="solid"/>
+        </a:ln>
+        <a:effectLst/>
+      </dsp:spPr>
+      <dsp:style>
+        <a:lnRef idx="2">
+          <a:scrgbClr r="0" g="0" b="0"/>
+        </a:lnRef>
+        <a:fillRef idx="1">
+          <a:scrgbClr r="0" g="0" b="0"/>
+        </a:fillRef>
+        <a:effectRef idx="0">
+          <a:scrgbClr r="0" g="0" b="0"/>
+        </a:effectRef>
+        <a:fontRef idx="minor">
+          <a:schemeClr val="lt1"/>
+        </a:fontRef>
+      </dsp:style>
+      <dsp:txBody>
+        <a:bodyPr spcFirstLastPara="0" vert="horz" wrap="square" lIns="60960" tIns="60960" rIns="60960" bIns="60960" numCol="1" spcCol="1270" anchor="ctr" anchorCtr="0">
+          <a:noAutofit/>
+        </a:bodyPr>
+        <a:lstStyle/>
+        <a:p>
+          <a:pPr marL="0" lvl="0" indent="0" algn="ctr" defTabSz="711200">
+            <a:lnSpc>
+              <a:spcPct val="90000"/>
+            </a:lnSpc>
+            <a:spcBef>
+              <a:spcPct val="0"/>
+            </a:spcBef>
+            <a:spcAft>
+              <a:spcPct val="35000"/>
+            </a:spcAft>
+            <a:buNone/>
+          </a:pPr>
+          <a:r>
+            <a:rPr lang="en-US" sz="1600" b="1" kern="1200"/>
+            <a:t>Location/fullness</a:t>
+          </a:r>
+          <a:r>
+            <a:rPr lang="en-US" sz="1600" kern="1200"/>
+            <a:t> of bins are known in real-time</a:t>
+          </a:r>
+          <a:endParaRPr lang="en-US" sz="1600" kern="1200">
+            <a:solidFill>
+              <a:schemeClr val="tx1"/>
+            </a:solidFill>
+          </a:endParaRPr>
+        </a:p>
+      </dsp:txBody>
+      <dsp:txXfrm>
+        <a:off x="56781" y="1399754"/>
+        <a:ext cx="1817180" cy="1817180"/>
+      </dsp:txXfrm>
+    </dsp:sp>
+    <dsp:sp modelId="{B48CEBB2-ABEF-3441-AEA3-83AB1BDCA6CB}">
+      <dsp:nvSpPr>
+        <dsp:cNvPr id="0" name=""/>
+        <dsp:cNvSpPr/>
+      </dsp:nvSpPr>
+      <dsp:spPr>
+        <a:xfrm rot="21534013">
+          <a:off x="1929427" y="911167"/>
+          <a:ext cx="398922" cy="463812"/>
+        </a:xfrm>
+        <a:prstGeom prst="rightArrow">
+          <a:avLst>
+            <a:gd name="adj1" fmla="val 60000"/>
+            <a:gd name="adj2" fmla="val 50000"/>
+          </a:avLst>
+        </a:prstGeom>
+        <a:solidFill>
+          <a:schemeClr val="accent3"/>
+        </a:solidFill>
+        <a:ln>
+          <a:noFill/>
+        </a:ln>
+        <a:effectLst/>
+      </dsp:spPr>
+      <dsp:style>
+        <a:lnRef idx="0">
+          <a:scrgbClr r="0" g="0" b="0"/>
+        </a:lnRef>
+        <a:fillRef idx="1">
+          <a:scrgbClr r="0" g="0" b="0"/>
+        </a:fillRef>
+        <a:effectRef idx="0">
+          <a:scrgbClr r="0" g="0" b="0"/>
+        </a:effectRef>
+        <a:fontRef idx="minor">
+          <a:schemeClr val="lt1"/>
+        </a:fontRef>
+      </dsp:style>
+      <dsp:txBody>
+        <a:bodyPr spcFirstLastPara="0" vert="horz" wrap="square" lIns="0" tIns="0" rIns="0" bIns="0" numCol="1" spcCol="1270" anchor="ctr" anchorCtr="0">
+          <a:noAutofit/>
+        </a:bodyPr>
+        <a:lstStyle/>
+        <a:p>
+          <a:pPr marL="0" lvl="0" indent="0" algn="ctr" defTabSz="844550">
+            <a:lnSpc>
+              <a:spcPct val="90000"/>
+            </a:lnSpc>
+            <a:spcBef>
+              <a:spcPct val="0"/>
+            </a:spcBef>
+            <a:spcAft>
+              <a:spcPct val="35000"/>
+            </a:spcAft>
+            <a:buNone/>
+          </a:pPr>
+          <a:endParaRPr lang="en-US" sz="1900" kern="1200">
+            <a:solidFill>
+              <a:schemeClr val="tx1"/>
+            </a:solidFill>
+          </a:endParaRPr>
+        </a:p>
+      </dsp:txBody>
+      <dsp:txXfrm>
+        <a:off x="1929438" y="1005078"/>
+        <a:ext cx="279245" cy="278288"/>
+      </dsp:txXfrm>
+    </dsp:sp>
+    <dsp:sp modelId="{2DD09B50-5FF0-4BE1-83AA-7308E210FA97}">
+      <dsp:nvSpPr>
+        <dsp:cNvPr id="0" name=""/>
+        <dsp:cNvSpPr/>
+      </dsp:nvSpPr>
+      <dsp:spPr>
+        <a:xfrm>
+          <a:off x="2670184" y="485556"/>
+          <a:ext cx="1487103" cy="1265703"/>
+        </a:xfrm>
+        <a:prstGeom prst="roundRect">
+          <a:avLst>
+            <a:gd name="adj" fmla="val 10000"/>
+          </a:avLst>
+        </a:prstGeom>
+        <a:blipFill>
+          <a:blip xmlns:r="http://schemas.openxmlformats.org/officeDocument/2006/relationships" r:embed="rId3">
+            <a:extLst>
+              <a:ext uri="{28A0092B-C50C-407E-A947-70E740481C1C}">
+                <a14:useLocalDpi xmlns:a14="http://schemas.microsoft.com/office/drawing/2010/main" val="0"/>
+              </a:ext>
+              <a:ext uri="{96DAC541-7B7A-43D3-8B79-37D633B846F1}">
+                <asvg:svgBlip xmlns:asvg="http://schemas.microsoft.com/office/drawing/2016/SVG/main" r:embed="rId4"/>
+              </a:ext>
+            </a:extLst>
+          </a:blip>
+          <a:stretch>
+            <a:fillRect/>
+          </a:stretch>
+        </a:blipFill>
+        <a:ln w="15875" cap="flat" cmpd="sng" algn="ctr">
+          <a:solidFill>
+            <a:schemeClr val="lt1">
+              <a:hueOff val="0"/>
+              <a:satOff val="0"/>
+              <a:lumOff val="0"/>
+              <a:alphaOff val="0"/>
+            </a:schemeClr>
+          </a:solidFill>
+          <a:prstDash val="solid"/>
+        </a:ln>
+        <a:effectLst/>
+      </dsp:spPr>
+      <dsp:style>
+        <a:lnRef idx="2">
+          <a:scrgbClr r="0" g="0" b="0"/>
+        </a:lnRef>
+        <a:fillRef idx="1">
+          <a:scrgbClr r="0" g="0" b="0"/>
+        </a:fillRef>
+        <a:effectRef idx="0">
+          <a:scrgbClr r="0" g="0" b="0"/>
+        </a:effectRef>
+        <a:fontRef idx="minor"/>
+      </dsp:style>
+    </dsp:sp>
+    <dsp:sp modelId="{57149E6E-7422-4B8E-8E8C-2C063206B7B6}">
+      <dsp:nvSpPr>
+        <dsp:cNvPr id="0" name=""/>
+        <dsp:cNvSpPr/>
+      </dsp:nvSpPr>
+      <dsp:spPr>
+        <a:xfrm>
+          <a:off x="2553116" y="1370151"/>
+          <a:ext cx="1930250" cy="1930250"/>
+        </a:xfrm>
+        <a:prstGeom prst="roundRect">
+          <a:avLst>
+            <a:gd name="adj" fmla="val 10000"/>
+          </a:avLst>
+        </a:prstGeom>
+        <a:noFill/>
+        <a:ln w="15875" cap="flat" cmpd="sng" algn="ctr">
+          <a:noFill/>
+          <a:prstDash val="solid"/>
+        </a:ln>
+        <a:effectLst/>
+      </dsp:spPr>
+      <dsp:style>
+        <a:lnRef idx="2">
+          <a:scrgbClr r="0" g="0" b="0"/>
+        </a:lnRef>
+        <a:fillRef idx="1">
+          <a:scrgbClr r="0" g="0" b="0"/>
+        </a:fillRef>
+        <a:effectRef idx="0">
+          <a:scrgbClr r="0" g="0" b="0"/>
+        </a:effectRef>
+        <a:fontRef idx="minor">
+          <a:schemeClr val="lt1"/>
+        </a:fontRef>
+      </dsp:style>
+      <dsp:txBody>
+        <a:bodyPr spcFirstLastPara="0" vert="horz" wrap="square" lIns="60960" tIns="60960" rIns="60960" bIns="60960" numCol="1" spcCol="1270" anchor="ctr" anchorCtr="0">
+          <a:noAutofit/>
+        </a:bodyPr>
+        <a:lstStyle/>
+        <a:p>
+          <a:pPr marL="0" lvl="0" indent="0" algn="ctr" defTabSz="711200">
+            <a:lnSpc>
+              <a:spcPct val="90000"/>
+            </a:lnSpc>
+            <a:spcBef>
+              <a:spcPct val="0"/>
+            </a:spcBef>
+            <a:spcAft>
+              <a:spcPct val="35000"/>
+            </a:spcAft>
+            <a:buNone/>
+          </a:pPr>
+          <a:r>
+            <a:rPr lang="en-US" sz="1600" b="1" kern="1200" dirty="0">
+              <a:solidFill>
+                <a:schemeClr val="tx1"/>
+              </a:solidFill>
+            </a:rPr>
+            <a:t>Optimal </a:t>
+          </a:r>
+          <a:r>
+            <a:rPr lang="en-US" sz="1600" b="0" kern="1200" dirty="0">
+              <a:solidFill>
+                <a:schemeClr val="tx1"/>
+              </a:solidFill>
+            </a:rPr>
+            <a:t>path for truck</a:t>
+          </a:r>
+          <a:endParaRPr lang="en-US" sz="1600" b="1" kern="1200" dirty="0">
+            <a:solidFill>
+              <a:schemeClr val="tx1"/>
+            </a:solidFill>
+          </a:endParaRPr>
+        </a:p>
+      </dsp:txBody>
+      <dsp:txXfrm>
+        <a:off x="2609651" y="1426686"/>
+        <a:ext cx="1817180" cy="1817180"/>
+      </dsp:txXfrm>
+    </dsp:sp>
+    <dsp:sp modelId="{8E22A0BC-7370-4FC4-8E7D-EC47659689C5}">
+      <dsp:nvSpPr>
+        <dsp:cNvPr id="0" name=""/>
+        <dsp:cNvSpPr/>
+      </dsp:nvSpPr>
+      <dsp:spPr>
+        <a:xfrm rot="54718">
+          <a:off x="4734198" y="912114"/>
+          <a:ext cx="577020" cy="463812"/>
+        </a:xfrm>
+        <a:prstGeom prst="rightArrow">
+          <a:avLst>
+            <a:gd name="adj1" fmla="val 60000"/>
+            <a:gd name="adj2" fmla="val 50000"/>
+          </a:avLst>
+        </a:prstGeom>
+        <a:solidFill>
+          <a:schemeClr val="accent3">
+            <a:hueOff val="0"/>
+            <a:satOff val="0"/>
+            <a:lumOff val="0"/>
+            <a:alphaOff val="0"/>
+          </a:schemeClr>
+        </a:solidFill>
+        <a:ln>
+          <a:noFill/>
+        </a:ln>
+        <a:effectLst/>
+      </dsp:spPr>
+      <dsp:style>
+        <a:lnRef idx="0">
+          <a:scrgbClr r="0" g="0" b="0"/>
+        </a:lnRef>
+        <a:fillRef idx="1">
+          <a:scrgbClr r="0" g="0" b="0"/>
+        </a:fillRef>
+        <a:effectRef idx="0">
+          <a:scrgbClr r="0" g="0" b="0"/>
+        </a:effectRef>
+        <a:fontRef idx="minor">
+          <a:schemeClr val="lt1"/>
+        </a:fontRef>
+      </dsp:style>
+      <dsp:txBody>
+        <a:bodyPr spcFirstLastPara="0" vert="horz" wrap="square" lIns="0" tIns="0" rIns="0" bIns="0" numCol="1" spcCol="1270" anchor="ctr" anchorCtr="0">
+          <a:noAutofit/>
+        </a:bodyPr>
+        <a:lstStyle/>
+        <a:p>
+          <a:pPr marL="0" lvl="0" indent="0" algn="ctr" defTabSz="844550">
+            <a:lnSpc>
+              <a:spcPct val="90000"/>
+            </a:lnSpc>
+            <a:spcBef>
+              <a:spcPct val="0"/>
+            </a:spcBef>
+            <a:spcAft>
+              <a:spcPct val="35000"/>
+            </a:spcAft>
+            <a:buNone/>
+          </a:pPr>
+          <a:endParaRPr lang="en-US" sz="1900" kern="1200"/>
+        </a:p>
+      </dsp:txBody>
+      <dsp:txXfrm>
+        <a:off x="4734207" y="1003769"/>
+        <a:ext cx="437876" cy="278288"/>
+      </dsp:txXfrm>
+    </dsp:sp>
+    <dsp:sp modelId="{E284C749-1295-0C4F-B1FC-783A25129564}">
+      <dsp:nvSpPr>
+        <dsp:cNvPr id="0" name=""/>
+        <dsp:cNvSpPr/>
+      </dsp:nvSpPr>
+      <dsp:spPr>
+        <a:xfrm>
+          <a:off x="5805708" y="502952"/>
+          <a:ext cx="1174229" cy="1325753"/>
+        </a:xfrm>
+        <a:prstGeom prst="roundRect">
+          <a:avLst>
+            <a:gd name="adj" fmla="val 10000"/>
+          </a:avLst>
+        </a:prstGeom>
+        <a:blipFill>
+          <a:blip xmlns:r="http://schemas.openxmlformats.org/officeDocument/2006/relationships" r:embed="rId5">
+            <a:extLst>
+              <a:ext uri="{28A0092B-C50C-407E-A947-70E740481C1C}">
+                <a14:useLocalDpi xmlns:a14="http://schemas.microsoft.com/office/drawing/2010/main" val="0"/>
+              </a:ext>
+              <a:ext uri="{96DAC541-7B7A-43D3-8B79-37D633B846F1}">
+                <asvg:svgBlip xmlns:asvg="http://schemas.microsoft.com/office/drawing/2016/SVG/main" r:embed="rId6"/>
+              </a:ext>
+            </a:extLst>
+          </a:blip>
+          <a:stretch>
+            <a:fillRect/>
+          </a:stretch>
+        </a:blipFill>
+        <a:ln w="15875" cap="flat" cmpd="sng" algn="ctr">
+          <a:noFill/>
+          <a:prstDash val="solid"/>
+        </a:ln>
+        <a:effectLst/>
+      </dsp:spPr>
+      <dsp:style>
+        <a:lnRef idx="2">
+          <a:scrgbClr r="0" g="0" b="0"/>
+        </a:lnRef>
+        <a:fillRef idx="1">
+          <a:scrgbClr r="0" g="0" b="0"/>
+        </a:fillRef>
+        <a:effectRef idx="0">
+          <a:scrgbClr r="0" g="0" b="0"/>
+        </a:effectRef>
+        <a:fontRef idx="minor"/>
+      </dsp:style>
+    </dsp:sp>
+    <dsp:sp modelId="{81E0535B-114E-6F49-902E-9793A88FD7A2}">
+      <dsp:nvSpPr>
+        <dsp:cNvPr id="0" name=""/>
+        <dsp:cNvSpPr/>
+      </dsp:nvSpPr>
+      <dsp:spPr>
+        <a:xfrm>
+          <a:off x="5449568" y="1343219"/>
+          <a:ext cx="1930250" cy="1930250"/>
+        </a:xfrm>
+        <a:prstGeom prst="roundRect">
+          <a:avLst>
+            <a:gd name="adj" fmla="val 10000"/>
+          </a:avLst>
+        </a:prstGeom>
+        <a:noFill/>
+        <a:ln w="15875" cap="flat" cmpd="sng" algn="ctr">
+          <a:noFill/>
+          <a:prstDash val="solid"/>
+        </a:ln>
+        <a:effectLst/>
+      </dsp:spPr>
+      <dsp:style>
+        <a:lnRef idx="2">
+          <a:scrgbClr r="0" g="0" b="0"/>
+        </a:lnRef>
+        <a:fillRef idx="1">
+          <a:scrgbClr r="0" g="0" b="0"/>
+        </a:fillRef>
+        <a:effectRef idx="0">
+          <a:scrgbClr r="0" g="0" b="0"/>
+        </a:effectRef>
+        <a:fontRef idx="minor">
+          <a:schemeClr val="lt1"/>
+        </a:fontRef>
+      </dsp:style>
+      <dsp:txBody>
+        <a:bodyPr spcFirstLastPara="0" vert="horz" wrap="square" lIns="60960" tIns="60960" rIns="60960" bIns="60960" numCol="1" spcCol="1270" anchor="ctr" anchorCtr="0">
+          <a:noAutofit/>
+        </a:bodyPr>
+        <a:lstStyle/>
+        <a:p>
+          <a:pPr marL="0" lvl="0" indent="0" algn="ctr" defTabSz="711200">
+            <a:lnSpc>
+              <a:spcPct val="90000"/>
+            </a:lnSpc>
+            <a:spcBef>
+              <a:spcPct val="0"/>
+            </a:spcBef>
+            <a:spcAft>
+              <a:spcPct val="35000"/>
+            </a:spcAft>
+            <a:buNone/>
+          </a:pPr>
+          <a:r>
+            <a:rPr lang="en-US" sz="1600" b="1" kern="1200"/>
+            <a:t>Statistics</a:t>
+          </a:r>
+          <a:r>
+            <a:rPr lang="en-US" sz="1600" kern="1200"/>
+            <a:t> can be easily examined for decisions</a:t>
+          </a:r>
+          <a:endParaRPr lang="en-US" sz="1600" kern="1200">
+            <a:solidFill>
+              <a:schemeClr val="tx1"/>
+            </a:solidFill>
+          </a:endParaRPr>
+        </a:p>
+      </dsp:txBody>
+      <dsp:txXfrm>
+        <a:off x="5506103" y="1399754"/>
+        <a:ext cx="1817180" cy="1817180"/>
+      </dsp:txXfrm>
+    </dsp:sp>
+    <dsp:sp modelId="{F44E78FC-A2BF-B94F-9C95-C81B202ABE44}">
+      <dsp:nvSpPr>
+        <dsp:cNvPr id="0" name=""/>
+        <dsp:cNvSpPr/>
+      </dsp:nvSpPr>
+      <dsp:spPr>
+        <a:xfrm>
+          <a:off x="7554880" y="900761"/>
+          <a:ext cx="429425" cy="530137"/>
+        </a:xfrm>
+        <a:prstGeom prst="rightArrow">
+          <a:avLst>
+            <a:gd name="adj1" fmla="val 60000"/>
+            <a:gd name="adj2" fmla="val 50000"/>
+          </a:avLst>
+        </a:prstGeom>
+        <a:solidFill>
+          <a:schemeClr val="accent4">
+            <a:hueOff val="0"/>
+            <a:satOff val="0"/>
+            <a:lumOff val="0"/>
+            <a:alphaOff val="0"/>
+          </a:schemeClr>
+        </a:solidFill>
+        <a:ln>
+          <a:noFill/>
+        </a:ln>
+        <a:effectLst/>
+      </dsp:spPr>
+      <dsp:style>
+        <a:lnRef idx="0">
+          <a:scrgbClr r="0" g="0" b="0"/>
+        </a:lnRef>
+        <a:fillRef idx="1">
+          <a:scrgbClr r="0" g="0" b="0"/>
+        </a:fillRef>
+        <a:effectRef idx="0">
+          <a:scrgbClr r="0" g="0" b="0"/>
+        </a:effectRef>
+        <a:fontRef idx="minor">
+          <a:schemeClr val="lt1"/>
+        </a:fontRef>
+      </dsp:style>
+      <dsp:txBody>
+        <a:bodyPr spcFirstLastPara="0" vert="horz" wrap="square" lIns="0" tIns="0" rIns="0" bIns="0" numCol="1" spcCol="1270" anchor="ctr" anchorCtr="0">
+          <a:noAutofit/>
+        </a:bodyPr>
+        <a:lstStyle/>
+        <a:p>
+          <a:pPr marL="0" lvl="0" indent="0" algn="ctr" defTabSz="977900">
+            <a:lnSpc>
+              <a:spcPct val="90000"/>
+            </a:lnSpc>
+            <a:spcBef>
+              <a:spcPct val="0"/>
+            </a:spcBef>
+            <a:spcAft>
+              <a:spcPct val="35000"/>
+            </a:spcAft>
+            <a:buNone/>
+          </a:pPr>
+          <a:endParaRPr lang="en-US" sz="2200" kern="1200">
+            <a:solidFill>
+              <a:schemeClr val="tx1"/>
+            </a:solidFill>
+          </a:endParaRPr>
+        </a:p>
+      </dsp:txBody>
+      <dsp:txXfrm>
+        <a:off x="7554880" y="1006788"/>
+        <a:ext cx="300598" cy="318083"/>
+      </dsp:txXfrm>
+    </dsp:sp>
+    <dsp:sp modelId="{1CADC06F-09C6-D742-9130-63CA66649117}">
+      <dsp:nvSpPr>
+        <dsp:cNvPr id="0" name=""/>
+        <dsp:cNvSpPr/>
+      </dsp:nvSpPr>
+      <dsp:spPr>
+        <a:xfrm>
+          <a:off x="8484042" y="502952"/>
+          <a:ext cx="1174229" cy="1325753"/>
+        </a:xfrm>
+        <a:prstGeom prst="roundRect">
+          <a:avLst>
+            <a:gd name="adj" fmla="val 10000"/>
+          </a:avLst>
+        </a:prstGeom>
+        <a:blipFill rotWithShape="1">
+          <a:blip xmlns:r="http://schemas.openxmlformats.org/officeDocument/2006/relationships" r:embed="rId7">
+            <a:extLst>
+              <a:ext uri="{28A0092B-C50C-407E-A947-70E740481C1C}">
+                <a14:useLocalDpi xmlns:a14="http://schemas.microsoft.com/office/drawing/2010/main" val="0"/>
+              </a:ext>
+              <a:ext uri="{96DAC541-7B7A-43D3-8B79-37D633B846F1}">
+                <asvg:svgBlip xmlns:asvg="http://schemas.microsoft.com/office/drawing/2016/SVG/main" r:embed="rId8"/>
+              </a:ext>
+            </a:extLst>
+          </a:blip>
+          <a:srcRect/>
+          <a:stretch>
+            <a:fillRect/>
+          </a:stretch>
+        </a:blipFill>
+        <a:ln w="15875" cap="flat" cmpd="sng" algn="ctr">
+          <a:noFill/>
+          <a:prstDash val="solid"/>
+        </a:ln>
+        <a:effectLst/>
+      </dsp:spPr>
+      <dsp:style>
+        <a:lnRef idx="2">
+          <a:scrgbClr r="0" g="0" b="0"/>
+        </a:lnRef>
+        <a:fillRef idx="1">
+          <a:scrgbClr r="0" g="0" b="0"/>
+        </a:fillRef>
+        <a:effectRef idx="0">
+          <a:scrgbClr r="0" g="0" b="0"/>
+        </a:effectRef>
+        <a:fontRef idx="minor"/>
+      </dsp:style>
+    </dsp:sp>
+    <dsp:sp modelId="{6F26F383-AACD-1A41-8F77-717FC223BEE0}">
+      <dsp:nvSpPr>
+        <dsp:cNvPr id="0" name=""/>
+        <dsp:cNvSpPr/>
+      </dsp:nvSpPr>
+      <dsp:spPr>
+        <a:xfrm>
+          <a:off x="8127903" y="1343219"/>
+          <a:ext cx="1930250" cy="1930250"/>
+        </a:xfrm>
+        <a:prstGeom prst="roundRect">
+          <a:avLst>
+            <a:gd name="adj" fmla="val 10000"/>
+          </a:avLst>
+        </a:prstGeom>
+        <a:noFill/>
+        <a:ln w="15875" cap="flat" cmpd="sng" algn="ctr">
+          <a:noFill/>
+          <a:prstDash val="solid"/>
+        </a:ln>
+        <a:effectLst/>
+      </dsp:spPr>
+      <dsp:style>
+        <a:lnRef idx="2">
+          <a:scrgbClr r="0" g="0" b="0"/>
+        </a:lnRef>
+        <a:fillRef idx="1">
+          <a:scrgbClr r="0" g="0" b="0"/>
+        </a:fillRef>
+        <a:effectRef idx="0">
+          <a:scrgbClr r="0" g="0" b="0"/>
+        </a:effectRef>
+        <a:fontRef idx="minor">
+          <a:schemeClr val="lt1"/>
+        </a:fontRef>
+      </dsp:style>
+      <dsp:txBody>
+        <a:bodyPr spcFirstLastPara="0" vert="horz" wrap="square" lIns="60960" tIns="60960" rIns="60960" bIns="60960" numCol="1" spcCol="1270" anchor="ctr" anchorCtr="0">
+          <a:noAutofit/>
+        </a:bodyPr>
+        <a:lstStyle/>
+        <a:p>
+          <a:pPr marL="0" lvl="0" indent="0" algn="ctr" defTabSz="711200">
+            <a:lnSpc>
+              <a:spcPct val="90000"/>
+            </a:lnSpc>
+            <a:spcBef>
+              <a:spcPct val="0"/>
+            </a:spcBef>
+            <a:spcAft>
+              <a:spcPct val="35000"/>
+            </a:spcAft>
+            <a:buNone/>
+          </a:pPr>
+          <a:r>
+            <a:rPr lang="en-US" sz="1600" b="1" kern="1200"/>
+            <a:t>Citizens</a:t>
+          </a:r>
+          <a:r>
+            <a:rPr lang="en-US" sz="1600" kern="1200"/>
+            <a:t> are motivated to actively involve</a:t>
+          </a:r>
+          <a:endParaRPr lang="en-US" sz="1600" kern="1200">
+            <a:solidFill>
+              <a:schemeClr val="tx1"/>
+            </a:solidFill>
+          </a:endParaRPr>
+        </a:p>
+      </dsp:txBody>
+      <dsp:txXfrm>
+        <a:off x="8184438" y="1399754"/>
+        <a:ext cx="1817180" cy="1817180"/>
+      </dsp:txXfrm>
+    </dsp:sp>
+  </dsp:spTree>
+</dsp:drawing>
+</file>
+
+<file path=ppt/diagrams/drawing3.xml><?xml version="1.0" encoding="utf-8"?>
+<dsp:drawing xmlns:dgm="http://schemas.openxmlformats.org/drawingml/2006/diagram" xmlns:dsp="http://schemas.microsoft.com/office/drawing/2008/diagram" xmlns:a="http://schemas.openxmlformats.org/drawingml/2006/main">
+  <dsp:spTree>
+    <dsp:nvGrpSpPr>
+      <dsp:cNvPr id="0" name=""/>
+      <dsp:cNvGrpSpPr/>
+    </dsp:nvGrpSpPr>
+    <dsp:grpSpPr/>
+    <dsp:sp modelId="{F217DEC4-0687-9546-AFDA-7F63E3E4E63D}">
+      <dsp:nvSpPr>
+        <dsp:cNvPr id="0" name=""/>
+        <dsp:cNvSpPr/>
+      </dsp:nvSpPr>
+      <dsp:spPr>
+        <a:xfrm>
+          <a:off x="497445" y="203064"/>
+          <a:ext cx="1618740" cy="1614388"/>
+        </a:xfrm>
+        <a:prstGeom prst="roundRect">
+          <a:avLst>
+            <a:gd name="adj" fmla="val 10000"/>
+          </a:avLst>
+        </a:prstGeom>
         <a:blipFill>
           <a:blip xmlns:r="http://schemas.openxmlformats.org/officeDocument/2006/relationships" r:embed="rId1">
             <a:extLst>
@@ -10005,7 +13990,7 @@
 </dsp:drawing>
 </file>
 
-<file path=ppt/diagrams/drawing2.xml><?xml version="1.0" encoding="utf-8"?>
+<file path=ppt/diagrams/drawing4.xml><?xml version="1.0" encoding="utf-8"?>
 <dsp:drawing xmlns:dgm="http://schemas.openxmlformats.org/drawingml/2006/diagram" xmlns:dsp="http://schemas.microsoft.com/office/drawing/2008/diagram" xmlns:a="http://schemas.openxmlformats.org/drawingml/2006/main">
   <dsp:spTree>
     <dsp:nvGrpSpPr>
@@ -10533,7 +14518,7 @@
 </dsp:drawing>
 </file>
 
-<file path=ppt/diagrams/drawing3.xml><?xml version="1.0" encoding="utf-8"?>
+<file path=ppt/diagrams/drawing5.xml><?xml version="1.0" encoding="utf-8"?>
 <dsp:drawing xmlns:dgm="http://schemas.openxmlformats.org/drawingml/2006/diagram" xmlns:dsp="http://schemas.microsoft.com/office/drawing/2008/diagram" xmlns:a="http://schemas.openxmlformats.org/drawingml/2006/main">
   <dsp:spTree>
     <dsp:nvGrpSpPr>
@@ -11040,7 +15025,7 @@
 </dsp:drawing>
 </file>
 
-<file path=ppt/diagrams/drawing4.xml><?xml version="1.0" encoding="utf-8"?>
+<file path=ppt/diagrams/drawing6.xml><?xml version="1.0" encoding="utf-8"?>
 <dsp:drawing xmlns:dgm="http://schemas.openxmlformats.org/drawingml/2006/diagram" xmlns:dsp="http://schemas.microsoft.com/office/drawing/2008/diagram" xmlns:a="http://schemas.openxmlformats.org/drawingml/2006/main">
   <dsp:spTree>
     <dsp:nvGrpSpPr>
@@ -11547,7 +15532,7 @@
 </dsp:drawing>
 </file>
 
-<file path=ppt/diagrams/drawing5.xml><?xml version="1.0" encoding="utf-8"?>
+<file path=ppt/diagrams/drawing7.xml><?xml version="1.0" encoding="utf-8"?>
 <dsp:drawing xmlns:dgm="http://schemas.openxmlformats.org/drawingml/2006/diagram" xmlns:dsp="http://schemas.microsoft.com/office/drawing/2008/diagram" xmlns:a="http://schemas.openxmlformats.org/drawingml/2006/main">
   <dsp:spTree>
     <dsp:nvGrpSpPr>
@@ -12291,7 +16276,7 @@
 </dsp:drawing>
 </file>
 
-<file path=ppt/diagrams/drawing6.xml><?xml version="1.0" encoding="utf-8"?>
+<file path=ppt/diagrams/drawing8.xml><?xml version="1.0" encoding="utf-8"?>
 <dsp:drawing xmlns:dgm="http://schemas.openxmlformats.org/drawingml/2006/diagram" xmlns:dsp="http://schemas.microsoft.com/office/drawing/2008/diagram" xmlns:a="http://schemas.openxmlformats.org/drawingml/2006/main">
   <dsp:spTree>
     <dsp:nvGrpSpPr>
@@ -13926,6 +17911,486 @@
 </file>
 
 <file path=ppt/diagrams/layout5.xml><?xml version="1.0" encoding="utf-8"?>
+<dgm:layoutDef xmlns:dgm="http://schemas.openxmlformats.org/drawingml/2006/diagram" xmlns:a="http://schemas.openxmlformats.org/drawingml/2006/main" uniqueId="urn:microsoft.com/office/officeart/2005/8/layout/hProcess10">
+  <dgm:title val=""/>
+  <dgm:desc val=""/>
+  <dgm:catLst>
+    <dgm:cat type="process" pri="3000"/>
+    <dgm:cat type="picture" pri="30000"/>
+    <dgm:cat type="pictureconvert" pri="30000"/>
+  </dgm:catLst>
+  <dgm:sampData>
+    <dgm:dataModel>
+      <dgm:ptLst>
+        <dgm:pt modelId="0" type="doc"/>
+        <dgm:pt modelId="1">
+          <dgm:prSet phldr="1"/>
+        </dgm:pt>
+        <dgm:pt modelId="11">
+          <dgm:prSet phldr="1"/>
+        </dgm:pt>
+        <dgm:pt modelId="12">
+          <dgm:prSet phldr="1"/>
+        </dgm:pt>
+        <dgm:pt modelId="2">
+          <dgm:prSet phldr="1"/>
+        </dgm:pt>
+        <dgm:pt modelId="21">
+          <dgm:prSet phldr="1"/>
+        </dgm:pt>
+        <dgm:pt modelId="22">
+          <dgm:prSet phldr="1"/>
+        </dgm:pt>
+        <dgm:pt modelId="3">
+          <dgm:prSet phldr="1"/>
+        </dgm:pt>
+        <dgm:pt modelId="31">
+          <dgm:prSet phldr="1"/>
+        </dgm:pt>
+        <dgm:pt modelId="32">
+          <dgm:prSet phldr="1"/>
+        </dgm:pt>
+      </dgm:ptLst>
+      <dgm:cxnLst>
+        <dgm:cxn modelId="4" srcId="0" destId="1" srcOrd="0" destOrd="0"/>
+        <dgm:cxn modelId="5" srcId="0" destId="2" srcOrd="1" destOrd="0"/>
+        <dgm:cxn modelId="6" srcId="0" destId="3" srcOrd="2" destOrd="0"/>
+        <dgm:cxn modelId="13" srcId="1" destId="11" srcOrd="0" destOrd="0"/>
+        <dgm:cxn modelId="14" srcId="1" destId="12" srcOrd="1" destOrd="0"/>
+        <dgm:cxn modelId="23" srcId="2" destId="21" srcOrd="0" destOrd="0"/>
+        <dgm:cxn modelId="24" srcId="2" destId="22" srcOrd="1" destOrd="0"/>
+        <dgm:cxn modelId="33" srcId="3" destId="31" srcOrd="0" destOrd="0"/>
+        <dgm:cxn modelId="34" srcId="3" destId="32" srcOrd="1" destOrd="0"/>
+      </dgm:cxnLst>
+      <dgm:bg/>
+      <dgm:whole/>
+    </dgm:dataModel>
+  </dgm:sampData>
+  <dgm:styleData>
+    <dgm:dataModel>
+      <dgm:ptLst>
+        <dgm:pt modelId="0" type="doc"/>
+        <dgm:pt modelId="1"/>
+        <dgm:pt modelId="11"/>
+        <dgm:pt modelId="2"/>
+        <dgm:pt modelId="21"/>
+      </dgm:ptLst>
+      <dgm:cxnLst>
+        <dgm:cxn modelId="4" srcId="0" destId="1" srcOrd="0" destOrd="0"/>
+        <dgm:cxn modelId="5" srcId="0" destId="2" srcOrd="1" destOrd="0"/>
+        <dgm:cxn modelId="13" srcId="1" destId="11" srcOrd="0" destOrd="0"/>
+        <dgm:cxn modelId="23" srcId="2" destId="21" srcOrd="0" destOrd="0"/>
+      </dgm:cxnLst>
+      <dgm:bg/>
+      <dgm:whole/>
+    </dgm:dataModel>
+  </dgm:styleData>
+  <dgm:clrData>
+    <dgm:dataModel>
+      <dgm:ptLst>
+        <dgm:pt modelId="0" type="doc"/>
+        <dgm:pt modelId="1"/>
+        <dgm:pt modelId="11"/>
+        <dgm:pt modelId="2"/>
+        <dgm:pt modelId="21"/>
+        <dgm:pt modelId="3"/>
+        <dgm:pt modelId="31"/>
+        <dgm:pt modelId="4"/>
+        <dgm:pt modelId="41"/>
+      </dgm:ptLst>
+      <dgm:cxnLst>
+        <dgm:cxn modelId="5" srcId="0" destId="1" srcOrd="0" destOrd="0"/>
+        <dgm:cxn modelId="6" srcId="0" destId="2" srcOrd="1" destOrd="0"/>
+        <dgm:cxn modelId="7" srcId="0" destId="3" srcOrd="2" destOrd="0"/>
+        <dgm:cxn modelId="8" srcId="0" destId="4" srcOrd="3" destOrd="0"/>
+        <dgm:cxn modelId="13" srcId="1" destId="11" srcOrd="0" destOrd="0"/>
+        <dgm:cxn modelId="23" srcId="2" destId="21" srcOrd="0" destOrd="0"/>
+        <dgm:cxn modelId="33" srcId="3" destId="31" srcOrd="0" destOrd="0"/>
+        <dgm:cxn modelId="43" srcId="4" destId="41" srcOrd="0" destOrd="0"/>
+      </dgm:cxnLst>
+      <dgm:bg/>
+      <dgm:whole/>
+    </dgm:dataModel>
+  </dgm:clrData>
+  <dgm:layoutNode name="Name0">
+    <dgm:varLst>
+      <dgm:dir/>
+      <dgm:resizeHandles val="exact"/>
+    </dgm:varLst>
+    <dgm:choose name="Name1">
+      <dgm:if name="Name2" func="var" arg="dir" op="equ" val="norm">
+        <dgm:alg type="lin"/>
+      </dgm:if>
+      <dgm:else name="Name3">
+        <dgm:alg type="lin">
+          <dgm:param type="linDir" val="fromR"/>
+        </dgm:alg>
+      </dgm:else>
+    </dgm:choose>
+    <dgm:shape xmlns:r="http://schemas.openxmlformats.org/officeDocument/2006/relationships" r:blip="">
+      <dgm:adjLst/>
+    </dgm:shape>
+    <dgm:presOf/>
+    <dgm:constrLst>
+      <dgm:constr type="w" for="ch" forName="composite" refType="w"/>
+      <dgm:constr type="w" for="ch" ptType="sibTrans" refType="w" refFor="ch" refForName="composite" op="equ" fact="0.3333"/>
+      <dgm:constr type="primFontSz" for="des" forName="txNode" op="equ" val="65"/>
+      <dgm:constr type="primFontSz" for="des" forName="connTx" op="equ" val="55"/>
+      <dgm:constr type="primFontSz" for="des" forName="connTx" refType="primFontSz" refFor="des" refForName="txNode" op="lte" fact="0.8"/>
+    </dgm:constrLst>
+    <dgm:ruleLst/>
+    <dgm:forEach name="Name4" axis="ch" ptType="node">
+      <dgm:layoutNode name="composite">
+        <dgm:alg type="composite"/>
+        <dgm:shape xmlns:r="http://schemas.openxmlformats.org/officeDocument/2006/relationships" r:blip="">
+          <dgm:adjLst/>
+        </dgm:shape>
+        <dgm:presOf/>
+        <dgm:choose name="Name5">
+          <dgm:if name="Name6" func="var" arg="dir" op="equ" val="norm">
+            <dgm:constrLst>
+              <dgm:constr type="l" for="ch" forName="imagSh"/>
+              <dgm:constr type="w" for="ch" forName="imagSh" refType="w" fact="0.86"/>
+              <dgm:constr type="t" for="ch" forName="imagSh"/>
+              <dgm:constr type="h" for="ch" forName="imagSh" refType="w" refFor="ch" refForName="imagSh"/>
+              <dgm:constr type="l" for="ch" forName="txNode" refType="w" fact="0.14"/>
+              <dgm:constr type="w" for="ch" forName="txNode" refType="w" refFor="ch" refForName="imagSh"/>
+              <dgm:constr type="t" for="ch" forName="txNode" refType="h" refFor="ch" refForName="imagSh" fact="0.6"/>
+              <dgm:constr type="h" for="ch" forName="txNode" refType="h" refFor="ch" refForName="imagSh"/>
+            </dgm:constrLst>
+          </dgm:if>
+          <dgm:else name="Name7">
+            <dgm:constrLst>
+              <dgm:constr type="l" for="ch" forName="imagSh" refType="w" fact="0.14"/>
+              <dgm:constr type="w" for="ch" forName="imagSh" refType="w" fact="0.86"/>
+              <dgm:constr type="t" for="ch" forName="imagSh"/>
+              <dgm:constr type="h" for="ch" forName="imagSh" refType="w" refFor="ch" refForName="imagSh"/>
+              <dgm:constr type="l" for="ch" forName="txNode"/>
+              <dgm:constr type="w" for="ch" forName="txNode" refType="w" refFor="ch" refForName="imagSh"/>
+              <dgm:constr type="t" for="ch" forName="txNode" refType="h" refFor="ch" refForName="imagSh" fact="0.6"/>
+              <dgm:constr type="h" for="ch" forName="txNode" refType="h" refFor="ch" refForName="imagSh"/>
+            </dgm:constrLst>
+          </dgm:else>
+        </dgm:choose>
+        <dgm:ruleLst/>
+        <dgm:layoutNode name="imagSh" styleLbl="bgImgPlace1">
+          <dgm:alg type="sp"/>
+          <dgm:shape xmlns:r="http://schemas.openxmlformats.org/officeDocument/2006/relationships" type="roundRect" r:blip="" blipPhldr="1">
+            <dgm:adjLst>
+              <dgm:adj idx="1" val="0.1"/>
+            </dgm:adjLst>
+          </dgm:shape>
+          <dgm:presOf/>
+          <dgm:constrLst/>
+          <dgm:ruleLst/>
+        </dgm:layoutNode>
+        <dgm:layoutNode name="txNode" styleLbl="node1">
+          <dgm:varLst>
+            <dgm:bulletEnabled val="1"/>
+          </dgm:varLst>
+          <dgm:alg type="tx"/>
+          <dgm:shape xmlns:r="http://schemas.openxmlformats.org/officeDocument/2006/relationships" type="roundRect" r:blip="">
+            <dgm:adjLst>
+              <dgm:adj idx="1" val="0.1"/>
+            </dgm:adjLst>
+          </dgm:shape>
+          <dgm:presOf axis="desOrSelf" ptType="node"/>
+          <dgm:constrLst>
+            <dgm:constr type="tMarg" refType="primFontSz" fact="0.3"/>
+            <dgm:constr type="bMarg" refType="primFontSz" fact="0.3"/>
+            <dgm:constr type="lMarg" refType="primFontSz" fact="0.3"/>
+            <dgm:constr type="rMarg" refType="primFontSz" fact="0.3"/>
+          </dgm:constrLst>
+          <dgm:ruleLst>
+            <dgm:rule type="primFontSz" val="5" fact="NaN" max="NaN"/>
+          </dgm:ruleLst>
+        </dgm:layoutNode>
+      </dgm:layoutNode>
+      <dgm:forEach name="sibTransForEach" axis="followSib" ptType="sibTrans" cnt="1">
+        <dgm:layoutNode name="sibTrans">
+          <dgm:alg type="conn">
+            <dgm:param type="begPts" val="auto"/>
+            <dgm:param type="endPts" val="auto"/>
+            <dgm:param type="srcNode" val="imagSh"/>
+            <dgm:param type="dstNode" val="imagSh"/>
+          </dgm:alg>
+          <dgm:shape xmlns:r="http://schemas.openxmlformats.org/officeDocument/2006/relationships" type="conn" r:blip="">
+            <dgm:adjLst/>
+          </dgm:shape>
+          <dgm:presOf axis="self"/>
+          <dgm:constrLst>
+            <dgm:constr type="h" refType="w" fact="0.62"/>
+            <dgm:constr type="connDist"/>
+            <dgm:constr type="begPad" refType="connDist" fact="0.35"/>
+            <dgm:constr type="endPad" refType="connDist" fact="0.3"/>
+          </dgm:constrLst>
+          <dgm:ruleLst/>
+          <dgm:layoutNode name="connTx">
+            <dgm:alg type="tx">
+              <dgm:param type="autoTxRot" val="grav"/>
+            </dgm:alg>
+            <dgm:shape xmlns:r="http://schemas.openxmlformats.org/officeDocument/2006/relationships" type="conn" r:blip="" hideGeom="1">
+              <dgm:adjLst/>
+            </dgm:shape>
+            <dgm:presOf axis="self"/>
+            <dgm:constrLst>
+              <dgm:constr type="lMarg"/>
+              <dgm:constr type="rMarg"/>
+              <dgm:constr type="tMarg"/>
+              <dgm:constr type="bMarg"/>
+            </dgm:constrLst>
+            <dgm:ruleLst>
+              <dgm:rule type="primFontSz" val="5" fact="NaN" max="NaN"/>
+            </dgm:ruleLst>
+          </dgm:layoutNode>
+        </dgm:layoutNode>
+      </dgm:forEach>
+    </dgm:forEach>
+  </dgm:layoutNode>
+</dgm:layoutDef>
+</file>
+
+<file path=ppt/diagrams/layout6.xml><?xml version="1.0" encoding="utf-8"?>
+<dgm:layoutDef xmlns:dgm="http://schemas.openxmlformats.org/drawingml/2006/diagram" xmlns:a="http://schemas.openxmlformats.org/drawingml/2006/main" uniqueId="urn:microsoft.com/office/officeart/2005/8/layout/hProcess10">
+  <dgm:title val=""/>
+  <dgm:desc val=""/>
+  <dgm:catLst>
+    <dgm:cat type="process" pri="3000"/>
+    <dgm:cat type="picture" pri="30000"/>
+    <dgm:cat type="pictureconvert" pri="30000"/>
+  </dgm:catLst>
+  <dgm:sampData>
+    <dgm:dataModel>
+      <dgm:ptLst>
+        <dgm:pt modelId="0" type="doc"/>
+        <dgm:pt modelId="1">
+          <dgm:prSet phldr="1"/>
+        </dgm:pt>
+        <dgm:pt modelId="11">
+          <dgm:prSet phldr="1"/>
+        </dgm:pt>
+        <dgm:pt modelId="12">
+          <dgm:prSet phldr="1"/>
+        </dgm:pt>
+        <dgm:pt modelId="2">
+          <dgm:prSet phldr="1"/>
+        </dgm:pt>
+        <dgm:pt modelId="21">
+          <dgm:prSet phldr="1"/>
+        </dgm:pt>
+        <dgm:pt modelId="22">
+          <dgm:prSet phldr="1"/>
+        </dgm:pt>
+        <dgm:pt modelId="3">
+          <dgm:prSet phldr="1"/>
+        </dgm:pt>
+        <dgm:pt modelId="31">
+          <dgm:prSet phldr="1"/>
+        </dgm:pt>
+        <dgm:pt modelId="32">
+          <dgm:prSet phldr="1"/>
+        </dgm:pt>
+      </dgm:ptLst>
+      <dgm:cxnLst>
+        <dgm:cxn modelId="4" srcId="0" destId="1" srcOrd="0" destOrd="0"/>
+        <dgm:cxn modelId="5" srcId="0" destId="2" srcOrd="1" destOrd="0"/>
+        <dgm:cxn modelId="6" srcId="0" destId="3" srcOrd="2" destOrd="0"/>
+        <dgm:cxn modelId="13" srcId="1" destId="11" srcOrd="0" destOrd="0"/>
+        <dgm:cxn modelId="14" srcId="1" destId="12" srcOrd="1" destOrd="0"/>
+        <dgm:cxn modelId="23" srcId="2" destId="21" srcOrd="0" destOrd="0"/>
+        <dgm:cxn modelId="24" srcId="2" destId="22" srcOrd="1" destOrd="0"/>
+        <dgm:cxn modelId="33" srcId="3" destId="31" srcOrd="0" destOrd="0"/>
+        <dgm:cxn modelId="34" srcId="3" destId="32" srcOrd="1" destOrd="0"/>
+      </dgm:cxnLst>
+      <dgm:bg/>
+      <dgm:whole/>
+    </dgm:dataModel>
+  </dgm:sampData>
+  <dgm:styleData>
+    <dgm:dataModel>
+      <dgm:ptLst>
+        <dgm:pt modelId="0" type="doc"/>
+        <dgm:pt modelId="1"/>
+        <dgm:pt modelId="11"/>
+        <dgm:pt modelId="2"/>
+        <dgm:pt modelId="21"/>
+      </dgm:ptLst>
+      <dgm:cxnLst>
+        <dgm:cxn modelId="4" srcId="0" destId="1" srcOrd="0" destOrd="0"/>
+        <dgm:cxn modelId="5" srcId="0" destId="2" srcOrd="1" destOrd="0"/>
+        <dgm:cxn modelId="13" srcId="1" destId="11" srcOrd="0" destOrd="0"/>
+        <dgm:cxn modelId="23" srcId="2" destId="21" srcOrd="0" destOrd="0"/>
+      </dgm:cxnLst>
+      <dgm:bg/>
+      <dgm:whole/>
+    </dgm:dataModel>
+  </dgm:styleData>
+  <dgm:clrData>
+    <dgm:dataModel>
+      <dgm:ptLst>
+        <dgm:pt modelId="0" type="doc"/>
+        <dgm:pt modelId="1"/>
+        <dgm:pt modelId="11"/>
+        <dgm:pt modelId="2"/>
+        <dgm:pt modelId="21"/>
+        <dgm:pt modelId="3"/>
+        <dgm:pt modelId="31"/>
+        <dgm:pt modelId="4"/>
+        <dgm:pt modelId="41"/>
+      </dgm:ptLst>
+      <dgm:cxnLst>
+        <dgm:cxn modelId="5" srcId="0" destId="1" srcOrd="0" destOrd="0"/>
+        <dgm:cxn modelId="6" srcId="0" destId="2" srcOrd="1" destOrd="0"/>
+        <dgm:cxn modelId="7" srcId="0" destId="3" srcOrd="2" destOrd="0"/>
+        <dgm:cxn modelId="8" srcId="0" destId="4" srcOrd="3" destOrd="0"/>
+        <dgm:cxn modelId="13" srcId="1" destId="11" srcOrd="0" destOrd="0"/>
+        <dgm:cxn modelId="23" srcId="2" destId="21" srcOrd="0" destOrd="0"/>
+        <dgm:cxn modelId="33" srcId="3" destId="31" srcOrd="0" destOrd="0"/>
+        <dgm:cxn modelId="43" srcId="4" destId="41" srcOrd="0" destOrd="0"/>
+      </dgm:cxnLst>
+      <dgm:bg/>
+      <dgm:whole/>
+    </dgm:dataModel>
+  </dgm:clrData>
+  <dgm:layoutNode name="Name0">
+    <dgm:varLst>
+      <dgm:dir/>
+      <dgm:resizeHandles val="exact"/>
+    </dgm:varLst>
+    <dgm:choose name="Name1">
+      <dgm:if name="Name2" func="var" arg="dir" op="equ" val="norm">
+        <dgm:alg type="lin"/>
+      </dgm:if>
+      <dgm:else name="Name3">
+        <dgm:alg type="lin">
+          <dgm:param type="linDir" val="fromR"/>
+        </dgm:alg>
+      </dgm:else>
+    </dgm:choose>
+    <dgm:shape xmlns:r="http://schemas.openxmlformats.org/officeDocument/2006/relationships" r:blip="">
+      <dgm:adjLst/>
+    </dgm:shape>
+    <dgm:presOf/>
+    <dgm:constrLst>
+      <dgm:constr type="w" for="ch" forName="composite" refType="w"/>
+      <dgm:constr type="w" for="ch" ptType="sibTrans" refType="w" refFor="ch" refForName="composite" op="equ" fact="0.3333"/>
+      <dgm:constr type="primFontSz" for="des" forName="txNode" op="equ" val="65"/>
+      <dgm:constr type="primFontSz" for="des" forName="connTx" op="equ" val="55"/>
+      <dgm:constr type="primFontSz" for="des" forName="connTx" refType="primFontSz" refFor="des" refForName="txNode" op="lte" fact="0.8"/>
+    </dgm:constrLst>
+    <dgm:ruleLst/>
+    <dgm:forEach name="Name4" axis="ch" ptType="node">
+      <dgm:layoutNode name="composite">
+        <dgm:alg type="composite"/>
+        <dgm:shape xmlns:r="http://schemas.openxmlformats.org/officeDocument/2006/relationships" r:blip="">
+          <dgm:adjLst/>
+        </dgm:shape>
+        <dgm:presOf/>
+        <dgm:choose name="Name5">
+          <dgm:if name="Name6" func="var" arg="dir" op="equ" val="norm">
+            <dgm:constrLst>
+              <dgm:constr type="l" for="ch" forName="imagSh"/>
+              <dgm:constr type="w" for="ch" forName="imagSh" refType="w" fact="0.86"/>
+              <dgm:constr type="t" for="ch" forName="imagSh"/>
+              <dgm:constr type="h" for="ch" forName="imagSh" refType="w" refFor="ch" refForName="imagSh"/>
+              <dgm:constr type="l" for="ch" forName="txNode" refType="w" fact="0.14"/>
+              <dgm:constr type="w" for="ch" forName="txNode" refType="w" refFor="ch" refForName="imagSh"/>
+              <dgm:constr type="t" for="ch" forName="txNode" refType="h" refFor="ch" refForName="imagSh" fact="0.6"/>
+              <dgm:constr type="h" for="ch" forName="txNode" refType="h" refFor="ch" refForName="imagSh"/>
+            </dgm:constrLst>
+          </dgm:if>
+          <dgm:else name="Name7">
+            <dgm:constrLst>
+              <dgm:constr type="l" for="ch" forName="imagSh" refType="w" fact="0.14"/>
+              <dgm:constr type="w" for="ch" forName="imagSh" refType="w" fact="0.86"/>
+              <dgm:constr type="t" for="ch" forName="imagSh"/>
+              <dgm:constr type="h" for="ch" forName="imagSh" refType="w" refFor="ch" refForName="imagSh"/>
+              <dgm:constr type="l" for="ch" forName="txNode"/>
+              <dgm:constr type="w" for="ch" forName="txNode" refType="w" refFor="ch" refForName="imagSh"/>
+              <dgm:constr type="t" for="ch" forName="txNode" refType="h" refFor="ch" refForName="imagSh" fact="0.6"/>
+              <dgm:constr type="h" for="ch" forName="txNode" refType="h" refFor="ch" refForName="imagSh"/>
+            </dgm:constrLst>
+          </dgm:else>
+        </dgm:choose>
+        <dgm:ruleLst/>
+        <dgm:layoutNode name="imagSh" styleLbl="bgImgPlace1">
+          <dgm:alg type="sp"/>
+          <dgm:shape xmlns:r="http://schemas.openxmlformats.org/officeDocument/2006/relationships" type="roundRect" r:blip="" blipPhldr="1">
+            <dgm:adjLst>
+              <dgm:adj idx="1" val="0.1"/>
+            </dgm:adjLst>
+          </dgm:shape>
+          <dgm:presOf/>
+          <dgm:constrLst/>
+          <dgm:ruleLst/>
+        </dgm:layoutNode>
+        <dgm:layoutNode name="txNode" styleLbl="node1">
+          <dgm:varLst>
+            <dgm:bulletEnabled val="1"/>
+          </dgm:varLst>
+          <dgm:alg type="tx"/>
+          <dgm:shape xmlns:r="http://schemas.openxmlformats.org/officeDocument/2006/relationships" type="roundRect" r:blip="">
+            <dgm:adjLst>
+              <dgm:adj idx="1" val="0.1"/>
+            </dgm:adjLst>
+          </dgm:shape>
+          <dgm:presOf axis="desOrSelf" ptType="node"/>
+          <dgm:constrLst>
+            <dgm:constr type="tMarg" refType="primFontSz" fact="0.3"/>
+            <dgm:constr type="bMarg" refType="primFontSz" fact="0.3"/>
+            <dgm:constr type="lMarg" refType="primFontSz" fact="0.3"/>
+            <dgm:constr type="rMarg" refType="primFontSz" fact="0.3"/>
+          </dgm:constrLst>
+          <dgm:ruleLst>
+            <dgm:rule type="primFontSz" val="5" fact="NaN" max="NaN"/>
+          </dgm:ruleLst>
+        </dgm:layoutNode>
+      </dgm:layoutNode>
+      <dgm:forEach name="sibTransForEach" axis="followSib" ptType="sibTrans" cnt="1">
+        <dgm:layoutNode name="sibTrans">
+          <dgm:alg type="conn">
+            <dgm:param type="begPts" val="auto"/>
+            <dgm:param type="endPts" val="auto"/>
+            <dgm:param type="srcNode" val="imagSh"/>
+            <dgm:param type="dstNode" val="imagSh"/>
+          </dgm:alg>
+          <dgm:shape xmlns:r="http://schemas.openxmlformats.org/officeDocument/2006/relationships" type="conn" r:blip="">
+            <dgm:adjLst/>
+          </dgm:shape>
+          <dgm:presOf axis="self"/>
+          <dgm:constrLst>
+            <dgm:constr type="h" refType="w" fact="0.62"/>
+            <dgm:constr type="connDist"/>
+            <dgm:constr type="begPad" refType="connDist" fact="0.35"/>
+            <dgm:constr type="endPad" refType="connDist" fact="0.3"/>
+          </dgm:constrLst>
+          <dgm:ruleLst/>
+          <dgm:layoutNode name="connTx">
+            <dgm:alg type="tx">
+              <dgm:param type="autoTxRot" val="grav"/>
+            </dgm:alg>
+            <dgm:shape xmlns:r="http://schemas.openxmlformats.org/officeDocument/2006/relationships" type="conn" r:blip="" hideGeom="1">
+              <dgm:adjLst/>
+            </dgm:shape>
+            <dgm:presOf axis="self"/>
+            <dgm:constrLst>
+              <dgm:constr type="lMarg"/>
+              <dgm:constr type="rMarg"/>
+              <dgm:constr type="tMarg"/>
+              <dgm:constr type="bMarg"/>
+            </dgm:constrLst>
+            <dgm:ruleLst>
+              <dgm:rule type="primFontSz" val="5" fact="NaN" max="NaN"/>
+            </dgm:ruleLst>
+          </dgm:layoutNode>
+        </dgm:layoutNode>
+      </dgm:forEach>
+    </dgm:forEach>
+  </dgm:layoutNode>
+</dgm:layoutDef>
+</file>
+
+<file path=ppt/diagrams/layout7.xml><?xml version="1.0" encoding="utf-8"?>
 <dgm:layoutDef xmlns:dgm="http://schemas.openxmlformats.org/drawingml/2006/diagram" xmlns:a="http://schemas.openxmlformats.org/drawingml/2006/main" uniqueId="urn:microsoft.com/office/officeart/2005/8/layout/chevron1">
   <dgm:title val=""/>
   <dgm:desc val=""/>
@@ -14208,7 +18673,7 @@
 </dgm:layoutDef>
 </file>
 
-<file path=ppt/diagrams/layout6.xml><?xml version="1.0" encoding="utf-8"?>
+<file path=ppt/diagrams/layout8.xml><?xml version="1.0" encoding="utf-8"?>
 <dgm:layoutDef xmlns:dgm="http://schemas.openxmlformats.org/drawingml/2006/diagram" xmlns:a="http://schemas.openxmlformats.org/drawingml/2006/main" uniqueId="urn:microsoft.com/office/officeart/2018/5/layout/IconCircleLabelList">
   <dgm:title val="Icon Circle Label List"/>
   <dgm:desc val="Use to show non-sequential or grouped chunks of information accompanied by a related visuals. Works best with icons or small pictures with short text captions."/>
@@ -19594,6 +24059,2074 @@
 </file>
 
 <file path=ppt/diagrams/quickStyle6.xml><?xml version="1.0" encoding="utf-8"?>
+<dgm:styleDef xmlns:dgm="http://schemas.openxmlformats.org/drawingml/2006/diagram" xmlns:a="http://schemas.openxmlformats.org/drawingml/2006/main" uniqueId="urn:microsoft.com/office/officeart/2005/8/quickstyle/simple1">
+  <dgm:title val=""/>
+  <dgm:desc val=""/>
+  <dgm:catLst>
+    <dgm:cat type="simple" pri="10100"/>
+  </dgm:catLst>
+  <dgm:scene3d>
+    <a:camera prst="orthographicFront"/>
+    <a:lightRig rig="threePt" dir="t"/>
+  </dgm:scene3d>
+  <dgm:styleLbl name="node0">
+    <dgm:scene3d>
+      <a:camera prst="orthographicFront"/>
+      <a:lightRig rig="threePt" dir="t"/>
+    </dgm:scene3d>
+    <dgm:sp3d/>
+    <dgm:txPr/>
+    <dgm:style>
+      <a:lnRef idx="2">
+        <a:scrgbClr r="0" g="0" b="0"/>
+      </a:lnRef>
+      <a:fillRef idx="1">
+        <a:scrgbClr r="0" g="0" b="0"/>
+      </a:fillRef>
+      <a:effectRef idx="0">
+        <a:scrgbClr r="0" g="0" b="0"/>
+      </a:effectRef>
+      <a:fontRef idx="minor">
+        <a:schemeClr val="lt1"/>
+      </a:fontRef>
+    </dgm:style>
+  </dgm:styleLbl>
+  <dgm:styleLbl name="lnNode1">
+    <dgm:scene3d>
+      <a:camera prst="orthographicFront"/>
+      <a:lightRig rig="threePt" dir="t"/>
+    </dgm:scene3d>
+    <dgm:sp3d/>
+    <dgm:txPr/>
+    <dgm:style>
+      <a:lnRef idx="2">
+        <a:scrgbClr r="0" g="0" b="0"/>
+      </a:lnRef>
+      <a:fillRef idx="1">
+        <a:scrgbClr r="0" g="0" b="0"/>
+      </a:fillRef>
+      <a:effectRef idx="0">
+        <a:scrgbClr r="0" g="0" b="0"/>
+      </a:effectRef>
+      <a:fontRef idx="minor">
+        <a:schemeClr val="lt1"/>
+      </a:fontRef>
+    </dgm:style>
+  </dgm:styleLbl>
+  <dgm:styleLbl name="vennNode1">
+    <dgm:scene3d>
+      <a:camera prst="orthographicFront"/>
+      <a:lightRig rig="threePt" dir="t"/>
+    </dgm:scene3d>
+    <dgm:sp3d/>
+    <dgm:txPr/>
+    <dgm:style>
+      <a:lnRef idx="2">
+        <a:scrgbClr r="0" g="0" b="0"/>
+      </a:lnRef>
+      <a:fillRef idx="1">
+        <a:scrgbClr r="0" g="0" b="0"/>
+      </a:fillRef>
+      <a:effectRef idx="0">
+        <a:scrgbClr r="0" g="0" b="0"/>
+      </a:effectRef>
+      <a:fontRef idx="minor">
+        <a:schemeClr val="tx1"/>
+      </a:fontRef>
+    </dgm:style>
+  </dgm:styleLbl>
+  <dgm:styleLbl name="alignNode1">
+    <dgm:scene3d>
+      <a:camera prst="orthographicFront"/>
+      <a:lightRig rig="threePt" dir="t"/>
+    </dgm:scene3d>
+    <dgm:sp3d/>
+    <dgm:txPr/>
+    <dgm:style>
+      <a:lnRef idx="2">
+        <a:scrgbClr r="0" g="0" b="0"/>
+      </a:lnRef>
+      <a:fillRef idx="1">
+        <a:scrgbClr r="0" g="0" b="0"/>
+      </a:fillRef>
+      <a:effectRef idx="0">
+        <a:scrgbClr r="0" g="0" b="0"/>
+      </a:effectRef>
+      <a:fontRef idx="minor">
+        <a:schemeClr val="lt1"/>
+      </a:fontRef>
+    </dgm:style>
+  </dgm:styleLbl>
+  <dgm:styleLbl name="node1">
+    <dgm:scene3d>
+      <a:camera prst="orthographicFront"/>
+      <a:lightRig rig="threePt" dir="t"/>
+    </dgm:scene3d>
+    <dgm:sp3d/>
+    <dgm:txPr/>
+    <dgm:style>
+      <a:lnRef idx="2">
+        <a:scrgbClr r="0" g="0" b="0"/>
+      </a:lnRef>
+      <a:fillRef idx="1">
+        <a:scrgbClr r="0" g="0" b="0"/>
+      </a:fillRef>
+      <a:effectRef idx="0">
+        <a:scrgbClr r="0" g="0" b="0"/>
+      </a:effectRef>
+      <a:fontRef idx="minor">
+        <a:schemeClr val="lt1"/>
+      </a:fontRef>
+    </dgm:style>
+  </dgm:styleLbl>
+  <dgm:styleLbl name="node2">
+    <dgm:scene3d>
+      <a:camera prst="orthographicFront"/>
+      <a:lightRig rig="threePt" dir="t"/>
+    </dgm:scene3d>
+    <dgm:sp3d/>
+    <dgm:txPr/>
+    <dgm:style>
+      <a:lnRef idx="2">
+        <a:scrgbClr r="0" g="0" b="0"/>
+      </a:lnRef>
+      <a:fillRef idx="1">
+        <a:scrgbClr r="0" g="0" b="0"/>
+      </a:fillRef>
+      <a:effectRef idx="0">
+        <a:scrgbClr r="0" g="0" b="0"/>
+      </a:effectRef>
+      <a:fontRef idx="minor">
+        <a:schemeClr val="lt1"/>
+      </a:fontRef>
+    </dgm:style>
+  </dgm:styleLbl>
+  <dgm:styleLbl name="node3">
+    <dgm:scene3d>
+      <a:camera prst="orthographicFront"/>
+      <a:lightRig rig="threePt" dir="t"/>
+    </dgm:scene3d>
+    <dgm:sp3d/>
+    <dgm:txPr/>
+    <dgm:style>
+      <a:lnRef idx="2">
+        <a:scrgbClr r="0" g="0" b="0"/>
+      </a:lnRef>
+      <a:fillRef idx="1">
+        <a:scrgbClr r="0" g="0" b="0"/>
+      </a:fillRef>
+      <a:effectRef idx="0">
+        <a:scrgbClr r="0" g="0" b="0"/>
+      </a:effectRef>
+      <a:fontRef idx="minor">
+        <a:schemeClr val="lt1"/>
+      </a:fontRef>
+    </dgm:style>
+  </dgm:styleLbl>
+  <dgm:styleLbl name="node4">
+    <dgm:scene3d>
+      <a:camera prst="orthographicFront"/>
+      <a:lightRig rig="threePt" dir="t"/>
+    </dgm:scene3d>
+    <dgm:sp3d/>
+    <dgm:txPr/>
+    <dgm:style>
+      <a:lnRef idx="2">
+        <a:scrgbClr r="0" g="0" b="0"/>
+      </a:lnRef>
+      <a:fillRef idx="1">
+        <a:scrgbClr r="0" g="0" b="0"/>
+      </a:fillRef>
+      <a:effectRef idx="0">
+        <a:scrgbClr r="0" g="0" b="0"/>
+      </a:effectRef>
+      <a:fontRef idx="minor">
+        <a:schemeClr val="lt1"/>
+      </a:fontRef>
+    </dgm:style>
+  </dgm:styleLbl>
+  <dgm:styleLbl name="fgImgPlace1">
+    <dgm:scene3d>
+      <a:camera prst="orthographicFront"/>
+      <a:lightRig rig="threePt" dir="t"/>
+    </dgm:scene3d>
+    <dgm:sp3d/>
+    <dgm:txPr/>
+    <dgm:style>
+      <a:lnRef idx="2">
+        <a:scrgbClr r="0" g="0" b="0"/>
+      </a:lnRef>
+      <a:fillRef idx="1">
+        <a:scrgbClr r="0" g="0" b="0"/>
+      </a:fillRef>
+      <a:effectRef idx="0">
+        <a:scrgbClr r="0" g="0" b="0"/>
+      </a:effectRef>
+      <a:fontRef idx="minor"/>
+    </dgm:style>
+  </dgm:styleLbl>
+  <dgm:styleLbl name="alignImgPlace1">
+    <dgm:scene3d>
+      <a:camera prst="orthographicFront"/>
+      <a:lightRig rig="threePt" dir="t"/>
+    </dgm:scene3d>
+    <dgm:sp3d/>
+    <dgm:txPr/>
+    <dgm:style>
+      <a:lnRef idx="2">
+        <a:scrgbClr r="0" g="0" b="0"/>
+      </a:lnRef>
+      <a:fillRef idx="1">
+        <a:scrgbClr r="0" g="0" b="0"/>
+      </a:fillRef>
+      <a:effectRef idx="0">
+        <a:scrgbClr r="0" g="0" b="0"/>
+      </a:effectRef>
+      <a:fontRef idx="minor"/>
+    </dgm:style>
+  </dgm:styleLbl>
+  <dgm:styleLbl name="bgImgPlace1">
+    <dgm:scene3d>
+      <a:camera prst="orthographicFront"/>
+      <a:lightRig rig="threePt" dir="t"/>
+    </dgm:scene3d>
+    <dgm:sp3d/>
+    <dgm:txPr/>
+    <dgm:style>
+      <a:lnRef idx="2">
+        <a:scrgbClr r="0" g="0" b="0"/>
+      </a:lnRef>
+      <a:fillRef idx="1">
+        <a:scrgbClr r="0" g="0" b="0"/>
+      </a:fillRef>
+      <a:effectRef idx="0">
+        <a:scrgbClr r="0" g="0" b="0"/>
+      </a:effectRef>
+      <a:fontRef idx="minor"/>
+    </dgm:style>
+  </dgm:styleLbl>
+  <dgm:styleLbl name="sibTrans2D1">
+    <dgm:scene3d>
+      <a:camera prst="orthographicFront"/>
+      <a:lightRig rig="threePt" dir="t"/>
+    </dgm:scene3d>
+    <dgm:sp3d/>
+    <dgm:txPr/>
+    <dgm:style>
+      <a:lnRef idx="0">
+        <a:scrgbClr r="0" g="0" b="0"/>
+      </a:lnRef>
+      <a:fillRef idx="1">
+        <a:scrgbClr r="0" g="0" b="0"/>
+      </a:fillRef>
+      <a:effectRef idx="0">
+        <a:scrgbClr r="0" g="0" b="0"/>
+      </a:effectRef>
+      <a:fontRef idx="minor">
+        <a:schemeClr val="lt1"/>
+      </a:fontRef>
+    </dgm:style>
+  </dgm:styleLbl>
+  <dgm:styleLbl name="fgSibTrans2D1">
+    <dgm:scene3d>
+      <a:camera prst="orthographicFront"/>
+      <a:lightRig rig="threePt" dir="t"/>
+    </dgm:scene3d>
+    <dgm:sp3d/>
+    <dgm:txPr/>
+    <dgm:style>
+      <a:lnRef idx="0">
+        <a:scrgbClr r="0" g="0" b="0"/>
+      </a:lnRef>
+      <a:fillRef idx="1">
+        <a:scrgbClr r="0" g="0" b="0"/>
+      </a:fillRef>
+      <a:effectRef idx="0">
+        <a:scrgbClr r="0" g="0" b="0"/>
+      </a:effectRef>
+      <a:fontRef idx="minor">
+        <a:schemeClr val="lt1"/>
+      </a:fontRef>
+    </dgm:style>
+  </dgm:styleLbl>
+  <dgm:styleLbl name="bgSibTrans2D1">
+    <dgm:scene3d>
+      <a:camera prst="orthographicFront"/>
+      <a:lightRig rig="threePt" dir="t"/>
+    </dgm:scene3d>
+    <dgm:sp3d/>
+    <dgm:txPr/>
+    <dgm:style>
+      <a:lnRef idx="0">
+        <a:scrgbClr r="0" g="0" b="0"/>
+      </a:lnRef>
+      <a:fillRef idx="1">
+        <a:scrgbClr r="0" g="0" b="0"/>
+      </a:fillRef>
+      <a:effectRef idx="0">
+        <a:scrgbClr r="0" g="0" b="0"/>
+      </a:effectRef>
+      <a:fontRef idx="minor">
+        <a:schemeClr val="lt1"/>
+      </a:fontRef>
+    </dgm:style>
+  </dgm:styleLbl>
+  <dgm:styleLbl name="sibTrans1D1">
+    <dgm:scene3d>
+      <a:camera prst="orthographicFront"/>
+      <a:lightRig rig="threePt" dir="t"/>
+    </dgm:scene3d>
+    <dgm:sp3d/>
+    <dgm:txPr/>
+    <dgm:style>
+      <a:lnRef idx="1">
+        <a:scrgbClr r="0" g="0" b="0"/>
+      </a:lnRef>
+      <a:fillRef idx="0">
+        <a:scrgbClr r="0" g="0" b="0"/>
+      </a:fillRef>
+      <a:effectRef idx="0">
+        <a:scrgbClr r="0" g="0" b="0"/>
+      </a:effectRef>
+      <a:fontRef idx="minor"/>
+    </dgm:style>
+  </dgm:styleLbl>
+  <dgm:styleLbl name="callout">
+    <dgm:scene3d>
+      <a:camera prst="orthographicFront"/>
+      <a:lightRig rig="threePt" dir="t"/>
+    </dgm:scene3d>
+    <dgm:sp3d/>
+    <dgm:txPr/>
+    <dgm:style>
+      <a:lnRef idx="2">
+        <a:scrgbClr r="0" g="0" b="0"/>
+      </a:lnRef>
+      <a:fillRef idx="1">
+        <a:scrgbClr r="0" g="0" b="0"/>
+      </a:fillRef>
+      <a:effectRef idx="0">
+        <a:scrgbClr r="0" g="0" b="0"/>
+      </a:effectRef>
+      <a:fontRef idx="minor"/>
+    </dgm:style>
+  </dgm:styleLbl>
+  <dgm:styleLbl name="asst0">
+    <dgm:scene3d>
+      <a:camera prst="orthographicFront"/>
+      <a:lightRig rig="threePt" dir="t"/>
+    </dgm:scene3d>
+    <dgm:sp3d/>
+    <dgm:txPr/>
+    <dgm:style>
+      <a:lnRef idx="2">
+        <a:scrgbClr r="0" g="0" b="0"/>
+      </a:lnRef>
+      <a:fillRef idx="1">
+        <a:scrgbClr r="0" g="0" b="0"/>
+      </a:fillRef>
+      <a:effectRef idx="0">
+        <a:scrgbClr r="0" g="0" b="0"/>
+      </a:effectRef>
+      <a:fontRef idx="minor">
+        <a:schemeClr val="lt1"/>
+      </a:fontRef>
+    </dgm:style>
+  </dgm:styleLbl>
+  <dgm:styleLbl name="asst1">
+    <dgm:scene3d>
+      <a:camera prst="orthographicFront"/>
+      <a:lightRig rig="threePt" dir="t"/>
+    </dgm:scene3d>
+    <dgm:sp3d/>
+    <dgm:txPr/>
+    <dgm:style>
+      <a:lnRef idx="2">
+        <a:scrgbClr r="0" g="0" b="0"/>
+      </a:lnRef>
+      <a:fillRef idx="1">
+        <a:scrgbClr r="0" g="0" b="0"/>
+      </a:fillRef>
+      <a:effectRef idx="0">
+        <a:scrgbClr r="0" g="0" b="0"/>
+      </a:effectRef>
+      <a:fontRef idx="minor">
+        <a:schemeClr val="lt1"/>
+      </a:fontRef>
+    </dgm:style>
+  </dgm:styleLbl>
+  <dgm:styleLbl name="asst2">
+    <dgm:scene3d>
+      <a:camera prst="orthographicFront"/>
+      <a:lightRig rig="threePt" dir="t"/>
+    </dgm:scene3d>
+    <dgm:sp3d/>
+    <dgm:txPr/>
+    <dgm:style>
+      <a:lnRef idx="2">
+        <a:scrgbClr r="0" g="0" b="0"/>
+      </a:lnRef>
+      <a:fillRef idx="1">
+        <a:scrgbClr r="0" g="0" b="0"/>
+      </a:fillRef>
+      <a:effectRef idx="0">
+        <a:scrgbClr r="0" g="0" b="0"/>
+      </a:effectRef>
+      <a:fontRef idx="minor">
+        <a:schemeClr val="lt1"/>
+      </a:fontRef>
+    </dgm:style>
+  </dgm:styleLbl>
+  <dgm:styleLbl name="asst3">
+    <dgm:scene3d>
+      <a:camera prst="orthographicFront"/>
+      <a:lightRig rig="threePt" dir="t"/>
+    </dgm:scene3d>
+    <dgm:sp3d/>
+    <dgm:txPr/>
+    <dgm:style>
+      <a:lnRef idx="2">
+        <a:scrgbClr r="0" g="0" b="0"/>
+      </a:lnRef>
+      <a:fillRef idx="1">
+        <a:scrgbClr r="0" g="0" b="0"/>
+      </a:fillRef>
+      <a:effectRef idx="0">
+        <a:scrgbClr r="0" g="0" b="0"/>
+      </a:effectRef>
+      <a:fontRef idx="minor">
+        <a:schemeClr val="lt1"/>
+      </a:fontRef>
+    </dgm:style>
+  </dgm:styleLbl>
+  <dgm:styleLbl name="asst4">
+    <dgm:scene3d>
+      <a:camera prst="orthographicFront"/>
+      <a:lightRig rig="threePt" dir="t"/>
+    </dgm:scene3d>
+    <dgm:sp3d/>
+    <dgm:txPr/>
+    <dgm:style>
+      <a:lnRef idx="2">
+        <a:scrgbClr r="0" g="0" b="0"/>
+      </a:lnRef>
+      <a:fillRef idx="1">
+        <a:scrgbClr r="0" g="0" b="0"/>
+      </a:fillRef>
+      <a:effectRef idx="0">
+        <a:scrgbClr r="0" g="0" b="0"/>
+      </a:effectRef>
+      <a:fontRef idx="minor">
+        <a:schemeClr val="lt1"/>
+      </a:fontRef>
+    </dgm:style>
+  </dgm:styleLbl>
+  <dgm:styleLbl name="parChTrans2D1">
+    <dgm:scene3d>
+      <a:camera prst="orthographicFront"/>
+      <a:lightRig rig="threePt" dir="t"/>
+    </dgm:scene3d>
+    <dgm:sp3d/>
+    <dgm:txPr/>
+    <dgm:style>
+      <a:lnRef idx="2">
+        <a:scrgbClr r="0" g="0" b="0"/>
+      </a:lnRef>
+      <a:fillRef idx="1">
+        <a:scrgbClr r="0" g="0" b="0"/>
+      </a:fillRef>
+      <a:effectRef idx="0">
+        <a:scrgbClr r="0" g="0" b="0"/>
+      </a:effectRef>
+      <a:fontRef idx="minor">
+        <a:schemeClr val="lt1"/>
+      </a:fontRef>
+    </dgm:style>
+  </dgm:styleLbl>
+  <dgm:styleLbl name="parChTrans2D2">
+    <dgm:scene3d>
+      <a:camera prst="orthographicFront"/>
+      <a:lightRig rig="threePt" dir="t"/>
+    </dgm:scene3d>
+    <dgm:sp3d/>
+    <dgm:txPr/>
+    <dgm:style>
+      <a:lnRef idx="2">
+        <a:scrgbClr r="0" g="0" b="0"/>
+      </a:lnRef>
+      <a:fillRef idx="1">
+        <a:scrgbClr r="0" g="0" b="0"/>
+      </a:fillRef>
+      <a:effectRef idx="0">
+        <a:scrgbClr r="0" g="0" b="0"/>
+      </a:effectRef>
+      <a:fontRef idx="minor">
+        <a:schemeClr val="lt1"/>
+      </a:fontRef>
+    </dgm:style>
+  </dgm:styleLbl>
+  <dgm:styleLbl name="parChTrans2D3">
+    <dgm:scene3d>
+      <a:camera prst="orthographicFront"/>
+      <a:lightRig rig="threePt" dir="t"/>
+    </dgm:scene3d>
+    <dgm:sp3d/>
+    <dgm:txPr/>
+    <dgm:style>
+      <a:lnRef idx="2">
+        <a:scrgbClr r="0" g="0" b="0"/>
+      </a:lnRef>
+      <a:fillRef idx="1">
+        <a:scrgbClr r="0" g="0" b="0"/>
+      </a:fillRef>
+      <a:effectRef idx="0">
+        <a:scrgbClr r="0" g="0" b="0"/>
+      </a:effectRef>
+      <a:fontRef idx="minor">
+        <a:schemeClr val="lt1"/>
+      </a:fontRef>
+    </dgm:style>
+  </dgm:styleLbl>
+  <dgm:styleLbl name="parChTrans2D4">
+    <dgm:scene3d>
+      <a:camera prst="orthographicFront"/>
+      <a:lightRig rig="threePt" dir="t"/>
+    </dgm:scene3d>
+    <dgm:sp3d/>
+    <dgm:txPr/>
+    <dgm:style>
+      <a:lnRef idx="2">
+        <a:scrgbClr r="0" g="0" b="0"/>
+      </a:lnRef>
+      <a:fillRef idx="1">
+        <a:scrgbClr r="0" g="0" b="0"/>
+      </a:fillRef>
+      <a:effectRef idx="0">
+        <a:scrgbClr r="0" g="0" b="0"/>
+      </a:effectRef>
+      <a:fontRef idx="minor">
+        <a:schemeClr val="lt1"/>
+      </a:fontRef>
+    </dgm:style>
+  </dgm:styleLbl>
+  <dgm:styleLbl name="parChTrans1D1">
+    <dgm:scene3d>
+      <a:camera prst="orthographicFront"/>
+      <a:lightRig rig="threePt" dir="t"/>
+    </dgm:scene3d>
+    <dgm:sp3d/>
+    <dgm:txPr/>
+    <dgm:style>
+      <a:lnRef idx="2">
+        <a:scrgbClr r="0" g="0" b="0"/>
+      </a:lnRef>
+      <a:fillRef idx="0">
+        <a:scrgbClr r="0" g="0" b="0"/>
+      </a:fillRef>
+      <a:effectRef idx="0">
+        <a:scrgbClr r="0" g="0" b="0"/>
+      </a:effectRef>
+      <a:fontRef idx="minor"/>
+    </dgm:style>
+  </dgm:styleLbl>
+  <dgm:styleLbl name="parChTrans1D2">
+    <dgm:scene3d>
+      <a:camera prst="orthographicFront"/>
+      <a:lightRig rig="threePt" dir="t"/>
+    </dgm:scene3d>
+    <dgm:sp3d/>
+    <dgm:txPr/>
+    <dgm:style>
+      <a:lnRef idx="2">
+        <a:scrgbClr r="0" g="0" b="0"/>
+      </a:lnRef>
+      <a:fillRef idx="0">
+        <a:scrgbClr r="0" g="0" b="0"/>
+      </a:fillRef>
+      <a:effectRef idx="0">
+        <a:scrgbClr r="0" g="0" b="0"/>
+      </a:effectRef>
+      <a:fontRef idx="minor"/>
+    </dgm:style>
+  </dgm:styleLbl>
+  <dgm:styleLbl name="parChTrans1D3">
+    <dgm:scene3d>
+      <a:camera prst="orthographicFront"/>
+      <a:lightRig rig="threePt" dir="t"/>
+    </dgm:scene3d>
+    <dgm:sp3d/>
+    <dgm:txPr/>
+    <dgm:style>
+      <a:lnRef idx="2">
+        <a:scrgbClr r="0" g="0" b="0"/>
+      </a:lnRef>
+      <a:fillRef idx="0">
+        <a:scrgbClr r="0" g="0" b="0"/>
+      </a:fillRef>
+      <a:effectRef idx="0">
+        <a:scrgbClr r="0" g="0" b="0"/>
+      </a:effectRef>
+      <a:fontRef idx="minor"/>
+    </dgm:style>
+  </dgm:styleLbl>
+  <dgm:styleLbl name="parChTrans1D4">
+    <dgm:scene3d>
+      <a:camera prst="orthographicFront"/>
+      <a:lightRig rig="threePt" dir="t"/>
+    </dgm:scene3d>
+    <dgm:sp3d/>
+    <dgm:txPr/>
+    <dgm:style>
+      <a:lnRef idx="2">
+        <a:scrgbClr r="0" g="0" b="0"/>
+      </a:lnRef>
+      <a:fillRef idx="0">
+        <a:scrgbClr r="0" g="0" b="0"/>
+      </a:fillRef>
+      <a:effectRef idx="0">
+        <a:scrgbClr r="0" g="0" b="0"/>
+      </a:effectRef>
+      <a:fontRef idx="minor"/>
+    </dgm:style>
+  </dgm:styleLbl>
+  <dgm:styleLbl name="fgAcc1">
+    <dgm:scene3d>
+      <a:camera prst="orthographicFront"/>
+      <a:lightRig rig="threePt" dir="t"/>
+    </dgm:scene3d>
+    <dgm:sp3d/>
+    <dgm:txPr/>
+    <dgm:style>
+      <a:lnRef idx="2">
+        <a:scrgbClr r="0" g="0" b="0"/>
+      </a:lnRef>
+      <a:fillRef idx="1">
+        <a:scrgbClr r="0" g="0" b="0"/>
+      </a:fillRef>
+      <a:effectRef idx="0">
+        <a:scrgbClr r="0" g="0" b="0"/>
+      </a:effectRef>
+      <a:fontRef idx="minor"/>
+    </dgm:style>
+  </dgm:styleLbl>
+  <dgm:styleLbl name="conFgAcc1">
+    <dgm:scene3d>
+      <a:camera prst="orthographicFront"/>
+      <a:lightRig rig="threePt" dir="t"/>
+    </dgm:scene3d>
+    <dgm:sp3d/>
+    <dgm:txPr/>
+    <dgm:style>
+      <a:lnRef idx="2">
+        <a:scrgbClr r="0" g="0" b="0"/>
+      </a:lnRef>
+      <a:fillRef idx="1">
+        <a:scrgbClr r="0" g="0" b="0"/>
+      </a:fillRef>
+      <a:effectRef idx="0">
+        <a:scrgbClr r="0" g="0" b="0"/>
+      </a:effectRef>
+      <a:fontRef idx="minor"/>
+    </dgm:style>
+  </dgm:styleLbl>
+  <dgm:styleLbl name="alignAcc1">
+    <dgm:scene3d>
+      <a:camera prst="orthographicFront"/>
+      <a:lightRig rig="threePt" dir="t"/>
+    </dgm:scene3d>
+    <dgm:sp3d/>
+    <dgm:txPr/>
+    <dgm:style>
+      <a:lnRef idx="2">
+        <a:scrgbClr r="0" g="0" b="0"/>
+      </a:lnRef>
+      <a:fillRef idx="1">
+        <a:scrgbClr r="0" g="0" b="0"/>
+      </a:fillRef>
+      <a:effectRef idx="0">
+        <a:scrgbClr r="0" g="0" b="0"/>
+      </a:effectRef>
+      <a:fontRef idx="minor"/>
+    </dgm:style>
+  </dgm:styleLbl>
+  <dgm:styleLbl name="trAlignAcc1">
+    <dgm:scene3d>
+      <a:camera prst="orthographicFront"/>
+      <a:lightRig rig="threePt" dir="t"/>
+    </dgm:scene3d>
+    <dgm:sp3d/>
+    <dgm:txPr/>
+    <dgm:style>
+      <a:lnRef idx="1">
+        <a:scrgbClr r="0" g="0" b="0"/>
+      </a:lnRef>
+      <a:fillRef idx="1">
+        <a:scrgbClr r="0" g="0" b="0"/>
+      </a:fillRef>
+      <a:effectRef idx="0">
+        <a:scrgbClr r="0" g="0" b="0"/>
+      </a:effectRef>
+      <a:fontRef idx="minor"/>
+    </dgm:style>
+  </dgm:styleLbl>
+  <dgm:styleLbl name="bgAcc1">
+    <dgm:scene3d>
+      <a:camera prst="orthographicFront"/>
+      <a:lightRig rig="threePt" dir="t"/>
+    </dgm:scene3d>
+    <dgm:sp3d/>
+    <dgm:txPr/>
+    <dgm:style>
+      <a:lnRef idx="2">
+        <a:scrgbClr r="0" g="0" b="0"/>
+      </a:lnRef>
+      <a:fillRef idx="1">
+        <a:scrgbClr r="0" g="0" b="0"/>
+      </a:fillRef>
+      <a:effectRef idx="0">
+        <a:scrgbClr r="0" g="0" b="0"/>
+      </a:effectRef>
+      <a:fontRef idx="minor"/>
+    </dgm:style>
+  </dgm:styleLbl>
+  <dgm:styleLbl name="solidFgAcc1">
+    <dgm:scene3d>
+      <a:camera prst="orthographicFront"/>
+      <a:lightRig rig="threePt" dir="t"/>
+    </dgm:scene3d>
+    <dgm:sp3d/>
+    <dgm:txPr/>
+    <dgm:style>
+      <a:lnRef idx="2">
+        <a:scrgbClr r="0" g="0" b="0"/>
+      </a:lnRef>
+      <a:fillRef idx="1">
+        <a:scrgbClr r="0" g="0" b="0"/>
+      </a:fillRef>
+      <a:effectRef idx="0">
+        <a:scrgbClr r="0" g="0" b="0"/>
+      </a:effectRef>
+      <a:fontRef idx="minor"/>
+    </dgm:style>
+  </dgm:styleLbl>
+  <dgm:styleLbl name="solidAlignAcc1">
+    <dgm:scene3d>
+      <a:camera prst="orthographicFront"/>
+      <a:lightRig rig="threePt" dir="t"/>
+    </dgm:scene3d>
+    <dgm:sp3d/>
+    <dgm:txPr/>
+    <dgm:style>
+      <a:lnRef idx="2">
+        <a:scrgbClr r="0" g="0" b="0"/>
+      </a:lnRef>
+      <a:fillRef idx="1">
+        <a:scrgbClr r="0" g="0" b="0"/>
+      </a:fillRef>
+      <a:effectRef idx="0">
+        <a:scrgbClr r="0" g="0" b="0"/>
+      </a:effectRef>
+      <a:fontRef idx="minor"/>
+    </dgm:style>
+  </dgm:styleLbl>
+  <dgm:styleLbl name="solidBgAcc1">
+    <dgm:scene3d>
+      <a:camera prst="orthographicFront"/>
+      <a:lightRig rig="threePt" dir="t"/>
+    </dgm:scene3d>
+    <dgm:sp3d/>
+    <dgm:txPr/>
+    <dgm:style>
+      <a:lnRef idx="2">
+        <a:scrgbClr r="0" g="0" b="0"/>
+      </a:lnRef>
+      <a:fillRef idx="1">
+        <a:scrgbClr r="0" g="0" b="0"/>
+      </a:fillRef>
+      <a:effectRef idx="0">
+        <a:scrgbClr r="0" g="0" b="0"/>
+      </a:effectRef>
+      <a:fontRef idx="minor"/>
+    </dgm:style>
+  </dgm:styleLbl>
+  <dgm:styleLbl name="fgAccFollowNode1">
+    <dgm:scene3d>
+      <a:camera prst="orthographicFront"/>
+      <a:lightRig rig="threePt" dir="t"/>
+    </dgm:scene3d>
+    <dgm:sp3d/>
+    <dgm:txPr/>
+    <dgm:style>
+      <a:lnRef idx="2">
+        <a:scrgbClr r="0" g="0" b="0"/>
+      </a:lnRef>
+      <a:fillRef idx="1">
+        <a:scrgbClr r="0" g="0" b="0"/>
+      </a:fillRef>
+      <a:effectRef idx="0">
+        <a:scrgbClr r="0" g="0" b="0"/>
+      </a:effectRef>
+      <a:fontRef idx="minor"/>
+    </dgm:style>
+  </dgm:styleLbl>
+  <dgm:styleLbl name="alignAccFollowNode1">
+    <dgm:scene3d>
+      <a:camera prst="orthographicFront"/>
+      <a:lightRig rig="threePt" dir="t"/>
+    </dgm:scene3d>
+    <dgm:sp3d/>
+    <dgm:txPr/>
+    <dgm:style>
+      <a:lnRef idx="2">
+        <a:scrgbClr r="0" g="0" b="0"/>
+      </a:lnRef>
+      <a:fillRef idx="1">
+        <a:scrgbClr r="0" g="0" b="0"/>
+      </a:fillRef>
+      <a:effectRef idx="0">
+        <a:scrgbClr r="0" g="0" b="0"/>
+      </a:effectRef>
+      <a:fontRef idx="minor"/>
+    </dgm:style>
+  </dgm:styleLbl>
+  <dgm:styleLbl name="bgAccFollowNode1">
+    <dgm:scene3d>
+      <a:camera prst="orthographicFront"/>
+      <a:lightRig rig="threePt" dir="t"/>
+    </dgm:scene3d>
+    <dgm:sp3d/>
+    <dgm:txPr/>
+    <dgm:style>
+      <a:lnRef idx="2">
+        <a:scrgbClr r="0" g="0" b="0"/>
+      </a:lnRef>
+      <a:fillRef idx="1">
+        <a:scrgbClr r="0" g="0" b="0"/>
+      </a:fillRef>
+      <a:effectRef idx="0">
+        <a:scrgbClr r="0" g="0" b="0"/>
+      </a:effectRef>
+      <a:fontRef idx="minor"/>
+    </dgm:style>
+  </dgm:styleLbl>
+  <dgm:styleLbl name="fgAcc0">
+    <dgm:scene3d>
+      <a:camera prst="orthographicFront"/>
+      <a:lightRig rig="threePt" dir="t"/>
+    </dgm:scene3d>
+    <dgm:sp3d/>
+    <dgm:txPr/>
+    <dgm:style>
+      <a:lnRef idx="2">
+        <a:scrgbClr r="0" g="0" b="0"/>
+      </a:lnRef>
+      <a:fillRef idx="1">
+        <a:scrgbClr r="0" g="0" b="0"/>
+      </a:fillRef>
+      <a:effectRef idx="0">
+        <a:scrgbClr r="0" g="0" b="0"/>
+      </a:effectRef>
+      <a:fontRef idx="minor"/>
+    </dgm:style>
+  </dgm:styleLbl>
+  <dgm:styleLbl name="fgAcc2">
+    <dgm:scene3d>
+      <a:camera prst="orthographicFront"/>
+      <a:lightRig rig="threePt" dir="t"/>
+    </dgm:scene3d>
+    <dgm:sp3d/>
+    <dgm:txPr/>
+    <dgm:style>
+      <a:lnRef idx="2">
+        <a:scrgbClr r="0" g="0" b="0"/>
+      </a:lnRef>
+      <a:fillRef idx="1">
+        <a:scrgbClr r="0" g="0" b="0"/>
+      </a:fillRef>
+      <a:effectRef idx="0">
+        <a:scrgbClr r="0" g="0" b="0"/>
+      </a:effectRef>
+      <a:fontRef idx="minor"/>
+    </dgm:style>
+  </dgm:styleLbl>
+  <dgm:styleLbl name="fgAcc3">
+    <dgm:scene3d>
+      <a:camera prst="orthographicFront"/>
+      <a:lightRig rig="threePt" dir="t"/>
+    </dgm:scene3d>
+    <dgm:sp3d/>
+    <dgm:txPr/>
+    <dgm:style>
+      <a:lnRef idx="2">
+        <a:scrgbClr r="0" g="0" b="0"/>
+      </a:lnRef>
+      <a:fillRef idx="1">
+        <a:scrgbClr r="0" g="0" b="0"/>
+      </a:fillRef>
+      <a:effectRef idx="0">
+        <a:scrgbClr r="0" g="0" b="0"/>
+      </a:effectRef>
+      <a:fontRef idx="minor"/>
+    </dgm:style>
+  </dgm:styleLbl>
+  <dgm:styleLbl name="fgAcc4">
+    <dgm:scene3d>
+      <a:camera prst="orthographicFront"/>
+      <a:lightRig rig="threePt" dir="t"/>
+    </dgm:scene3d>
+    <dgm:sp3d/>
+    <dgm:txPr/>
+    <dgm:style>
+      <a:lnRef idx="2">
+        <a:scrgbClr r="0" g="0" b="0"/>
+      </a:lnRef>
+      <a:fillRef idx="1">
+        <a:scrgbClr r="0" g="0" b="0"/>
+      </a:fillRef>
+      <a:effectRef idx="0">
+        <a:scrgbClr r="0" g="0" b="0"/>
+      </a:effectRef>
+      <a:fontRef idx="minor"/>
+    </dgm:style>
+  </dgm:styleLbl>
+  <dgm:styleLbl name="bgShp">
+    <dgm:scene3d>
+      <a:camera prst="orthographicFront"/>
+      <a:lightRig rig="threePt" dir="t"/>
+    </dgm:scene3d>
+    <dgm:sp3d/>
+    <dgm:txPr/>
+    <dgm:style>
+      <a:lnRef idx="0">
+        <a:scrgbClr r="0" g="0" b="0"/>
+      </a:lnRef>
+      <a:fillRef idx="1">
+        <a:scrgbClr r="0" g="0" b="0"/>
+      </a:fillRef>
+      <a:effectRef idx="0">
+        <a:scrgbClr r="0" g="0" b="0"/>
+      </a:effectRef>
+      <a:fontRef idx="minor"/>
+    </dgm:style>
+  </dgm:styleLbl>
+  <dgm:styleLbl name="dkBgShp">
+    <dgm:scene3d>
+      <a:camera prst="orthographicFront"/>
+      <a:lightRig rig="threePt" dir="t"/>
+    </dgm:scene3d>
+    <dgm:sp3d/>
+    <dgm:txPr/>
+    <dgm:style>
+      <a:lnRef idx="0">
+        <a:scrgbClr r="0" g="0" b="0"/>
+      </a:lnRef>
+      <a:fillRef idx="1">
+        <a:scrgbClr r="0" g="0" b="0"/>
+      </a:fillRef>
+      <a:effectRef idx="0">
+        <a:scrgbClr r="0" g="0" b="0"/>
+      </a:effectRef>
+      <a:fontRef idx="minor"/>
+    </dgm:style>
+  </dgm:styleLbl>
+  <dgm:styleLbl name="trBgShp">
+    <dgm:scene3d>
+      <a:camera prst="orthographicFront"/>
+      <a:lightRig rig="threePt" dir="t"/>
+    </dgm:scene3d>
+    <dgm:sp3d/>
+    <dgm:txPr/>
+    <dgm:style>
+      <a:lnRef idx="0">
+        <a:scrgbClr r="0" g="0" b="0"/>
+      </a:lnRef>
+      <a:fillRef idx="1">
+        <a:scrgbClr r="0" g="0" b="0"/>
+      </a:fillRef>
+      <a:effectRef idx="0">
+        <a:scrgbClr r="0" g="0" b="0"/>
+      </a:effectRef>
+      <a:fontRef idx="minor"/>
+    </dgm:style>
+  </dgm:styleLbl>
+  <dgm:styleLbl name="fgShp">
+    <dgm:scene3d>
+      <a:camera prst="orthographicFront"/>
+      <a:lightRig rig="threePt" dir="t"/>
+    </dgm:scene3d>
+    <dgm:sp3d/>
+    <dgm:txPr/>
+    <dgm:style>
+      <a:lnRef idx="2">
+        <a:scrgbClr r="0" g="0" b="0"/>
+      </a:lnRef>
+      <a:fillRef idx="1">
+        <a:scrgbClr r="0" g="0" b="0"/>
+      </a:fillRef>
+      <a:effectRef idx="0">
+        <a:scrgbClr r="0" g="0" b="0"/>
+      </a:effectRef>
+      <a:fontRef idx="minor"/>
+    </dgm:style>
+  </dgm:styleLbl>
+  <dgm:styleLbl name="revTx">
+    <dgm:scene3d>
+      <a:camera prst="orthographicFront"/>
+      <a:lightRig rig="threePt" dir="t"/>
+    </dgm:scene3d>
+    <dgm:sp3d/>
+    <dgm:txPr/>
+    <dgm:style>
+      <a:lnRef idx="0">
+        <a:scrgbClr r="0" g="0" b="0"/>
+      </a:lnRef>
+      <a:fillRef idx="0">
+        <a:scrgbClr r="0" g="0" b="0"/>
+      </a:fillRef>
+      <a:effectRef idx="0">
+        <a:scrgbClr r="0" g="0" b="0"/>
+      </a:effectRef>
+      <a:fontRef idx="minor"/>
+    </dgm:style>
+  </dgm:styleLbl>
+</dgm:styleDef>
+</file>
+
+<file path=ppt/diagrams/quickStyle7.xml><?xml version="1.0" encoding="utf-8"?>
+<dgm:styleDef xmlns:dgm="http://schemas.openxmlformats.org/drawingml/2006/diagram" xmlns:a="http://schemas.openxmlformats.org/drawingml/2006/main" uniqueId="urn:microsoft.com/office/officeart/2005/8/quickstyle/simple1">
+  <dgm:title val=""/>
+  <dgm:desc val=""/>
+  <dgm:catLst>
+    <dgm:cat type="simple" pri="10100"/>
+  </dgm:catLst>
+  <dgm:scene3d>
+    <a:camera prst="orthographicFront"/>
+    <a:lightRig rig="threePt" dir="t"/>
+  </dgm:scene3d>
+  <dgm:styleLbl name="node0">
+    <dgm:scene3d>
+      <a:camera prst="orthographicFront"/>
+      <a:lightRig rig="threePt" dir="t"/>
+    </dgm:scene3d>
+    <dgm:sp3d/>
+    <dgm:txPr/>
+    <dgm:style>
+      <a:lnRef idx="2">
+        <a:scrgbClr r="0" g="0" b="0"/>
+      </a:lnRef>
+      <a:fillRef idx="1">
+        <a:scrgbClr r="0" g="0" b="0"/>
+      </a:fillRef>
+      <a:effectRef idx="0">
+        <a:scrgbClr r="0" g="0" b="0"/>
+      </a:effectRef>
+      <a:fontRef idx="minor">
+        <a:schemeClr val="lt1"/>
+      </a:fontRef>
+    </dgm:style>
+  </dgm:styleLbl>
+  <dgm:styleLbl name="lnNode1">
+    <dgm:scene3d>
+      <a:camera prst="orthographicFront"/>
+      <a:lightRig rig="threePt" dir="t"/>
+    </dgm:scene3d>
+    <dgm:sp3d/>
+    <dgm:txPr/>
+    <dgm:style>
+      <a:lnRef idx="2">
+        <a:scrgbClr r="0" g="0" b="0"/>
+      </a:lnRef>
+      <a:fillRef idx="1">
+        <a:scrgbClr r="0" g="0" b="0"/>
+      </a:fillRef>
+      <a:effectRef idx="0">
+        <a:scrgbClr r="0" g="0" b="0"/>
+      </a:effectRef>
+      <a:fontRef idx="minor">
+        <a:schemeClr val="lt1"/>
+      </a:fontRef>
+    </dgm:style>
+  </dgm:styleLbl>
+  <dgm:styleLbl name="vennNode1">
+    <dgm:scene3d>
+      <a:camera prst="orthographicFront"/>
+      <a:lightRig rig="threePt" dir="t"/>
+    </dgm:scene3d>
+    <dgm:sp3d/>
+    <dgm:txPr/>
+    <dgm:style>
+      <a:lnRef idx="2">
+        <a:scrgbClr r="0" g="0" b="0"/>
+      </a:lnRef>
+      <a:fillRef idx="1">
+        <a:scrgbClr r="0" g="0" b="0"/>
+      </a:fillRef>
+      <a:effectRef idx="0">
+        <a:scrgbClr r="0" g="0" b="0"/>
+      </a:effectRef>
+      <a:fontRef idx="minor">
+        <a:schemeClr val="tx1"/>
+      </a:fontRef>
+    </dgm:style>
+  </dgm:styleLbl>
+  <dgm:styleLbl name="alignNode1">
+    <dgm:scene3d>
+      <a:camera prst="orthographicFront"/>
+      <a:lightRig rig="threePt" dir="t"/>
+    </dgm:scene3d>
+    <dgm:sp3d/>
+    <dgm:txPr/>
+    <dgm:style>
+      <a:lnRef idx="2">
+        <a:scrgbClr r="0" g="0" b="0"/>
+      </a:lnRef>
+      <a:fillRef idx="1">
+        <a:scrgbClr r="0" g="0" b="0"/>
+      </a:fillRef>
+      <a:effectRef idx="0">
+        <a:scrgbClr r="0" g="0" b="0"/>
+      </a:effectRef>
+      <a:fontRef idx="minor">
+        <a:schemeClr val="lt1"/>
+      </a:fontRef>
+    </dgm:style>
+  </dgm:styleLbl>
+  <dgm:styleLbl name="node1">
+    <dgm:scene3d>
+      <a:camera prst="orthographicFront"/>
+      <a:lightRig rig="threePt" dir="t"/>
+    </dgm:scene3d>
+    <dgm:sp3d/>
+    <dgm:txPr/>
+    <dgm:style>
+      <a:lnRef idx="2">
+        <a:scrgbClr r="0" g="0" b="0"/>
+      </a:lnRef>
+      <a:fillRef idx="1">
+        <a:scrgbClr r="0" g="0" b="0"/>
+      </a:fillRef>
+      <a:effectRef idx="0">
+        <a:scrgbClr r="0" g="0" b="0"/>
+      </a:effectRef>
+      <a:fontRef idx="minor">
+        <a:schemeClr val="lt1"/>
+      </a:fontRef>
+    </dgm:style>
+  </dgm:styleLbl>
+  <dgm:styleLbl name="node2">
+    <dgm:scene3d>
+      <a:camera prst="orthographicFront"/>
+      <a:lightRig rig="threePt" dir="t"/>
+    </dgm:scene3d>
+    <dgm:sp3d/>
+    <dgm:txPr/>
+    <dgm:style>
+      <a:lnRef idx="2">
+        <a:scrgbClr r="0" g="0" b="0"/>
+      </a:lnRef>
+      <a:fillRef idx="1">
+        <a:scrgbClr r="0" g="0" b="0"/>
+      </a:fillRef>
+      <a:effectRef idx="0">
+        <a:scrgbClr r="0" g="0" b="0"/>
+      </a:effectRef>
+      <a:fontRef idx="minor">
+        <a:schemeClr val="lt1"/>
+      </a:fontRef>
+    </dgm:style>
+  </dgm:styleLbl>
+  <dgm:styleLbl name="node3">
+    <dgm:scene3d>
+      <a:camera prst="orthographicFront"/>
+      <a:lightRig rig="threePt" dir="t"/>
+    </dgm:scene3d>
+    <dgm:sp3d/>
+    <dgm:txPr/>
+    <dgm:style>
+      <a:lnRef idx="2">
+        <a:scrgbClr r="0" g="0" b="0"/>
+      </a:lnRef>
+      <a:fillRef idx="1">
+        <a:scrgbClr r="0" g="0" b="0"/>
+      </a:fillRef>
+      <a:effectRef idx="0">
+        <a:scrgbClr r="0" g="0" b="0"/>
+      </a:effectRef>
+      <a:fontRef idx="minor">
+        <a:schemeClr val="lt1"/>
+      </a:fontRef>
+    </dgm:style>
+  </dgm:styleLbl>
+  <dgm:styleLbl name="node4">
+    <dgm:scene3d>
+      <a:camera prst="orthographicFront"/>
+      <a:lightRig rig="threePt" dir="t"/>
+    </dgm:scene3d>
+    <dgm:sp3d/>
+    <dgm:txPr/>
+    <dgm:style>
+      <a:lnRef idx="2">
+        <a:scrgbClr r="0" g="0" b="0"/>
+      </a:lnRef>
+      <a:fillRef idx="1">
+        <a:scrgbClr r="0" g="0" b="0"/>
+      </a:fillRef>
+      <a:effectRef idx="0">
+        <a:scrgbClr r="0" g="0" b="0"/>
+      </a:effectRef>
+      <a:fontRef idx="minor">
+        <a:schemeClr val="lt1"/>
+      </a:fontRef>
+    </dgm:style>
+  </dgm:styleLbl>
+  <dgm:styleLbl name="fgImgPlace1">
+    <dgm:scene3d>
+      <a:camera prst="orthographicFront"/>
+      <a:lightRig rig="threePt" dir="t"/>
+    </dgm:scene3d>
+    <dgm:sp3d/>
+    <dgm:txPr/>
+    <dgm:style>
+      <a:lnRef idx="2">
+        <a:scrgbClr r="0" g="0" b="0"/>
+      </a:lnRef>
+      <a:fillRef idx="1">
+        <a:scrgbClr r="0" g="0" b="0"/>
+      </a:fillRef>
+      <a:effectRef idx="0">
+        <a:scrgbClr r="0" g="0" b="0"/>
+      </a:effectRef>
+      <a:fontRef idx="minor"/>
+    </dgm:style>
+  </dgm:styleLbl>
+  <dgm:styleLbl name="alignImgPlace1">
+    <dgm:scene3d>
+      <a:camera prst="orthographicFront"/>
+      <a:lightRig rig="threePt" dir="t"/>
+    </dgm:scene3d>
+    <dgm:sp3d/>
+    <dgm:txPr/>
+    <dgm:style>
+      <a:lnRef idx="2">
+        <a:scrgbClr r="0" g="0" b="0"/>
+      </a:lnRef>
+      <a:fillRef idx="1">
+        <a:scrgbClr r="0" g="0" b="0"/>
+      </a:fillRef>
+      <a:effectRef idx="0">
+        <a:scrgbClr r="0" g="0" b="0"/>
+      </a:effectRef>
+      <a:fontRef idx="minor"/>
+    </dgm:style>
+  </dgm:styleLbl>
+  <dgm:styleLbl name="bgImgPlace1">
+    <dgm:scene3d>
+      <a:camera prst="orthographicFront"/>
+      <a:lightRig rig="threePt" dir="t"/>
+    </dgm:scene3d>
+    <dgm:sp3d/>
+    <dgm:txPr/>
+    <dgm:style>
+      <a:lnRef idx="2">
+        <a:scrgbClr r="0" g="0" b="0"/>
+      </a:lnRef>
+      <a:fillRef idx="1">
+        <a:scrgbClr r="0" g="0" b="0"/>
+      </a:fillRef>
+      <a:effectRef idx="0">
+        <a:scrgbClr r="0" g="0" b="0"/>
+      </a:effectRef>
+      <a:fontRef idx="minor"/>
+    </dgm:style>
+  </dgm:styleLbl>
+  <dgm:styleLbl name="sibTrans2D1">
+    <dgm:scene3d>
+      <a:camera prst="orthographicFront"/>
+      <a:lightRig rig="threePt" dir="t"/>
+    </dgm:scene3d>
+    <dgm:sp3d/>
+    <dgm:txPr/>
+    <dgm:style>
+      <a:lnRef idx="0">
+        <a:scrgbClr r="0" g="0" b="0"/>
+      </a:lnRef>
+      <a:fillRef idx="1">
+        <a:scrgbClr r="0" g="0" b="0"/>
+      </a:fillRef>
+      <a:effectRef idx="0">
+        <a:scrgbClr r="0" g="0" b="0"/>
+      </a:effectRef>
+      <a:fontRef idx="minor">
+        <a:schemeClr val="lt1"/>
+      </a:fontRef>
+    </dgm:style>
+  </dgm:styleLbl>
+  <dgm:styleLbl name="fgSibTrans2D1">
+    <dgm:scene3d>
+      <a:camera prst="orthographicFront"/>
+      <a:lightRig rig="threePt" dir="t"/>
+    </dgm:scene3d>
+    <dgm:sp3d/>
+    <dgm:txPr/>
+    <dgm:style>
+      <a:lnRef idx="0">
+        <a:scrgbClr r="0" g="0" b="0"/>
+      </a:lnRef>
+      <a:fillRef idx="1">
+        <a:scrgbClr r="0" g="0" b="0"/>
+      </a:fillRef>
+      <a:effectRef idx="0">
+        <a:scrgbClr r="0" g="0" b="0"/>
+      </a:effectRef>
+      <a:fontRef idx="minor">
+        <a:schemeClr val="lt1"/>
+      </a:fontRef>
+    </dgm:style>
+  </dgm:styleLbl>
+  <dgm:styleLbl name="bgSibTrans2D1">
+    <dgm:scene3d>
+      <a:camera prst="orthographicFront"/>
+      <a:lightRig rig="threePt" dir="t"/>
+    </dgm:scene3d>
+    <dgm:sp3d/>
+    <dgm:txPr/>
+    <dgm:style>
+      <a:lnRef idx="0">
+        <a:scrgbClr r="0" g="0" b="0"/>
+      </a:lnRef>
+      <a:fillRef idx="1">
+        <a:scrgbClr r="0" g="0" b="0"/>
+      </a:fillRef>
+      <a:effectRef idx="0">
+        <a:scrgbClr r="0" g="0" b="0"/>
+      </a:effectRef>
+      <a:fontRef idx="minor">
+        <a:schemeClr val="lt1"/>
+      </a:fontRef>
+    </dgm:style>
+  </dgm:styleLbl>
+  <dgm:styleLbl name="sibTrans1D1">
+    <dgm:scene3d>
+      <a:camera prst="orthographicFront"/>
+      <a:lightRig rig="threePt" dir="t"/>
+    </dgm:scene3d>
+    <dgm:sp3d/>
+    <dgm:txPr/>
+    <dgm:style>
+      <a:lnRef idx="1">
+        <a:scrgbClr r="0" g="0" b="0"/>
+      </a:lnRef>
+      <a:fillRef idx="0">
+        <a:scrgbClr r="0" g="0" b="0"/>
+      </a:fillRef>
+      <a:effectRef idx="0">
+        <a:scrgbClr r="0" g="0" b="0"/>
+      </a:effectRef>
+      <a:fontRef idx="minor"/>
+    </dgm:style>
+  </dgm:styleLbl>
+  <dgm:styleLbl name="callout">
+    <dgm:scene3d>
+      <a:camera prst="orthographicFront"/>
+      <a:lightRig rig="threePt" dir="t"/>
+    </dgm:scene3d>
+    <dgm:sp3d/>
+    <dgm:txPr/>
+    <dgm:style>
+      <a:lnRef idx="2">
+        <a:scrgbClr r="0" g="0" b="0"/>
+      </a:lnRef>
+      <a:fillRef idx="1">
+        <a:scrgbClr r="0" g="0" b="0"/>
+      </a:fillRef>
+      <a:effectRef idx="0">
+        <a:scrgbClr r="0" g="0" b="0"/>
+      </a:effectRef>
+      <a:fontRef idx="minor"/>
+    </dgm:style>
+  </dgm:styleLbl>
+  <dgm:styleLbl name="asst0">
+    <dgm:scene3d>
+      <a:camera prst="orthographicFront"/>
+      <a:lightRig rig="threePt" dir="t"/>
+    </dgm:scene3d>
+    <dgm:sp3d/>
+    <dgm:txPr/>
+    <dgm:style>
+      <a:lnRef idx="2">
+        <a:scrgbClr r="0" g="0" b="0"/>
+      </a:lnRef>
+      <a:fillRef idx="1">
+        <a:scrgbClr r="0" g="0" b="0"/>
+      </a:fillRef>
+      <a:effectRef idx="0">
+        <a:scrgbClr r="0" g="0" b="0"/>
+      </a:effectRef>
+      <a:fontRef idx="minor">
+        <a:schemeClr val="lt1"/>
+      </a:fontRef>
+    </dgm:style>
+  </dgm:styleLbl>
+  <dgm:styleLbl name="asst1">
+    <dgm:scene3d>
+      <a:camera prst="orthographicFront"/>
+      <a:lightRig rig="threePt" dir="t"/>
+    </dgm:scene3d>
+    <dgm:sp3d/>
+    <dgm:txPr/>
+    <dgm:style>
+      <a:lnRef idx="2">
+        <a:scrgbClr r="0" g="0" b="0"/>
+      </a:lnRef>
+      <a:fillRef idx="1">
+        <a:scrgbClr r="0" g="0" b="0"/>
+      </a:fillRef>
+      <a:effectRef idx="0">
+        <a:scrgbClr r="0" g="0" b="0"/>
+      </a:effectRef>
+      <a:fontRef idx="minor">
+        <a:schemeClr val="lt1"/>
+      </a:fontRef>
+    </dgm:style>
+  </dgm:styleLbl>
+  <dgm:styleLbl name="asst2">
+    <dgm:scene3d>
+      <a:camera prst="orthographicFront"/>
+      <a:lightRig rig="threePt" dir="t"/>
+    </dgm:scene3d>
+    <dgm:sp3d/>
+    <dgm:txPr/>
+    <dgm:style>
+      <a:lnRef idx="2">
+        <a:scrgbClr r="0" g="0" b="0"/>
+      </a:lnRef>
+      <a:fillRef idx="1">
+        <a:scrgbClr r="0" g="0" b="0"/>
+      </a:fillRef>
+      <a:effectRef idx="0">
+        <a:scrgbClr r="0" g="0" b="0"/>
+      </a:effectRef>
+      <a:fontRef idx="minor">
+        <a:schemeClr val="lt1"/>
+      </a:fontRef>
+    </dgm:style>
+  </dgm:styleLbl>
+  <dgm:styleLbl name="asst3">
+    <dgm:scene3d>
+      <a:camera prst="orthographicFront"/>
+      <a:lightRig rig="threePt" dir="t"/>
+    </dgm:scene3d>
+    <dgm:sp3d/>
+    <dgm:txPr/>
+    <dgm:style>
+      <a:lnRef idx="2">
+        <a:scrgbClr r="0" g="0" b="0"/>
+      </a:lnRef>
+      <a:fillRef idx="1">
+        <a:scrgbClr r="0" g="0" b="0"/>
+      </a:fillRef>
+      <a:effectRef idx="0">
+        <a:scrgbClr r="0" g="0" b="0"/>
+      </a:effectRef>
+      <a:fontRef idx="minor">
+        <a:schemeClr val="lt1"/>
+      </a:fontRef>
+    </dgm:style>
+  </dgm:styleLbl>
+  <dgm:styleLbl name="asst4">
+    <dgm:scene3d>
+      <a:camera prst="orthographicFront"/>
+      <a:lightRig rig="threePt" dir="t"/>
+    </dgm:scene3d>
+    <dgm:sp3d/>
+    <dgm:txPr/>
+    <dgm:style>
+      <a:lnRef idx="2">
+        <a:scrgbClr r="0" g="0" b="0"/>
+      </a:lnRef>
+      <a:fillRef idx="1">
+        <a:scrgbClr r="0" g="0" b="0"/>
+      </a:fillRef>
+      <a:effectRef idx="0">
+        <a:scrgbClr r="0" g="0" b="0"/>
+      </a:effectRef>
+      <a:fontRef idx="minor">
+        <a:schemeClr val="lt1"/>
+      </a:fontRef>
+    </dgm:style>
+  </dgm:styleLbl>
+  <dgm:styleLbl name="parChTrans2D1">
+    <dgm:scene3d>
+      <a:camera prst="orthographicFront"/>
+      <a:lightRig rig="threePt" dir="t"/>
+    </dgm:scene3d>
+    <dgm:sp3d/>
+    <dgm:txPr/>
+    <dgm:style>
+      <a:lnRef idx="2">
+        <a:scrgbClr r="0" g="0" b="0"/>
+      </a:lnRef>
+      <a:fillRef idx="1">
+        <a:scrgbClr r="0" g="0" b="0"/>
+      </a:fillRef>
+      <a:effectRef idx="0">
+        <a:scrgbClr r="0" g="0" b="0"/>
+      </a:effectRef>
+      <a:fontRef idx="minor">
+        <a:schemeClr val="lt1"/>
+      </a:fontRef>
+    </dgm:style>
+  </dgm:styleLbl>
+  <dgm:styleLbl name="parChTrans2D2">
+    <dgm:scene3d>
+      <a:camera prst="orthographicFront"/>
+      <a:lightRig rig="threePt" dir="t"/>
+    </dgm:scene3d>
+    <dgm:sp3d/>
+    <dgm:txPr/>
+    <dgm:style>
+      <a:lnRef idx="2">
+        <a:scrgbClr r="0" g="0" b="0"/>
+      </a:lnRef>
+      <a:fillRef idx="1">
+        <a:scrgbClr r="0" g="0" b="0"/>
+      </a:fillRef>
+      <a:effectRef idx="0">
+        <a:scrgbClr r="0" g="0" b="0"/>
+      </a:effectRef>
+      <a:fontRef idx="minor">
+        <a:schemeClr val="lt1"/>
+      </a:fontRef>
+    </dgm:style>
+  </dgm:styleLbl>
+  <dgm:styleLbl name="parChTrans2D3">
+    <dgm:scene3d>
+      <a:camera prst="orthographicFront"/>
+      <a:lightRig rig="threePt" dir="t"/>
+    </dgm:scene3d>
+    <dgm:sp3d/>
+    <dgm:txPr/>
+    <dgm:style>
+      <a:lnRef idx="2">
+        <a:scrgbClr r="0" g="0" b="0"/>
+      </a:lnRef>
+      <a:fillRef idx="1">
+        <a:scrgbClr r="0" g="0" b="0"/>
+      </a:fillRef>
+      <a:effectRef idx="0">
+        <a:scrgbClr r="0" g="0" b="0"/>
+      </a:effectRef>
+      <a:fontRef idx="minor">
+        <a:schemeClr val="lt1"/>
+      </a:fontRef>
+    </dgm:style>
+  </dgm:styleLbl>
+  <dgm:styleLbl name="parChTrans2D4">
+    <dgm:scene3d>
+      <a:camera prst="orthographicFront"/>
+      <a:lightRig rig="threePt" dir="t"/>
+    </dgm:scene3d>
+    <dgm:sp3d/>
+    <dgm:txPr/>
+    <dgm:style>
+      <a:lnRef idx="2">
+        <a:scrgbClr r="0" g="0" b="0"/>
+      </a:lnRef>
+      <a:fillRef idx="1">
+        <a:scrgbClr r="0" g="0" b="0"/>
+      </a:fillRef>
+      <a:effectRef idx="0">
+        <a:scrgbClr r="0" g="0" b="0"/>
+      </a:effectRef>
+      <a:fontRef idx="minor">
+        <a:schemeClr val="lt1"/>
+      </a:fontRef>
+    </dgm:style>
+  </dgm:styleLbl>
+  <dgm:styleLbl name="parChTrans1D1">
+    <dgm:scene3d>
+      <a:camera prst="orthographicFront"/>
+      <a:lightRig rig="threePt" dir="t"/>
+    </dgm:scene3d>
+    <dgm:sp3d/>
+    <dgm:txPr/>
+    <dgm:style>
+      <a:lnRef idx="2">
+        <a:scrgbClr r="0" g="0" b="0"/>
+      </a:lnRef>
+      <a:fillRef idx="0">
+        <a:scrgbClr r="0" g="0" b="0"/>
+      </a:fillRef>
+      <a:effectRef idx="0">
+        <a:scrgbClr r="0" g="0" b="0"/>
+      </a:effectRef>
+      <a:fontRef idx="minor"/>
+    </dgm:style>
+  </dgm:styleLbl>
+  <dgm:styleLbl name="parChTrans1D2">
+    <dgm:scene3d>
+      <a:camera prst="orthographicFront"/>
+      <a:lightRig rig="threePt" dir="t"/>
+    </dgm:scene3d>
+    <dgm:sp3d/>
+    <dgm:txPr/>
+    <dgm:style>
+      <a:lnRef idx="2">
+        <a:scrgbClr r="0" g="0" b="0"/>
+      </a:lnRef>
+      <a:fillRef idx="0">
+        <a:scrgbClr r="0" g="0" b="0"/>
+      </a:fillRef>
+      <a:effectRef idx="0">
+        <a:scrgbClr r="0" g="0" b="0"/>
+      </a:effectRef>
+      <a:fontRef idx="minor"/>
+    </dgm:style>
+  </dgm:styleLbl>
+  <dgm:styleLbl name="parChTrans1D3">
+    <dgm:scene3d>
+      <a:camera prst="orthographicFront"/>
+      <a:lightRig rig="threePt" dir="t"/>
+    </dgm:scene3d>
+    <dgm:sp3d/>
+    <dgm:txPr/>
+    <dgm:style>
+      <a:lnRef idx="2">
+        <a:scrgbClr r="0" g="0" b="0"/>
+      </a:lnRef>
+      <a:fillRef idx="0">
+        <a:scrgbClr r="0" g="0" b="0"/>
+      </a:fillRef>
+      <a:effectRef idx="0">
+        <a:scrgbClr r="0" g="0" b="0"/>
+      </a:effectRef>
+      <a:fontRef idx="minor"/>
+    </dgm:style>
+  </dgm:styleLbl>
+  <dgm:styleLbl name="parChTrans1D4">
+    <dgm:scene3d>
+      <a:camera prst="orthographicFront"/>
+      <a:lightRig rig="threePt" dir="t"/>
+    </dgm:scene3d>
+    <dgm:sp3d/>
+    <dgm:txPr/>
+    <dgm:style>
+      <a:lnRef idx="2">
+        <a:scrgbClr r="0" g="0" b="0"/>
+      </a:lnRef>
+      <a:fillRef idx="0">
+        <a:scrgbClr r="0" g="0" b="0"/>
+      </a:fillRef>
+      <a:effectRef idx="0">
+        <a:scrgbClr r="0" g="0" b="0"/>
+      </a:effectRef>
+      <a:fontRef idx="minor"/>
+    </dgm:style>
+  </dgm:styleLbl>
+  <dgm:styleLbl name="fgAcc1">
+    <dgm:scene3d>
+      <a:camera prst="orthographicFront"/>
+      <a:lightRig rig="threePt" dir="t"/>
+    </dgm:scene3d>
+    <dgm:sp3d/>
+    <dgm:txPr/>
+    <dgm:style>
+      <a:lnRef idx="2">
+        <a:scrgbClr r="0" g="0" b="0"/>
+      </a:lnRef>
+      <a:fillRef idx="1">
+        <a:scrgbClr r="0" g="0" b="0"/>
+      </a:fillRef>
+      <a:effectRef idx="0">
+        <a:scrgbClr r="0" g="0" b="0"/>
+      </a:effectRef>
+      <a:fontRef idx="minor"/>
+    </dgm:style>
+  </dgm:styleLbl>
+  <dgm:styleLbl name="conFgAcc1">
+    <dgm:scene3d>
+      <a:camera prst="orthographicFront"/>
+      <a:lightRig rig="threePt" dir="t"/>
+    </dgm:scene3d>
+    <dgm:sp3d/>
+    <dgm:txPr/>
+    <dgm:style>
+      <a:lnRef idx="2">
+        <a:scrgbClr r="0" g="0" b="0"/>
+      </a:lnRef>
+      <a:fillRef idx="1">
+        <a:scrgbClr r="0" g="0" b="0"/>
+      </a:fillRef>
+      <a:effectRef idx="0">
+        <a:scrgbClr r="0" g="0" b="0"/>
+      </a:effectRef>
+      <a:fontRef idx="minor"/>
+    </dgm:style>
+  </dgm:styleLbl>
+  <dgm:styleLbl name="alignAcc1">
+    <dgm:scene3d>
+      <a:camera prst="orthographicFront"/>
+      <a:lightRig rig="threePt" dir="t"/>
+    </dgm:scene3d>
+    <dgm:sp3d/>
+    <dgm:txPr/>
+    <dgm:style>
+      <a:lnRef idx="2">
+        <a:scrgbClr r="0" g="0" b="0"/>
+      </a:lnRef>
+      <a:fillRef idx="1">
+        <a:scrgbClr r="0" g="0" b="0"/>
+      </a:fillRef>
+      <a:effectRef idx="0">
+        <a:scrgbClr r="0" g="0" b="0"/>
+      </a:effectRef>
+      <a:fontRef idx="minor"/>
+    </dgm:style>
+  </dgm:styleLbl>
+  <dgm:styleLbl name="trAlignAcc1">
+    <dgm:scene3d>
+      <a:camera prst="orthographicFront"/>
+      <a:lightRig rig="threePt" dir="t"/>
+    </dgm:scene3d>
+    <dgm:sp3d/>
+    <dgm:txPr/>
+    <dgm:style>
+      <a:lnRef idx="1">
+        <a:scrgbClr r="0" g="0" b="0"/>
+      </a:lnRef>
+      <a:fillRef idx="1">
+        <a:scrgbClr r="0" g="0" b="0"/>
+      </a:fillRef>
+      <a:effectRef idx="0">
+        <a:scrgbClr r="0" g="0" b="0"/>
+      </a:effectRef>
+      <a:fontRef idx="minor"/>
+    </dgm:style>
+  </dgm:styleLbl>
+  <dgm:styleLbl name="bgAcc1">
+    <dgm:scene3d>
+      <a:camera prst="orthographicFront"/>
+      <a:lightRig rig="threePt" dir="t"/>
+    </dgm:scene3d>
+    <dgm:sp3d/>
+    <dgm:txPr/>
+    <dgm:style>
+      <a:lnRef idx="2">
+        <a:scrgbClr r="0" g="0" b="0"/>
+      </a:lnRef>
+      <a:fillRef idx="1">
+        <a:scrgbClr r="0" g="0" b="0"/>
+      </a:fillRef>
+      <a:effectRef idx="0">
+        <a:scrgbClr r="0" g="0" b="0"/>
+      </a:effectRef>
+      <a:fontRef idx="minor"/>
+    </dgm:style>
+  </dgm:styleLbl>
+  <dgm:styleLbl name="solidFgAcc1">
+    <dgm:scene3d>
+      <a:camera prst="orthographicFront"/>
+      <a:lightRig rig="threePt" dir="t"/>
+    </dgm:scene3d>
+    <dgm:sp3d/>
+    <dgm:txPr/>
+    <dgm:style>
+      <a:lnRef idx="2">
+        <a:scrgbClr r="0" g="0" b="0"/>
+      </a:lnRef>
+      <a:fillRef idx="1">
+        <a:scrgbClr r="0" g="0" b="0"/>
+      </a:fillRef>
+      <a:effectRef idx="0">
+        <a:scrgbClr r="0" g="0" b="0"/>
+      </a:effectRef>
+      <a:fontRef idx="minor"/>
+    </dgm:style>
+  </dgm:styleLbl>
+  <dgm:styleLbl name="solidAlignAcc1">
+    <dgm:scene3d>
+      <a:camera prst="orthographicFront"/>
+      <a:lightRig rig="threePt" dir="t"/>
+    </dgm:scene3d>
+    <dgm:sp3d/>
+    <dgm:txPr/>
+    <dgm:style>
+      <a:lnRef idx="2">
+        <a:scrgbClr r="0" g="0" b="0"/>
+      </a:lnRef>
+      <a:fillRef idx="1">
+        <a:scrgbClr r="0" g="0" b="0"/>
+      </a:fillRef>
+      <a:effectRef idx="0">
+        <a:scrgbClr r="0" g="0" b="0"/>
+      </a:effectRef>
+      <a:fontRef idx="minor"/>
+    </dgm:style>
+  </dgm:styleLbl>
+  <dgm:styleLbl name="solidBgAcc1">
+    <dgm:scene3d>
+      <a:camera prst="orthographicFront"/>
+      <a:lightRig rig="threePt" dir="t"/>
+    </dgm:scene3d>
+    <dgm:sp3d/>
+    <dgm:txPr/>
+    <dgm:style>
+      <a:lnRef idx="2">
+        <a:scrgbClr r="0" g="0" b="0"/>
+      </a:lnRef>
+      <a:fillRef idx="1">
+        <a:scrgbClr r="0" g="0" b="0"/>
+      </a:fillRef>
+      <a:effectRef idx="0">
+        <a:scrgbClr r="0" g="0" b="0"/>
+      </a:effectRef>
+      <a:fontRef idx="minor"/>
+    </dgm:style>
+  </dgm:styleLbl>
+  <dgm:styleLbl name="fgAccFollowNode1">
+    <dgm:scene3d>
+      <a:camera prst="orthographicFront"/>
+      <a:lightRig rig="threePt" dir="t"/>
+    </dgm:scene3d>
+    <dgm:sp3d/>
+    <dgm:txPr/>
+    <dgm:style>
+      <a:lnRef idx="2">
+        <a:scrgbClr r="0" g="0" b="0"/>
+      </a:lnRef>
+      <a:fillRef idx="1">
+        <a:scrgbClr r="0" g="0" b="0"/>
+      </a:fillRef>
+      <a:effectRef idx="0">
+        <a:scrgbClr r="0" g="0" b="0"/>
+      </a:effectRef>
+      <a:fontRef idx="minor"/>
+    </dgm:style>
+  </dgm:styleLbl>
+  <dgm:styleLbl name="alignAccFollowNode1">
+    <dgm:scene3d>
+      <a:camera prst="orthographicFront"/>
+      <a:lightRig rig="threePt" dir="t"/>
+    </dgm:scene3d>
+    <dgm:sp3d/>
+    <dgm:txPr/>
+    <dgm:style>
+      <a:lnRef idx="2">
+        <a:scrgbClr r="0" g="0" b="0"/>
+      </a:lnRef>
+      <a:fillRef idx="1">
+        <a:scrgbClr r="0" g="0" b="0"/>
+      </a:fillRef>
+      <a:effectRef idx="0">
+        <a:scrgbClr r="0" g="0" b="0"/>
+      </a:effectRef>
+      <a:fontRef idx="minor"/>
+    </dgm:style>
+  </dgm:styleLbl>
+  <dgm:styleLbl name="bgAccFollowNode1">
+    <dgm:scene3d>
+      <a:camera prst="orthographicFront"/>
+      <a:lightRig rig="threePt" dir="t"/>
+    </dgm:scene3d>
+    <dgm:sp3d/>
+    <dgm:txPr/>
+    <dgm:style>
+      <a:lnRef idx="2">
+        <a:scrgbClr r="0" g="0" b="0"/>
+      </a:lnRef>
+      <a:fillRef idx="1">
+        <a:scrgbClr r="0" g="0" b="0"/>
+      </a:fillRef>
+      <a:effectRef idx="0">
+        <a:scrgbClr r="0" g="0" b="0"/>
+      </a:effectRef>
+      <a:fontRef idx="minor"/>
+    </dgm:style>
+  </dgm:styleLbl>
+  <dgm:styleLbl name="fgAcc0">
+    <dgm:scene3d>
+      <a:camera prst="orthographicFront"/>
+      <a:lightRig rig="threePt" dir="t"/>
+    </dgm:scene3d>
+    <dgm:sp3d/>
+    <dgm:txPr/>
+    <dgm:style>
+      <a:lnRef idx="2">
+        <a:scrgbClr r="0" g="0" b="0"/>
+      </a:lnRef>
+      <a:fillRef idx="1">
+        <a:scrgbClr r="0" g="0" b="0"/>
+      </a:fillRef>
+      <a:effectRef idx="0">
+        <a:scrgbClr r="0" g="0" b="0"/>
+      </a:effectRef>
+      <a:fontRef idx="minor"/>
+    </dgm:style>
+  </dgm:styleLbl>
+  <dgm:styleLbl name="fgAcc2">
+    <dgm:scene3d>
+      <a:camera prst="orthographicFront"/>
+      <a:lightRig rig="threePt" dir="t"/>
+    </dgm:scene3d>
+    <dgm:sp3d/>
+    <dgm:txPr/>
+    <dgm:style>
+      <a:lnRef idx="2">
+        <a:scrgbClr r="0" g="0" b="0"/>
+      </a:lnRef>
+      <a:fillRef idx="1">
+        <a:scrgbClr r="0" g="0" b="0"/>
+      </a:fillRef>
+      <a:effectRef idx="0">
+        <a:scrgbClr r="0" g="0" b="0"/>
+      </a:effectRef>
+      <a:fontRef idx="minor"/>
+    </dgm:style>
+  </dgm:styleLbl>
+  <dgm:styleLbl name="fgAcc3">
+    <dgm:scene3d>
+      <a:camera prst="orthographicFront"/>
+      <a:lightRig rig="threePt" dir="t"/>
+    </dgm:scene3d>
+    <dgm:sp3d/>
+    <dgm:txPr/>
+    <dgm:style>
+      <a:lnRef idx="2">
+        <a:scrgbClr r="0" g="0" b="0"/>
+      </a:lnRef>
+      <a:fillRef idx="1">
+        <a:scrgbClr r="0" g="0" b="0"/>
+      </a:fillRef>
+      <a:effectRef idx="0">
+        <a:scrgbClr r="0" g="0" b="0"/>
+      </a:effectRef>
+      <a:fontRef idx="minor"/>
+    </dgm:style>
+  </dgm:styleLbl>
+  <dgm:styleLbl name="fgAcc4">
+    <dgm:scene3d>
+      <a:camera prst="orthographicFront"/>
+      <a:lightRig rig="threePt" dir="t"/>
+    </dgm:scene3d>
+    <dgm:sp3d/>
+    <dgm:txPr/>
+    <dgm:style>
+      <a:lnRef idx="2">
+        <a:scrgbClr r="0" g="0" b="0"/>
+      </a:lnRef>
+      <a:fillRef idx="1">
+        <a:scrgbClr r="0" g="0" b="0"/>
+      </a:fillRef>
+      <a:effectRef idx="0">
+        <a:scrgbClr r="0" g="0" b="0"/>
+      </a:effectRef>
+      <a:fontRef idx="minor"/>
+    </dgm:style>
+  </dgm:styleLbl>
+  <dgm:styleLbl name="bgShp">
+    <dgm:scene3d>
+      <a:camera prst="orthographicFront"/>
+      <a:lightRig rig="threePt" dir="t"/>
+    </dgm:scene3d>
+    <dgm:sp3d/>
+    <dgm:txPr/>
+    <dgm:style>
+      <a:lnRef idx="0">
+        <a:scrgbClr r="0" g="0" b="0"/>
+      </a:lnRef>
+      <a:fillRef idx="1">
+        <a:scrgbClr r="0" g="0" b="0"/>
+      </a:fillRef>
+      <a:effectRef idx="0">
+        <a:scrgbClr r="0" g="0" b="0"/>
+      </a:effectRef>
+      <a:fontRef idx="minor"/>
+    </dgm:style>
+  </dgm:styleLbl>
+  <dgm:styleLbl name="dkBgShp">
+    <dgm:scene3d>
+      <a:camera prst="orthographicFront"/>
+      <a:lightRig rig="threePt" dir="t"/>
+    </dgm:scene3d>
+    <dgm:sp3d/>
+    <dgm:txPr/>
+    <dgm:style>
+      <a:lnRef idx="0">
+        <a:scrgbClr r="0" g="0" b="0"/>
+      </a:lnRef>
+      <a:fillRef idx="1">
+        <a:scrgbClr r="0" g="0" b="0"/>
+      </a:fillRef>
+      <a:effectRef idx="0">
+        <a:scrgbClr r="0" g="0" b="0"/>
+      </a:effectRef>
+      <a:fontRef idx="minor"/>
+    </dgm:style>
+  </dgm:styleLbl>
+  <dgm:styleLbl name="trBgShp">
+    <dgm:scene3d>
+      <a:camera prst="orthographicFront"/>
+      <a:lightRig rig="threePt" dir="t"/>
+    </dgm:scene3d>
+    <dgm:sp3d/>
+    <dgm:txPr/>
+    <dgm:style>
+      <a:lnRef idx="0">
+        <a:scrgbClr r="0" g="0" b="0"/>
+      </a:lnRef>
+      <a:fillRef idx="1">
+        <a:scrgbClr r="0" g="0" b="0"/>
+      </a:fillRef>
+      <a:effectRef idx="0">
+        <a:scrgbClr r="0" g="0" b="0"/>
+      </a:effectRef>
+      <a:fontRef idx="minor"/>
+    </dgm:style>
+  </dgm:styleLbl>
+  <dgm:styleLbl name="fgShp">
+    <dgm:scene3d>
+      <a:camera prst="orthographicFront"/>
+      <a:lightRig rig="threePt" dir="t"/>
+    </dgm:scene3d>
+    <dgm:sp3d/>
+    <dgm:txPr/>
+    <dgm:style>
+      <a:lnRef idx="2">
+        <a:scrgbClr r="0" g="0" b="0"/>
+      </a:lnRef>
+      <a:fillRef idx="1">
+        <a:scrgbClr r="0" g="0" b="0"/>
+      </a:fillRef>
+      <a:effectRef idx="0">
+        <a:scrgbClr r="0" g="0" b="0"/>
+      </a:effectRef>
+      <a:fontRef idx="minor"/>
+    </dgm:style>
+  </dgm:styleLbl>
+  <dgm:styleLbl name="revTx">
+    <dgm:scene3d>
+      <a:camera prst="orthographicFront"/>
+      <a:lightRig rig="threePt" dir="t"/>
+    </dgm:scene3d>
+    <dgm:sp3d/>
+    <dgm:txPr/>
+    <dgm:style>
+      <a:lnRef idx="0">
+        <a:scrgbClr r="0" g="0" b="0"/>
+      </a:lnRef>
+      <a:fillRef idx="0">
+        <a:scrgbClr r="0" g="0" b="0"/>
+      </a:fillRef>
+      <a:effectRef idx="0">
+        <a:scrgbClr r="0" g="0" b="0"/>
+      </a:effectRef>
+      <a:fontRef idx="minor"/>
+    </dgm:style>
+  </dgm:styleLbl>
+</dgm:styleDef>
+</file>
+
+<file path=ppt/diagrams/quickStyle8.xml><?xml version="1.0" encoding="utf-8"?>
 <dgm:styleDef xmlns:dgm="http://schemas.openxmlformats.org/drawingml/2006/diagram" xmlns:a="http://schemas.openxmlformats.org/drawingml/2006/main" uniqueId="urn:microsoft.com/office/officeart/2005/8/quickstyle/simple1">
   <dgm:title val=""/>
   <dgm:desc val=""/>
@@ -26234,6 +32767,697 @@
           <a:chExt cx="0" cy="0"/>
         </a:xfrm>
       </p:grpSpPr>
+      <p:graphicFrame>
+        <p:nvGraphicFramePr>
+          <p:cNvPr id="18" name="Table 4">
+            <a:extLst>
+              <a:ext uri="{FF2B5EF4-FFF2-40B4-BE49-F238E27FC236}">
+                <a16:creationId xmlns:a16="http://schemas.microsoft.com/office/drawing/2014/main" id="{CEAD8830-262F-F14F-8007-721D1F2C1E87}"/>
+              </a:ext>
+            </a:extLst>
+          </p:cNvPr>
+          <p:cNvGraphicFramePr>
+            <a:graphicFrameLocks noGrp="1"/>
+          </p:cNvGraphicFramePr>
+          <p:nvPr>
+            <p:ph idx="1"/>
+            <p:extLst>
+              <p:ext uri="{D42A27DB-BD31-4B8C-83A1-F6EECF244321}">
+                <p14:modId xmlns:p14="http://schemas.microsoft.com/office/powerpoint/2010/main" val="2557921478"/>
+              </p:ext>
+            </p:extLst>
+          </p:nvPr>
+        </p:nvGraphicFramePr>
+        <p:xfrm>
+          <a:off x="1066800" y="1530455"/>
+          <a:ext cx="10058400" cy="4592028"/>
+        </p:xfrm>
+        <a:graphic>
+          <a:graphicData uri="http://schemas.openxmlformats.org/drawingml/2006/table">
+            <a:tbl>
+              <a:tblPr firstRow="1" bandRow="1">
+                <a:tableStyleId>{B301B821-A1FF-4177-AEE7-76D212191A09}</a:tableStyleId>
+              </a:tblPr>
+              <a:tblGrid>
+                <a:gridCol w="3352800">
+                  <a:extLst>
+                    <a:ext uri="{9D8B030D-6E8A-4147-A177-3AD203B41FA5}">
+                      <a16:colId xmlns:a16="http://schemas.microsoft.com/office/drawing/2014/main" val="3628234326"/>
+                    </a:ext>
+                  </a:extLst>
+                </a:gridCol>
+                <a:gridCol w="3352800">
+                  <a:extLst>
+                    <a:ext uri="{9D8B030D-6E8A-4147-A177-3AD203B41FA5}">
+                      <a16:colId xmlns:a16="http://schemas.microsoft.com/office/drawing/2014/main" val="1083199451"/>
+                    </a:ext>
+                  </a:extLst>
+                </a:gridCol>
+                <a:gridCol w="3352800">
+                  <a:extLst>
+                    <a:ext uri="{9D8B030D-6E8A-4147-A177-3AD203B41FA5}">
+                      <a16:colId xmlns:a16="http://schemas.microsoft.com/office/drawing/2014/main" val="1334118722"/>
+                    </a:ext>
+                  </a:extLst>
+                </a:gridCol>
+              </a:tblGrid>
+              <a:tr h="1118151">
+                <a:tc>
+                  <a:txBody>
+                    <a:bodyPr/>
+                    <a:lstStyle/>
+                    <a:p>
+                      <a:pPr algn="ctr"/>
+                      <a:r>
+                        <a:rPr lang="en-US" sz="2400" cap="all" spc="150" dirty="0"/>
+                        <a:t>LORAWAN Micro GPS </a:t>
+                      </a:r>
+                      <a:endParaRPr lang="en-US" sz="2400" b="0" cap="all" spc="150" dirty="0">
+                        <a:solidFill>
+                          <a:schemeClr val="lt1"/>
+                        </a:solidFill>
+                      </a:endParaRPr>
+                    </a:p>
+                  </a:txBody>
+                  <a:tcPr marL="224212" marR="224212" marT="224212" marB="224212" anchor="ctr">
+                    <a:solidFill>
+                      <a:schemeClr val="tx1"/>
+                    </a:solidFill>
+                  </a:tcPr>
+                </a:tc>
+                <a:tc>
+                  <a:txBody>
+                    <a:bodyPr/>
+                    <a:lstStyle/>
+                    <a:p>
+                      <a:pPr marL="0" marR="0" lvl="0" indent="0" algn="ctr" defTabSz="914400" rtl="0" eaLnBrk="1" fontAlgn="auto" latinLnBrk="0" hangingPunct="1">
+                        <a:lnSpc>
+                          <a:spcPct val="100000"/>
+                        </a:lnSpc>
+                        <a:spcBef>
+                          <a:spcPts val="0"/>
+                        </a:spcBef>
+                        <a:spcAft>
+                          <a:spcPts val="0"/>
+                        </a:spcAft>
+                        <a:buClrTx/>
+                        <a:buSzTx/>
+                        <a:buFontTx/>
+                        <a:buNone/>
+                        <a:tabLst/>
+                        <a:defRPr/>
+                      </a:pPr>
+                      <a:r>
+                        <a:rPr lang="en-US" sz="2400" b="1" cap="all" spc="150" dirty="0">
+                          <a:solidFill>
+                            <a:schemeClr val="lt1"/>
+                          </a:solidFill>
+                        </a:rPr>
+                        <a:t>SENSONEO ultrasonic</a:t>
+                      </a:r>
+                      <a:endParaRPr lang="en-US" sz="2400" b="0" cap="all" spc="150" dirty="0">
+                        <a:solidFill>
+                          <a:schemeClr val="lt1"/>
+                        </a:solidFill>
+                      </a:endParaRPr>
+                    </a:p>
+                  </a:txBody>
+                  <a:tcPr marL="224212" marR="224212" marT="224212" marB="224212" anchor="ctr">
+                    <a:solidFill>
+                      <a:schemeClr val="tx1"/>
+                    </a:solidFill>
+                  </a:tcPr>
+                </a:tc>
+                <a:tc>
+                  <a:txBody>
+                    <a:bodyPr/>
+                    <a:lstStyle/>
+                    <a:p>
+                      <a:pPr marL="0" marR="0" lvl="0" indent="0" algn="ctr" defTabSz="914400" rtl="0" eaLnBrk="1" fontAlgn="auto" latinLnBrk="0" hangingPunct="1">
+                        <a:lnSpc>
+                          <a:spcPct val="100000"/>
+                        </a:lnSpc>
+                        <a:spcBef>
+                          <a:spcPts val="0"/>
+                        </a:spcBef>
+                        <a:spcAft>
+                          <a:spcPts val="0"/>
+                        </a:spcAft>
+                        <a:buClrTx/>
+                        <a:buSzTx/>
+                        <a:buFontTx/>
+                        <a:buNone/>
+                        <a:tabLst/>
+                        <a:defRPr/>
+                      </a:pPr>
+                      <a:r>
+                        <a:rPr lang="en-US" sz="2400" cap="all" spc="150" dirty="0"/>
+                        <a:t>ENVITUS AIR QUALITY</a:t>
+                      </a:r>
+                      <a:endParaRPr lang="en-US" sz="2400" b="0" cap="all" spc="150" dirty="0">
+                        <a:solidFill>
+                          <a:schemeClr val="lt1"/>
+                        </a:solidFill>
+                      </a:endParaRPr>
+                    </a:p>
+                  </a:txBody>
+                  <a:tcPr marL="224212" marR="224212" marT="224212" marB="224212" anchor="ctr">
+                    <a:solidFill>
+                      <a:schemeClr val="tx1"/>
+                    </a:solidFill>
+                  </a:tcPr>
+                </a:tc>
+                <a:extLst>
+                  <a:ext uri="{0D108BD9-81ED-4DB2-BD59-A6C34878D82A}">
+                    <a16:rowId xmlns:a16="http://schemas.microsoft.com/office/drawing/2014/main" val="4160608299"/>
+                  </a:ext>
+                </a:extLst>
+              </a:tr>
+              <a:tr h="1024630">
+                <a:tc>
+                  <a:txBody>
+                    <a:bodyPr/>
+                    <a:lstStyle/>
+                    <a:p>
+                      <a:pPr marL="0" marR="0" lvl="0" indent="0" algn="ctr" defTabSz="914400" rtl="0" eaLnBrk="1" fontAlgn="auto" latinLnBrk="0" hangingPunct="1">
+                        <a:lnSpc>
+                          <a:spcPct val="100000"/>
+                        </a:lnSpc>
+                        <a:spcBef>
+                          <a:spcPts val="0"/>
+                        </a:spcBef>
+                        <a:spcAft>
+                          <a:spcPts val="0"/>
+                        </a:spcAft>
+                        <a:buClrTx/>
+                        <a:buSzTx/>
+                        <a:buFontTx/>
+                        <a:buNone/>
+                        <a:tabLst/>
+                        <a:defRPr/>
+                      </a:pPr>
+                      <a:r>
+                        <a:rPr lang="en-US" sz="2000" b="0" cap="none" spc="0" dirty="0">
+                          <a:solidFill>
+                            <a:schemeClr val="tx1"/>
+                          </a:solidFill>
+                        </a:rPr>
+                        <a:t>Battery (3 years)</a:t>
+                      </a:r>
+                    </a:p>
+                  </a:txBody>
+                  <a:tcPr marL="224212" marR="224212" marT="224212" marB="224212" anchor="ctr">
+                    <a:solidFill>
+                      <a:srgbClr val="F6F9FF"/>
+                    </a:solidFill>
+                  </a:tcPr>
+                </a:tc>
+                <a:tc>
+                  <a:txBody>
+                    <a:bodyPr/>
+                    <a:lstStyle/>
+                    <a:p>
+                      <a:pPr marL="0" marR="0" lvl="0" indent="0" algn="ctr" defTabSz="914400" rtl="0" eaLnBrk="1" fontAlgn="auto" latinLnBrk="0" hangingPunct="1">
+                        <a:lnSpc>
+                          <a:spcPct val="100000"/>
+                        </a:lnSpc>
+                        <a:spcBef>
+                          <a:spcPts val="0"/>
+                        </a:spcBef>
+                        <a:spcAft>
+                          <a:spcPts val="0"/>
+                        </a:spcAft>
+                        <a:buClrTx/>
+                        <a:buSzTx/>
+                        <a:buFontTx/>
+                        <a:buNone/>
+                        <a:tabLst/>
+                        <a:defRPr/>
+                      </a:pPr>
+                      <a:r>
+                        <a:rPr lang="en-US" sz="2000" cap="none" spc="0" dirty="0"/>
+                        <a:t> 3-170 cm</a:t>
+                      </a:r>
+                      <a:endParaRPr lang="en-US" sz="2000" b="0" cap="none" spc="0" dirty="0">
+                        <a:solidFill>
+                          <a:schemeClr val="tx1"/>
+                        </a:solidFill>
+                      </a:endParaRPr>
+                    </a:p>
+                  </a:txBody>
+                  <a:tcPr marL="224212" marR="224212" marT="224212" marB="224212" anchor="ctr">
+                    <a:solidFill>
+                      <a:srgbClr val="F6F9FF"/>
+                    </a:solidFill>
+                  </a:tcPr>
+                </a:tc>
+                <a:tc>
+                  <a:txBody>
+                    <a:bodyPr/>
+                    <a:lstStyle/>
+                    <a:p>
+                      <a:pPr marL="0" marR="0" lvl="0" indent="0" algn="ctr" defTabSz="914400" rtl="0" eaLnBrk="1" fontAlgn="auto" latinLnBrk="0" hangingPunct="1">
+                        <a:lnSpc>
+                          <a:spcPct val="100000"/>
+                        </a:lnSpc>
+                        <a:spcBef>
+                          <a:spcPts val="0"/>
+                        </a:spcBef>
+                        <a:spcAft>
+                          <a:spcPts val="0"/>
+                        </a:spcAft>
+                        <a:buClrTx/>
+                        <a:buSzTx/>
+                        <a:buFontTx/>
+                        <a:buNone/>
+                        <a:tabLst/>
+                        <a:defRPr/>
+                      </a:pPr>
+                      <a:r>
+                        <a:rPr lang="en-US" sz="2000" b="0" cap="none" spc="0" dirty="0">
+                          <a:solidFill>
+                            <a:schemeClr val="tx1"/>
+                          </a:solidFill>
+                        </a:rPr>
+                        <a:t>O3,CO,SO2</a:t>
+                      </a:r>
+                    </a:p>
+                  </a:txBody>
+                  <a:tcPr marL="224212" marR="224212" marT="224212" marB="224212" anchor="ctr">
+                    <a:solidFill>
+                      <a:srgbClr val="F6F9FF"/>
+                    </a:solidFill>
+                  </a:tcPr>
+                </a:tc>
+                <a:extLst>
+                  <a:ext uri="{0D108BD9-81ED-4DB2-BD59-A6C34878D82A}">
+                    <a16:rowId xmlns:a16="http://schemas.microsoft.com/office/drawing/2014/main" val="3947518332"/>
+                  </a:ext>
+                </a:extLst>
+              </a:tr>
+              <a:tr h="1024630">
+                <a:tc>
+                  <a:txBody>
+                    <a:bodyPr/>
+                    <a:lstStyle/>
+                    <a:p>
+                      <a:pPr lvl="1"/>
+                      <a:r>
+                        <a:rPr lang="en-US" dirty="0"/>
+                        <a:t>15 km range</a:t>
+                      </a:r>
+                    </a:p>
+                  </a:txBody>
+                  <a:tcPr marL="224212" marR="224212" marT="224212" marB="224212" anchor="ctr">
+                    <a:solidFill>
+                      <a:srgbClr val="EDEFF7"/>
+                    </a:solidFill>
+                  </a:tcPr>
+                </a:tc>
+                <a:tc>
+                  <a:txBody>
+                    <a:bodyPr/>
+                    <a:lstStyle/>
+                    <a:p>
+                      <a:pPr lvl="1"/>
+                      <a:r>
+                        <a:rPr lang="en-US" dirty="0"/>
+                        <a:t>Temp. Measurement</a:t>
+                      </a:r>
+                    </a:p>
+                  </a:txBody>
+                  <a:tcPr marL="224212" marR="224212" marT="224212" marB="224212" anchor="ctr">
+                    <a:solidFill>
+                      <a:srgbClr val="EDEFF7"/>
+                    </a:solidFill>
+                  </a:tcPr>
+                </a:tc>
+                <a:tc>
+                  <a:txBody>
+                    <a:bodyPr/>
+                    <a:lstStyle/>
+                    <a:p>
+                      <a:pPr marL="0" marR="0" lvl="0" indent="0" algn="ctr" defTabSz="914400" rtl="0" eaLnBrk="1" fontAlgn="auto" latinLnBrk="0" hangingPunct="1">
+                        <a:lnSpc>
+                          <a:spcPct val="100000"/>
+                        </a:lnSpc>
+                        <a:spcBef>
+                          <a:spcPts val="0"/>
+                        </a:spcBef>
+                        <a:spcAft>
+                          <a:spcPts val="0"/>
+                        </a:spcAft>
+                        <a:buClrTx/>
+                        <a:buSzTx/>
+                        <a:buFontTx/>
+                        <a:buNone/>
+                        <a:tabLst/>
+                        <a:defRPr/>
+                      </a:pPr>
+                      <a:r>
+                        <a:rPr lang="en-US" sz="2000" b="0" cap="none" spc="0" dirty="0">
+                          <a:solidFill>
+                            <a:schemeClr val="tx1"/>
+                          </a:solidFill>
+                        </a:rPr>
+                        <a:t>NO2</a:t>
+                      </a:r>
+                    </a:p>
+                  </a:txBody>
+                  <a:tcPr marL="224212" marR="224212" marT="224212" marB="224212" anchor="ctr">
+                    <a:solidFill>
+                      <a:srgbClr val="EDEFF7"/>
+                    </a:solidFill>
+                  </a:tcPr>
+                </a:tc>
+                <a:extLst>
+                  <a:ext uri="{0D108BD9-81ED-4DB2-BD59-A6C34878D82A}">
+                    <a16:rowId xmlns:a16="http://schemas.microsoft.com/office/drawing/2014/main" val="1445241155"/>
+                  </a:ext>
+                </a:extLst>
+              </a:tr>
+              <a:tr h="1291454">
+                <a:tc>
+                  <a:txBody>
+                    <a:bodyPr/>
+                    <a:lstStyle/>
+                    <a:p>
+                      <a:pPr lvl="1"/>
+                      <a:r>
+                        <a:rPr lang="en-US" dirty="0"/>
+                        <a:t>WIFI triangulation</a:t>
+                      </a:r>
+                    </a:p>
+                  </a:txBody>
+                  <a:tcPr marL="224212" marR="224212" marT="224212" marB="224212" anchor="ctr">
+                    <a:solidFill>
+                      <a:srgbClr val="EDEFF7"/>
+                    </a:solidFill>
+                  </a:tcPr>
+                </a:tc>
+                <a:tc>
+                  <a:txBody>
+                    <a:bodyPr/>
+                    <a:lstStyle/>
+                    <a:p>
+                      <a:pPr marL="0" marR="0" lvl="0" indent="0" algn="ctr" defTabSz="914400" rtl="0" eaLnBrk="1" fontAlgn="auto" latinLnBrk="0" hangingPunct="1">
+                        <a:lnSpc>
+                          <a:spcPct val="100000"/>
+                        </a:lnSpc>
+                        <a:spcBef>
+                          <a:spcPts val="0"/>
+                        </a:spcBef>
+                        <a:spcAft>
+                          <a:spcPts val="0"/>
+                        </a:spcAft>
+                        <a:buClrTx/>
+                        <a:buSzTx/>
+                        <a:buFontTx/>
+                        <a:buNone/>
+                        <a:tabLst/>
+                        <a:defRPr/>
+                      </a:pPr>
+                      <a:r>
+                        <a:rPr lang="en-US" sz="2000" dirty="0"/>
+                        <a:t>Integrated accelerometer</a:t>
+                      </a:r>
+                      <a:r>
+                        <a:rPr lang="en-US" sz="2000" dirty="0">
+                          <a:sym typeface="Wingdings" panose="05000000000000000000" pitchFamily="2" charset="2"/>
+                        </a:rPr>
+                        <a:t> </a:t>
+                      </a:r>
+                    </a:p>
+                    <a:p>
+                      <a:pPr marL="0" marR="0" lvl="0" indent="0" algn="ctr" defTabSz="914400" rtl="0" eaLnBrk="1" fontAlgn="auto" latinLnBrk="0" hangingPunct="1">
+                        <a:lnSpc>
+                          <a:spcPct val="100000"/>
+                        </a:lnSpc>
+                        <a:spcBef>
+                          <a:spcPts val="0"/>
+                        </a:spcBef>
+                        <a:spcAft>
+                          <a:spcPts val="0"/>
+                        </a:spcAft>
+                        <a:buClrTx/>
+                        <a:buSzTx/>
+                        <a:buFontTx/>
+                        <a:buNone/>
+                        <a:tabLst/>
+                        <a:defRPr/>
+                      </a:pPr>
+                      <a:endParaRPr lang="en-US" sz="2000" b="0" cap="none" spc="0" dirty="0">
+                        <a:solidFill>
+                          <a:schemeClr val="tx1"/>
+                        </a:solidFill>
+                      </a:endParaRPr>
+                    </a:p>
+                  </a:txBody>
+                  <a:tcPr marL="224212" marR="224212" marT="224212" marB="224212" anchor="ctr">
+                    <a:solidFill>
+                      <a:srgbClr val="EDEFF7"/>
+                    </a:solidFill>
+                  </a:tcPr>
+                </a:tc>
+                <a:tc>
+                  <a:txBody>
+                    <a:bodyPr/>
+                    <a:lstStyle/>
+                    <a:p>
+                      <a:pPr marL="0" marR="0" lvl="0" indent="0" algn="ctr" defTabSz="914400" rtl="0" eaLnBrk="1" fontAlgn="auto" latinLnBrk="0" hangingPunct="1">
+                        <a:lnSpc>
+                          <a:spcPct val="100000"/>
+                        </a:lnSpc>
+                        <a:spcBef>
+                          <a:spcPts val="0"/>
+                        </a:spcBef>
+                        <a:spcAft>
+                          <a:spcPts val="0"/>
+                        </a:spcAft>
+                        <a:buClrTx/>
+                        <a:buSzTx/>
+                        <a:buFontTx/>
+                        <a:buNone/>
+                        <a:tabLst/>
+                        <a:defRPr/>
+                      </a:pPr>
+                      <a:r>
+                        <a:rPr lang="en-US" sz="2000" b="0" cap="none" spc="0">
+                          <a:solidFill>
+                            <a:schemeClr val="tx1"/>
+                          </a:solidFill>
+                        </a:rPr>
+                        <a:t>Temperature</a:t>
+                      </a:r>
+                      <a:endParaRPr lang="en-US" sz="2000" b="0" cap="none" spc="0" dirty="0">
+                        <a:solidFill>
+                          <a:schemeClr val="tx1"/>
+                        </a:solidFill>
+                      </a:endParaRPr>
+                    </a:p>
+                  </a:txBody>
+                  <a:tcPr marL="224212" marR="224212" marT="224212" marB="224212" anchor="ctr">
+                    <a:solidFill>
+                      <a:srgbClr val="EDEFF7"/>
+                    </a:solidFill>
+                  </a:tcPr>
+                </a:tc>
+                <a:extLst>
+                  <a:ext uri="{0D108BD9-81ED-4DB2-BD59-A6C34878D82A}">
+                    <a16:rowId xmlns:a16="http://schemas.microsoft.com/office/drawing/2014/main" val="1862785546"/>
+                  </a:ext>
+                </a:extLst>
+              </a:tr>
+            </a:tbl>
+          </a:graphicData>
+        </a:graphic>
+      </p:graphicFrame>
+      <p:sp>
+        <p:nvSpPr>
+          <p:cNvPr id="16" name="Title 15">
+            <a:extLst>
+              <a:ext uri="{FF2B5EF4-FFF2-40B4-BE49-F238E27FC236}">
+                <a16:creationId xmlns:a16="http://schemas.microsoft.com/office/drawing/2014/main" id="{09E9EE2C-A105-614C-A133-EF7DF2AD004A}"/>
+              </a:ext>
+            </a:extLst>
+          </p:cNvPr>
+          <p:cNvSpPr>
+            <a:spLocks noGrp="1"/>
+          </p:cNvSpPr>
+          <p:nvPr>
+            <p:ph type="title"/>
+          </p:nvPr>
+        </p:nvSpPr>
+        <p:spPr/>
+        <p:txBody>
+          <a:bodyPr>
+            <a:normAutofit/>
+          </a:bodyPr>
+          <a:lstStyle/>
+          <a:p>
+            <a:r>
+              <a:rPr lang="en-US" dirty="0" err="1"/>
+              <a:t>sEnsors</a:t>
+            </a:r>
+            <a:r>
+              <a:rPr lang="en-US" dirty="0"/>
+              <a:t> used</a:t>
+            </a:r>
+          </a:p>
+        </p:txBody>
+      </p:sp>
+    </p:spTree>
+    <p:extLst>
+      <p:ext uri="{BB962C8B-B14F-4D97-AF65-F5344CB8AC3E}">
+        <p14:creationId xmlns:p14="http://schemas.microsoft.com/office/powerpoint/2010/main" val="364536469"/>
+      </p:ext>
+    </p:extLst>
+  </p:cSld>
+  <p:clrMapOvr>
+    <a:masterClrMapping/>
+  </p:clrMapOvr>
+</p:sld>
+</file>
+
+<file path=ppt/slides/slide11.xml><?xml version="1.0" encoding="utf-8"?>
+<p:sld xmlns:a="http://schemas.openxmlformats.org/drawingml/2006/main" xmlns:r="http://schemas.openxmlformats.org/officeDocument/2006/relationships" xmlns:p="http://schemas.openxmlformats.org/presentationml/2006/main">
+  <p:cSld>
+    <p:bg>
+      <p:bgPr>
+        <a:solidFill>
+          <a:srgbClr val="EDEFF7"/>
+        </a:solidFill>
+        <a:effectLst/>
+      </p:bgPr>
+    </p:bg>
+    <p:spTree>
+      <p:nvGrpSpPr>
+        <p:cNvPr id="1" name=""/>
+        <p:cNvGrpSpPr/>
+        <p:nvPr/>
+      </p:nvGrpSpPr>
+      <p:grpSpPr>
+        <a:xfrm>
+          <a:off x="0" y="0"/>
+          <a:ext cx="0" cy="0"/>
+          <a:chOff x="0" y="0"/>
+          <a:chExt cx="0" cy="0"/>
+        </a:xfrm>
+      </p:grpSpPr>
+      <p:sp>
+        <p:nvSpPr>
+          <p:cNvPr id="19" name="Title 18">
+            <a:extLst>
+              <a:ext uri="{FF2B5EF4-FFF2-40B4-BE49-F238E27FC236}">
+                <a16:creationId xmlns:a16="http://schemas.microsoft.com/office/drawing/2014/main" id="{55BA9AC8-EA60-644D-9DDA-B76203EA1E87}"/>
+              </a:ext>
+            </a:extLst>
+          </p:cNvPr>
+          <p:cNvSpPr>
+            <a:spLocks noGrp="1"/>
+          </p:cNvSpPr>
+          <p:nvPr>
+            <p:ph type="title"/>
+          </p:nvPr>
+        </p:nvSpPr>
+        <p:spPr/>
+        <p:txBody>
+          <a:bodyPr/>
+          <a:lstStyle/>
+          <a:p>
+            <a:r>
+              <a:rPr lang="en-US" dirty="0">
+                <a:solidFill>
+                  <a:schemeClr val="tx1"/>
+                </a:solidFill>
+              </a:rPr>
+              <a:t>OUTLINE</a:t>
+            </a:r>
+          </a:p>
+        </p:txBody>
+      </p:sp>
+      <p:sp>
+        <p:nvSpPr>
+          <p:cNvPr id="17" name="Content Placeholder 16">
+            <a:extLst>
+              <a:ext uri="{FF2B5EF4-FFF2-40B4-BE49-F238E27FC236}">
+                <a16:creationId xmlns:a16="http://schemas.microsoft.com/office/drawing/2014/main" id="{8E7591AD-81F4-2E45-AE36-F4DA40C19031}"/>
+              </a:ext>
+            </a:extLst>
+          </p:cNvPr>
+          <p:cNvSpPr>
+            <a:spLocks noGrp="1"/>
+          </p:cNvSpPr>
+          <p:nvPr>
+            <p:ph sz="half" idx="2"/>
+          </p:nvPr>
+        </p:nvSpPr>
+        <p:spPr/>
+        <p:txBody>
+          <a:bodyPr/>
+          <a:lstStyle/>
+          <a:p>
+            <a:r>
+              <a:rPr lang="en-US" dirty="0"/>
+              <a:t>Something</a:t>
+            </a:r>
+          </a:p>
+          <a:p>
+            <a:r>
+              <a:rPr lang="en-US" dirty="0"/>
+              <a:t>Goes</a:t>
+            </a:r>
+          </a:p>
+          <a:p>
+            <a:r>
+              <a:rPr lang="en-US" dirty="0"/>
+              <a:t>Here</a:t>
+            </a:r>
+          </a:p>
+          <a:p>
+            <a:r>
+              <a:rPr lang="en-US" dirty="0"/>
+              <a:t>As</a:t>
+            </a:r>
+          </a:p>
+          <a:p>
+            <a:r>
+              <a:rPr lang="en-US" dirty="0"/>
+              <a:t>Index</a:t>
+            </a:r>
+          </a:p>
+        </p:txBody>
+      </p:sp>
+    </p:spTree>
+    <p:extLst>
+      <p:ext uri="{BB962C8B-B14F-4D97-AF65-F5344CB8AC3E}">
+        <p14:creationId xmlns:p14="http://schemas.microsoft.com/office/powerpoint/2010/main" val="2276898735"/>
+      </p:ext>
+    </p:extLst>
+  </p:cSld>
+  <p:clrMapOvr>
+    <a:masterClrMapping/>
+  </p:clrMapOvr>
+</p:sld>
+</file>
+
+<file path=ppt/slides/slide12.xml><?xml version="1.0" encoding="utf-8"?>
+<p:sld xmlns:a="http://schemas.openxmlformats.org/drawingml/2006/main" xmlns:r="http://schemas.openxmlformats.org/officeDocument/2006/relationships" xmlns:p="http://schemas.openxmlformats.org/presentationml/2006/main">
+  <p:cSld>
+    <p:spTree>
+      <p:nvGrpSpPr>
+        <p:cNvPr id="1" name=""/>
+        <p:cNvGrpSpPr/>
+        <p:nvPr/>
+      </p:nvGrpSpPr>
+      <p:grpSpPr>
+        <a:xfrm>
+          <a:off x="0" y="0"/>
+          <a:ext cx="0" cy="0"/>
+          <a:chOff x="0" y="0"/>
+          <a:chExt cx="0" cy="0"/>
+        </a:xfrm>
+      </p:grpSpPr>
       <p:sp>
         <p:nvSpPr>
           <p:cNvPr id="4" name="Title 3">
@@ -26323,7 +33547,7 @@
 </p:sld>
 </file>
 
-<file path=ppt/slides/slide11.xml><?xml version="1.0" encoding="utf-8"?>
+<file path=ppt/slides/slide13.xml><?xml version="1.0" encoding="utf-8"?>
 <p:sld xmlns:a="http://schemas.openxmlformats.org/drawingml/2006/main" xmlns:r="http://schemas.openxmlformats.org/officeDocument/2006/relationships" xmlns:p="http://schemas.openxmlformats.org/presentationml/2006/main">
   <p:cSld>
     <p:bg>
@@ -26457,7 +33681,7 @@
 </p:sld>
 </file>
 
-<file path=ppt/slides/slide12.xml><?xml version="1.0" encoding="utf-8"?>
+<file path=ppt/slides/slide14.xml><?xml version="1.0" encoding="utf-8"?>
 <p:sld xmlns:a="http://schemas.openxmlformats.org/drawingml/2006/main" xmlns:r="http://schemas.openxmlformats.org/officeDocument/2006/relationships" xmlns:p="http://schemas.openxmlformats.org/presentationml/2006/main">
   <p:cSld>
     <p:bg>
@@ -26937,7 +34161,7 @@
 </p:sld>
 </file>
 
-<file path=ppt/slides/slide13.xml><?xml version="1.0" encoding="utf-8"?>
+<file path=ppt/slides/slide15.xml><?xml version="1.0" encoding="utf-8"?>
 <p:sld xmlns:a="http://schemas.openxmlformats.org/drawingml/2006/main" xmlns:r="http://schemas.openxmlformats.org/officeDocument/2006/relationships" xmlns:p="http://schemas.openxmlformats.org/presentationml/2006/main">
   <p:cSld>
     <p:bg>
@@ -27194,7 +34418,7 @@
 </p:sld>
 </file>
 
-<file path=ppt/slides/slide14.xml><?xml version="1.0" encoding="utf-8"?>
+<file path=ppt/slides/slide16.xml><?xml version="1.0" encoding="utf-8"?>
 <p:sld xmlns:a="http://schemas.openxmlformats.org/drawingml/2006/main" xmlns:r="http://schemas.openxmlformats.org/officeDocument/2006/relationships" xmlns:p="http://schemas.openxmlformats.org/presentationml/2006/main">
   <p:cSld>
     <p:spTree>
@@ -27355,7 +34579,7 @@
 </p:sld>
 </file>
 
-<file path=ppt/slides/slide15.xml><?xml version="1.0" encoding="utf-8"?>
+<file path=ppt/slides/slide17.xml><?xml version="1.0" encoding="utf-8"?>
 <p:sld xmlns:a="http://schemas.openxmlformats.org/drawingml/2006/main" xmlns:r="http://schemas.openxmlformats.org/officeDocument/2006/relationships" xmlns:p="http://schemas.openxmlformats.org/presentationml/2006/main">
   <p:cSld>
     <p:bg>
@@ -27869,7 +35093,7 @@
 </p:sld>
 </file>
 
-<file path=ppt/slides/slide16.xml><?xml version="1.0" encoding="utf-8"?>
+<file path=ppt/slides/slide18.xml><?xml version="1.0" encoding="utf-8"?>
 <p:sld xmlns:a="http://schemas.openxmlformats.org/drawingml/2006/main" xmlns:r="http://schemas.openxmlformats.org/officeDocument/2006/relationships" xmlns:p="http://schemas.openxmlformats.org/presentationml/2006/main">
   <p:cSld>
     <p:spTree>
@@ -27964,7 +35188,7 @@
 </p:sld>
 </file>
 
-<file path=ppt/slides/slide17.xml><?xml version="1.0" encoding="utf-8"?>
+<file path=ppt/slides/slide19.xml><?xml version="1.0" encoding="utf-8"?>
 <p:sld xmlns:a="http://schemas.openxmlformats.org/drawingml/2006/main" xmlns:r="http://schemas.openxmlformats.org/officeDocument/2006/relationships" xmlns:p="http://schemas.openxmlformats.org/presentationml/2006/main">
   <p:cSld>
     <p:spTree>
@@ -28053,7 +35277,129 @@
 </p:sld>
 </file>
 
-<file path=ppt/slides/slide18.xml><?xml version="1.0" encoding="utf-8"?>
+<file path=ppt/slides/slide2.xml><?xml version="1.0" encoding="utf-8"?>
+<p:sld xmlns:a="http://schemas.openxmlformats.org/drawingml/2006/main" xmlns:r="http://schemas.openxmlformats.org/officeDocument/2006/relationships" xmlns:p="http://schemas.openxmlformats.org/presentationml/2006/main">
+  <p:cSld>
+    <p:bg>
+      <p:bgPr>
+        <a:solidFill>
+          <a:srgbClr val="EDEFF7"/>
+        </a:solidFill>
+        <a:effectLst/>
+      </p:bgPr>
+    </p:bg>
+    <p:spTree>
+      <p:nvGrpSpPr>
+        <p:cNvPr id="1" name=""/>
+        <p:cNvGrpSpPr/>
+        <p:nvPr/>
+      </p:nvGrpSpPr>
+      <p:grpSpPr>
+        <a:xfrm>
+          <a:off x="0" y="0"/>
+          <a:ext cx="0" cy="0"/>
+          <a:chOff x="0" y="0"/>
+          <a:chExt cx="0" cy="0"/>
+        </a:xfrm>
+      </p:grpSpPr>
+      <p:sp>
+        <p:nvSpPr>
+          <p:cNvPr id="19" name="Title 18">
+            <a:extLst>
+              <a:ext uri="{FF2B5EF4-FFF2-40B4-BE49-F238E27FC236}">
+                <a16:creationId xmlns:a16="http://schemas.microsoft.com/office/drawing/2014/main" id="{55BA9AC8-EA60-644D-9DDA-B76203EA1E87}"/>
+              </a:ext>
+            </a:extLst>
+          </p:cNvPr>
+          <p:cNvSpPr>
+            <a:spLocks noGrp="1"/>
+          </p:cNvSpPr>
+          <p:nvPr>
+            <p:ph type="title"/>
+          </p:nvPr>
+        </p:nvSpPr>
+        <p:spPr/>
+        <p:txBody>
+          <a:bodyPr/>
+          <a:lstStyle/>
+          <a:p>
+            <a:r>
+              <a:rPr lang="en-US" dirty="0">
+                <a:solidFill>
+                  <a:schemeClr val="tx1"/>
+                </a:solidFill>
+              </a:rPr>
+              <a:t>OUTLINE</a:t>
+            </a:r>
+          </a:p>
+        </p:txBody>
+      </p:sp>
+      <p:sp>
+        <p:nvSpPr>
+          <p:cNvPr id="17" name="Content Placeholder 16">
+            <a:extLst>
+              <a:ext uri="{FF2B5EF4-FFF2-40B4-BE49-F238E27FC236}">
+                <a16:creationId xmlns:a16="http://schemas.microsoft.com/office/drawing/2014/main" id="{8E7591AD-81F4-2E45-AE36-F4DA40C19031}"/>
+              </a:ext>
+            </a:extLst>
+          </p:cNvPr>
+          <p:cNvSpPr>
+            <a:spLocks noGrp="1"/>
+          </p:cNvSpPr>
+          <p:nvPr>
+            <p:ph sz="half" idx="2"/>
+          </p:nvPr>
+        </p:nvSpPr>
+        <p:spPr/>
+        <p:txBody>
+          <a:bodyPr/>
+          <a:lstStyle/>
+          <a:p>
+            <a:r>
+              <a:rPr lang="en-US" dirty="0"/>
+              <a:t>Problem</a:t>
+            </a:r>
+          </a:p>
+          <a:p>
+            <a:r>
+              <a:rPr lang="en-US" dirty="0"/>
+              <a:t>Solution</a:t>
+            </a:r>
+          </a:p>
+          <a:p>
+            <a:r>
+              <a:rPr lang="en-US" dirty="0"/>
+              <a:t>Market Fill</a:t>
+            </a:r>
+          </a:p>
+          <a:p>
+            <a:r>
+              <a:rPr lang="en-US" dirty="0"/>
+              <a:t>Market Gap</a:t>
+            </a:r>
+          </a:p>
+          <a:p>
+            <a:r>
+              <a:rPr lang="en-US" dirty="0"/>
+              <a:t>Our Proposal</a:t>
+            </a:r>
+          </a:p>
+        </p:txBody>
+      </p:sp>
+    </p:spTree>
+    <p:extLst>
+      <p:ext uri="{BB962C8B-B14F-4D97-AF65-F5344CB8AC3E}">
+        <p14:creationId xmlns:p14="http://schemas.microsoft.com/office/powerpoint/2010/main" val="4003527716"/>
+      </p:ext>
+    </p:extLst>
+  </p:cSld>
+  <p:clrMapOvr>
+    <a:masterClrMapping/>
+  </p:clrMapOvr>
+</p:sld>
+</file>
+
+<file path=ppt/slides/slide20.xml><?xml version="1.0" encoding="utf-8"?>
 <p:sld xmlns:a="http://schemas.openxmlformats.org/drawingml/2006/main" xmlns:r="http://schemas.openxmlformats.org/officeDocument/2006/relationships" xmlns:p="http://schemas.openxmlformats.org/presentationml/2006/main">
   <p:cSld>
     <p:spTree>
@@ -28142,7 +35488,7 @@
 </p:sld>
 </file>
 
-<file path=ppt/slides/slide19.xml><?xml version="1.0" encoding="utf-8"?>
+<file path=ppt/slides/slide21.xml><?xml version="1.0" encoding="utf-8"?>
 <p:sld xmlns:a="http://schemas.openxmlformats.org/drawingml/2006/main" xmlns:r="http://schemas.openxmlformats.org/officeDocument/2006/relationships" xmlns:p="http://schemas.openxmlformats.org/presentationml/2006/main">
   <p:cSld>
     <p:spTree>
@@ -28325,117 +35671,7 @@
 </p:sld>
 </file>
 
-<file path=ppt/slides/slide2.xml><?xml version="1.0" encoding="utf-8"?>
-<p:sld xmlns:a="http://schemas.openxmlformats.org/drawingml/2006/main" xmlns:r="http://schemas.openxmlformats.org/officeDocument/2006/relationships" xmlns:p="http://schemas.openxmlformats.org/presentationml/2006/main">
-  <p:cSld>
-    <p:bg>
-      <p:bgPr>
-        <a:solidFill>
-          <a:srgbClr val="EDEFF7"/>
-        </a:solidFill>
-        <a:effectLst/>
-      </p:bgPr>
-    </p:bg>
-    <p:spTree>
-      <p:nvGrpSpPr>
-        <p:cNvPr id="1" name=""/>
-        <p:cNvGrpSpPr/>
-        <p:nvPr/>
-      </p:nvGrpSpPr>
-      <p:grpSpPr>
-        <a:xfrm>
-          <a:off x="0" y="0"/>
-          <a:ext cx="0" cy="0"/>
-          <a:chOff x="0" y="0"/>
-          <a:chExt cx="0" cy="0"/>
-        </a:xfrm>
-      </p:grpSpPr>
-      <p:sp>
-        <p:nvSpPr>
-          <p:cNvPr id="19" name="Title 18">
-            <a:extLst>
-              <a:ext uri="{FF2B5EF4-FFF2-40B4-BE49-F238E27FC236}">
-                <a16:creationId xmlns:a16="http://schemas.microsoft.com/office/drawing/2014/main" id="{55BA9AC8-EA60-644D-9DDA-B76203EA1E87}"/>
-              </a:ext>
-            </a:extLst>
-          </p:cNvPr>
-          <p:cNvSpPr>
-            <a:spLocks noGrp="1"/>
-          </p:cNvSpPr>
-          <p:nvPr>
-            <p:ph type="title"/>
-          </p:nvPr>
-        </p:nvSpPr>
-        <p:spPr/>
-        <p:txBody>
-          <a:bodyPr/>
-          <a:lstStyle/>
-          <a:p>
-            <a:r>
-              <a:rPr lang="en-US" dirty="0">
-                <a:solidFill>
-                  <a:schemeClr val="tx1"/>
-                </a:solidFill>
-              </a:rPr>
-              <a:t>OUTLINE</a:t>
-            </a:r>
-          </a:p>
-        </p:txBody>
-      </p:sp>
-      <p:sp>
-        <p:nvSpPr>
-          <p:cNvPr id="17" name="Content Placeholder 16">
-            <a:extLst>
-              <a:ext uri="{FF2B5EF4-FFF2-40B4-BE49-F238E27FC236}">
-                <a16:creationId xmlns:a16="http://schemas.microsoft.com/office/drawing/2014/main" id="{8E7591AD-81F4-2E45-AE36-F4DA40C19031}"/>
-              </a:ext>
-            </a:extLst>
-          </p:cNvPr>
-          <p:cNvSpPr>
-            <a:spLocks noGrp="1"/>
-          </p:cNvSpPr>
-          <p:nvPr>
-            <p:ph sz="half" idx="2"/>
-          </p:nvPr>
-        </p:nvSpPr>
-        <p:spPr/>
-        <p:txBody>
-          <a:bodyPr/>
-          <a:lstStyle/>
-          <a:p>
-            <a:r>
-              <a:rPr lang="en-US" dirty="0"/>
-              <a:t>Market Fill</a:t>
-            </a:r>
-          </a:p>
-          <a:p>
-            <a:r>
-              <a:rPr lang="en-US" dirty="0"/>
-              <a:t>Market Gap</a:t>
-            </a:r>
-          </a:p>
-          <a:p>
-            <a:r>
-              <a:rPr lang="en-US" dirty="0"/>
-              <a:t>Our Proposal</a:t>
-            </a:r>
-          </a:p>
-        </p:txBody>
-      </p:sp>
-    </p:spTree>
-    <p:extLst>
-      <p:ext uri="{BB962C8B-B14F-4D97-AF65-F5344CB8AC3E}">
-        <p14:creationId xmlns:p14="http://schemas.microsoft.com/office/powerpoint/2010/main" val="4003527716"/>
-      </p:ext>
-    </p:extLst>
-  </p:cSld>
-  <p:clrMapOvr>
-    <a:masterClrMapping/>
-  </p:clrMapOvr>
-</p:sld>
-</file>
-
-<file path=ppt/slides/slide20.xml><?xml version="1.0" encoding="utf-8"?>
+<file path=ppt/slides/slide22.xml><?xml version="1.0" encoding="utf-8"?>
 <p:sld xmlns:a="http://schemas.openxmlformats.org/drawingml/2006/main" xmlns:r="http://schemas.openxmlformats.org/officeDocument/2006/relationships" xmlns:p="http://schemas.openxmlformats.org/presentationml/2006/main">
   <p:cSld>
     <p:spTree>
@@ -28530,7 +35766,7 @@
 </p:sld>
 </file>
 
-<file path=ppt/slides/slide21.xml><?xml version="1.0" encoding="utf-8"?>
+<file path=ppt/slides/slide23.xml><?xml version="1.0" encoding="utf-8"?>
 <p:sld xmlns:a="http://schemas.openxmlformats.org/drawingml/2006/main" xmlns:r="http://schemas.openxmlformats.org/officeDocument/2006/relationships" xmlns:p="http://schemas.openxmlformats.org/presentationml/2006/main">
   <p:cSld>
     <p:spTree>
@@ -28662,7 +35898,7 @@
 </p:sld>
 </file>
 
-<file path=ppt/slides/slide22.xml><?xml version="1.0" encoding="utf-8"?>
+<file path=ppt/slides/slide24.xml><?xml version="1.0" encoding="utf-8"?>
 <p:sld xmlns:a="http://schemas.openxmlformats.org/drawingml/2006/main" xmlns:r="http://schemas.openxmlformats.org/officeDocument/2006/relationships" xmlns:p="http://schemas.openxmlformats.org/presentationml/2006/main">
   <p:cSld>
     <p:spTree>
@@ -28782,7 +36018,7 @@
 </p:sld>
 </file>
 
-<file path=ppt/slides/slide23.xml><?xml version="1.0" encoding="utf-8"?>
+<file path=ppt/slides/slide25.xml><?xml version="1.0" encoding="utf-8"?>
 <p:sld xmlns:a="http://schemas.openxmlformats.org/drawingml/2006/main" xmlns:r="http://schemas.openxmlformats.org/officeDocument/2006/relationships" xmlns:p="http://schemas.openxmlformats.org/presentationml/2006/main">
   <p:cSld>
     <p:spTree>
@@ -28872,6 +36108,184 @@
 </file>
 
 <file path=ppt/slides/slide3.xml><?xml version="1.0" encoding="utf-8"?>
+<p:sld xmlns:a="http://schemas.openxmlformats.org/drawingml/2006/main" xmlns:r="http://schemas.openxmlformats.org/officeDocument/2006/relationships" xmlns:p="http://schemas.openxmlformats.org/presentationml/2006/main">
+  <p:cSld>
+    <p:spTree>
+      <p:nvGrpSpPr>
+        <p:cNvPr id="1" name=""/>
+        <p:cNvGrpSpPr/>
+        <p:nvPr/>
+      </p:nvGrpSpPr>
+      <p:grpSpPr>
+        <a:xfrm>
+          <a:off x="0" y="0"/>
+          <a:ext cx="0" cy="0"/>
+          <a:chOff x="0" y="0"/>
+          <a:chExt cx="0" cy="0"/>
+        </a:xfrm>
+      </p:grpSpPr>
+      <p:graphicFrame>
+        <p:nvGraphicFramePr>
+          <p:cNvPr id="5" name="Content Placeholder 2" descr="Smart Art graphic of Picture Accent Process">
+            <a:extLst>
+              <a:ext uri="{FF2B5EF4-FFF2-40B4-BE49-F238E27FC236}">
+                <a16:creationId xmlns:a16="http://schemas.microsoft.com/office/drawing/2014/main" id="{BE8337B7-28C4-492B-8228-3183A1C23832}"/>
+              </a:ext>
+            </a:extLst>
+          </p:cNvPr>
+          <p:cNvGraphicFramePr>
+            <a:graphicFrameLocks noGrp="1"/>
+          </p:cNvGraphicFramePr>
+          <p:nvPr>
+            <p:ph idx="1"/>
+            <p:extLst>
+              <p:ext uri="{D42A27DB-BD31-4B8C-83A1-F6EECF244321}">
+                <p14:modId xmlns:p14="http://schemas.microsoft.com/office/powerpoint/2010/main" val="105559351"/>
+              </p:ext>
+            </p:extLst>
+          </p:nvPr>
+        </p:nvGraphicFramePr>
+        <p:xfrm>
+          <a:off x="1096963" y="2154341"/>
+          <a:ext cx="10058400" cy="3760788"/>
+        </p:xfrm>
+        <a:graphic>
+          <a:graphicData uri="http://schemas.openxmlformats.org/drawingml/2006/diagram">
+            <dgm:relIds xmlns:dgm="http://schemas.openxmlformats.org/drawingml/2006/diagram" xmlns:r="http://schemas.openxmlformats.org/officeDocument/2006/relationships" r:dm="rId2" r:lo="rId3" r:qs="rId4" r:cs="rId5"/>
+          </a:graphicData>
+        </a:graphic>
+      </p:graphicFrame>
+      <p:sp>
+        <p:nvSpPr>
+          <p:cNvPr id="2" name="Title 1">
+            <a:extLst>
+              <a:ext uri="{FF2B5EF4-FFF2-40B4-BE49-F238E27FC236}">
+                <a16:creationId xmlns:a16="http://schemas.microsoft.com/office/drawing/2014/main" id="{003F7245-B0E5-484F-88D0-FA9D0C77C036}"/>
+              </a:ext>
+            </a:extLst>
+          </p:cNvPr>
+          <p:cNvSpPr>
+            <a:spLocks noGrp="1"/>
+          </p:cNvSpPr>
+          <p:nvPr>
+            <p:ph type="title"/>
+          </p:nvPr>
+        </p:nvSpPr>
+        <p:spPr/>
+        <p:txBody>
+          <a:bodyPr/>
+          <a:lstStyle/>
+          <a:p>
+            <a:r>
+              <a:rPr lang="en-US" dirty="0"/>
+              <a:t>Problem</a:t>
+            </a:r>
+          </a:p>
+        </p:txBody>
+      </p:sp>
+    </p:spTree>
+    <p:extLst>
+      <p:ext uri="{BB962C8B-B14F-4D97-AF65-F5344CB8AC3E}">
+        <p14:creationId xmlns:p14="http://schemas.microsoft.com/office/powerpoint/2010/main" val="1156596103"/>
+      </p:ext>
+    </p:extLst>
+  </p:cSld>
+  <p:clrMapOvr>
+    <a:masterClrMapping/>
+  </p:clrMapOvr>
+</p:sld>
+</file>
+
+<file path=ppt/slides/slide4.xml><?xml version="1.0" encoding="utf-8"?>
+<p:sld xmlns:a="http://schemas.openxmlformats.org/drawingml/2006/main" xmlns:r="http://schemas.openxmlformats.org/officeDocument/2006/relationships" xmlns:p="http://schemas.openxmlformats.org/presentationml/2006/main">
+  <p:cSld>
+    <p:spTree>
+      <p:nvGrpSpPr>
+        <p:cNvPr id="1" name=""/>
+        <p:cNvGrpSpPr/>
+        <p:nvPr/>
+      </p:nvGrpSpPr>
+      <p:grpSpPr>
+        <a:xfrm>
+          <a:off x="0" y="0"/>
+          <a:ext cx="0" cy="0"/>
+          <a:chOff x="0" y="0"/>
+          <a:chExt cx="0" cy="0"/>
+        </a:xfrm>
+      </p:grpSpPr>
+      <p:graphicFrame>
+        <p:nvGraphicFramePr>
+          <p:cNvPr id="5" name="Content Placeholder 2" descr="Smart Art graphic of Picture Accent Process">
+            <a:extLst>
+              <a:ext uri="{FF2B5EF4-FFF2-40B4-BE49-F238E27FC236}">
+                <a16:creationId xmlns:a16="http://schemas.microsoft.com/office/drawing/2014/main" id="{BE8337B7-28C4-492B-8228-3183A1C23832}"/>
+              </a:ext>
+            </a:extLst>
+          </p:cNvPr>
+          <p:cNvGraphicFramePr>
+            <a:graphicFrameLocks noGrp="1"/>
+          </p:cNvGraphicFramePr>
+          <p:nvPr>
+            <p:ph idx="1"/>
+            <p:extLst>
+              <p:ext uri="{D42A27DB-BD31-4B8C-83A1-F6EECF244321}">
+                <p14:modId xmlns:p14="http://schemas.microsoft.com/office/powerpoint/2010/main" val="3057937945"/>
+              </p:ext>
+            </p:extLst>
+          </p:nvPr>
+        </p:nvGraphicFramePr>
+        <p:xfrm>
+          <a:off x="1096963" y="2154341"/>
+          <a:ext cx="10058400" cy="3760788"/>
+        </p:xfrm>
+        <a:graphic>
+          <a:graphicData uri="http://schemas.openxmlformats.org/drawingml/2006/diagram">
+            <dgm:relIds xmlns:dgm="http://schemas.openxmlformats.org/drawingml/2006/diagram" xmlns:r="http://schemas.openxmlformats.org/officeDocument/2006/relationships" r:dm="rId2" r:lo="rId3" r:qs="rId4" r:cs="rId5"/>
+          </a:graphicData>
+        </a:graphic>
+      </p:graphicFrame>
+      <p:sp>
+        <p:nvSpPr>
+          <p:cNvPr id="2" name="Title 1">
+            <a:extLst>
+              <a:ext uri="{FF2B5EF4-FFF2-40B4-BE49-F238E27FC236}">
+                <a16:creationId xmlns:a16="http://schemas.microsoft.com/office/drawing/2014/main" id="{003F7245-B0E5-484F-88D0-FA9D0C77C036}"/>
+              </a:ext>
+            </a:extLst>
+          </p:cNvPr>
+          <p:cNvSpPr>
+            <a:spLocks noGrp="1"/>
+          </p:cNvSpPr>
+          <p:nvPr>
+            <p:ph type="title"/>
+          </p:nvPr>
+        </p:nvSpPr>
+        <p:spPr/>
+        <p:txBody>
+          <a:bodyPr/>
+          <a:lstStyle/>
+          <a:p>
+            <a:r>
+              <a:rPr lang="en-US" dirty="0"/>
+              <a:t>SOLUTION</a:t>
+            </a:r>
+          </a:p>
+        </p:txBody>
+      </p:sp>
+    </p:spTree>
+    <p:extLst>
+      <p:ext uri="{BB962C8B-B14F-4D97-AF65-F5344CB8AC3E}">
+        <p14:creationId xmlns:p14="http://schemas.microsoft.com/office/powerpoint/2010/main" val="1729721019"/>
+      </p:ext>
+    </p:extLst>
+  </p:cSld>
+  <p:clrMapOvr>
+    <a:masterClrMapping/>
+  </p:clrMapOvr>
+</p:sld>
+</file>
+
+<file path=ppt/slides/slide5.xml><?xml version="1.0" encoding="utf-8"?>
 <p:sld xmlns:a="http://schemas.openxmlformats.org/drawingml/2006/main" xmlns:r="http://schemas.openxmlformats.org/officeDocument/2006/relationships" xmlns:p="http://schemas.openxmlformats.org/presentationml/2006/main">
   <p:cSld>
     <p:spTree>
@@ -29055,7 +36469,7 @@
 </p:sld>
 </file>
 
-<file path=ppt/slides/slide4.xml><?xml version="1.0" encoding="utf-8"?>
+<file path=ppt/slides/slide6.xml><?xml version="1.0" encoding="utf-8"?>
 <p:sld xmlns:a="http://schemas.openxmlformats.org/drawingml/2006/main" xmlns:r="http://schemas.openxmlformats.org/officeDocument/2006/relationships" xmlns:p="http://schemas.openxmlformats.org/presentationml/2006/main">
   <p:cSld>
     <p:spTree>
@@ -29144,7 +36558,7 @@
 </p:sld>
 </file>
 
-<file path=ppt/slides/slide5.xml><?xml version="1.0" encoding="utf-8"?>
+<file path=ppt/slides/slide7.xml><?xml version="1.0" encoding="utf-8"?>
 <p:sld xmlns:a="http://schemas.openxmlformats.org/drawingml/2006/main" xmlns:r="http://schemas.openxmlformats.org/officeDocument/2006/relationships" xmlns:p="http://schemas.openxmlformats.org/presentationml/2006/main">
   <p:cSld>
     <p:spTree>
@@ -29233,7 +36647,7 @@
 </p:sld>
 </file>
 
-<file path=ppt/slides/slide6.xml><?xml version="1.0" encoding="utf-8"?>
+<file path=ppt/slides/slide8.xml><?xml version="1.0" encoding="utf-8"?>
 <p:sld xmlns:a="http://schemas.openxmlformats.org/drawingml/2006/main" xmlns:r="http://schemas.openxmlformats.org/officeDocument/2006/relationships" xmlns:p="http://schemas.openxmlformats.org/presentationml/2006/main">
   <p:cSld>
     <p:spTree>
@@ -29821,7 +37235,7 @@
 </p:sld>
 </file>
 
-<file path=ppt/slides/slide7.xml><?xml version="1.0" encoding="utf-8"?>
+<file path=ppt/slides/slide9.xml><?xml version="1.0" encoding="utf-8"?>
 <p:sld xmlns:a="http://schemas.openxmlformats.org/drawingml/2006/main" xmlns:r="http://schemas.openxmlformats.org/officeDocument/2006/relationships" xmlns:p="http://schemas.openxmlformats.org/presentationml/2006/main">
   <p:cSld>
     <p:spTree>
@@ -29901,697 +37315,6 @@
     <p:extLst>
       <p:ext uri="{BB962C8B-B14F-4D97-AF65-F5344CB8AC3E}">
         <p14:creationId xmlns:p14="http://schemas.microsoft.com/office/powerpoint/2010/main" val="2409418265"/>
-      </p:ext>
-    </p:extLst>
-  </p:cSld>
-  <p:clrMapOvr>
-    <a:masterClrMapping/>
-  </p:clrMapOvr>
-</p:sld>
-</file>
-
-<file path=ppt/slides/slide8.xml><?xml version="1.0" encoding="utf-8"?>
-<p:sld xmlns:a="http://schemas.openxmlformats.org/drawingml/2006/main" xmlns:r="http://schemas.openxmlformats.org/officeDocument/2006/relationships" xmlns:p="http://schemas.openxmlformats.org/presentationml/2006/main">
-  <p:cSld>
-    <p:spTree>
-      <p:nvGrpSpPr>
-        <p:cNvPr id="1" name=""/>
-        <p:cNvGrpSpPr/>
-        <p:nvPr/>
-      </p:nvGrpSpPr>
-      <p:grpSpPr>
-        <a:xfrm>
-          <a:off x="0" y="0"/>
-          <a:ext cx="0" cy="0"/>
-          <a:chOff x="0" y="0"/>
-          <a:chExt cx="0" cy="0"/>
-        </a:xfrm>
-      </p:grpSpPr>
-      <p:graphicFrame>
-        <p:nvGraphicFramePr>
-          <p:cNvPr id="18" name="Table 4">
-            <a:extLst>
-              <a:ext uri="{FF2B5EF4-FFF2-40B4-BE49-F238E27FC236}">
-                <a16:creationId xmlns:a16="http://schemas.microsoft.com/office/drawing/2014/main" id="{CEAD8830-262F-F14F-8007-721D1F2C1E87}"/>
-              </a:ext>
-            </a:extLst>
-          </p:cNvPr>
-          <p:cNvGraphicFramePr>
-            <a:graphicFrameLocks noGrp="1"/>
-          </p:cNvGraphicFramePr>
-          <p:nvPr>
-            <p:ph idx="1"/>
-            <p:extLst>
-              <p:ext uri="{D42A27DB-BD31-4B8C-83A1-F6EECF244321}">
-                <p14:modId xmlns:p14="http://schemas.microsoft.com/office/powerpoint/2010/main" val="2557921478"/>
-              </p:ext>
-            </p:extLst>
-          </p:nvPr>
-        </p:nvGraphicFramePr>
-        <p:xfrm>
-          <a:off x="1066800" y="1530455"/>
-          <a:ext cx="10058400" cy="4592028"/>
-        </p:xfrm>
-        <a:graphic>
-          <a:graphicData uri="http://schemas.openxmlformats.org/drawingml/2006/table">
-            <a:tbl>
-              <a:tblPr firstRow="1" bandRow="1">
-                <a:tableStyleId>{B301B821-A1FF-4177-AEE7-76D212191A09}</a:tableStyleId>
-              </a:tblPr>
-              <a:tblGrid>
-                <a:gridCol w="3352800">
-                  <a:extLst>
-                    <a:ext uri="{9D8B030D-6E8A-4147-A177-3AD203B41FA5}">
-                      <a16:colId xmlns:a16="http://schemas.microsoft.com/office/drawing/2014/main" val="3628234326"/>
-                    </a:ext>
-                  </a:extLst>
-                </a:gridCol>
-                <a:gridCol w="3352800">
-                  <a:extLst>
-                    <a:ext uri="{9D8B030D-6E8A-4147-A177-3AD203B41FA5}">
-                      <a16:colId xmlns:a16="http://schemas.microsoft.com/office/drawing/2014/main" val="1083199451"/>
-                    </a:ext>
-                  </a:extLst>
-                </a:gridCol>
-                <a:gridCol w="3352800">
-                  <a:extLst>
-                    <a:ext uri="{9D8B030D-6E8A-4147-A177-3AD203B41FA5}">
-                      <a16:colId xmlns:a16="http://schemas.microsoft.com/office/drawing/2014/main" val="1334118722"/>
-                    </a:ext>
-                  </a:extLst>
-                </a:gridCol>
-              </a:tblGrid>
-              <a:tr h="1118151">
-                <a:tc>
-                  <a:txBody>
-                    <a:bodyPr/>
-                    <a:lstStyle/>
-                    <a:p>
-                      <a:pPr algn="ctr"/>
-                      <a:r>
-                        <a:rPr lang="en-US" sz="2400" cap="all" spc="150" dirty="0"/>
-                        <a:t>LORAWAN Micro GPS </a:t>
-                      </a:r>
-                      <a:endParaRPr lang="en-US" sz="2400" b="0" cap="all" spc="150" dirty="0">
-                        <a:solidFill>
-                          <a:schemeClr val="lt1"/>
-                        </a:solidFill>
-                      </a:endParaRPr>
-                    </a:p>
-                  </a:txBody>
-                  <a:tcPr marL="224212" marR="224212" marT="224212" marB="224212" anchor="ctr">
-                    <a:solidFill>
-                      <a:schemeClr val="tx1"/>
-                    </a:solidFill>
-                  </a:tcPr>
-                </a:tc>
-                <a:tc>
-                  <a:txBody>
-                    <a:bodyPr/>
-                    <a:lstStyle/>
-                    <a:p>
-                      <a:pPr marL="0" marR="0" lvl="0" indent="0" algn="ctr" defTabSz="914400" rtl="0" eaLnBrk="1" fontAlgn="auto" latinLnBrk="0" hangingPunct="1">
-                        <a:lnSpc>
-                          <a:spcPct val="100000"/>
-                        </a:lnSpc>
-                        <a:spcBef>
-                          <a:spcPts val="0"/>
-                        </a:spcBef>
-                        <a:spcAft>
-                          <a:spcPts val="0"/>
-                        </a:spcAft>
-                        <a:buClrTx/>
-                        <a:buSzTx/>
-                        <a:buFontTx/>
-                        <a:buNone/>
-                        <a:tabLst/>
-                        <a:defRPr/>
-                      </a:pPr>
-                      <a:r>
-                        <a:rPr lang="en-US" sz="2400" b="1" cap="all" spc="150" dirty="0">
-                          <a:solidFill>
-                            <a:schemeClr val="lt1"/>
-                          </a:solidFill>
-                        </a:rPr>
-                        <a:t>SENSONEO ultrasonic</a:t>
-                      </a:r>
-                      <a:endParaRPr lang="en-US" sz="2400" b="0" cap="all" spc="150" dirty="0">
-                        <a:solidFill>
-                          <a:schemeClr val="lt1"/>
-                        </a:solidFill>
-                      </a:endParaRPr>
-                    </a:p>
-                  </a:txBody>
-                  <a:tcPr marL="224212" marR="224212" marT="224212" marB="224212" anchor="ctr">
-                    <a:solidFill>
-                      <a:schemeClr val="tx1"/>
-                    </a:solidFill>
-                  </a:tcPr>
-                </a:tc>
-                <a:tc>
-                  <a:txBody>
-                    <a:bodyPr/>
-                    <a:lstStyle/>
-                    <a:p>
-                      <a:pPr marL="0" marR="0" lvl="0" indent="0" algn="ctr" defTabSz="914400" rtl="0" eaLnBrk="1" fontAlgn="auto" latinLnBrk="0" hangingPunct="1">
-                        <a:lnSpc>
-                          <a:spcPct val="100000"/>
-                        </a:lnSpc>
-                        <a:spcBef>
-                          <a:spcPts val="0"/>
-                        </a:spcBef>
-                        <a:spcAft>
-                          <a:spcPts val="0"/>
-                        </a:spcAft>
-                        <a:buClrTx/>
-                        <a:buSzTx/>
-                        <a:buFontTx/>
-                        <a:buNone/>
-                        <a:tabLst/>
-                        <a:defRPr/>
-                      </a:pPr>
-                      <a:r>
-                        <a:rPr lang="en-US" sz="2400" cap="all" spc="150" dirty="0"/>
-                        <a:t>ENVITUS AIR QUALITY</a:t>
-                      </a:r>
-                      <a:endParaRPr lang="en-US" sz="2400" b="0" cap="all" spc="150" dirty="0">
-                        <a:solidFill>
-                          <a:schemeClr val="lt1"/>
-                        </a:solidFill>
-                      </a:endParaRPr>
-                    </a:p>
-                  </a:txBody>
-                  <a:tcPr marL="224212" marR="224212" marT="224212" marB="224212" anchor="ctr">
-                    <a:solidFill>
-                      <a:schemeClr val="tx1"/>
-                    </a:solidFill>
-                  </a:tcPr>
-                </a:tc>
-                <a:extLst>
-                  <a:ext uri="{0D108BD9-81ED-4DB2-BD59-A6C34878D82A}">
-                    <a16:rowId xmlns:a16="http://schemas.microsoft.com/office/drawing/2014/main" val="4160608299"/>
-                  </a:ext>
-                </a:extLst>
-              </a:tr>
-              <a:tr h="1024630">
-                <a:tc>
-                  <a:txBody>
-                    <a:bodyPr/>
-                    <a:lstStyle/>
-                    <a:p>
-                      <a:pPr marL="0" marR="0" lvl="0" indent="0" algn="ctr" defTabSz="914400" rtl="0" eaLnBrk="1" fontAlgn="auto" latinLnBrk="0" hangingPunct="1">
-                        <a:lnSpc>
-                          <a:spcPct val="100000"/>
-                        </a:lnSpc>
-                        <a:spcBef>
-                          <a:spcPts val="0"/>
-                        </a:spcBef>
-                        <a:spcAft>
-                          <a:spcPts val="0"/>
-                        </a:spcAft>
-                        <a:buClrTx/>
-                        <a:buSzTx/>
-                        <a:buFontTx/>
-                        <a:buNone/>
-                        <a:tabLst/>
-                        <a:defRPr/>
-                      </a:pPr>
-                      <a:r>
-                        <a:rPr lang="en-US" sz="2000" b="0" cap="none" spc="0" dirty="0">
-                          <a:solidFill>
-                            <a:schemeClr val="tx1"/>
-                          </a:solidFill>
-                        </a:rPr>
-                        <a:t>Battery (3 years)</a:t>
-                      </a:r>
-                    </a:p>
-                  </a:txBody>
-                  <a:tcPr marL="224212" marR="224212" marT="224212" marB="224212" anchor="ctr">
-                    <a:solidFill>
-                      <a:srgbClr val="F6F9FF"/>
-                    </a:solidFill>
-                  </a:tcPr>
-                </a:tc>
-                <a:tc>
-                  <a:txBody>
-                    <a:bodyPr/>
-                    <a:lstStyle/>
-                    <a:p>
-                      <a:pPr marL="0" marR="0" lvl="0" indent="0" algn="ctr" defTabSz="914400" rtl="0" eaLnBrk="1" fontAlgn="auto" latinLnBrk="0" hangingPunct="1">
-                        <a:lnSpc>
-                          <a:spcPct val="100000"/>
-                        </a:lnSpc>
-                        <a:spcBef>
-                          <a:spcPts val="0"/>
-                        </a:spcBef>
-                        <a:spcAft>
-                          <a:spcPts val="0"/>
-                        </a:spcAft>
-                        <a:buClrTx/>
-                        <a:buSzTx/>
-                        <a:buFontTx/>
-                        <a:buNone/>
-                        <a:tabLst/>
-                        <a:defRPr/>
-                      </a:pPr>
-                      <a:r>
-                        <a:rPr lang="en-US" sz="2000" cap="none" spc="0" dirty="0"/>
-                        <a:t> 3-170 cm</a:t>
-                      </a:r>
-                      <a:endParaRPr lang="en-US" sz="2000" b="0" cap="none" spc="0" dirty="0">
-                        <a:solidFill>
-                          <a:schemeClr val="tx1"/>
-                        </a:solidFill>
-                      </a:endParaRPr>
-                    </a:p>
-                  </a:txBody>
-                  <a:tcPr marL="224212" marR="224212" marT="224212" marB="224212" anchor="ctr">
-                    <a:solidFill>
-                      <a:srgbClr val="F6F9FF"/>
-                    </a:solidFill>
-                  </a:tcPr>
-                </a:tc>
-                <a:tc>
-                  <a:txBody>
-                    <a:bodyPr/>
-                    <a:lstStyle/>
-                    <a:p>
-                      <a:pPr marL="0" marR="0" lvl="0" indent="0" algn="ctr" defTabSz="914400" rtl="0" eaLnBrk="1" fontAlgn="auto" latinLnBrk="0" hangingPunct="1">
-                        <a:lnSpc>
-                          <a:spcPct val="100000"/>
-                        </a:lnSpc>
-                        <a:spcBef>
-                          <a:spcPts val="0"/>
-                        </a:spcBef>
-                        <a:spcAft>
-                          <a:spcPts val="0"/>
-                        </a:spcAft>
-                        <a:buClrTx/>
-                        <a:buSzTx/>
-                        <a:buFontTx/>
-                        <a:buNone/>
-                        <a:tabLst/>
-                        <a:defRPr/>
-                      </a:pPr>
-                      <a:r>
-                        <a:rPr lang="en-US" sz="2000" b="0" cap="none" spc="0" dirty="0">
-                          <a:solidFill>
-                            <a:schemeClr val="tx1"/>
-                          </a:solidFill>
-                        </a:rPr>
-                        <a:t>O3,CO,SO2</a:t>
-                      </a:r>
-                    </a:p>
-                  </a:txBody>
-                  <a:tcPr marL="224212" marR="224212" marT="224212" marB="224212" anchor="ctr">
-                    <a:solidFill>
-                      <a:srgbClr val="F6F9FF"/>
-                    </a:solidFill>
-                  </a:tcPr>
-                </a:tc>
-                <a:extLst>
-                  <a:ext uri="{0D108BD9-81ED-4DB2-BD59-A6C34878D82A}">
-                    <a16:rowId xmlns:a16="http://schemas.microsoft.com/office/drawing/2014/main" val="3947518332"/>
-                  </a:ext>
-                </a:extLst>
-              </a:tr>
-              <a:tr h="1024630">
-                <a:tc>
-                  <a:txBody>
-                    <a:bodyPr/>
-                    <a:lstStyle/>
-                    <a:p>
-                      <a:pPr lvl="1"/>
-                      <a:r>
-                        <a:rPr lang="en-US" dirty="0"/>
-                        <a:t>15 km range</a:t>
-                      </a:r>
-                    </a:p>
-                  </a:txBody>
-                  <a:tcPr marL="224212" marR="224212" marT="224212" marB="224212" anchor="ctr">
-                    <a:solidFill>
-                      <a:srgbClr val="EDEFF7"/>
-                    </a:solidFill>
-                  </a:tcPr>
-                </a:tc>
-                <a:tc>
-                  <a:txBody>
-                    <a:bodyPr/>
-                    <a:lstStyle/>
-                    <a:p>
-                      <a:pPr lvl="1"/>
-                      <a:r>
-                        <a:rPr lang="en-US" dirty="0"/>
-                        <a:t>Temp. Measurement</a:t>
-                      </a:r>
-                    </a:p>
-                  </a:txBody>
-                  <a:tcPr marL="224212" marR="224212" marT="224212" marB="224212" anchor="ctr">
-                    <a:solidFill>
-                      <a:srgbClr val="EDEFF7"/>
-                    </a:solidFill>
-                  </a:tcPr>
-                </a:tc>
-                <a:tc>
-                  <a:txBody>
-                    <a:bodyPr/>
-                    <a:lstStyle/>
-                    <a:p>
-                      <a:pPr marL="0" marR="0" lvl="0" indent="0" algn="ctr" defTabSz="914400" rtl="0" eaLnBrk="1" fontAlgn="auto" latinLnBrk="0" hangingPunct="1">
-                        <a:lnSpc>
-                          <a:spcPct val="100000"/>
-                        </a:lnSpc>
-                        <a:spcBef>
-                          <a:spcPts val="0"/>
-                        </a:spcBef>
-                        <a:spcAft>
-                          <a:spcPts val="0"/>
-                        </a:spcAft>
-                        <a:buClrTx/>
-                        <a:buSzTx/>
-                        <a:buFontTx/>
-                        <a:buNone/>
-                        <a:tabLst/>
-                        <a:defRPr/>
-                      </a:pPr>
-                      <a:r>
-                        <a:rPr lang="en-US" sz="2000" b="0" cap="none" spc="0" dirty="0">
-                          <a:solidFill>
-                            <a:schemeClr val="tx1"/>
-                          </a:solidFill>
-                        </a:rPr>
-                        <a:t>NO2</a:t>
-                      </a:r>
-                    </a:p>
-                  </a:txBody>
-                  <a:tcPr marL="224212" marR="224212" marT="224212" marB="224212" anchor="ctr">
-                    <a:solidFill>
-                      <a:srgbClr val="EDEFF7"/>
-                    </a:solidFill>
-                  </a:tcPr>
-                </a:tc>
-                <a:extLst>
-                  <a:ext uri="{0D108BD9-81ED-4DB2-BD59-A6C34878D82A}">
-                    <a16:rowId xmlns:a16="http://schemas.microsoft.com/office/drawing/2014/main" val="1445241155"/>
-                  </a:ext>
-                </a:extLst>
-              </a:tr>
-              <a:tr h="1291454">
-                <a:tc>
-                  <a:txBody>
-                    <a:bodyPr/>
-                    <a:lstStyle/>
-                    <a:p>
-                      <a:pPr lvl="1"/>
-                      <a:r>
-                        <a:rPr lang="en-US" dirty="0"/>
-                        <a:t>WIFI triangulation</a:t>
-                      </a:r>
-                    </a:p>
-                  </a:txBody>
-                  <a:tcPr marL="224212" marR="224212" marT="224212" marB="224212" anchor="ctr">
-                    <a:solidFill>
-                      <a:srgbClr val="EDEFF7"/>
-                    </a:solidFill>
-                  </a:tcPr>
-                </a:tc>
-                <a:tc>
-                  <a:txBody>
-                    <a:bodyPr/>
-                    <a:lstStyle/>
-                    <a:p>
-                      <a:pPr marL="0" marR="0" lvl="0" indent="0" algn="ctr" defTabSz="914400" rtl="0" eaLnBrk="1" fontAlgn="auto" latinLnBrk="0" hangingPunct="1">
-                        <a:lnSpc>
-                          <a:spcPct val="100000"/>
-                        </a:lnSpc>
-                        <a:spcBef>
-                          <a:spcPts val="0"/>
-                        </a:spcBef>
-                        <a:spcAft>
-                          <a:spcPts val="0"/>
-                        </a:spcAft>
-                        <a:buClrTx/>
-                        <a:buSzTx/>
-                        <a:buFontTx/>
-                        <a:buNone/>
-                        <a:tabLst/>
-                        <a:defRPr/>
-                      </a:pPr>
-                      <a:r>
-                        <a:rPr lang="en-US" sz="2000" dirty="0"/>
-                        <a:t>Integrated accelerometer</a:t>
-                      </a:r>
-                      <a:r>
-                        <a:rPr lang="en-US" sz="2000" dirty="0">
-                          <a:sym typeface="Wingdings" panose="05000000000000000000" pitchFamily="2" charset="2"/>
-                        </a:rPr>
-                        <a:t> </a:t>
-                      </a:r>
-                    </a:p>
-                    <a:p>
-                      <a:pPr marL="0" marR="0" lvl="0" indent="0" algn="ctr" defTabSz="914400" rtl="0" eaLnBrk="1" fontAlgn="auto" latinLnBrk="0" hangingPunct="1">
-                        <a:lnSpc>
-                          <a:spcPct val="100000"/>
-                        </a:lnSpc>
-                        <a:spcBef>
-                          <a:spcPts val="0"/>
-                        </a:spcBef>
-                        <a:spcAft>
-                          <a:spcPts val="0"/>
-                        </a:spcAft>
-                        <a:buClrTx/>
-                        <a:buSzTx/>
-                        <a:buFontTx/>
-                        <a:buNone/>
-                        <a:tabLst/>
-                        <a:defRPr/>
-                      </a:pPr>
-                      <a:endParaRPr lang="en-US" sz="2000" b="0" cap="none" spc="0" dirty="0">
-                        <a:solidFill>
-                          <a:schemeClr val="tx1"/>
-                        </a:solidFill>
-                      </a:endParaRPr>
-                    </a:p>
-                  </a:txBody>
-                  <a:tcPr marL="224212" marR="224212" marT="224212" marB="224212" anchor="ctr">
-                    <a:solidFill>
-                      <a:srgbClr val="EDEFF7"/>
-                    </a:solidFill>
-                  </a:tcPr>
-                </a:tc>
-                <a:tc>
-                  <a:txBody>
-                    <a:bodyPr/>
-                    <a:lstStyle/>
-                    <a:p>
-                      <a:pPr marL="0" marR="0" lvl="0" indent="0" algn="ctr" defTabSz="914400" rtl="0" eaLnBrk="1" fontAlgn="auto" latinLnBrk="0" hangingPunct="1">
-                        <a:lnSpc>
-                          <a:spcPct val="100000"/>
-                        </a:lnSpc>
-                        <a:spcBef>
-                          <a:spcPts val="0"/>
-                        </a:spcBef>
-                        <a:spcAft>
-                          <a:spcPts val="0"/>
-                        </a:spcAft>
-                        <a:buClrTx/>
-                        <a:buSzTx/>
-                        <a:buFontTx/>
-                        <a:buNone/>
-                        <a:tabLst/>
-                        <a:defRPr/>
-                      </a:pPr>
-                      <a:r>
-                        <a:rPr lang="en-US" sz="2000" b="0" cap="none" spc="0">
-                          <a:solidFill>
-                            <a:schemeClr val="tx1"/>
-                          </a:solidFill>
-                        </a:rPr>
-                        <a:t>Temperature</a:t>
-                      </a:r>
-                      <a:endParaRPr lang="en-US" sz="2000" b="0" cap="none" spc="0" dirty="0">
-                        <a:solidFill>
-                          <a:schemeClr val="tx1"/>
-                        </a:solidFill>
-                      </a:endParaRPr>
-                    </a:p>
-                  </a:txBody>
-                  <a:tcPr marL="224212" marR="224212" marT="224212" marB="224212" anchor="ctr">
-                    <a:solidFill>
-                      <a:srgbClr val="EDEFF7"/>
-                    </a:solidFill>
-                  </a:tcPr>
-                </a:tc>
-                <a:extLst>
-                  <a:ext uri="{0D108BD9-81ED-4DB2-BD59-A6C34878D82A}">
-                    <a16:rowId xmlns:a16="http://schemas.microsoft.com/office/drawing/2014/main" val="1862785546"/>
-                  </a:ext>
-                </a:extLst>
-              </a:tr>
-            </a:tbl>
-          </a:graphicData>
-        </a:graphic>
-      </p:graphicFrame>
-      <p:sp>
-        <p:nvSpPr>
-          <p:cNvPr id="16" name="Title 15">
-            <a:extLst>
-              <a:ext uri="{FF2B5EF4-FFF2-40B4-BE49-F238E27FC236}">
-                <a16:creationId xmlns:a16="http://schemas.microsoft.com/office/drawing/2014/main" id="{09E9EE2C-A105-614C-A133-EF7DF2AD004A}"/>
-              </a:ext>
-            </a:extLst>
-          </p:cNvPr>
-          <p:cNvSpPr>
-            <a:spLocks noGrp="1"/>
-          </p:cNvSpPr>
-          <p:nvPr>
-            <p:ph type="title"/>
-          </p:nvPr>
-        </p:nvSpPr>
-        <p:spPr/>
-        <p:txBody>
-          <a:bodyPr>
-            <a:normAutofit/>
-          </a:bodyPr>
-          <a:lstStyle/>
-          <a:p>
-            <a:r>
-              <a:rPr lang="en-US" dirty="0" err="1"/>
-              <a:t>sEnsors</a:t>
-            </a:r>
-            <a:r>
-              <a:rPr lang="en-US" dirty="0"/>
-              <a:t> used</a:t>
-            </a:r>
-          </a:p>
-        </p:txBody>
-      </p:sp>
-    </p:spTree>
-    <p:extLst>
-      <p:ext uri="{BB962C8B-B14F-4D97-AF65-F5344CB8AC3E}">
-        <p14:creationId xmlns:p14="http://schemas.microsoft.com/office/powerpoint/2010/main" val="364536469"/>
-      </p:ext>
-    </p:extLst>
-  </p:cSld>
-  <p:clrMapOvr>
-    <a:masterClrMapping/>
-  </p:clrMapOvr>
-</p:sld>
-</file>
-
-<file path=ppt/slides/slide9.xml><?xml version="1.0" encoding="utf-8"?>
-<p:sld xmlns:a="http://schemas.openxmlformats.org/drawingml/2006/main" xmlns:r="http://schemas.openxmlformats.org/officeDocument/2006/relationships" xmlns:p="http://schemas.openxmlformats.org/presentationml/2006/main">
-  <p:cSld>
-    <p:bg>
-      <p:bgPr>
-        <a:solidFill>
-          <a:srgbClr val="EDEFF7"/>
-        </a:solidFill>
-        <a:effectLst/>
-      </p:bgPr>
-    </p:bg>
-    <p:spTree>
-      <p:nvGrpSpPr>
-        <p:cNvPr id="1" name=""/>
-        <p:cNvGrpSpPr/>
-        <p:nvPr/>
-      </p:nvGrpSpPr>
-      <p:grpSpPr>
-        <a:xfrm>
-          <a:off x="0" y="0"/>
-          <a:ext cx="0" cy="0"/>
-          <a:chOff x="0" y="0"/>
-          <a:chExt cx="0" cy="0"/>
-        </a:xfrm>
-      </p:grpSpPr>
-      <p:sp>
-        <p:nvSpPr>
-          <p:cNvPr id="19" name="Title 18">
-            <a:extLst>
-              <a:ext uri="{FF2B5EF4-FFF2-40B4-BE49-F238E27FC236}">
-                <a16:creationId xmlns:a16="http://schemas.microsoft.com/office/drawing/2014/main" id="{55BA9AC8-EA60-644D-9DDA-B76203EA1E87}"/>
-              </a:ext>
-            </a:extLst>
-          </p:cNvPr>
-          <p:cNvSpPr>
-            <a:spLocks noGrp="1"/>
-          </p:cNvSpPr>
-          <p:nvPr>
-            <p:ph type="title"/>
-          </p:nvPr>
-        </p:nvSpPr>
-        <p:spPr/>
-        <p:txBody>
-          <a:bodyPr/>
-          <a:lstStyle/>
-          <a:p>
-            <a:r>
-              <a:rPr lang="en-US" dirty="0">
-                <a:solidFill>
-                  <a:schemeClr val="tx1"/>
-                </a:solidFill>
-              </a:rPr>
-              <a:t>OUTLINE</a:t>
-            </a:r>
-          </a:p>
-        </p:txBody>
-      </p:sp>
-      <p:sp>
-        <p:nvSpPr>
-          <p:cNvPr id="17" name="Content Placeholder 16">
-            <a:extLst>
-              <a:ext uri="{FF2B5EF4-FFF2-40B4-BE49-F238E27FC236}">
-                <a16:creationId xmlns:a16="http://schemas.microsoft.com/office/drawing/2014/main" id="{8E7591AD-81F4-2E45-AE36-F4DA40C19031}"/>
-              </a:ext>
-            </a:extLst>
-          </p:cNvPr>
-          <p:cNvSpPr>
-            <a:spLocks noGrp="1"/>
-          </p:cNvSpPr>
-          <p:nvPr>
-            <p:ph sz="half" idx="2"/>
-          </p:nvPr>
-        </p:nvSpPr>
-        <p:spPr/>
-        <p:txBody>
-          <a:bodyPr/>
-          <a:lstStyle/>
-          <a:p>
-            <a:r>
-              <a:rPr lang="en-US" dirty="0"/>
-              <a:t>Something</a:t>
-            </a:r>
-          </a:p>
-          <a:p>
-            <a:r>
-              <a:rPr lang="en-US" dirty="0"/>
-              <a:t>Goes</a:t>
-            </a:r>
-          </a:p>
-          <a:p>
-            <a:r>
-              <a:rPr lang="en-US" dirty="0"/>
-              <a:t>Here</a:t>
-            </a:r>
-          </a:p>
-          <a:p>
-            <a:r>
-              <a:rPr lang="en-US" dirty="0"/>
-              <a:t>As</a:t>
-            </a:r>
-          </a:p>
-          <a:p>
-            <a:r>
-              <a:rPr lang="en-US" dirty="0"/>
-              <a:t>Index</a:t>
-            </a:r>
-          </a:p>
-        </p:txBody>
-      </p:sp>
-    </p:spTree>
-    <p:extLst>
-      <p:ext uri="{BB962C8B-B14F-4D97-AF65-F5344CB8AC3E}">
-        <p14:creationId xmlns:p14="http://schemas.microsoft.com/office/powerpoint/2010/main" val="2276898735"/>
       </p:ext>
     </p:extLst>
   </p:cSld>
@@ -30885,6 +37608,15 @@
 </file>
 
 <file path=customXml/item1.xml><?xml version="1.0" encoding="utf-8"?>
+<p:properties xmlns:p="http://schemas.microsoft.com/office/2006/metadata/properties" xmlns:xsi="http://www.w3.org/2001/XMLSchema-instance" xmlns:pc="http://schemas.microsoft.com/office/infopath/2007/PartnerControls">
+  <documentManagement>
+    <Status xmlns="71af3243-3dd4-4a8d-8c0d-dd76da1f02a5">Not started</Status>
+    <MediaServiceKeyPoints xmlns="71af3243-3dd4-4a8d-8c0d-dd76da1f02a5" xsi:nil="true"/>
+  </documentManagement>
+</p:properties>
+</file>
+
+<file path=customXml/item2.xml><?xml version="1.0" encoding="utf-8"?>
 <ct:contentTypeSchema xmlns:ct="http://schemas.microsoft.com/office/2006/metadata/contentType" xmlns:ma="http://schemas.microsoft.com/office/2006/metadata/properties/metaAttributes" ct:_="" ma:_="" ma:contentTypeName="Document" ma:contentTypeID="0x01010079F111ED35F8CC479449609E8A0923A6" ma:contentTypeVersion="12" ma:contentTypeDescription="Create a new document." ma:contentTypeScope="" ma:versionID="fa6e671f1cd7e4d96ff9652be322dd5e">
   <xsd:schema xmlns:xsd="http://www.w3.org/2001/XMLSchema" xmlns:xs="http://www.w3.org/2001/XMLSchema" xmlns:p="http://schemas.microsoft.com/office/2006/metadata/properties" xmlns:ns2="71af3243-3dd4-4a8d-8c0d-dd76da1f02a5" xmlns:ns3="16c05727-aa75-4e4a-9b5f-8a80a1165891" targetNamespace="http://schemas.microsoft.com/office/2006/metadata/properties" ma:root="true" ma:fieldsID="4e2496f70b101db0b8013f30a071bbf7" ns2:_="" ns3:_="">
     <xsd:import namespace="71af3243-3dd4-4a8d-8c0d-dd76da1f02a5"/>
@@ -31105,15 +37837,6 @@
 </ct:contentTypeSchema>
 </file>
 
-<file path=customXml/item2.xml><?xml version="1.0" encoding="utf-8"?>
-<p:properties xmlns:p="http://schemas.microsoft.com/office/2006/metadata/properties" xmlns:xsi="http://www.w3.org/2001/XMLSchema-instance" xmlns:pc="http://schemas.microsoft.com/office/infopath/2007/PartnerControls">
-  <documentManagement>
-    <Status xmlns="71af3243-3dd4-4a8d-8c0d-dd76da1f02a5">Not started</Status>
-    <MediaServiceKeyPoints xmlns="71af3243-3dd4-4a8d-8c0d-dd76da1f02a5" xsi:nil="true"/>
-  </documentManagement>
-</p:properties>
-</file>
-
 <file path=customXml/item3.xml><?xml version="1.0" encoding="utf-8"?>
 <?mso-contentType ?>
 <FormTemplates xmlns="http://schemas.microsoft.com/sharepoint/v3/contenttype/forms">
@@ -31124,6 +37847,16 @@
 </file>
 
 <file path=customXml/itemProps1.xml><?xml version="1.0" encoding="utf-8"?>
+<ds:datastoreItem xmlns:ds="http://schemas.openxmlformats.org/officeDocument/2006/customXml" ds:itemID="{44FAF7B5-E40C-46BE-9C83-DA251FCAE61E}">
+  <ds:schemaRefs>
+    <ds:schemaRef ds:uri="http://schemas.microsoft.com/office/2006/metadata/properties"/>
+    <ds:schemaRef ds:uri="http://schemas.microsoft.com/office/infopath/2007/PartnerControls"/>
+    <ds:schemaRef ds:uri="71af3243-3dd4-4a8d-8c0d-dd76da1f02a5"/>
+  </ds:schemaRefs>
+</ds:datastoreItem>
+</file>
+
+<file path=customXml/itemProps2.xml><?xml version="1.0" encoding="utf-8"?>
 <ds:datastoreItem xmlns:ds="http://schemas.openxmlformats.org/officeDocument/2006/customXml" ds:itemID="{E0A43D08-F4F9-4D95-9CB2-7DE374416074}">
   <ds:schemaRefs>
     <ds:schemaRef ds:uri="http://schemas.microsoft.com/office/2006/metadata/contentType"/>
@@ -31142,16 +37875,6 @@
 </ds:datastoreItem>
 </file>
 
-<file path=customXml/itemProps2.xml><?xml version="1.0" encoding="utf-8"?>
-<ds:datastoreItem xmlns:ds="http://schemas.openxmlformats.org/officeDocument/2006/customXml" ds:itemID="{44FAF7B5-E40C-46BE-9C83-DA251FCAE61E}">
-  <ds:schemaRefs>
-    <ds:schemaRef ds:uri="http://schemas.microsoft.com/office/2006/metadata/properties"/>
-    <ds:schemaRef ds:uri="http://schemas.microsoft.com/office/infopath/2007/PartnerControls"/>
-    <ds:schemaRef ds:uri="71af3243-3dd4-4a8d-8c0d-dd76da1f02a5"/>
-  </ds:schemaRefs>
-</ds:datastoreItem>
-</file>
-
 <file path=customXml/itemProps3.xml><?xml version="1.0" encoding="utf-8"?>
 <ds:datastoreItem xmlns:ds="http://schemas.openxmlformats.org/officeDocument/2006/customXml" ds:itemID="{5029FA76-0C86-4BF1-99F1-A3115FBFFAB0}">
   <ds:schemaRefs>
